--- a/Nexus Energy Distributed Service.pptx
+++ b/Nexus Energy Distributed Service.pptx
@@ -3492,7 +3492,7 @@
               <a:t>Telegram</a:t>
             </a:r>
             <a:r>
-              <a:t> via Logstash per anomalie energetiche (&gt;20%) e criticità infrastrutturali.</a:t>
+              <a:t> via Logstash per anomalie energetiche e criticità infrastrutturali.</a:t>
             </a:r>
           </a:p>
         </p:txBody>

--- a/Nexus Energy Distributed Service.pptx
+++ b/Nexus Energy Distributed Service.pptx
@@ -72,13 +72,13 @@
         </a:solidFill>
         <a:effectLst/>
         <a:uFillTx/>
-        <a:latin typeface="+mj-lt"/>
-        <a:ea typeface="+mj-ea"/>
-        <a:cs typeface="+mj-cs"/>
-        <a:sym typeface="Calibri"/>
+        <a:latin typeface="+mn-lt"/>
+        <a:ea typeface="+mn-ea"/>
+        <a:cs typeface="+mn-cs"/>
+        <a:sym typeface="Helvetica"/>
       </a:defRPr>
     </a:lvl1pPr>
-    <a:lvl2pPr marL="0" marR="0" indent="457200" algn="l" defTabSz="914400" rtl="0" fontAlgn="auto" latinLnBrk="0" hangingPunct="0">
+    <a:lvl2pPr marL="0" marR="0" indent="0" algn="l" defTabSz="914400" rtl="0" fontAlgn="auto" latinLnBrk="0" hangingPunct="0">
       <a:lnSpc>
         <a:spcPct val="100000"/>
       </a:lnSpc>
@@ -102,13 +102,13 @@
         </a:solidFill>
         <a:effectLst/>
         <a:uFillTx/>
-        <a:latin typeface="+mj-lt"/>
-        <a:ea typeface="+mj-ea"/>
-        <a:cs typeface="+mj-cs"/>
-        <a:sym typeface="Calibri"/>
+        <a:latin typeface="+mn-lt"/>
+        <a:ea typeface="+mn-ea"/>
+        <a:cs typeface="+mn-cs"/>
+        <a:sym typeface="Helvetica"/>
       </a:defRPr>
     </a:lvl2pPr>
-    <a:lvl3pPr marL="0" marR="0" indent="914400" algn="l" defTabSz="914400" rtl="0" fontAlgn="auto" latinLnBrk="0" hangingPunct="0">
+    <a:lvl3pPr marL="0" marR="0" indent="0" algn="l" defTabSz="914400" rtl="0" fontAlgn="auto" latinLnBrk="0" hangingPunct="0">
       <a:lnSpc>
         <a:spcPct val="100000"/>
       </a:lnSpc>
@@ -132,13 +132,13 @@
         </a:solidFill>
         <a:effectLst/>
         <a:uFillTx/>
-        <a:latin typeface="+mj-lt"/>
-        <a:ea typeface="+mj-ea"/>
-        <a:cs typeface="+mj-cs"/>
-        <a:sym typeface="Calibri"/>
+        <a:latin typeface="+mn-lt"/>
+        <a:ea typeface="+mn-ea"/>
+        <a:cs typeface="+mn-cs"/>
+        <a:sym typeface="Helvetica"/>
       </a:defRPr>
     </a:lvl3pPr>
-    <a:lvl4pPr marL="0" marR="0" indent="1371600" algn="l" defTabSz="914400" rtl="0" fontAlgn="auto" latinLnBrk="0" hangingPunct="0">
+    <a:lvl4pPr marL="0" marR="0" indent="0" algn="l" defTabSz="914400" rtl="0" fontAlgn="auto" latinLnBrk="0" hangingPunct="0">
       <a:lnSpc>
         <a:spcPct val="100000"/>
       </a:lnSpc>
@@ -162,13 +162,13 @@
         </a:solidFill>
         <a:effectLst/>
         <a:uFillTx/>
-        <a:latin typeface="+mj-lt"/>
-        <a:ea typeface="+mj-ea"/>
-        <a:cs typeface="+mj-cs"/>
-        <a:sym typeface="Calibri"/>
+        <a:latin typeface="+mn-lt"/>
+        <a:ea typeface="+mn-ea"/>
+        <a:cs typeface="+mn-cs"/>
+        <a:sym typeface="Helvetica"/>
       </a:defRPr>
     </a:lvl4pPr>
-    <a:lvl5pPr marL="0" marR="0" indent="1828800" algn="l" defTabSz="914400" rtl="0" fontAlgn="auto" latinLnBrk="0" hangingPunct="0">
+    <a:lvl5pPr marL="0" marR="0" indent="0" algn="l" defTabSz="914400" rtl="0" fontAlgn="auto" latinLnBrk="0" hangingPunct="0">
       <a:lnSpc>
         <a:spcPct val="100000"/>
       </a:lnSpc>
@@ -192,13 +192,13 @@
         </a:solidFill>
         <a:effectLst/>
         <a:uFillTx/>
-        <a:latin typeface="+mj-lt"/>
-        <a:ea typeface="+mj-ea"/>
-        <a:cs typeface="+mj-cs"/>
-        <a:sym typeface="Calibri"/>
+        <a:latin typeface="+mn-lt"/>
+        <a:ea typeface="+mn-ea"/>
+        <a:cs typeface="+mn-cs"/>
+        <a:sym typeface="Helvetica"/>
       </a:defRPr>
     </a:lvl5pPr>
-    <a:lvl6pPr marL="0" marR="0" indent="2286000" algn="l" defTabSz="914400" rtl="0" fontAlgn="auto" latinLnBrk="0" hangingPunct="0">
+    <a:lvl6pPr marL="0" marR="0" indent="0" algn="l" defTabSz="914400" rtl="0" fontAlgn="auto" latinLnBrk="0" hangingPunct="0">
       <a:lnSpc>
         <a:spcPct val="100000"/>
       </a:lnSpc>
@@ -222,13 +222,13 @@
         </a:solidFill>
         <a:effectLst/>
         <a:uFillTx/>
-        <a:latin typeface="+mj-lt"/>
-        <a:ea typeface="+mj-ea"/>
-        <a:cs typeface="+mj-cs"/>
-        <a:sym typeface="Calibri"/>
+        <a:latin typeface="+mn-lt"/>
+        <a:ea typeface="+mn-ea"/>
+        <a:cs typeface="+mn-cs"/>
+        <a:sym typeface="Helvetica"/>
       </a:defRPr>
     </a:lvl6pPr>
-    <a:lvl7pPr marL="0" marR="0" indent="2743200" algn="l" defTabSz="914400" rtl="0" fontAlgn="auto" latinLnBrk="0" hangingPunct="0">
+    <a:lvl7pPr marL="0" marR="0" indent="0" algn="l" defTabSz="914400" rtl="0" fontAlgn="auto" latinLnBrk="0" hangingPunct="0">
       <a:lnSpc>
         <a:spcPct val="100000"/>
       </a:lnSpc>
@@ -252,13 +252,13 @@
         </a:solidFill>
         <a:effectLst/>
         <a:uFillTx/>
-        <a:latin typeface="+mj-lt"/>
-        <a:ea typeface="+mj-ea"/>
-        <a:cs typeface="+mj-cs"/>
-        <a:sym typeface="Calibri"/>
+        <a:latin typeface="+mn-lt"/>
+        <a:ea typeface="+mn-ea"/>
+        <a:cs typeface="+mn-cs"/>
+        <a:sym typeface="Helvetica"/>
       </a:defRPr>
     </a:lvl7pPr>
-    <a:lvl8pPr marL="0" marR="0" indent="3200400" algn="l" defTabSz="914400" rtl="0" fontAlgn="auto" latinLnBrk="0" hangingPunct="0">
+    <a:lvl8pPr marL="0" marR="0" indent="0" algn="l" defTabSz="914400" rtl="0" fontAlgn="auto" latinLnBrk="0" hangingPunct="0">
       <a:lnSpc>
         <a:spcPct val="100000"/>
       </a:lnSpc>
@@ -282,13 +282,13 @@
         </a:solidFill>
         <a:effectLst/>
         <a:uFillTx/>
-        <a:latin typeface="+mj-lt"/>
-        <a:ea typeface="+mj-ea"/>
-        <a:cs typeface="+mj-cs"/>
-        <a:sym typeface="Calibri"/>
+        <a:latin typeface="+mn-lt"/>
+        <a:ea typeface="+mn-ea"/>
+        <a:cs typeface="+mn-cs"/>
+        <a:sym typeface="Helvetica"/>
       </a:defRPr>
     </a:lvl8pPr>
-    <a:lvl9pPr marL="0" marR="0" indent="3657600" algn="l" defTabSz="914400" rtl="0" fontAlgn="auto" latinLnBrk="0" hangingPunct="0">
+    <a:lvl9pPr marL="0" marR="0" indent="0" algn="l" defTabSz="914400" rtl="0" fontAlgn="auto" latinLnBrk="0" hangingPunct="0">
       <a:lnSpc>
         <a:spcPct val="100000"/>
       </a:lnSpc>
@@ -312,10 +312,10 @@
         </a:solidFill>
         <a:effectLst/>
         <a:uFillTx/>
-        <a:latin typeface="+mj-lt"/>
-        <a:ea typeface="+mj-ea"/>
-        <a:cs typeface="+mj-cs"/>
-        <a:sym typeface="Calibri"/>
+        <a:latin typeface="+mn-lt"/>
+        <a:ea typeface="+mn-ea"/>
+        <a:cs typeface="+mn-cs"/>
+        <a:sym typeface="Helvetica"/>
       </a:defRPr>
     </a:lvl9pPr>
   </p:defaultTextStyle>
@@ -555,23 +555,23 @@
         </p:nvSpPr>
         <p:spPr>
           <a:xfrm>
-            <a:off x="609600" y="92074"/>
-            <a:ext cx="10972800" cy="1508127"/>
-          </a:xfrm>
-          <a:prstGeom prst="rect">
-            <a:avLst/>
-          </a:prstGeom>
-          <a:ln w="12700">
-            <a:miter lim="400000"/>
-          </a:ln>
-          <a:extLst>
-            <a:ext uri="{C572A759-6A51-4108-AA02-DFA0A04FC94B}">
-              <ma14:wrappingTextBoxFlag xmlns:ma14="http://schemas.microsoft.com/office/mac/drawingml/2011/main" val="1"/>
-            </a:ext>
-          </a:extLst>
-        </p:spPr>
-        <p:txBody>
-          <a:bodyPr lIns="45719" rIns="45719" anchor="ctr"/>
+            <a:off x="1826683" y="769937"/>
+            <a:ext cx="9753601" cy="1668463"/>
+          </a:xfrm>
+          <a:prstGeom prst="rect">
+            <a:avLst/>
+          </a:prstGeom>
+          <a:ln w="12700">
+            <a:miter lim="400000"/>
+          </a:ln>
+          <a:extLst>
+            <a:ext uri="{C572A759-6A51-4108-AA02-DFA0A04FC94B}">
+              <ma14:wrappingTextBoxFlag xmlns:ma14="http://schemas.microsoft.com/office/mac/drawingml/2011/main" val="1"/>
+            </a:ext>
+          </a:extLst>
+        </p:spPr>
+        <p:txBody>
+          <a:bodyPr lIns="45718" tIns="45718" rIns="45718" bIns="45718" anchor="ctr"/>
           <a:lstStyle/>
           <a:p>
             <a:pPr/>
@@ -591,23 +591,23 @@
         </p:nvSpPr>
         <p:spPr>
           <a:xfrm>
-            <a:off x="609600" y="1600200"/>
-            <a:ext cx="10972800" cy="5257800"/>
-          </a:xfrm>
-          <a:prstGeom prst="rect">
-            <a:avLst/>
-          </a:prstGeom>
-          <a:ln w="12700">
-            <a:miter lim="400000"/>
-          </a:ln>
-          <a:extLst>
-            <a:ext uri="{C572A759-6A51-4108-AA02-DFA0A04FC94B}">
-              <ma14:wrappingTextBoxFlag xmlns:ma14="http://schemas.microsoft.com/office/mac/drawingml/2011/main" val="1"/>
-            </a:ext>
-          </a:extLst>
-        </p:spPr>
-        <p:txBody>
-          <a:bodyPr lIns="45719" rIns="45719"/>
+            <a:off x="6805083" y="2438400"/>
+            <a:ext cx="4775201" cy="4419600"/>
+          </a:xfrm>
+          <a:prstGeom prst="rect">
+            <a:avLst/>
+          </a:prstGeom>
+          <a:ln w="12700">
+            <a:miter lim="400000"/>
+          </a:ln>
+          <a:extLst>
+            <a:ext uri="{C572A759-6A51-4108-AA02-DFA0A04FC94B}">
+              <ma14:wrappingTextBoxFlag xmlns:ma14="http://schemas.microsoft.com/office/mac/drawingml/2011/main" val="1"/>
+            </a:ext>
+          </a:extLst>
+        </p:spPr>
+        <p:txBody>
+          <a:bodyPr lIns="45718" tIns="45718" rIns="45718" bIns="45718"/>
           <a:lstStyle/>
           <a:p>
             <a:pPr/>
@@ -651,23 +651,28 @@
         </p:nvSpPr>
         <p:spPr>
           <a:xfrm>
-            <a:off x="5892800" y="6172200"/>
-            <a:ext cx="2844800" cy="368301"/>
-          </a:xfrm>
-          <a:prstGeom prst="rect">
-            <a:avLst/>
-          </a:prstGeom>
-          <a:ln w="12700">
-            <a:miter lim="400000"/>
-          </a:ln>
-        </p:spPr>
-        <p:txBody>
-          <a:bodyPr wrap="none" lIns="45719" rIns="45719" anchor="ctr">
+            <a:off x="8478978" y="6232199"/>
+            <a:ext cx="258623" cy="248303"/>
+          </a:xfrm>
+          <a:prstGeom prst="rect">
+            <a:avLst/>
+          </a:prstGeom>
+          <a:ln w="12700">
+            <a:miter lim="400000"/>
+          </a:ln>
+        </p:spPr>
+        <p:txBody>
+          <a:bodyPr wrap="none" lIns="45718" tIns="45718" rIns="45718" bIns="45718" anchor="ctr">
             <a:spAutoFit/>
           </a:bodyPr>
           <a:lstStyle>
             <a:lvl1pPr algn="r">
-              <a:defRPr sz="1200"/>
+              <a:defRPr sz="1200">
+                <a:latin typeface="+mj-lt"/>
+                <a:ea typeface="+mj-ea"/>
+                <a:cs typeface="+mj-cs"/>
+                <a:sym typeface="Calibri"/>
+              </a:defRPr>
             </a:lvl1pPr>
           </a:lstStyle>
           <a:p>
@@ -1183,7 +1188,7 @@
           <a:sym typeface="Calibri"/>
         </a:defRPr>
       </a:lvl1pPr>
-      <a:lvl2pPr marL="0" marR="0" indent="457200" algn="r" defTabSz="914400" rtl="0" latinLnBrk="0">
+      <a:lvl2pPr marL="0" marR="0" indent="0" algn="r" defTabSz="914400" rtl="0" latinLnBrk="0">
         <a:lnSpc>
           <a:spcPct val="100000"/>
         </a:lnSpc>
@@ -1209,7 +1214,7 @@
           <a:sym typeface="Calibri"/>
         </a:defRPr>
       </a:lvl2pPr>
-      <a:lvl3pPr marL="0" marR="0" indent="914400" algn="r" defTabSz="914400" rtl="0" latinLnBrk="0">
+      <a:lvl3pPr marL="0" marR="0" indent="0" algn="r" defTabSz="914400" rtl="0" latinLnBrk="0">
         <a:lnSpc>
           <a:spcPct val="100000"/>
         </a:lnSpc>
@@ -1235,7 +1240,7 @@
           <a:sym typeface="Calibri"/>
         </a:defRPr>
       </a:lvl3pPr>
-      <a:lvl4pPr marL="0" marR="0" indent="1371600" algn="r" defTabSz="914400" rtl="0" latinLnBrk="0">
+      <a:lvl4pPr marL="0" marR="0" indent="0" algn="r" defTabSz="914400" rtl="0" latinLnBrk="0">
         <a:lnSpc>
           <a:spcPct val="100000"/>
         </a:lnSpc>
@@ -1261,7 +1266,7 @@
           <a:sym typeface="Calibri"/>
         </a:defRPr>
       </a:lvl4pPr>
-      <a:lvl5pPr marL="0" marR="0" indent="1828800" algn="r" defTabSz="914400" rtl="0" latinLnBrk="0">
+      <a:lvl5pPr marL="0" marR="0" indent="0" algn="r" defTabSz="914400" rtl="0" latinLnBrk="0">
         <a:lnSpc>
           <a:spcPct val="100000"/>
         </a:lnSpc>
@@ -1287,7 +1292,7 @@
           <a:sym typeface="Calibri"/>
         </a:defRPr>
       </a:lvl5pPr>
-      <a:lvl6pPr marL="0" marR="0" indent="2286000" algn="r" defTabSz="914400" rtl="0" latinLnBrk="0">
+      <a:lvl6pPr marL="0" marR="0" indent="0" algn="r" defTabSz="914400" rtl="0" latinLnBrk="0">
         <a:lnSpc>
           <a:spcPct val="100000"/>
         </a:lnSpc>
@@ -1313,7 +1318,7 @@
           <a:sym typeface="Calibri"/>
         </a:defRPr>
       </a:lvl6pPr>
-      <a:lvl7pPr marL="0" marR="0" indent="2743200" algn="r" defTabSz="914400" rtl="0" latinLnBrk="0">
+      <a:lvl7pPr marL="0" marR="0" indent="0" algn="r" defTabSz="914400" rtl="0" latinLnBrk="0">
         <a:lnSpc>
           <a:spcPct val="100000"/>
         </a:lnSpc>
@@ -1339,7 +1344,7 @@
           <a:sym typeface="Calibri"/>
         </a:defRPr>
       </a:lvl7pPr>
-      <a:lvl8pPr marL="0" marR="0" indent="3200400" algn="r" defTabSz="914400" rtl="0" latinLnBrk="0">
+      <a:lvl8pPr marL="0" marR="0" indent="0" algn="r" defTabSz="914400" rtl="0" latinLnBrk="0">
         <a:lnSpc>
           <a:spcPct val="100000"/>
         </a:lnSpc>
@@ -1365,7 +1370,7 @@
           <a:sym typeface="Calibri"/>
         </a:defRPr>
       </a:lvl8pPr>
-      <a:lvl9pPr marL="0" marR="0" indent="3657600" algn="r" defTabSz="914400" rtl="0" latinLnBrk="0">
+      <a:lvl9pPr marL="0" marR="0" indent="0" algn="r" defTabSz="914400" rtl="0" latinLnBrk="0">
         <a:lnSpc>
           <a:spcPct val="100000"/>
         </a:lnSpc>
@@ -1479,8 +1484,8 @@
         </p:nvSpPr>
         <p:spPr>
           <a:xfrm>
-            <a:off x="3535679" y="1971358"/>
-            <a:ext cx="5120642" cy="181609"/>
+            <a:off x="3535679" y="1971357"/>
+            <a:ext cx="5120643" cy="181609"/>
           </a:xfrm>
           <a:prstGeom prst="rect">
             <a:avLst/>
@@ -1530,7 +1535,7 @@
         </p:nvSpPr>
         <p:spPr>
           <a:xfrm>
-            <a:off x="-487680" y="2386592"/>
+            <a:off x="-487680" y="2386591"/>
             <a:ext cx="13167361" cy="941816"/>
           </a:xfrm>
           <a:prstGeom prst="rect">
@@ -1587,8 +1592,8 @@
         </p:nvSpPr>
         <p:spPr>
           <a:xfrm>
-            <a:off x="335279" y="3465769"/>
-            <a:ext cx="11521442" cy="383662"/>
+            <a:off x="335278" y="3465769"/>
+            <a:ext cx="11521444" cy="383661"/>
           </a:xfrm>
           <a:prstGeom prst="rect">
             <a:avLst/>
@@ -1639,7 +1644,7 @@
         <p:spPr>
           <a:xfrm>
             <a:off x="2438400" y="4318636"/>
-            <a:ext cx="7315200" cy="592453"/>
+            <a:ext cx="7315200" cy="592452"/>
           </a:xfrm>
           <a:prstGeom prst="rect">
             <a:avLst/>
@@ -1698,8 +1703,8 @@
         </p:nvSpPr>
         <p:spPr>
           <a:xfrm>
-            <a:off x="762000" y="5795646"/>
-            <a:ext cx="2952452" cy="181608"/>
+            <a:off x="762000" y="5795645"/>
+            <a:ext cx="2952452" cy="181609"/>
           </a:xfrm>
           <a:prstGeom prst="rect">
             <a:avLst/>
@@ -1800,8 +1805,8 @@
         </p:nvSpPr>
         <p:spPr>
           <a:xfrm>
-            <a:off x="8750647" y="5795646"/>
-            <a:ext cx="2679354" cy="181608"/>
+            <a:off x="8750647" y="5795645"/>
+            <a:ext cx="2679355" cy="181609"/>
           </a:xfrm>
           <a:prstGeom prst="rect">
             <a:avLst/>
@@ -1852,7 +1857,7 @@
         <p:spPr>
           <a:xfrm>
             <a:off x="8750647" y="6122735"/>
-            <a:ext cx="2679354" cy="251330"/>
+            <a:ext cx="2679355" cy="251330"/>
           </a:xfrm>
           <a:prstGeom prst="rect">
             <a:avLst/>
@@ -1902,8 +1907,8 @@
         </p:nvSpPr>
         <p:spPr>
           <a:xfrm>
-            <a:off x="457200" y="461393"/>
-            <a:ext cx="822961" cy="296414"/>
+            <a:off x="457199" y="461393"/>
+            <a:ext cx="822963" cy="296414"/>
           </a:xfrm>
           <a:prstGeom prst="rect">
             <a:avLst/>
@@ -2030,7 +2035,7 @@
         <p:spPr>
           <a:xfrm>
             <a:off x="479022" y="479022"/>
-            <a:ext cx="11233943" cy="744606"/>
+            <a:ext cx="11233943" cy="744607"/>
           </a:xfrm>
           <a:prstGeom prst="rect">
             <a:avLst/>
@@ -2059,7 +2064,7 @@
         <p:spPr>
           <a:xfrm>
             <a:off x="479022" y="1620316"/>
-            <a:ext cx="231528" cy="228535"/>
+            <a:ext cx="231529" cy="228536"/>
           </a:xfrm>
           <a:prstGeom prst="rect">
             <a:avLst/>
@@ -2088,7 +2093,7 @@
         <p:spPr>
           <a:xfrm>
             <a:off x="479022" y="2692628"/>
-            <a:ext cx="11233943" cy="31936"/>
+            <a:ext cx="11233943" cy="31937"/>
           </a:xfrm>
           <a:prstGeom prst="rect">
             <a:avLst/>
@@ -2117,7 +2122,7 @@
         <p:spPr>
           <a:xfrm>
             <a:off x="479022" y="2596824"/>
-            <a:ext cx="191610" cy="191610"/>
+            <a:ext cx="191611" cy="191611"/>
           </a:xfrm>
           <a:prstGeom prst="rect">
             <a:avLst/>
@@ -2146,7 +2151,7 @@
         <p:spPr>
           <a:xfrm>
             <a:off x="4159758" y="2596824"/>
-            <a:ext cx="191610" cy="191610"/>
+            <a:ext cx="191611" cy="191611"/>
           </a:xfrm>
           <a:prstGeom prst="rect">
             <a:avLst/>
@@ -2175,7 +2180,7 @@
         <p:spPr>
           <a:xfrm>
             <a:off x="7840494" y="2596824"/>
-            <a:ext cx="191610" cy="191610"/>
+            <a:ext cx="191611" cy="191611"/>
           </a:xfrm>
           <a:prstGeom prst="rect">
             <a:avLst/>
@@ -2204,7 +2209,7 @@
         <p:spPr>
           <a:xfrm>
             <a:off x="11521230" y="2596824"/>
-            <a:ext cx="191610" cy="191610"/>
+            <a:ext cx="191611" cy="191611"/>
           </a:xfrm>
           <a:prstGeom prst="rect">
             <a:avLst/>
@@ -2232,8 +2237,8 @@
         </p:blipFill>
         <p:spPr>
           <a:xfrm>
-            <a:off x="479022" y="3235519"/>
-            <a:ext cx="3616867" cy="1844236"/>
+            <a:off x="479022" y="3235518"/>
+            <a:ext cx="3616867" cy="1844238"/>
           </a:xfrm>
           <a:prstGeom prst="rect">
             <a:avLst/>
@@ -2262,7 +2267,7 @@
         <p:spPr>
           <a:xfrm>
             <a:off x="670631" y="3427129"/>
-            <a:ext cx="383219" cy="383219"/>
+            <a:ext cx="383220" cy="383220"/>
           </a:xfrm>
           <a:prstGeom prst="rect">
             <a:avLst/>
@@ -2291,7 +2296,7 @@
         <p:spPr>
           <a:xfrm>
             <a:off x="766435" y="3506966"/>
-            <a:ext cx="191610" cy="223545"/>
+            <a:ext cx="191610" cy="223546"/>
           </a:xfrm>
           <a:prstGeom prst="rect">
             <a:avLst/>
@@ -2319,8 +2324,8 @@
         </p:blipFill>
         <p:spPr>
           <a:xfrm>
-            <a:off x="4287497" y="3235519"/>
-            <a:ext cx="3616868" cy="1844236"/>
+            <a:off x="4287496" y="3235518"/>
+            <a:ext cx="3616869" cy="1844238"/>
           </a:xfrm>
           <a:prstGeom prst="rect">
             <a:avLst/>
@@ -2349,7 +2354,7 @@
         <p:spPr>
           <a:xfrm>
             <a:off x="4479106" y="3427129"/>
-            <a:ext cx="383219" cy="383219"/>
+            <a:ext cx="383220" cy="383220"/>
           </a:xfrm>
           <a:prstGeom prst="rect">
             <a:avLst/>
@@ -2378,7 +2383,7 @@
         <p:spPr>
           <a:xfrm>
             <a:off x="4562935" y="3506966"/>
-            <a:ext cx="215561" cy="223545"/>
+            <a:ext cx="215562" cy="223546"/>
           </a:xfrm>
           <a:prstGeom prst="rect">
             <a:avLst/>
@@ -2406,8 +2411,8 @@
         </p:blipFill>
         <p:spPr>
           <a:xfrm>
-            <a:off x="8095973" y="3235519"/>
-            <a:ext cx="3616992" cy="1844236"/>
+            <a:off x="8095973" y="3235518"/>
+            <a:ext cx="3616993" cy="1844238"/>
           </a:xfrm>
           <a:prstGeom prst="rect">
             <a:avLst/>
@@ -2435,8 +2440,8 @@
         </p:blipFill>
         <p:spPr>
           <a:xfrm>
-            <a:off x="8287581" y="3427129"/>
-            <a:ext cx="383218" cy="383219"/>
+            <a:off x="8287580" y="3427129"/>
+            <a:ext cx="383219" cy="383220"/>
           </a:xfrm>
           <a:prstGeom prst="rect">
             <a:avLst/>
@@ -2465,7 +2470,7 @@
         <p:spPr>
           <a:xfrm>
             <a:off x="8387377" y="3506966"/>
-            <a:ext cx="183626" cy="223545"/>
+            <a:ext cx="183627" cy="223546"/>
           </a:xfrm>
           <a:prstGeom prst="rect">
             <a:avLst/>
@@ -2523,7 +2528,7 @@
         <p:spPr>
           <a:xfrm>
             <a:off x="479022" y="6168657"/>
-            <a:ext cx="119757" cy="133229"/>
+            <a:ext cx="119758" cy="133230"/>
           </a:xfrm>
           <a:prstGeom prst="rect">
             <a:avLst/>
@@ -2551,8 +2556,8 @@
         </p:blipFill>
         <p:spPr>
           <a:xfrm>
-            <a:off x="1843111" y="6168657"/>
-            <a:ext cx="135724" cy="133229"/>
+            <a:off x="1843110" y="6168657"/>
+            <a:ext cx="135725" cy="133230"/>
           </a:xfrm>
           <a:prstGeom prst="rect">
             <a:avLst/>
@@ -2581,7 +2586,7 @@
         <p:spPr>
           <a:xfrm>
             <a:off x="2917544" y="6168657"/>
-            <a:ext cx="135724" cy="133229"/>
+            <a:ext cx="135725" cy="133230"/>
           </a:xfrm>
           <a:prstGeom prst="rect">
             <a:avLst/>
@@ -2609,8 +2614,8 @@
         </p:blipFill>
         <p:spPr>
           <a:xfrm>
-            <a:off x="9141463" y="6091564"/>
-            <a:ext cx="2571502" cy="287415"/>
+            <a:off x="5013934" y="5735229"/>
+            <a:ext cx="6661992" cy="744607"/>
           </a:xfrm>
           <a:prstGeom prst="rect">
             <a:avLst/>
@@ -2730,8 +2735,8 @@
         </p:nvSpPr>
         <p:spPr>
           <a:xfrm>
-            <a:off x="806353" y="1606697"/>
-            <a:ext cx="11233944" cy="255774"/>
+            <a:off x="806352" y="1606696"/>
+            <a:ext cx="11233946" cy="255775"/>
           </a:xfrm>
           <a:prstGeom prst="rect">
             <a:avLst/>
@@ -2781,8 +2786,8 @@
         </p:nvSpPr>
         <p:spPr>
           <a:xfrm>
-            <a:off x="260807" y="2124229"/>
-            <a:ext cx="3436430" cy="210690"/>
+            <a:off x="260806" y="2124229"/>
+            <a:ext cx="3436432" cy="210690"/>
           </a:xfrm>
           <a:prstGeom prst="rect">
             <a:avLst/>
@@ -2832,8 +2837,8 @@
         </p:nvSpPr>
         <p:spPr>
           <a:xfrm>
-            <a:off x="-407452" y="2377553"/>
-            <a:ext cx="4772825" cy="151128"/>
+            <a:off x="-407452" y="2377552"/>
+            <a:ext cx="4772825" cy="151129"/>
           </a:xfrm>
           <a:prstGeom prst="rect">
             <a:avLst/>
@@ -2934,8 +2939,8 @@
         </p:nvSpPr>
         <p:spPr>
           <a:xfrm>
-            <a:off x="2814477" y="2377553"/>
-            <a:ext cx="3818261" cy="151128"/>
+            <a:off x="2814476" y="2377552"/>
+            <a:ext cx="3818263" cy="151129"/>
           </a:xfrm>
           <a:prstGeom prst="rect">
             <a:avLst/>
@@ -2986,7 +2991,7 @@
         <p:spPr>
           <a:xfrm>
             <a:off x="5995561" y="2124229"/>
-            <a:ext cx="2945511" cy="210690"/>
+            <a:ext cx="2945512" cy="210690"/>
           </a:xfrm>
           <a:prstGeom prst="rect">
             <a:avLst/>
@@ -3036,8 +3041,8 @@
         </p:nvSpPr>
         <p:spPr>
           <a:xfrm>
-            <a:off x="5145478" y="2377553"/>
-            <a:ext cx="4645552" cy="151128"/>
+            <a:off x="5145478" y="2377552"/>
+            <a:ext cx="4645553" cy="151129"/>
           </a:xfrm>
           <a:prstGeom prst="rect">
             <a:avLst/>
@@ -3138,8 +3143,8 @@
         </p:nvSpPr>
         <p:spPr>
           <a:xfrm>
-            <a:off x="7921945" y="2377553"/>
-            <a:ext cx="4581914" cy="151128"/>
+            <a:off x="7921945" y="2377552"/>
+            <a:ext cx="4581915" cy="151129"/>
           </a:xfrm>
           <a:prstGeom prst="rect">
             <a:avLst/>
@@ -3189,8 +3194,8 @@
         </p:nvSpPr>
         <p:spPr>
           <a:xfrm>
-            <a:off x="670631" y="3941592"/>
-            <a:ext cx="4636451" cy="216532"/>
+            <a:off x="670630" y="3941591"/>
+            <a:ext cx="4636453" cy="216533"/>
           </a:xfrm>
           <a:prstGeom prst="rect">
             <a:avLst/>
@@ -3240,8 +3245,8 @@
         </p:nvSpPr>
         <p:spPr>
           <a:xfrm>
-            <a:off x="670630" y="4233659"/>
-            <a:ext cx="3217684" cy="633728"/>
+            <a:off x="670629" y="4233659"/>
+            <a:ext cx="3217686" cy="633728"/>
           </a:xfrm>
           <a:prstGeom prst="rect">
             <a:avLst/>
@@ -3291,8 +3296,8 @@
         </p:nvSpPr>
         <p:spPr>
           <a:xfrm>
-            <a:off x="4479106" y="3941592"/>
-            <a:ext cx="4636450" cy="216532"/>
+            <a:off x="4479106" y="3941591"/>
+            <a:ext cx="4636451" cy="216533"/>
           </a:xfrm>
           <a:prstGeom prst="rect">
             <a:avLst/>
@@ -3343,7 +3348,7 @@
         <p:spPr>
           <a:xfrm>
             <a:off x="4479106" y="4233659"/>
-            <a:ext cx="3217683" cy="633728"/>
+            <a:ext cx="3217684" cy="633728"/>
           </a:xfrm>
           <a:prstGeom prst="rect">
             <a:avLst/>
@@ -3398,8 +3403,8 @@
         </p:nvSpPr>
         <p:spPr>
           <a:xfrm>
-            <a:off x="8287581" y="3941592"/>
-            <a:ext cx="4909184" cy="216532"/>
+            <a:off x="8287580" y="3941591"/>
+            <a:ext cx="4909185" cy="216533"/>
           </a:xfrm>
           <a:prstGeom prst="rect">
             <a:avLst/>
@@ -3449,8 +3454,8 @@
         </p:nvSpPr>
         <p:spPr>
           <a:xfrm>
-            <a:off x="8287581" y="4233267"/>
-            <a:ext cx="3217682" cy="417829"/>
+            <a:off x="8287580" y="4233267"/>
+            <a:ext cx="3217683" cy="417828"/>
           </a:xfrm>
           <a:prstGeom prst="rect">
             <a:avLst/>
@@ -3505,8 +3510,8 @@
         </p:nvSpPr>
         <p:spPr>
           <a:xfrm>
-            <a:off x="662647" y="6159707"/>
-            <a:ext cx="1108612" cy="151128"/>
+            <a:off x="662647" y="6159706"/>
+            <a:ext cx="1108612" cy="151129"/>
           </a:xfrm>
           <a:prstGeom prst="rect">
             <a:avLst/>
@@ -3556,8 +3561,8 @@
         </p:nvSpPr>
         <p:spPr>
           <a:xfrm>
-            <a:off x="2042704" y="6159707"/>
-            <a:ext cx="1527306" cy="151128"/>
+            <a:off x="2042703" y="6159706"/>
+            <a:ext cx="1527307" cy="151129"/>
           </a:xfrm>
           <a:prstGeom prst="rect">
             <a:avLst/>
@@ -3607,8 +3612,8 @@
         </p:nvSpPr>
         <p:spPr>
           <a:xfrm>
-            <a:off x="3117137" y="6159707"/>
-            <a:ext cx="1718218" cy="151128"/>
+            <a:off x="3117137" y="6159706"/>
+            <a:ext cx="1718219" cy="151129"/>
           </a:xfrm>
           <a:prstGeom prst="rect">
             <a:avLst/>
@@ -3658,8 +3663,8 @@
         </p:nvSpPr>
         <p:spPr>
           <a:xfrm>
-            <a:off x="9333072" y="6159707"/>
-            <a:ext cx="3767271" cy="151129"/>
+            <a:off x="6024597" y="6077944"/>
+            <a:ext cx="4909186" cy="186177"/>
           </a:xfrm>
           <a:prstGeom prst="rect">
             <a:avLst/>
@@ -3682,7 +3687,7 @@
               <a:lnSpc>
                 <a:spcPts val="1200"/>
               </a:lnSpc>
-              <a:defRPr b="1" spc="100" sz="1000">
+              <a:defRPr b="1" spc="220" sz="2200">
                 <a:solidFill>
                   <a:srgbClr val="FFFFFF"/>
                 </a:solidFill>
@@ -3757,7 +3762,7 @@
         <p:spPr>
           <a:xfrm>
             <a:off x="0" y="0"/>
-            <a:ext cx="12191972" cy="6858000"/>
+            <a:ext cx="12191973" cy="6858000"/>
           </a:xfrm>
           <a:prstGeom prst="rect">
             <a:avLst/>
@@ -3786,7 +3791,7 @@
         <p:spPr>
           <a:xfrm>
             <a:off x="0" y="0"/>
-            <a:ext cx="12191972" cy="804852"/>
+            <a:ext cx="12191973" cy="804852"/>
           </a:xfrm>
           <a:prstGeom prst="rect">
             <a:avLst/>
@@ -3815,7 +3820,7 @@
         <p:spPr>
           <a:xfrm>
             <a:off x="11445806" y="234748"/>
-            <a:ext cx="343739" cy="335355"/>
+            <a:ext cx="343740" cy="335355"/>
           </a:xfrm>
           <a:prstGeom prst="rect">
             <a:avLst/>
@@ -3843,8 +3848,8 @@
         </p:blipFill>
         <p:spPr>
           <a:xfrm>
-            <a:off x="402425" y="1240811"/>
-            <a:ext cx="226364" cy="201214"/>
+            <a:off x="402425" y="1240810"/>
+            <a:ext cx="226364" cy="201215"/>
           </a:xfrm>
           <a:prstGeom prst="rect">
             <a:avLst/>
@@ -3872,8 +3877,8 @@
         </p:blipFill>
         <p:spPr>
           <a:xfrm>
-            <a:off x="402425" y="2464855"/>
-            <a:ext cx="5525883" cy="3672134"/>
+            <a:off x="402425" y="2464854"/>
+            <a:ext cx="5525883" cy="3672135"/>
           </a:xfrm>
           <a:prstGeom prst="rect">
             <a:avLst/>
@@ -3901,8 +3906,8 @@
         </p:blipFill>
         <p:spPr>
           <a:xfrm>
-            <a:off x="670709" y="3202635"/>
-            <a:ext cx="285052" cy="335356"/>
+            <a:off x="670709" y="3202634"/>
+            <a:ext cx="285053" cy="335357"/>
           </a:xfrm>
           <a:prstGeom prst="rect">
             <a:avLst/>
@@ -3931,7 +3936,7 @@
         <p:spPr>
           <a:xfrm>
             <a:off x="737780" y="3303242"/>
-            <a:ext cx="150911" cy="134143"/>
+            <a:ext cx="150912" cy="134144"/>
           </a:xfrm>
           <a:prstGeom prst="rect">
             <a:avLst/>
@@ -3960,7 +3965,7 @@
         <p:spPr>
           <a:xfrm>
             <a:off x="670709" y="3806273"/>
-            <a:ext cx="268285" cy="335356"/>
+            <a:ext cx="268286" cy="335357"/>
           </a:xfrm>
           <a:prstGeom prst="rect">
             <a:avLst/>
@@ -3989,7 +3994,7 @@
         <p:spPr>
           <a:xfrm>
             <a:off x="737780" y="3906880"/>
-            <a:ext cx="134143" cy="134143"/>
+            <a:ext cx="134144" cy="134144"/>
           </a:xfrm>
           <a:prstGeom prst="rect">
             <a:avLst/>
@@ -4018,7 +4023,7 @@
         <p:spPr>
           <a:xfrm>
             <a:off x="670709" y="4409911"/>
-            <a:ext cx="251517" cy="335356"/>
+            <a:ext cx="251518" cy="335357"/>
           </a:xfrm>
           <a:prstGeom prst="rect">
             <a:avLst/>
@@ -4047,7 +4052,7 @@
         <p:spPr>
           <a:xfrm>
             <a:off x="737780" y="4510518"/>
-            <a:ext cx="117375" cy="134143"/>
+            <a:ext cx="117376" cy="134144"/>
           </a:xfrm>
           <a:prstGeom prst="rect">
             <a:avLst/>
@@ -4075,8 +4080,8 @@
         </p:blipFill>
         <p:spPr>
           <a:xfrm>
-            <a:off x="6263663" y="2464855"/>
-            <a:ext cx="5525883" cy="3672134"/>
+            <a:off x="6263663" y="2464854"/>
+            <a:ext cx="5525883" cy="3672135"/>
           </a:xfrm>
           <a:prstGeom prst="rect">
             <a:avLst/>
@@ -4105,7 +4110,7 @@
         <p:spPr>
           <a:xfrm>
             <a:off x="6531947" y="3751779"/>
-            <a:ext cx="4989315" cy="603639"/>
+            <a:ext cx="4989315" cy="603640"/>
           </a:xfrm>
           <a:prstGeom prst="rect">
             <a:avLst/>
@@ -4134,7 +4139,7 @@
         <p:spPr>
           <a:xfrm>
             <a:off x="6531947" y="4489558"/>
-            <a:ext cx="4989315" cy="603639"/>
+            <a:ext cx="4989315" cy="603640"/>
           </a:xfrm>
           <a:prstGeom prst="rect">
             <a:avLst/>
@@ -4163,7 +4168,7 @@
         <p:spPr>
           <a:xfrm>
             <a:off x="6531947" y="5227337"/>
-            <a:ext cx="4989315" cy="603639"/>
+            <a:ext cx="4989315" cy="603640"/>
           </a:xfrm>
           <a:prstGeom prst="rect">
             <a:avLst/>
@@ -4191,8 +4196,8 @@
         </p:blipFill>
         <p:spPr>
           <a:xfrm>
-            <a:off x="11051765" y="5399208"/>
-            <a:ext cx="1073135" cy="1073135"/>
+            <a:off x="11051764" y="5399208"/>
+            <a:ext cx="1073136" cy="1073136"/>
           </a:xfrm>
           <a:prstGeom prst="rect">
             <a:avLst/>
@@ -4221,7 +4226,7 @@
         <p:spPr>
           <a:xfrm>
             <a:off x="402425" y="6405271"/>
-            <a:ext cx="11387120" cy="402426"/>
+            <a:ext cx="11387120" cy="402427"/>
           </a:xfrm>
           <a:prstGeom prst="rect">
             <a:avLst/>
@@ -4290,8 +4295,8 @@
         </p:nvSpPr>
         <p:spPr>
           <a:xfrm>
-            <a:off x="402424" y="472690"/>
-            <a:ext cx="5817634" cy="161289"/>
+            <a:off x="402423" y="472689"/>
+            <a:ext cx="5817636" cy="161289"/>
           </a:xfrm>
           <a:prstGeom prst="rect">
             <a:avLst/>
@@ -4341,8 +4346,8 @@
         </p:nvSpPr>
         <p:spPr>
           <a:xfrm>
-            <a:off x="729395" y="1212832"/>
-            <a:ext cx="11387122" cy="257172"/>
+            <a:off x="729395" y="1212831"/>
+            <a:ext cx="11387123" cy="257173"/>
           </a:xfrm>
           <a:prstGeom prst="rect">
             <a:avLst/>
@@ -4393,7 +4398,7 @@
         <p:spPr>
           <a:xfrm>
             <a:off x="402425" y="1722301"/>
-            <a:ext cx="8585076" cy="466470"/>
+            <a:ext cx="8585076" cy="466469"/>
           </a:xfrm>
           <a:prstGeom prst="rect">
             <a:avLst/>
@@ -4448,8 +4453,8 @@
         </p:nvSpPr>
         <p:spPr>
           <a:xfrm>
-            <a:off x="670709" y="2740089"/>
-            <a:ext cx="4989317" cy="220850"/>
+            <a:off x="670708" y="2740088"/>
+            <a:ext cx="4989319" cy="220851"/>
           </a:xfrm>
           <a:prstGeom prst="rect">
             <a:avLst/>
@@ -4500,7 +4505,7 @@
         <p:spPr>
           <a:xfrm>
             <a:off x="1089901" y="3178902"/>
-            <a:ext cx="4389122" cy="181609"/>
+            <a:ext cx="4389123" cy="181608"/>
           </a:xfrm>
           <a:prstGeom prst="rect">
             <a:avLst/>
@@ -4547,8 +4552,8 @@
         </p:nvSpPr>
         <p:spPr>
           <a:xfrm>
-            <a:off x="1089901" y="3395927"/>
-            <a:ext cx="11521442" cy="158368"/>
+            <a:off x="1089900" y="3395926"/>
+            <a:ext cx="11521444" cy="158368"/>
           </a:xfrm>
           <a:prstGeom prst="rect">
             <a:avLst/>
@@ -4599,7 +4604,7 @@
         <p:spPr>
           <a:xfrm>
             <a:off x="1073134" y="3782540"/>
-            <a:ext cx="4330921" cy="181609"/>
+            <a:ext cx="4330921" cy="181608"/>
           </a:xfrm>
           <a:prstGeom prst="rect">
             <a:avLst/>
@@ -4647,7 +4652,7 @@
         <p:spPr>
           <a:xfrm>
             <a:off x="1073133" y="3999565"/>
-            <a:ext cx="12961622" cy="158368"/>
+            <a:ext cx="12961623" cy="158367"/>
           </a:xfrm>
           <a:prstGeom prst="rect">
             <a:avLst/>
@@ -4697,8 +4702,8 @@
         </p:nvSpPr>
         <p:spPr>
           <a:xfrm>
-            <a:off x="1056367" y="4386178"/>
-            <a:ext cx="3532488" cy="181609"/>
+            <a:off x="1056366" y="4386178"/>
+            <a:ext cx="3532489" cy="181608"/>
           </a:xfrm>
           <a:prstGeom prst="rect">
             <a:avLst/>
@@ -4745,7 +4750,7 @@
         </p:nvSpPr>
         <p:spPr>
           <a:xfrm>
-            <a:off x="1056366" y="4603204"/>
+            <a:off x="1056366" y="4603203"/>
             <a:ext cx="10241282" cy="158368"/>
           </a:xfrm>
           <a:prstGeom prst="rect">
@@ -4796,8 +4801,8 @@
         </p:nvSpPr>
         <p:spPr>
           <a:xfrm>
-            <a:off x="6531947" y="2740089"/>
-            <a:ext cx="5029201" cy="220850"/>
+            <a:off x="6531946" y="2740088"/>
+            <a:ext cx="5029203" cy="220851"/>
           </a:xfrm>
           <a:prstGeom prst="rect">
             <a:avLst/>
@@ -4847,7 +4852,7 @@
         </p:nvSpPr>
         <p:spPr>
           <a:xfrm>
-            <a:off x="6531947" y="3175239"/>
+            <a:off x="6531947" y="3175238"/>
             <a:ext cx="4989315" cy="369188"/>
           </a:xfrm>
           <a:prstGeom prst="rect">
@@ -4903,8 +4908,8 @@
         </p:nvSpPr>
         <p:spPr>
           <a:xfrm>
-            <a:off x="6666087" y="3889492"/>
-            <a:ext cx="4704265" cy="127001"/>
+            <a:off x="6666086" y="3889492"/>
+            <a:ext cx="4704266" cy="127001"/>
           </a:xfrm>
           <a:prstGeom prst="rect">
             <a:avLst/>
@@ -5010,8 +5015,8 @@
         </p:nvSpPr>
         <p:spPr>
           <a:xfrm>
-            <a:off x="6666087" y="4627272"/>
-            <a:ext cx="4704265" cy="127001"/>
+            <a:off x="6666086" y="4627271"/>
+            <a:ext cx="4704266" cy="127001"/>
           </a:xfrm>
           <a:prstGeom prst="rect">
             <a:avLst/>
@@ -5061,8 +5066,8 @@
         </p:nvSpPr>
         <p:spPr>
           <a:xfrm>
-            <a:off x="6666087" y="4796033"/>
-            <a:ext cx="8961121" cy="158368"/>
+            <a:off x="6666086" y="4796032"/>
+            <a:ext cx="8961123" cy="158368"/>
           </a:xfrm>
           <a:prstGeom prst="rect">
             <a:avLst/>
@@ -5112,8 +5117,8 @@
         </p:nvSpPr>
         <p:spPr>
           <a:xfrm>
-            <a:off x="6666087" y="5365051"/>
-            <a:ext cx="4704265" cy="127001"/>
+            <a:off x="6666086" y="5365050"/>
+            <a:ext cx="4704266" cy="127001"/>
           </a:xfrm>
           <a:prstGeom prst="rect">
             <a:avLst/>
@@ -5163,8 +5168,8 @@
         </p:nvSpPr>
         <p:spPr>
           <a:xfrm>
-            <a:off x="6666087" y="5533813"/>
-            <a:ext cx="12321541" cy="158367"/>
+            <a:off x="6666086" y="5533812"/>
+            <a:ext cx="12321542" cy="158368"/>
           </a:xfrm>
           <a:prstGeom prst="rect">
             <a:avLst/>
@@ -5270,8 +5275,8 @@
         </p:nvSpPr>
         <p:spPr>
           <a:xfrm>
-            <a:off x="9869771" y="6610055"/>
-            <a:ext cx="5486401" cy="127001"/>
+            <a:off x="9869771" y="6610054"/>
+            <a:ext cx="5486402" cy="127001"/>
           </a:xfrm>
           <a:prstGeom prst="rect">
             <a:avLst/>
@@ -5485,7 +5490,7 @@
         <p:spPr>
           <a:xfrm>
             <a:off x="4292501" y="1485900"/>
-            <a:ext cx="7518500" cy="2314575"/>
+            <a:ext cx="7518501" cy="2314575"/>
           </a:xfrm>
           <a:prstGeom prst="rect">
             <a:avLst/>
@@ -5514,7 +5519,7 @@
         <p:spPr>
           <a:xfrm>
             <a:off x="4483001" y="2105025"/>
-            <a:ext cx="1665388" cy="1495425"/>
+            <a:ext cx="1665389" cy="1495425"/>
           </a:xfrm>
           <a:prstGeom prst="rect">
             <a:avLst/>
@@ -5543,7 +5548,7 @@
         <p:spPr>
           <a:xfrm>
             <a:off x="5201394" y="2333625"/>
-            <a:ext cx="228601" cy="304800"/>
+            <a:ext cx="228602" cy="304800"/>
           </a:xfrm>
           <a:prstGeom prst="rect">
             <a:avLst/>
@@ -5572,7 +5577,7 @@
         <p:spPr>
           <a:xfrm>
             <a:off x="6300787" y="2105025"/>
-            <a:ext cx="1665388" cy="1495425"/>
+            <a:ext cx="1665389" cy="1495425"/>
           </a:xfrm>
           <a:prstGeom prst="rect">
             <a:avLst/>
@@ -5601,7 +5606,7 @@
         <p:spPr>
           <a:xfrm>
             <a:off x="7019180" y="2333625"/>
-            <a:ext cx="228601" cy="304800"/>
+            <a:ext cx="228602" cy="304800"/>
           </a:xfrm>
           <a:prstGeom prst="rect">
             <a:avLst/>
@@ -5630,7 +5635,7 @@
         <p:spPr>
           <a:xfrm>
             <a:off x="8118574" y="2105025"/>
-            <a:ext cx="1665388" cy="1495425"/>
+            <a:ext cx="1665389" cy="1495425"/>
           </a:xfrm>
           <a:prstGeom prst="rect">
             <a:avLst/>
@@ -5659,7 +5664,7 @@
         <p:spPr>
           <a:xfrm>
             <a:off x="8836968" y="2333625"/>
-            <a:ext cx="228601" cy="304800"/>
+            <a:ext cx="228602" cy="304800"/>
           </a:xfrm>
           <a:prstGeom prst="rect">
             <a:avLst/>
@@ -5688,7 +5693,7 @@
         <p:spPr>
           <a:xfrm>
             <a:off x="9936360" y="2105025"/>
-            <a:ext cx="1665388" cy="1495425"/>
+            <a:ext cx="1665389" cy="1495425"/>
           </a:xfrm>
           <a:prstGeom prst="rect">
             <a:avLst/>
@@ -5717,7 +5722,7 @@
         <p:spPr>
           <a:xfrm>
             <a:off x="10640466" y="2333625"/>
-            <a:ext cx="257176" cy="304800"/>
+            <a:ext cx="257177" cy="304800"/>
           </a:xfrm>
           <a:prstGeom prst="rect">
             <a:avLst/>
@@ -5804,7 +5809,7 @@
         <p:spPr>
           <a:xfrm>
             <a:off x="5517505" y="4181475"/>
-            <a:ext cx="504826" cy="609600"/>
+            <a:ext cx="504827" cy="609600"/>
           </a:xfrm>
           <a:prstGeom prst="rect">
             <a:avLst/>
@@ -5833,7 +5838,7 @@
         <p:spPr>
           <a:xfrm>
             <a:off x="5669905" y="4333875"/>
-            <a:ext cx="200026" cy="304800"/>
+            <a:ext cx="200027" cy="304800"/>
           </a:xfrm>
           <a:prstGeom prst="rect">
             <a:avLst/>
@@ -5881,7 +5886,7 @@
         <p:spPr>
           <a:xfrm>
             <a:off x="609600" y="379669"/>
-            <a:ext cx="16047720" cy="383662"/>
+            <a:ext cx="16047720" cy="383661"/>
           </a:xfrm>
           <a:prstGeom prst="rect">
             <a:avLst/>
@@ -5931,8 +5936,8 @@
         </p:nvSpPr>
         <p:spPr>
           <a:xfrm>
-            <a:off x="609600" y="842964"/>
-            <a:ext cx="12801600" cy="257172"/>
+            <a:off x="609600" y="842963"/>
+            <a:ext cx="12801600" cy="257173"/>
           </a:xfrm>
           <a:prstGeom prst="rect">
             <a:avLst/>
@@ -6033,7 +6038,7 @@
         </p:nvSpPr>
         <p:spPr>
           <a:xfrm>
-            <a:off x="609600" y="2212023"/>
+            <a:off x="609600" y="2212022"/>
             <a:ext cx="3149501" cy="633729"/>
           </a:xfrm>
           <a:prstGeom prst="rect">
@@ -6084,8 +6089,8 @@
         </p:nvSpPr>
         <p:spPr>
           <a:xfrm>
-            <a:off x="4483001" y="1693610"/>
-            <a:ext cx="7118450" cy="251330"/>
+            <a:off x="4483001" y="1693609"/>
+            <a:ext cx="7118451" cy="251331"/>
           </a:xfrm>
           <a:prstGeom prst="rect">
             <a:avLst/>
@@ -6136,7 +6141,7 @@
         <p:spPr>
           <a:xfrm>
             <a:off x="4515594" y="2757171"/>
-            <a:ext cx="1600201" cy="181608"/>
+            <a:ext cx="1600202" cy="181608"/>
           </a:xfrm>
           <a:prstGeom prst="rect">
             <a:avLst/>
@@ -6186,8 +6191,8 @@
         </p:nvSpPr>
         <p:spPr>
           <a:xfrm>
-            <a:off x="4711601" y="3021521"/>
-            <a:ext cx="1189138" cy="300608"/>
+            <a:off x="4711601" y="3021520"/>
+            <a:ext cx="1189139" cy="300608"/>
           </a:xfrm>
           <a:prstGeom prst="rect">
             <a:avLst/>
@@ -6237,8 +6242,8 @@
         </p:nvSpPr>
         <p:spPr>
           <a:xfrm>
-            <a:off x="6253371" y="2757171"/>
-            <a:ext cx="1760221" cy="181608"/>
+            <a:off x="6253370" y="2757171"/>
+            <a:ext cx="1760223" cy="181608"/>
           </a:xfrm>
           <a:prstGeom prst="rect">
             <a:avLst/>
@@ -6288,8 +6293,8 @@
         </p:nvSpPr>
         <p:spPr>
           <a:xfrm>
-            <a:off x="6529388" y="3021521"/>
-            <a:ext cx="1189138" cy="300608"/>
+            <a:off x="6529388" y="3021520"/>
+            <a:ext cx="1189139" cy="300608"/>
           </a:xfrm>
           <a:prstGeom prst="rect">
             <a:avLst/>
@@ -6340,7 +6345,7 @@
         <p:spPr>
           <a:xfrm>
             <a:off x="7911138" y="2757171"/>
-            <a:ext cx="2080261" cy="181608"/>
+            <a:ext cx="2080262" cy="181608"/>
           </a:xfrm>
           <a:prstGeom prst="rect">
             <a:avLst/>
@@ -6390,8 +6395,8 @@
         </p:nvSpPr>
         <p:spPr>
           <a:xfrm>
-            <a:off x="8347174" y="3021521"/>
-            <a:ext cx="1189138" cy="300608"/>
+            <a:off x="8347174" y="3021520"/>
+            <a:ext cx="1189139" cy="300608"/>
           </a:xfrm>
           <a:prstGeom prst="rect">
             <a:avLst/>
@@ -6442,7 +6447,7 @@
         <p:spPr>
           <a:xfrm>
             <a:off x="9968954" y="2757171"/>
-            <a:ext cx="1600201" cy="181608"/>
+            <a:ext cx="1600202" cy="181608"/>
           </a:xfrm>
           <a:prstGeom prst="rect">
             <a:avLst/>
@@ -6492,8 +6497,8 @@
         </p:nvSpPr>
         <p:spPr>
           <a:xfrm>
-            <a:off x="10164960" y="3021521"/>
-            <a:ext cx="1189138" cy="300608"/>
+            <a:off x="10164960" y="3021520"/>
+            <a:ext cx="1189139" cy="300608"/>
           </a:xfrm>
           <a:prstGeom prst="rect">
             <a:avLst/>
@@ -6594,8 +6599,8 @@
         </p:nvSpPr>
         <p:spPr>
           <a:xfrm>
-            <a:off x="1143000" y="4528821"/>
-            <a:ext cx="7360919" cy="181608"/>
+            <a:off x="1143000" y="4528820"/>
+            <a:ext cx="7360919" cy="181609"/>
           </a:xfrm>
           <a:prstGeom prst="rect">
             <a:avLst/>
@@ -6645,8 +6650,8 @@
         </p:nvSpPr>
         <p:spPr>
           <a:xfrm>
-            <a:off x="1142999" y="4795521"/>
-            <a:ext cx="9121142" cy="181608"/>
+            <a:off x="1142999" y="4795520"/>
+            <a:ext cx="9121142" cy="181609"/>
           </a:xfrm>
           <a:prstGeom prst="rect">
             <a:avLst/>
@@ -6696,8 +6701,8 @@
         </p:nvSpPr>
         <p:spPr>
           <a:xfrm>
-            <a:off x="1143000" y="5157471"/>
-            <a:ext cx="3447604" cy="181608"/>
+            <a:off x="1143000" y="5157470"/>
+            <a:ext cx="3447604" cy="181609"/>
           </a:xfrm>
           <a:prstGeom prst="rect">
             <a:avLst/>
@@ -6747,8 +6752,8 @@
         </p:nvSpPr>
         <p:spPr>
           <a:xfrm>
-            <a:off x="6250930" y="4186239"/>
-            <a:ext cx="4572001" cy="257172"/>
+            <a:off x="6250929" y="4186239"/>
+            <a:ext cx="4572003" cy="257172"/>
           </a:xfrm>
           <a:prstGeom prst="rect">
             <a:avLst/>
@@ -6798,8 +6803,8 @@
         </p:nvSpPr>
         <p:spPr>
           <a:xfrm>
-            <a:off x="6250930" y="4528821"/>
-            <a:ext cx="7840981" cy="181608"/>
+            <a:off x="6250930" y="4528820"/>
+            <a:ext cx="7840982" cy="181609"/>
           </a:xfrm>
           <a:prstGeom prst="rect">
             <a:avLst/>
@@ -6849,8 +6854,8 @@
         </p:nvSpPr>
         <p:spPr>
           <a:xfrm>
-            <a:off x="6250930" y="4795521"/>
-            <a:ext cx="8321041" cy="181608"/>
+            <a:off x="6250930" y="4795520"/>
+            <a:ext cx="8321042" cy="181609"/>
           </a:xfrm>
           <a:prstGeom prst="rect">
             <a:avLst/>
@@ -6900,8 +6905,8 @@
         </p:nvSpPr>
         <p:spPr>
           <a:xfrm>
-            <a:off x="6250930" y="5062221"/>
-            <a:ext cx="7680960" cy="181608"/>
+            <a:off x="6250930" y="5062220"/>
+            <a:ext cx="7680961" cy="181609"/>
           </a:xfrm>
           <a:prstGeom prst="rect">
             <a:avLst/>
@@ -6951,8 +6956,8 @@
         </p:nvSpPr>
         <p:spPr>
           <a:xfrm>
-            <a:off x="380999" y="6326696"/>
-            <a:ext cx="5074922" cy="148208"/>
+            <a:off x="380998" y="6326695"/>
+            <a:ext cx="5074924" cy="148208"/>
           </a:xfrm>
           <a:prstGeom prst="rect">
             <a:avLst/>
@@ -7002,8 +7007,8 @@
         </p:nvSpPr>
         <p:spPr>
           <a:xfrm>
-            <a:off x="7566570" y="6326696"/>
-            <a:ext cx="7269482" cy="148208"/>
+            <a:off x="7566569" y="6326695"/>
+            <a:ext cx="7269483" cy="148208"/>
           </a:xfrm>
           <a:prstGeom prst="rect">
             <a:avLst/>
@@ -7101,7 +7106,7 @@
         <p:spPr>
           <a:xfrm>
             <a:off x="0" y="0"/>
-            <a:ext cx="12191948" cy="6858000"/>
+            <a:ext cx="12191949" cy="6858000"/>
           </a:xfrm>
           <a:prstGeom prst="rect">
             <a:avLst/>
@@ -7130,7 +7135,7 @@
         <p:spPr>
           <a:xfrm>
             <a:off x="0" y="0"/>
-            <a:ext cx="12191948" cy="6858000"/>
+            <a:ext cx="12191949" cy="6858000"/>
           </a:xfrm>
           <a:prstGeom prst="rect">
             <a:avLst/>
@@ -7159,7 +7164,7 @@
         <p:spPr>
           <a:xfrm>
             <a:off x="9754472" y="462857"/>
-            <a:ext cx="1974617" cy="524572"/>
+            <a:ext cx="1974618" cy="524573"/>
           </a:xfrm>
           <a:prstGeom prst="rect">
             <a:avLst/>
@@ -7187,8 +7192,8 @@
         </p:blipFill>
         <p:spPr>
           <a:xfrm>
-            <a:off x="9877901" y="586286"/>
-            <a:ext cx="285429" cy="277715"/>
+            <a:off x="9877900" y="586286"/>
+            <a:ext cx="285430" cy="277716"/>
           </a:xfrm>
           <a:prstGeom prst="rect">
             <a:avLst/>
@@ -7246,7 +7251,7 @@
         <p:spPr>
           <a:xfrm>
             <a:off x="647999" y="1794777"/>
-            <a:ext cx="192858" cy="190447"/>
+            <a:ext cx="192859" cy="190448"/>
           </a:xfrm>
           <a:prstGeom prst="rect">
             <a:avLst/>
@@ -7304,7 +7309,7 @@
         <p:spPr>
           <a:xfrm>
             <a:off x="647999" y="3326303"/>
-            <a:ext cx="285430" cy="277715"/>
+            <a:ext cx="285431" cy="277716"/>
           </a:xfrm>
           <a:prstGeom prst="rect">
             <a:avLst/>
@@ -7362,7 +7367,7 @@
         <p:spPr>
           <a:xfrm>
             <a:off x="4485616" y="3326303"/>
-            <a:ext cx="324001" cy="277715"/>
+            <a:ext cx="324002" cy="277716"/>
           </a:xfrm>
           <a:prstGeom prst="rect">
             <a:avLst/>
@@ -7391,7 +7396,7 @@
         <p:spPr>
           <a:xfrm>
             <a:off x="8138210" y="3141160"/>
-            <a:ext cx="3590759" cy="1681715"/>
+            <a:ext cx="3590760" cy="1681715"/>
           </a:xfrm>
           <a:prstGeom prst="rect">
             <a:avLst/>
@@ -7419,8 +7424,8 @@
         </p:blipFill>
         <p:spPr>
           <a:xfrm>
-            <a:off x="8323351" y="3326303"/>
-            <a:ext cx="285430" cy="277715"/>
+            <a:off x="8323350" y="3326303"/>
+            <a:ext cx="285431" cy="277716"/>
           </a:xfrm>
           <a:prstGeom prst="rect">
             <a:avLst/>
@@ -7449,7 +7454,7 @@
         <p:spPr>
           <a:xfrm>
             <a:off x="462857" y="6140570"/>
-            <a:ext cx="1126287" cy="256019"/>
+            <a:ext cx="1126287" cy="256020"/>
           </a:xfrm>
           <a:prstGeom prst="rect">
             <a:avLst/>
@@ -7478,7 +7483,7 @@
         <p:spPr>
           <a:xfrm>
             <a:off x="1681714" y="6140570"/>
-            <a:ext cx="1566000" cy="256019"/>
+            <a:ext cx="1566000" cy="256020"/>
           </a:xfrm>
           <a:prstGeom prst="rect">
             <a:avLst/>
@@ -7507,7 +7512,7 @@
         <p:spPr>
           <a:xfrm>
             <a:off x="3340286" y="6140570"/>
-            <a:ext cx="1195715" cy="256019"/>
+            <a:ext cx="1195716" cy="256020"/>
           </a:xfrm>
           <a:prstGeom prst="rect">
             <a:avLst/>
@@ -7536,7 +7541,7 @@
         <p:spPr>
           <a:xfrm>
             <a:off x="4628570" y="6140570"/>
-            <a:ext cx="1350001" cy="256019"/>
+            <a:ext cx="1350002" cy="256020"/>
           </a:xfrm>
           <a:prstGeom prst="rect">
             <a:avLst/>
@@ -7564,8 +7569,8 @@
         </p:blipFill>
         <p:spPr>
           <a:xfrm>
-            <a:off x="6071142" y="6140570"/>
-            <a:ext cx="1319145" cy="256019"/>
+            <a:off x="6071141" y="6140570"/>
+            <a:ext cx="1319146" cy="256020"/>
           </a:xfrm>
           <a:prstGeom prst="rect">
             <a:avLst/>
@@ -7594,7 +7599,7 @@
         <p:spPr>
           <a:xfrm>
             <a:off x="7482857" y="6140570"/>
-            <a:ext cx="972001" cy="256019"/>
+            <a:ext cx="972002" cy="256020"/>
           </a:xfrm>
           <a:prstGeom prst="rect">
             <a:avLst/>
@@ -7612,8 +7617,8 @@
         </p:nvSpPr>
         <p:spPr>
           <a:xfrm>
-            <a:off x="462857" y="684595"/>
-            <a:ext cx="5352389" cy="470908"/>
+            <a:off x="462856" y="684594"/>
+            <a:ext cx="5352391" cy="470909"/>
           </a:xfrm>
           <a:prstGeom prst="rect">
             <a:avLst/>
@@ -7663,8 +7668,8 @@
         </p:nvSpPr>
         <p:spPr>
           <a:xfrm>
-            <a:off x="462856" y="1439576"/>
-            <a:ext cx="12532221" cy="245615"/>
+            <a:off x="462855" y="1439575"/>
+            <a:ext cx="12532223" cy="245615"/>
           </a:xfrm>
           <a:prstGeom prst="rect">
             <a:avLst/>
@@ -7714,8 +7719,8 @@
         </p:nvSpPr>
         <p:spPr>
           <a:xfrm>
-            <a:off x="10255901" y="596238"/>
-            <a:ext cx="1349759" cy="257809"/>
+            <a:off x="10255901" y="596237"/>
+            <a:ext cx="1349760" cy="257809"/>
           </a:xfrm>
           <a:prstGeom prst="rect">
             <a:avLst/>
@@ -7833,8 +7838,8 @@
         </p:nvSpPr>
         <p:spPr>
           <a:xfrm>
-            <a:off x="647999" y="2109993"/>
-            <a:ext cx="10865091" cy="518031"/>
+            <a:off x="647998" y="2109992"/>
+            <a:ext cx="10865093" cy="518031"/>
           </a:xfrm>
           <a:prstGeom prst="rect">
             <a:avLst/>
@@ -7896,8 +7901,8 @@
         </p:nvSpPr>
         <p:spPr>
           <a:xfrm>
-            <a:off x="647999" y="3765780"/>
-            <a:ext cx="5080637" cy="210690"/>
+            <a:off x="647998" y="3765779"/>
+            <a:ext cx="5080639" cy="210691"/>
           </a:xfrm>
           <a:prstGeom prst="rect">
             <a:avLst/>
@@ -7947,8 +7952,8 @@
         </p:nvSpPr>
         <p:spPr>
           <a:xfrm>
-            <a:off x="648000" y="4042418"/>
-            <a:ext cx="7310464" cy="151128"/>
+            <a:off x="648000" y="4042417"/>
+            <a:ext cx="7310464" cy="151129"/>
           </a:xfrm>
           <a:prstGeom prst="rect">
             <a:avLst/>
@@ -8003,8 +8008,8 @@
         </p:nvSpPr>
         <p:spPr>
           <a:xfrm>
-            <a:off x="647999" y="4258418"/>
-            <a:ext cx="8100787" cy="151128"/>
+            <a:off x="647999" y="4258417"/>
+            <a:ext cx="8100787" cy="151129"/>
           </a:xfrm>
           <a:prstGeom prst="rect">
             <a:avLst/>
@@ -8059,8 +8064,8 @@
         </p:nvSpPr>
         <p:spPr>
           <a:xfrm>
-            <a:off x="648000" y="4474418"/>
-            <a:ext cx="5729824" cy="151128"/>
+            <a:off x="648000" y="4474417"/>
+            <a:ext cx="5729824" cy="151129"/>
           </a:xfrm>
           <a:prstGeom prst="rect">
             <a:avLst/>
@@ -8110,8 +8115,8 @@
         </p:nvSpPr>
         <p:spPr>
           <a:xfrm>
-            <a:off x="4485616" y="3765780"/>
-            <a:ext cx="3302414" cy="210690"/>
+            <a:off x="4485616" y="3765779"/>
+            <a:ext cx="3302415" cy="210691"/>
           </a:xfrm>
           <a:prstGeom prst="rect">
             <a:avLst/>
@@ -8161,8 +8166,8 @@
         </p:nvSpPr>
         <p:spPr>
           <a:xfrm>
-            <a:off x="4485616" y="4042418"/>
-            <a:ext cx="6124985" cy="151128"/>
+            <a:off x="4485616" y="4042417"/>
+            <a:ext cx="6124986" cy="151129"/>
           </a:xfrm>
           <a:prstGeom prst="rect">
             <a:avLst/>
@@ -8217,8 +8222,8 @@
         </p:nvSpPr>
         <p:spPr>
           <a:xfrm>
-            <a:off x="4485616" y="4258418"/>
-            <a:ext cx="7112884" cy="151128"/>
+            <a:off x="4485616" y="4258417"/>
+            <a:ext cx="7112884" cy="151129"/>
           </a:xfrm>
           <a:prstGeom prst="rect">
             <a:avLst/>
@@ -8273,8 +8278,8 @@
         </p:nvSpPr>
         <p:spPr>
           <a:xfrm>
-            <a:off x="4485616" y="4474418"/>
-            <a:ext cx="6717725" cy="151128"/>
+            <a:off x="4485616" y="4474417"/>
+            <a:ext cx="6717726" cy="151129"/>
           </a:xfrm>
           <a:prstGeom prst="rect">
             <a:avLst/>
@@ -8324,8 +8329,8 @@
         </p:nvSpPr>
         <p:spPr>
           <a:xfrm>
-            <a:off x="8323351" y="3765780"/>
-            <a:ext cx="5334668" cy="210690"/>
+            <a:off x="8323350" y="3765779"/>
+            <a:ext cx="5334669" cy="210691"/>
           </a:xfrm>
           <a:prstGeom prst="rect">
             <a:avLst/>
@@ -8375,8 +8380,8 @@
         </p:nvSpPr>
         <p:spPr>
           <a:xfrm>
-            <a:off x="8323351" y="4042418"/>
-            <a:ext cx="6915305" cy="151128"/>
+            <a:off x="8323350" y="4042417"/>
+            <a:ext cx="6915306" cy="151129"/>
           </a:xfrm>
           <a:prstGeom prst="rect">
             <a:avLst/>
@@ -8426,8 +8431,8 @@
         </p:nvSpPr>
         <p:spPr>
           <a:xfrm>
-            <a:off x="8323351" y="4258418"/>
-            <a:ext cx="6717725" cy="151128"/>
+            <a:off x="8323350" y="4258417"/>
+            <a:ext cx="6717726" cy="151129"/>
           </a:xfrm>
           <a:prstGeom prst="rect">
             <a:avLst/>
@@ -8477,8 +8482,8 @@
         </p:nvSpPr>
         <p:spPr>
           <a:xfrm>
-            <a:off x="8323351" y="4474418"/>
-            <a:ext cx="7112884" cy="151128"/>
+            <a:off x="8323350" y="4474417"/>
+            <a:ext cx="7112884" cy="151129"/>
           </a:xfrm>
           <a:prstGeom prst="rect">
             <a:avLst/>
@@ -8528,8 +8533,8 @@
         </p:nvSpPr>
         <p:spPr>
           <a:xfrm>
-            <a:off x="462856" y="5891928"/>
-            <a:ext cx="11266234" cy="127001"/>
+            <a:off x="462855" y="5891927"/>
+            <a:ext cx="11266236" cy="127001"/>
           </a:xfrm>
           <a:prstGeom prst="rect">
             <a:avLst/>
@@ -8631,7 +8636,7 @@
         <p:spPr>
           <a:xfrm>
             <a:off x="1774286" y="6177776"/>
-            <a:ext cx="3442252" cy="181608"/>
+            <a:ext cx="3442253" cy="181608"/>
           </a:xfrm>
           <a:prstGeom prst="rect">
             <a:avLst/>
@@ -8733,7 +8738,7 @@
         <p:spPr>
           <a:xfrm>
             <a:off x="4721142" y="6177776"/>
-            <a:ext cx="2710377" cy="181608"/>
+            <a:ext cx="2710378" cy="181608"/>
           </a:xfrm>
           <a:prstGeom prst="rect">
             <a:avLst/>
@@ -8784,7 +8789,7 @@
         <p:spPr>
           <a:xfrm>
             <a:off x="6163714" y="6177776"/>
-            <a:ext cx="2697453" cy="181608"/>
+            <a:ext cx="2697454" cy="181608"/>
           </a:xfrm>
           <a:prstGeom prst="rect">
             <a:avLst/>
@@ -8991,7 +8996,7 @@
         <p:spPr>
           <a:xfrm>
             <a:off x="1494233" y="1371600"/>
-            <a:ext cx="609601" cy="457200"/>
+            <a:ext cx="609602" cy="457200"/>
           </a:xfrm>
           <a:prstGeom prst="rect">
             <a:avLst/>
@@ -9020,7 +9025,7 @@
         <p:spPr>
           <a:xfrm>
             <a:off x="1684733" y="1447800"/>
-            <a:ext cx="228601" cy="304800"/>
+            <a:ext cx="228602" cy="304800"/>
           </a:xfrm>
           <a:prstGeom prst="rect">
             <a:avLst/>
@@ -9077,8 +9082,8 @@
         </p:blipFill>
         <p:spPr>
           <a:xfrm>
-            <a:off x="3159918" y="1905000"/>
-            <a:ext cx="142876" cy="304800"/>
+            <a:off x="3159917" y="1905000"/>
+            <a:ext cx="142877" cy="304800"/>
           </a:xfrm>
           <a:prstGeom prst="rect">
             <a:avLst/>
@@ -9107,7 +9112,7 @@
         <p:spPr>
           <a:xfrm>
             <a:off x="4358878" y="1371600"/>
-            <a:ext cx="609601" cy="457200"/>
+            <a:ext cx="609602" cy="457200"/>
           </a:xfrm>
           <a:prstGeom prst="rect">
             <a:avLst/>
@@ -9136,7 +9141,7 @@
         <p:spPr>
           <a:xfrm>
             <a:off x="4549378" y="1447800"/>
-            <a:ext cx="228601" cy="304800"/>
+            <a:ext cx="228602" cy="304800"/>
           </a:xfrm>
           <a:prstGeom prst="rect">
             <a:avLst/>
@@ -9165,7 +9170,7 @@
         <p:spPr>
           <a:xfrm>
             <a:off x="3398044" y="1905000"/>
-            <a:ext cx="2531270" cy="457200"/>
+            <a:ext cx="2531271" cy="457200"/>
           </a:xfrm>
           <a:prstGeom prst="rect">
             <a:avLst/>
@@ -9194,7 +9199,7 @@
         <p:spPr>
           <a:xfrm>
             <a:off x="6024562" y="1905000"/>
-            <a:ext cx="142876" cy="304800"/>
+            <a:ext cx="142877" cy="304800"/>
           </a:xfrm>
           <a:prstGeom prst="rect">
             <a:avLst/>
@@ -9223,7 +9228,7 @@
         <p:spPr>
           <a:xfrm>
             <a:off x="7223521" y="1371600"/>
-            <a:ext cx="609601" cy="457200"/>
+            <a:ext cx="609602" cy="457200"/>
           </a:xfrm>
           <a:prstGeom prst="rect">
             <a:avLst/>
@@ -9252,7 +9257,7 @@
         <p:spPr>
           <a:xfrm>
             <a:off x="7428309" y="1447800"/>
-            <a:ext cx="200026" cy="304800"/>
+            <a:ext cx="200027" cy="304800"/>
           </a:xfrm>
           <a:prstGeom prst="rect">
             <a:avLst/>
@@ -9281,7 +9286,7 @@
         <p:spPr>
           <a:xfrm>
             <a:off x="6262687" y="1905000"/>
-            <a:ext cx="2531270" cy="457200"/>
+            <a:ext cx="2531271" cy="457200"/>
           </a:xfrm>
           <a:prstGeom prst="rect">
             <a:avLst/>
@@ -9310,7 +9315,7 @@
         <p:spPr>
           <a:xfrm>
             <a:off x="8889206" y="1905000"/>
-            <a:ext cx="142876" cy="304800"/>
+            <a:ext cx="142877" cy="304800"/>
           </a:xfrm>
           <a:prstGeom prst="rect">
             <a:avLst/>
@@ -9338,8 +9343,8 @@
         </p:blipFill>
         <p:spPr>
           <a:xfrm>
-            <a:off x="10088165" y="1371600"/>
-            <a:ext cx="609601" cy="609600"/>
+            <a:off x="10088164" y="1371600"/>
+            <a:ext cx="609602" cy="609600"/>
           </a:xfrm>
           <a:prstGeom prst="rect">
             <a:avLst/>
@@ -9367,8 +9372,8 @@
         </p:blipFill>
         <p:spPr>
           <a:xfrm>
-            <a:off x="10278665" y="1524000"/>
-            <a:ext cx="228601" cy="304800"/>
+            <a:off x="10278664" y="1524000"/>
+            <a:ext cx="228602" cy="304800"/>
           </a:xfrm>
           <a:prstGeom prst="rect">
             <a:avLst/>
@@ -9397,7 +9402,7 @@
         <p:spPr>
           <a:xfrm>
             <a:off x="9127331" y="2057400"/>
-            <a:ext cx="2531270" cy="457200"/>
+            <a:ext cx="2531271" cy="457200"/>
           </a:xfrm>
           <a:prstGeom prst="rect">
             <a:avLst/>
@@ -9706,7 +9711,7 @@
         <p:spPr>
           <a:xfrm>
             <a:off x="609600" y="379669"/>
-            <a:ext cx="14401800" cy="383662"/>
+            <a:ext cx="14401800" cy="383661"/>
           </a:xfrm>
           <a:prstGeom prst="rect">
             <a:avLst/>
@@ -9807,7 +9812,7 @@
         </p:nvSpPr>
         <p:spPr>
           <a:xfrm>
-            <a:off x="533400" y="2024635"/>
+            <a:off x="533400" y="2024634"/>
             <a:ext cx="2302669" cy="217930"/>
           </a:xfrm>
           <a:prstGeom prst="rect">
@@ -9858,7 +9863,7 @@
         </p:nvSpPr>
         <p:spPr>
           <a:xfrm>
-            <a:off x="1419225" y="2516696"/>
+            <a:off x="1419225" y="2516695"/>
             <a:ext cx="759471" cy="148208"/>
           </a:xfrm>
           <a:prstGeom prst="rect">
@@ -9909,8 +9914,8 @@
         </p:nvSpPr>
         <p:spPr>
           <a:xfrm>
-            <a:off x="3398044" y="2024635"/>
-            <a:ext cx="2302670" cy="217930"/>
+            <a:off x="3398044" y="2024634"/>
+            <a:ext cx="2302671" cy="217930"/>
           </a:xfrm>
           <a:prstGeom prst="rect">
             <a:avLst/>
@@ -9960,8 +9965,8 @@
         </p:nvSpPr>
         <p:spPr>
           <a:xfrm>
-            <a:off x="4026246" y="2516696"/>
-            <a:ext cx="1274714" cy="148208"/>
+            <a:off x="4026246" y="2516695"/>
+            <a:ext cx="1274715" cy="148208"/>
           </a:xfrm>
           <a:prstGeom prst="rect">
             <a:avLst/>
@@ -10011,8 +10016,8 @@
         </p:nvSpPr>
         <p:spPr>
           <a:xfrm>
-            <a:off x="6262687" y="2024635"/>
-            <a:ext cx="2302670" cy="217930"/>
+            <a:off x="6262687" y="2024634"/>
+            <a:ext cx="2302671" cy="217930"/>
           </a:xfrm>
           <a:prstGeom prst="rect">
             <a:avLst/>
@@ -10062,8 +10067,8 @@
         </p:nvSpPr>
         <p:spPr>
           <a:xfrm>
-            <a:off x="6832103" y="2516696"/>
-            <a:ext cx="1392288" cy="148208"/>
+            <a:off x="6832103" y="2516695"/>
+            <a:ext cx="1392289" cy="148208"/>
           </a:xfrm>
           <a:prstGeom prst="rect">
             <a:avLst/>
@@ -10113,8 +10118,8 @@
         </p:nvSpPr>
         <p:spPr>
           <a:xfrm>
-            <a:off x="9127331" y="2177035"/>
-            <a:ext cx="2302670" cy="217930"/>
+            <a:off x="9127331" y="2177034"/>
+            <a:ext cx="2302671" cy="217930"/>
           </a:xfrm>
           <a:prstGeom prst="rect">
             <a:avLst/>
@@ -10164,8 +10169,8 @@
         </p:nvSpPr>
         <p:spPr>
           <a:xfrm>
-            <a:off x="9852273" y="2592896"/>
-            <a:ext cx="2606041" cy="148208"/>
+            <a:off x="9852272" y="2592895"/>
+            <a:ext cx="2606043" cy="148208"/>
           </a:xfrm>
           <a:prstGeom prst="rect">
             <a:avLst/>
@@ -10266,7 +10271,7 @@
         </p:nvSpPr>
         <p:spPr>
           <a:xfrm>
-            <a:off x="800100" y="3777235"/>
+            <a:off x="800100" y="3777234"/>
             <a:ext cx="4914900" cy="446530"/>
           </a:xfrm>
           <a:prstGeom prst="rect">
@@ -10319,7 +10324,7 @@
         </p:nvSpPr>
         <p:spPr>
           <a:xfrm>
-            <a:off x="800100" y="4348735"/>
+            <a:off x="800100" y="4348734"/>
             <a:ext cx="4914900" cy="446530"/>
           </a:xfrm>
           <a:prstGeom prst="rect">
@@ -10372,7 +10377,7 @@
         </p:nvSpPr>
         <p:spPr>
           <a:xfrm>
-            <a:off x="800100" y="4920235"/>
+            <a:off x="800100" y="4920234"/>
             <a:ext cx="4914900" cy="446530"/>
           </a:xfrm>
           <a:prstGeom prst="rect">
@@ -10476,8 +10481,8 @@
         </p:nvSpPr>
         <p:spPr>
           <a:xfrm>
-            <a:off x="6477000" y="3776346"/>
-            <a:ext cx="8161019" cy="181608"/>
+            <a:off x="6477000" y="3776345"/>
+            <a:ext cx="8161019" cy="181609"/>
           </a:xfrm>
           <a:prstGeom prst="rect">
             <a:avLst/>
@@ -10527,8 +10532,8 @@
         </p:nvSpPr>
         <p:spPr>
           <a:xfrm>
-            <a:off x="6591300" y="4283584"/>
-            <a:ext cx="2057400" cy="148207"/>
+            <a:off x="6591300" y="4283583"/>
+            <a:ext cx="2057400" cy="148208"/>
           </a:xfrm>
           <a:prstGeom prst="rect">
             <a:avLst/>
@@ -10578,8 +10583,8 @@
         </p:nvSpPr>
         <p:spPr>
           <a:xfrm>
-            <a:off x="6591300" y="4462146"/>
-            <a:ext cx="3133725" cy="372108"/>
+            <a:off x="6591300" y="4462145"/>
+            <a:ext cx="3133725" cy="372109"/>
           </a:xfrm>
           <a:prstGeom prst="rect">
             <a:avLst/>
@@ -10629,8 +10634,8 @@
         </p:nvSpPr>
         <p:spPr>
           <a:xfrm>
-            <a:off x="6591300" y="5236084"/>
-            <a:ext cx="1508761" cy="148207"/>
+            <a:off x="6591299" y="5236083"/>
+            <a:ext cx="1508763" cy="148208"/>
           </a:xfrm>
           <a:prstGeom prst="rect">
             <a:avLst/>
@@ -10680,8 +10685,8 @@
         </p:nvSpPr>
         <p:spPr>
           <a:xfrm>
-            <a:off x="6591300" y="5414646"/>
-            <a:ext cx="3133725" cy="372108"/>
+            <a:off x="6591300" y="5414645"/>
+            <a:ext cx="3133725" cy="372109"/>
           </a:xfrm>
           <a:prstGeom prst="rect">
             <a:avLst/>
@@ -10807,8 +10812,8 @@
         </p:blipFill>
         <p:spPr>
           <a:xfrm>
-            <a:off x="337832" y="337832"/>
-            <a:ext cx="11516262" cy="608099"/>
+            <a:off x="337831" y="337831"/>
+            <a:ext cx="11516264" cy="608100"/>
           </a:xfrm>
           <a:prstGeom prst="rect">
             <a:avLst/>
@@ -10836,8 +10841,8 @@
         </p:blipFill>
         <p:spPr>
           <a:xfrm>
-            <a:off x="337832" y="1587812"/>
-            <a:ext cx="3703622" cy="1452681"/>
+            <a:off x="337831" y="1587811"/>
+            <a:ext cx="3703623" cy="1452682"/>
           </a:xfrm>
           <a:prstGeom prst="rect">
             <a:avLst/>
@@ -10866,7 +10871,7 @@
         <p:spPr>
           <a:xfrm>
             <a:off x="540531" y="1790512"/>
-            <a:ext cx="253375" cy="270267"/>
+            <a:ext cx="253375" cy="270268"/>
           </a:xfrm>
           <a:prstGeom prst="rect">
             <a:avLst/>
@@ -10894,8 +10899,8 @@
         </p:blipFill>
         <p:spPr>
           <a:xfrm>
-            <a:off x="4244152" y="1587812"/>
-            <a:ext cx="3703622" cy="1452681"/>
+            <a:off x="4244152" y="1587811"/>
+            <a:ext cx="3703623" cy="1452682"/>
           </a:xfrm>
           <a:prstGeom prst="rect">
             <a:avLst/>
@@ -10924,7 +10929,7 @@
         <p:spPr>
           <a:xfrm>
             <a:off x="4446851" y="1790512"/>
-            <a:ext cx="253375" cy="270267"/>
+            <a:ext cx="253376" cy="270268"/>
           </a:xfrm>
           <a:prstGeom prst="rect">
             <a:avLst/>
@@ -10952,8 +10957,8 @@
         </p:blipFill>
         <p:spPr>
           <a:xfrm>
-            <a:off x="8150473" y="1587812"/>
-            <a:ext cx="3703621" cy="1452681"/>
+            <a:off x="8150473" y="1587811"/>
+            <a:ext cx="3703621" cy="1452682"/>
           </a:xfrm>
           <a:prstGeom prst="rect">
             <a:avLst/>
@@ -10982,7 +10987,7 @@
         <p:spPr>
           <a:xfrm>
             <a:off x="8353173" y="1790512"/>
-            <a:ext cx="253376" cy="270267"/>
+            <a:ext cx="253377" cy="270268"/>
           </a:xfrm>
           <a:prstGeom prst="rect">
             <a:avLst/>
@@ -11010,8 +11015,8 @@
         </p:blipFill>
         <p:spPr>
           <a:xfrm>
-            <a:off x="337832" y="3682374"/>
-            <a:ext cx="3748623" cy="472967"/>
+            <a:off x="337831" y="3682374"/>
+            <a:ext cx="3748625" cy="472968"/>
           </a:xfrm>
           <a:prstGeom prst="rect">
             <a:avLst/>
@@ -11040,7 +11045,7 @@
         <p:spPr>
           <a:xfrm>
             <a:off x="439182" y="3783724"/>
-            <a:ext cx="337833" cy="270267"/>
+            <a:ext cx="337833" cy="270268"/>
           </a:xfrm>
           <a:prstGeom prst="rect">
             <a:avLst/>
@@ -11068,8 +11073,8 @@
         </p:blipFill>
         <p:spPr>
           <a:xfrm>
-            <a:off x="337832" y="4256690"/>
-            <a:ext cx="3748623" cy="472967"/>
+            <a:off x="337831" y="4256690"/>
+            <a:ext cx="3748625" cy="472968"/>
           </a:xfrm>
           <a:prstGeom prst="rect">
             <a:avLst/>
@@ -11098,7 +11103,7 @@
         <p:spPr>
           <a:xfrm>
             <a:off x="439182" y="4358039"/>
-            <a:ext cx="337833" cy="270267"/>
+            <a:ext cx="337833" cy="270268"/>
           </a:xfrm>
           <a:prstGeom prst="rect">
             <a:avLst/>
@@ -11126,8 +11131,8 @@
         </p:blipFill>
         <p:spPr>
           <a:xfrm>
-            <a:off x="337832" y="4831005"/>
-            <a:ext cx="3748623" cy="472967"/>
+            <a:off x="337831" y="4831005"/>
+            <a:ext cx="3748625" cy="472968"/>
           </a:xfrm>
           <a:prstGeom prst="rect">
             <a:avLst/>
@@ -11156,7 +11161,7 @@
         <p:spPr>
           <a:xfrm>
             <a:off x="439182" y="4932355"/>
-            <a:ext cx="337833" cy="270267"/>
+            <a:ext cx="337833" cy="270268"/>
           </a:xfrm>
           <a:prstGeom prst="rect">
             <a:avLst/>
@@ -11185,7 +11190,7 @@
         <p:spPr>
           <a:xfrm>
             <a:off x="4356720" y="3682374"/>
-            <a:ext cx="3647272" cy="1207752"/>
+            <a:ext cx="3647273" cy="1207753"/>
           </a:xfrm>
           <a:prstGeom prst="rect">
             <a:avLst/>
@@ -11214,7 +11219,7 @@
         <p:spPr>
           <a:xfrm>
             <a:off x="4525636" y="3889033"/>
-            <a:ext cx="194255" cy="152421"/>
+            <a:ext cx="194256" cy="152422"/>
           </a:xfrm>
           <a:prstGeom prst="rect">
             <a:avLst/>
@@ -11243,7 +11248,7 @@
         <p:spPr>
           <a:xfrm>
             <a:off x="8206691" y="3682374"/>
-            <a:ext cx="3647404" cy="1207752"/>
+            <a:ext cx="3647405" cy="1207753"/>
           </a:xfrm>
           <a:prstGeom prst="rect">
             <a:avLst/>
@@ -11272,7 +11277,7 @@
         <p:spPr>
           <a:xfrm>
             <a:off x="8375607" y="3889033"/>
-            <a:ext cx="135134" cy="152421"/>
+            <a:ext cx="135135" cy="152422"/>
           </a:xfrm>
           <a:prstGeom prst="rect">
             <a:avLst/>
@@ -11301,7 +11306,7 @@
         <p:spPr>
           <a:xfrm>
             <a:off x="4356720" y="5092825"/>
-            <a:ext cx="7497375" cy="667748"/>
+            <a:ext cx="7497376" cy="667749"/>
           </a:xfrm>
           <a:prstGeom prst="rect">
             <a:avLst/>
@@ -11330,7 +11335,7 @@
         <p:spPr>
           <a:xfrm>
             <a:off x="11398021" y="5274674"/>
-            <a:ext cx="320942" cy="304050"/>
+            <a:ext cx="320943" cy="304051"/>
           </a:xfrm>
           <a:prstGeom prst="rect">
             <a:avLst/>
@@ -11399,8 +11404,8 @@
         </p:nvSpPr>
         <p:spPr>
           <a:xfrm>
-            <a:off x="540531" y="714343"/>
-            <a:ext cx="16499875" cy="226693"/>
+            <a:off x="540530" y="714342"/>
+            <a:ext cx="16499877" cy="226693"/>
           </a:xfrm>
           <a:prstGeom prst="rect">
             <a:avLst/>
@@ -11451,7 +11456,7 @@
         <p:spPr>
           <a:xfrm>
             <a:off x="337833" y="1221092"/>
-            <a:ext cx="11516261" cy="226693"/>
+            <a:ext cx="11516261" cy="226692"/>
           </a:xfrm>
           <a:prstGeom prst="rect">
             <a:avLst/>
@@ -11502,7 +11507,7 @@
         <p:spPr>
           <a:xfrm>
             <a:off x="895256" y="1812299"/>
-            <a:ext cx="1484525" cy="226693"/>
+            <a:ext cx="1484526" cy="226692"/>
           </a:xfrm>
           <a:prstGeom prst="rect">
             <a:avLst/>
@@ -11552,8 +11557,8 @@
         </p:nvSpPr>
         <p:spPr>
           <a:xfrm>
-            <a:off x="540532" y="2170098"/>
-            <a:ext cx="3281330" cy="633728"/>
+            <a:off x="540532" y="2170097"/>
+            <a:ext cx="3281330" cy="633729"/>
           </a:xfrm>
           <a:prstGeom prst="rect">
             <a:avLst/>
@@ -11588,11 +11593,8 @@
             </a:lvl1pPr>
           </a:lstStyle>
           <a:p>
-            <a:pPr>
-              <a:defRPr b="1"/>
-            </a:pPr>
-            <a:r>
-              <a:rPr b="0"/>
+            <a:pPr/>
+            <a:r>
               <a:t>Espone operazioni aggregate che il controller mappa su pochi endpoint, riducendo le chiamate HTTP e ottimizzando le performance del client.</a:t>
             </a:r>
           </a:p>
@@ -11607,7 +11609,7 @@
         <p:spPr>
           <a:xfrm>
             <a:off x="4801575" y="1812299"/>
-            <a:ext cx="1804675" cy="226693"/>
+            <a:ext cx="1804675" cy="226692"/>
           </a:xfrm>
           <a:prstGeom prst="rect">
             <a:avLst/>
@@ -11657,8 +11659,8 @@
         </p:nvSpPr>
         <p:spPr>
           <a:xfrm>
-            <a:off x="4446851" y="2170098"/>
-            <a:ext cx="3281331" cy="633728"/>
+            <a:off x="4446850" y="2170097"/>
+            <a:ext cx="3281333" cy="633729"/>
           </a:xfrm>
           <a:prstGeom prst="rect">
             <a:avLst/>
@@ -11709,7 +11711,7 @@
         <p:spPr>
           <a:xfrm>
             <a:off x="8707897" y="1812299"/>
-            <a:ext cx="2062485" cy="226693"/>
+            <a:ext cx="2062486" cy="226692"/>
           </a:xfrm>
           <a:prstGeom prst="rect">
             <a:avLst/>
@@ -11759,8 +11761,8 @@
         </p:nvSpPr>
         <p:spPr>
           <a:xfrm>
-            <a:off x="8353173" y="2170098"/>
-            <a:ext cx="3281331" cy="633728"/>
+            <a:off x="8353173" y="2170097"/>
+            <a:ext cx="3281332" cy="633729"/>
           </a:xfrm>
           <a:prstGeom prst="rect">
             <a:avLst/>
@@ -11810,8 +11812,8 @@
         </p:nvSpPr>
         <p:spPr>
           <a:xfrm>
-            <a:off x="337832" y="3315655"/>
-            <a:ext cx="3748623" cy="226692"/>
+            <a:off x="337832" y="3315654"/>
+            <a:ext cx="3748623" cy="226693"/>
           </a:xfrm>
           <a:prstGeom prst="rect">
             <a:avLst/>
@@ -11861,8 +11863,8 @@
         </p:nvSpPr>
         <p:spPr>
           <a:xfrm>
-            <a:off x="777014" y="3809893"/>
-            <a:ext cx="4537447" cy="217930"/>
+            <a:off x="777013" y="3809893"/>
+            <a:ext cx="4537449" cy="217930"/>
           </a:xfrm>
           <a:prstGeom prst="rect">
             <a:avLst/>
@@ -11912,8 +11914,8 @@
         </p:nvSpPr>
         <p:spPr>
           <a:xfrm>
-            <a:off x="777014" y="4384208"/>
-            <a:ext cx="4537447" cy="217930"/>
+            <a:off x="777013" y="4384207"/>
+            <a:ext cx="4537449" cy="217930"/>
           </a:xfrm>
           <a:prstGeom prst="rect">
             <a:avLst/>
@@ -11963,7 +11965,7 @@
         </p:nvSpPr>
         <p:spPr>
           <a:xfrm>
-            <a:off x="777015" y="4958523"/>
+            <a:off x="777015" y="4958522"/>
             <a:ext cx="3506207" cy="217930"/>
           </a:xfrm>
           <a:prstGeom prst="rect">
@@ -12014,8 +12016,8 @@
         </p:nvSpPr>
         <p:spPr>
           <a:xfrm>
-            <a:off x="4356720" y="3315655"/>
-            <a:ext cx="7497375" cy="226692"/>
+            <a:off x="4356720" y="3315654"/>
+            <a:ext cx="7497376" cy="226693"/>
           </a:xfrm>
           <a:prstGeom prst="rect">
             <a:avLst/>
@@ -12065,8 +12067,8 @@
         </p:nvSpPr>
         <p:spPr>
           <a:xfrm>
-            <a:off x="4787455" y="3856345"/>
-            <a:ext cx="2268723" cy="217930"/>
+            <a:off x="4787455" y="3856344"/>
+            <a:ext cx="2268724" cy="217930"/>
           </a:xfrm>
           <a:prstGeom prst="rect">
             <a:avLst/>
@@ -12116,8 +12118,8 @@
         </p:nvSpPr>
         <p:spPr>
           <a:xfrm>
-            <a:off x="4660769" y="4150708"/>
-            <a:ext cx="6135883" cy="161288"/>
+            <a:off x="4660768" y="4150707"/>
+            <a:ext cx="6135885" cy="161289"/>
           </a:xfrm>
           <a:prstGeom prst="rect">
             <a:avLst/>
@@ -12167,8 +12169,8 @@
         </p:nvSpPr>
         <p:spPr>
           <a:xfrm>
-            <a:off x="4660769" y="4353408"/>
-            <a:ext cx="5053080" cy="161288"/>
+            <a:off x="4660769" y="4353407"/>
+            <a:ext cx="5053080" cy="161289"/>
           </a:xfrm>
           <a:prstGeom prst="rect">
             <a:avLst/>
@@ -12269,8 +12271,8 @@
         </p:nvSpPr>
         <p:spPr>
           <a:xfrm>
-            <a:off x="8578306" y="3856345"/>
-            <a:ext cx="2062476" cy="217930"/>
+            <a:off x="8578305" y="3856344"/>
+            <a:ext cx="2062477" cy="217930"/>
           </a:xfrm>
           <a:prstGeom prst="rect">
             <a:avLst/>
@@ -12320,8 +12322,8 @@
         </p:nvSpPr>
         <p:spPr>
           <a:xfrm>
-            <a:off x="8510740" y="4150708"/>
-            <a:ext cx="4872613" cy="161288"/>
+            <a:off x="8510740" y="4150707"/>
+            <a:ext cx="4872614" cy="161289"/>
           </a:xfrm>
           <a:prstGeom prst="rect">
             <a:avLst/>
@@ -12371,8 +12373,8 @@
         </p:nvSpPr>
         <p:spPr>
           <a:xfrm>
-            <a:off x="8510740" y="4353408"/>
-            <a:ext cx="5233547" cy="161288"/>
+            <a:off x="8510740" y="4353407"/>
+            <a:ext cx="5233547" cy="161289"/>
           </a:xfrm>
           <a:prstGeom prst="rect">
             <a:avLst/>
@@ -12423,7 +12425,7 @@
         <p:spPr>
           <a:xfrm>
             <a:off x="8510740" y="4556107"/>
-            <a:ext cx="4331212" cy="161288"/>
+            <a:ext cx="4331213" cy="161288"/>
           </a:xfrm>
           <a:prstGeom prst="rect">
             <a:avLst/>
@@ -12474,7 +12476,7 @@
         <p:spPr>
           <a:xfrm>
             <a:off x="4491852" y="5290701"/>
-            <a:ext cx="2474972" cy="127888"/>
+            <a:ext cx="2474973" cy="127887"/>
           </a:xfrm>
           <a:prstGeom prst="rect">
             <a:avLst/>
@@ -12524,8 +12526,8 @@
         </p:nvSpPr>
         <p:spPr>
           <a:xfrm>
-            <a:off x="4491852" y="5460337"/>
-            <a:ext cx="12452234" cy="161288"/>
+            <a:off x="4491851" y="5460336"/>
+            <a:ext cx="12452236" cy="161289"/>
           </a:xfrm>
           <a:prstGeom prst="rect">
             <a:avLst/>
@@ -12966,7 +12968,7 @@
         <p:spPr>
           <a:xfrm>
             <a:off x="609599" y="379669"/>
-            <a:ext cx="12755882" cy="383662"/>
+            <a:ext cx="12755882" cy="383661"/>
           </a:xfrm>
           <a:prstGeom prst="rect">
             <a:avLst/>
@@ -13067,8 +13069,8 @@
         </p:nvSpPr>
         <p:spPr>
           <a:xfrm>
-            <a:off x="952500" y="1604393"/>
-            <a:ext cx="5105400" cy="296414"/>
+            <a:off x="952500" y="1604392"/>
+            <a:ext cx="5105400" cy="296415"/>
           </a:xfrm>
           <a:prstGeom prst="rect">
             <a:avLst/>
@@ -13118,8 +13120,8 @@
         </p:nvSpPr>
         <p:spPr>
           <a:xfrm>
-            <a:off x="876299" y="2062735"/>
-            <a:ext cx="3474722" cy="217930"/>
+            <a:off x="876299" y="2062734"/>
+            <a:ext cx="3474723" cy="217930"/>
           </a:xfrm>
           <a:prstGeom prst="rect">
             <a:avLst/>
@@ -13166,7 +13168,7 @@
         </p:nvSpPr>
         <p:spPr>
           <a:xfrm>
-            <a:off x="876300" y="2291335"/>
+            <a:off x="876300" y="2291334"/>
             <a:ext cx="4819650" cy="446530"/>
           </a:xfrm>
           <a:prstGeom prst="rect">
@@ -13217,8 +13219,8 @@
         </p:nvSpPr>
         <p:spPr>
           <a:xfrm>
-            <a:off x="876299" y="2900935"/>
-            <a:ext cx="2560322" cy="217930"/>
+            <a:off x="876299" y="2900934"/>
+            <a:ext cx="2560323" cy="217930"/>
           </a:xfrm>
           <a:prstGeom prst="rect">
             <a:avLst/>
@@ -13265,7 +13267,7 @@
         </p:nvSpPr>
         <p:spPr>
           <a:xfrm>
-            <a:off x="876300" y="3243835"/>
+            <a:off x="876300" y="3243834"/>
             <a:ext cx="4695974" cy="217930"/>
           </a:xfrm>
           <a:prstGeom prst="rect">
@@ -13316,8 +13318,8 @@
         </p:nvSpPr>
         <p:spPr>
           <a:xfrm>
-            <a:off x="876299" y="3739135"/>
-            <a:ext cx="2926082" cy="217930"/>
+            <a:off x="876299" y="3739134"/>
+            <a:ext cx="2926083" cy="217930"/>
           </a:xfrm>
           <a:prstGeom prst="rect">
             <a:avLst/>
@@ -13364,7 +13366,7 @@
         </p:nvSpPr>
         <p:spPr>
           <a:xfrm>
-            <a:off x="876300" y="3967735"/>
+            <a:off x="876300" y="3967734"/>
             <a:ext cx="4819650" cy="446530"/>
           </a:xfrm>
           <a:prstGeom prst="rect">
@@ -13415,8 +13417,8 @@
         </p:nvSpPr>
         <p:spPr>
           <a:xfrm>
-            <a:off x="6791325" y="1604393"/>
-            <a:ext cx="6858000" cy="296414"/>
+            <a:off x="6791325" y="1604392"/>
+            <a:ext cx="6858000" cy="296415"/>
           </a:xfrm>
           <a:prstGeom prst="rect">
             <a:avLst/>
@@ -13466,8 +13468,8 @@
         </p:nvSpPr>
         <p:spPr>
           <a:xfrm>
-            <a:off x="6743699" y="2062735"/>
-            <a:ext cx="3108962" cy="217930"/>
+            <a:off x="6743699" y="2062734"/>
+            <a:ext cx="3108963" cy="217930"/>
           </a:xfrm>
           <a:prstGeom prst="rect">
             <a:avLst/>
@@ -13514,7 +13516,7 @@
         </p:nvSpPr>
         <p:spPr>
           <a:xfrm>
-            <a:off x="6743700" y="2291335"/>
+            <a:off x="6743700" y="2291334"/>
             <a:ext cx="4819650" cy="446530"/>
           </a:xfrm>
           <a:prstGeom prst="rect">
@@ -13565,8 +13567,8 @@
         </p:nvSpPr>
         <p:spPr>
           <a:xfrm>
-            <a:off x="6705599" y="2900935"/>
-            <a:ext cx="5120642" cy="217930"/>
+            <a:off x="6705599" y="2900934"/>
+            <a:ext cx="5120643" cy="217930"/>
           </a:xfrm>
           <a:prstGeom prst="rect">
             <a:avLst/>
@@ -13613,7 +13615,7 @@
         </p:nvSpPr>
         <p:spPr>
           <a:xfrm>
-            <a:off x="6705600" y="3129535"/>
+            <a:off x="6705600" y="3129534"/>
             <a:ext cx="4857750" cy="446530"/>
           </a:xfrm>
           <a:prstGeom prst="rect">
@@ -13664,7 +13666,7 @@
         </p:nvSpPr>
         <p:spPr>
           <a:xfrm>
-            <a:off x="6743700" y="3739135"/>
+            <a:off x="6743700" y="3739134"/>
             <a:ext cx="2377440" cy="217930"/>
           </a:xfrm>
           <a:prstGeom prst="rect">
@@ -13712,7 +13714,7 @@
         </p:nvSpPr>
         <p:spPr>
           <a:xfrm>
-            <a:off x="6743700" y="3967735"/>
+            <a:off x="6743700" y="3967734"/>
             <a:ext cx="4819650" cy="446530"/>
           </a:xfrm>
           <a:prstGeom prst="rect">
@@ -13789,8 +13791,8 @@
         </p:nvSpPr>
         <p:spPr>
           <a:xfrm>
-            <a:off x="4157805" y="561280"/>
-            <a:ext cx="3876390" cy="251331"/>
+            <a:off x="4157805" y="561279"/>
+            <a:ext cx="3876391" cy="251331"/>
           </a:xfrm>
           <a:prstGeom prst="rect">
             <a:avLst/>
@@ -13851,7 +13853,7 @@
         <p:spPr>
           <a:xfrm>
             <a:off x="1631950" y="1182066"/>
-            <a:ext cx="8928101" cy="5130801"/>
+            <a:ext cx="8928101" cy="5130802"/>
           </a:xfrm>
           <a:prstGeom prst="rect">
             <a:avLst/>
@@ -14265,7 +14267,7 @@
         <p:spPr>
           <a:xfrm>
             <a:off x="6400800" y="3124199"/>
-            <a:ext cx="238125" cy="190501"/>
+            <a:ext cx="238125" cy="190502"/>
           </a:xfrm>
           <a:prstGeom prst="rect">
             <a:avLst/>
@@ -14322,8 +14324,8 @@
         </p:blipFill>
         <p:spPr>
           <a:xfrm>
-            <a:off x="470594" y="3045620"/>
-            <a:ext cx="125612" cy="114301"/>
+            <a:off x="470593" y="3045619"/>
+            <a:ext cx="125614" cy="114302"/>
           </a:xfrm>
           <a:prstGeom prst="rect">
             <a:avLst/>
@@ -14341,8 +14343,8 @@
         </p:nvSpPr>
         <p:spPr>
           <a:xfrm>
-            <a:off x="476249" y="284419"/>
-            <a:ext cx="11521442" cy="383662"/>
+            <a:off x="476248" y="284419"/>
+            <a:ext cx="11521444" cy="383661"/>
           </a:xfrm>
           <a:prstGeom prst="rect">
             <a:avLst/>
@@ -14443,8 +14445,8 @@
         </p:nvSpPr>
         <p:spPr>
           <a:xfrm>
-            <a:off x="742950" y="1404939"/>
-            <a:ext cx="6400800" cy="257172"/>
+            <a:off x="742950" y="1404938"/>
+            <a:ext cx="6400800" cy="257173"/>
           </a:xfrm>
           <a:prstGeom prst="rect">
             <a:avLst/>
@@ -14495,7 +14497,7 @@
         <p:spPr>
           <a:xfrm>
             <a:off x="438150" y="1822260"/>
-            <a:ext cx="5353050" cy="375030"/>
+            <a:ext cx="5353050" cy="375029"/>
           </a:xfrm>
           <a:prstGeom prst="rect">
             <a:avLst/>
@@ -14698,8 +14700,8 @@
         </p:nvSpPr>
         <p:spPr>
           <a:xfrm>
-            <a:off x="855780" y="2974184"/>
-            <a:ext cx="5353051" cy="257173"/>
+            <a:off x="855779" y="2974183"/>
+            <a:ext cx="5353053" cy="257173"/>
           </a:xfrm>
           <a:prstGeom prst="rect">
             <a:avLst/>
@@ -14800,8 +14802,8 @@
         </p:nvSpPr>
         <p:spPr>
           <a:xfrm>
-            <a:off x="6753225" y="1404939"/>
-            <a:ext cx="5486400" cy="257172"/>
+            <a:off x="6753225" y="1404938"/>
+            <a:ext cx="5486400" cy="257173"/>
           </a:xfrm>
           <a:prstGeom prst="rect">
             <a:avLst/>
@@ -14851,7 +14853,7 @@
         </p:nvSpPr>
         <p:spPr>
           <a:xfrm>
-            <a:off x="6591300" y="1973771"/>
+            <a:off x="6591300" y="1973770"/>
             <a:ext cx="493295" cy="148208"/>
           </a:xfrm>
           <a:prstGeom prst="rect">
@@ -14953,8 +14955,8 @@
         </p:nvSpPr>
         <p:spPr>
           <a:xfrm>
-            <a:off x="6591299" y="2545271"/>
-            <a:ext cx="365762" cy="148208"/>
+            <a:off x="6591299" y="2545270"/>
+            <a:ext cx="365763" cy="148208"/>
           </a:xfrm>
           <a:prstGeom prst="rect">
             <a:avLst/>
@@ -15055,8 +15057,8 @@
         </p:nvSpPr>
         <p:spPr>
           <a:xfrm>
-            <a:off x="6819900" y="3090864"/>
-            <a:ext cx="5353051" cy="257172"/>
+            <a:off x="6819899" y="3090864"/>
+            <a:ext cx="5353053" cy="257172"/>
           </a:xfrm>
           <a:prstGeom prst="rect">
             <a:avLst/>
@@ -15157,8 +15159,8 @@
         </p:nvSpPr>
         <p:spPr>
           <a:xfrm>
-            <a:off x="10098584" y="6488621"/>
-            <a:ext cx="1807667" cy="148208"/>
+            <a:off x="10098584" y="6488620"/>
+            <a:ext cx="1807668" cy="148208"/>
           </a:xfrm>
           <a:prstGeom prst="rect">
             <a:avLst/>
@@ -15218,8 +15220,8 @@
         </p:blipFill>
         <p:spPr>
           <a:xfrm>
-            <a:off x="331935" y="3348035"/>
-            <a:ext cx="5565480" cy="2667989"/>
+            <a:off x="331934" y="3348035"/>
+            <a:ext cx="5565482" cy="2667990"/>
           </a:xfrm>
           <a:prstGeom prst="rect">
             <a:avLst/>
@@ -15248,7 +15250,7 @@
         <p:spPr>
           <a:xfrm>
             <a:off x="6632323" y="3749135"/>
-            <a:ext cx="4890004" cy="1865789"/>
+            <a:ext cx="4890004" cy="1865790"/>
           </a:xfrm>
           <a:prstGeom prst="rect">
             <a:avLst/>
@@ -15460,17 +15462,17 @@
         <a:solidFill>
           <a:srgbClr val="FFFFFF"/>
         </a:solidFill>
-        <a:ln w="12700" cap="flat">
+        <a:ln w="25400" cap="flat">
           <a:solidFill>
             <a:schemeClr val="accent1"/>
           </a:solidFill>
           <a:prstDash val="solid"/>
-          <a:miter lim="800000"/>
+          <a:round/>
         </a:ln>
         <a:effectLst/>
         <a:sp3d/>
       </a:spPr>
-      <a:bodyPr rot="0" spcFirstLastPara="1" vertOverflow="overflow" horzOverflow="overflow" vert="horz" wrap="square" lIns="45719" tIns="45719" rIns="45719" bIns="45719" numCol="1" spcCol="38100" rtlCol="0" anchor="ctr" upright="0">
+      <a:bodyPr rot="0" spcFirstLastPara="1" vertOverflow="overflow" horzOverflow="overflow" vert="horz" wrap="square" lIns="45718" tIns="45718" rIns="45718" bIns="45718" numCol="1" spcCol="38100" rtlCol="0" anchor="ctr" upright="0">
         <a:spAutoFit/>
       </a:bodyPr>
       <a:lstStyle>
@@ -15498,10 +15500,10 @@
             </a:solidFill>
             <a:effectLst/>
             <a:uFillTx/>
-            <a:latin typeface="+mj-lt"/>
-            <a:ea typeface="+mj-ea"/>
-            <a:cs typeface="+mj-cs"/>
-            <a:sym typeface="Calibri"/>
+            <a:latin typeface="+mn-lt"/>
+            <a:ea typeface="+mn-ea"/>
+            <a:cs typeface="+mn-cs"/>
+            <a:sym typeface="Helvetica"/>
           </a:defRPr>
         </a:defPPr>
         <a:lvl1pPr marL="0" marR="0" indent="0" algn="l" defTabSz="914400" rtl="0" fontAlgn="auto" latinLnBrk="1" hangingPunct="0">
@@ -15749,12 +15751,12 @@
     <a:lnDef>
       <a:spPr>
         <a:noFill/>
-        <a:ln w="12700" cap="flat">
+        <a:ln w="25400" cap="flat">
           <a:solidFill>
             <a:schemeClr val="accent1"/>
           </a:solidFill>
           <a:prstDash val="solid"/>
-          <a:miter lim="800000"/>
+          <a:round/>
         </a:ln>
         <a:effectLst/>
         <a:sp3d/>
@@ -16041,7 +16043,7 @@
         <a:effectLst/>
         <a:sp3d/>
       </a:spPr>
-      <a:bodyPr rot="0" spcFirstLastPara="1" vertOverflow="overflow" horzOverflow="overflow" vert="horz" wrap="square" lIns="45719" tIns="45719" rIns="45719" bIns="45719" numCol="1" spcCol="38100" rtlCol="0" anchor="t" upright="0">
+      <a:bodyPr rot="0" spcFirstLastPara="1" vertOverflow="overflow" horzOverflow="overflow" vert="horz" wrap="square" lIns="45718" tIns="45718" rIns="45718" bIns="45718" numCol="1" spcCol="38100" rtlCol="0" anchor="t" upright="0">
         <a:spAutoFit/>
       </a:bodyPr>
       <a:lstStyle>
@@ -16069,10 +16071,10 @@
             </a:solidFill>
             <a:effectLst/>
             <a:uFillTx/>
-            <a:latin typeface="+mj-lt"/>
-            <a:ea typeface="+mj-ea"/>
-            <a:cs typeface="+mj-cs"/>
-            <a:sym typeface="Calibri"/>
+            <a:latin typeface="+mn-lt"/>
+            <a:ea typeface="+mn-ea"/>
+            <a:cs typeface="+mn-cs"/>
+            <a:sym typeface="Helvetica"/>
           </a:defRPr>
         </a:defPPr>
         <a:lvl1pPr marL="0" marR="0" indent="0" algn="l" defTabSz="914400" rtl="0" fontAlgn="auto" latinLnBrk="1" hangingPunct="0">
@@ -16514,17 +16516,17 @@
         <a:solidFill>
           <a:srgbClr val="FFFFFF"/>
         </a:solidFill>
-        <a:ln w="12700" cap="flat">
+        <a:ln w="25400" cap="flat">
           <a:solidFill>
             <a:schemeClr val="accent1"/>
           </a:solidFill>
           <a:prstDash val="solid"/>
-          <a:miter lim="800000"/>
+          <a:round/>
         </a:ln>
         <a:effectLst/>
         <a:sp3d/>
       </a:spPr>
-      <a:bodyPr rot="0" spcFirstLastPara="1" vertOverflow="overflow" horzOverflow="overflow" vert="horz" wrap="square" lIns="45719" tIns="45719" rIns="45719" bIns="45719" numCol="1" spcCol="38100" rtlCol="0" anchor="ctr" upright="0">
+      <a:bodyPr rot="0" spcFirstLastPara="1" vertOverflow="overflow" horzOverflow="overflow" vert="horz" wrap="square" lIns="45718" tIns="45718" rIns="45718" bIns="45718" numCol="1" spcCol="38100" rtlCol="0" anchor="ctr" upright="0">
         <a:spAutoFit/>
       </a:bodyPr>
       <a:lstStyle>
@@ -16552,10 +16554,10 @@
             </a:solidFill>
             <a:effectLst/>
             <a:uFillTx/>
-            <a:latin typeface="+mj-lt"/>
-            <a:ea typeface="+mj-ea"/>
-            <a:cs typeface="+mj-cs"/>
-            <a:sym typeface="Calibri"/>
+            <a:latin typeface="+mn-lt"/>
+            <a:ea typeface="+mn-ea"/>
+            <a:cs typeface="+mn-cs"/>
+            <a:sym typeface="Helvetica"/>
           </a:defRPr>
         </a:defPPr>
         <a:lvl1pPr marL="0" marR="0" indent="0" algn="l" defTabSz="914400" rtl="0" fontAlgn="auto" latinLnBrk="1" hangingPunct="0">
@@ -16803,12 +16805,12 @@
     <a:lnDef>
       <a:spPr>
         <a:noFill/>
-        <a:ln w="12700" cap="flat">
+        <a:ln w="25400" cap="flat">
           <a:solidFill>
             <a:schemeClr val="accent1"/>
           </a:solidFill>
           <a:prstDash val="solid"/>
-          <a:miter lim="800000"/>
+          <a:round/>
         </a:ln>
         <a:effectLst/>
         <a:sp3d/>
@@ -17095,7 +17097,7 @@
         <a:effectLst/>
         <a:sp3d/>
       </a:spPr>
-      <a:bodyPr rot="0" spcFirstLastPara="1" vertOverflow="overflow" horzOverflow="overflow" vert="horz" wrap="square" lIns="45719" tIns="45719" rIns="45719" bIns="45719" numCol="1" spcCol="38100" rtlCol="0" anchor="t" upright="0">
+      <a:bodyPr rot="0" spcFirstLastPara="1" vertOverflow="overflow" horzOverflow="overflow" vert="horz" wrap="square" lIns="45718" tIns="45718" rIns="45718" bIns="45718" numCol="1" spcCol="38100" rtlCol="0" anchor="t" upright="0">
         <a:spAutoFit/>
       </a:bodyPr>
       <a:lstStyle>
@@ -17123,10 +17125,10 @@
             </a:solidFill>
             <a:effectLst/>
             <a:uFillTx/>
-            <a:latin typeface="+mj-lt"/>
-            <a:ea typeface="+mj-ea"/>
-            <a:cs typeface="+mj-cs"/>
-            <a:sym typeface="Calibri"/>
+            <a:latin typeface="+mn-lt"/>
+            <a:ea typeface="+mn-ea"/>
+            <a:cs typeface="+mn-cs"/>
+            <a:sym typeface="Helvetica"/>
           </a:defRPr>
         </a:defPPr>
         <a:lvl1pPr marL="0" marR="0" indent="0" algn="l" defTabSz="914400" rtl="0" fontAlgn="auto" latinLnBrk="1" hangingPunct="0">

--- a/Nexus Energy Distributed Service.pptx
+++ b/Nexus Energy Distributed Service.pptx
@@ -1,23 +1,23 @@
 
 <file path=ppt/presentation.xml><?xml version="1.0" encoding="utf-8"?>
-<p:presentation xmlns:a="http://schemas.openxmlformats.org/drawingml/2006/main" xmlns:r="http://schemas.openxmlformats.org/officeDocument/2006/relationships" xmlns:p="http://schemas.openxmlformats.org/presentationml/2006/main" xmlns:m="http://schemas.openxmlformats.org/officeDocument/2006/math" xmlns:a14="http://schemas.microsoft.com/office/drawing/2010/main">
+<p:presentation xmlns:a="http://schemas.openxmlformats.org/drawingml/2006/main" xmlns:r="http://schemas.openxmlformats.org/officeDocument/2006/relationships" xmlns:p="http://schemas.openxmlformats.org/presentationml/2006/main">
   <p:sldMasterIdLst>
-    <p:sldMasterId id="2147483648" r:id="rId5"/>
+    <p:sldMasterId id="2147483648" r:id="rId1"/>
   </p:sldMasterIdLst>
   <p:notesMasterIdLst>
-    <p:notesMasterId r:id="rId7"/>
+    <p:notesMasterId r:id="rId12"/>
   </p:notesMasterIdLst>
   <p:sldIdLst>
-    <p:sldId id="256" r:id="rId8"/>
-    <p:sldId id="257" r:id="rId9"/>
-    <p:sldId id="258" r:id="rId10"/>
-    <p:sldId id="259" r:id="rId11"/>
-    <p:sldId id="260" r:id="rId12"/>
-    <p:sldId id="261" r:id="rId13"/>
-    <p:sldId id="262" r:id="rId14"/>
-    <p:sldId id="263" r:id="rId15"/>
-    <p:sldId id="264" r:id="rId16"/>
-    <p:sldId id="265" r:id="rId17"/>
+    <p:sldId id="256" r:id="rId2"/>
+    <p:sldId id="257" r:id="rId3"/>
+    <p:sldId id="258" r:id="rId4"/>
+    <p:sldId id="259" r:id="rId5"/>
+    <p:sldId id="260" r:id="rId6"/>
+    <p:sldId id="261" r:id="rId7"/>
+    <p:sldId id="262" r:id="rId8"/>
+    <p:sldId id="263" r:id="rId9"/>
+    <p:sldId id="264" r:id="rId10"/>
+    <p:sldId id="265" r:id="rId11"/>
   </p:sldIdLst>
   <p:sldSz cx="12192000" cy="6858000"/>
   <p:notesSz cx="6858000" cy="9144000"/>
@@ -37,7 +37,7 @@
       <a:buFontTx/>
       <a:buNone/>
       <a:tabLst/>
-      <a:defRPr b="0" baseline="0" cap="none" i="0" spc="0" strike="noStrike" sz="1800" u="none" kumimoji="0" normalizeH="0">
+      <a:defRPr kumimoji="0" sz="1800" b="0" i="0" u="none" strike="noStrike" cap="none" spc="0" normalizeH="0" baseline="0">
         <a:ln>
           <a:noFill/>
         </a:ln>
@@ -63,7 +63,7 @@
       <a:buFontTx/>
       <a:buNone/>
       <a:tabLst/>
-      <a:defRPr b="0" baseline="0" cap="none" i="0" spc="0" strike="noStrike" sz="1800" u="none" kumimoji="0" normalizeH="0">
+      <a:defRPr kumimoji="0" sz="1800" b="0" i="0" u="none" strike="noStrike" cap="none" spc="0" normalizeH="0" baseline="0">
         <a:ln>
           <a:noFill/>
         </a:ln>
@@ -93,7 +93,7 @@
       <a:buFontTx/>
       <a:buNone/>
       <a:tabLst/>
-      <a:defRPr b="0" baseline="0" cap="none" i="0" spc="0" strike="noStrike" sz="1800" u="none" kumimoji="0" normalizeH="0">
+      <a:defRPr kumimoji="0" sz="1800" b="0" i="0" u="none" strike="noStrike" cap="none" spc="0" normalizeH="0" baseline="0">
         <a:ln>
           <a:noFill/>
         </a:ln>
@@ -123,7 +123,7 @@
       <a:buFontTx/>
       <a:buNone/>
       <a:tabLst/>
-      <a:defRPr b="0" baseline="0" cap="none" i="0" spc="0" strike="noStrike" sz="1800" u="none" kumimoji="0" normalizeH="0">
+      <a:defRPr kumimoji="0" sz="1800" b="0" i="0" u="none" strike="noStrike" cap="none" spc="0" normalizeH="0" baseline="0">
         <a:ln>
           <a:noFill/>
         </a:ln>
@@ -153,7 +153,7 @@
       <a:buFontTx/>
       <a:buNone/>
       <a:tabLst/>
-      <a:defRPr b="0" baseline="0" cap="none" i="0" spc="0" strike="noStrike" sz="1800" u="none" kumimoji="0" normalizeH="0">
+      <a:defRPr kumimoji="0" sz="1800" b="0" i="0" u="none" strike="noStrike" cap="none" spc="0" normalizeH="0" baseline="0">
         <a:ln>
           <a:noFill/>
         </a:ln>
@@ -183,7 +183,7 @@
       <a:buFontTx/>
       <a:buNone/>
       <a:tabLst/>
-      <a:defRPr b="0" baseline="0" cap="none" i="0" spc="0" strike="noStrike" sz="1800" u="none" kumimoji="0" normalizeH="0">
+      <a:defRPr kumimoji="0" sz="1800" b="0" i="0" u="none" strike="noStrike" cap="none" spc="0" normalizeH="0" baseline="0">
         <a:ln>
           <a:noFill/>
         </a:ln>
@@ -213,7 +213,7 @@
       <a:buFontTx/>
       <a:buNone/>
       <a:tabLst/>
-      <a:defRPr b="0" baseline="0" cap="none" i="0" spc="0" strike="noStrike" sz="1800" u="none" kumimoji="0" normalizeH="0">
+      <a:defRPr kumimoji="0" sz="1800" b="0" i="0" u="none" strike="noStrike" cap="none" spc="0" normalizeH="0" baseline="0">
         <a:ln>
           <a:noFill/>
         </a:ln>
@@ -243,7 +243,7 @@
       <a:buFontTx/>
       <a:buNone/>
       <a:tabLst/>
-      <a:defRPr b="0" baseline="0" cap="none" i="0" spc="0" strike="noStrike" sz="1800" u="none" kumimoji="0" normalizeH="0">
+      <a:defRPr kumimoji="0" sz="1800" b="0" i="0" u="none" strike="noStrike" cap="none" spc="0" normalizeH="0" baseline="0">
         <a:ln>
           <a:noFill/>
         </a:ln>
@@ -273,7 +273,7 @@
       <a:buFontTx/>
       <a:buNone/>
       <a:tabLst/>
-      <a:defRPr b="0" baseline="0" cap="none" i="0" spc="0" strike="noStrike" sz="1800" u="none" kumimoji="0" normalizeH="0">
+      <a:defRPr kumimoji="0" sz="1800" b="0" i="0" u="none" strike="noStrike" cap="none" spc="0" normalizeH="0" baseline="0">
         <a:ln>
           <a:noFill/>
         </a:ln>
@@ -303,7 +303,7 @@
       <a:buFontTx/>
       <a:buNone/>
       <a:tabLst/>
-      <a:defRPr b="0" baseline="0" cap="none" i="0" spc="0" strike="noStrike" sz="1800" u="none" kumimoji="0" normalizeH="0">
+      <a:defRPr kumimoji="0" sz="1800" b="0" i="0" u="none" strike="noStrike" cap="none" spc="0" normalizeH="0" baseline="0">
         <a:ln>
           <a:noFill/>
         </a:ln>
@@ -322,13 +322,14 @@
 </p:presentation>
 </file>
 
-<file path=ppt/commentAuthors.xml><?xml version="1.0" encoding="utf-8"?>
-<p:cmAuthorLst xmlns:a="http://schemas.openxmlformats.org/drawingml/2006/main" xmlns:r="http://schemas.openxmlformats.org/officeDocument/2006/relationships" xmlns:p="http://schemas.openxmlformats.org/presentationml/2006/main" xmlns:m="http://schemas.openxmlformats.org/officeDocument/2006/math" xmlns:a14="http://schemas.microsoft.com/office/drawing/2010/main"/>
-</file>
-
 <file path=ppt/notesMasters/notesMaster1.xml><?xml version="1.0" encoding="utf-8"?>
-<p:notesMaster xmlns:a="http://schemas.openxmlformats.org/drawingml/2006/main" xmlns:r="http://schemas.openxmlformats.org/officeDocument/2006/relationships" xmlns:p="http://schemas.openxmlformats.org/presentationml/2006/main" xmlns:m="http://schemas.openxmlformats.org/officeDocument/2006/math" xmlns:a14="http://schemas.microsoft.com/office/drawing/2010/main">
+<p:notesMaster xmlns:a="http://schemas.openxmlformats.org/drawingml/2006/main" xmlns:r="http://schemas.openxmlformats.org/officeDocument/2006/relationships" xmlns:p="http://schemas.openxmlformats.org/presentationml/2006/main">
   <p:cSld>
+    <p:bg>
+      <p:bgRef idx="1001">
+        <a:schemeClr val="bg1"/>
+      </p:bgRef>
+    </p:bg>
     <p:spTree>
       <p:nvGrpSpPr>
         <p:cNvPr id="1" name=""/>
@@ -346,7 +347,9 @@
       <p:sp>
         <p:nvSpPr>
           <p:cNvPr id="17" name="Shape 17"/>
-          <p:cNvSpPr/>
+          <p:cNvSpPr>
+            <a:spLocks noGrp="1" noRot="1" noChangeAspect="1"/>
+          </p:cNvSpPr>
           <p:nvPr>
             <p:ph type="sldImg"/>
           </p:nvPr>
@@ -364,14 +367,16 @@
           <a:bodyPr/>
           <a:lstStyle/>
           <a:p>
-            <a:pPr/>
+            <a:endParaRPr/>
           </a:p>
         </p:txBody>
       </p:sp>
       <p:sp>
         <p:nvSpPr>
           <p:cNvPr id="18" name="Shape 18"/>
-          <p:cNvSpPr/>
+          <p:cNvSpPr>
+            <a:spLocks noGrp="1"/>
+          </p:cNvSpPr>
           <p:nvPr>
             <p:ph type="body" sz="quarter" idx="1"/>
           </p:nvPr>
@@ -389,7 +394,7 @@
           <a:bodyPr/>
           <a:lstStyle/>
           <a:p>
-            <a:pPr/>
+            <a:endParaRPr/>
           </a:p>
         </p:txBody>
       </p:sp>
@@ -474,7 +479,7 @@
 </file>
 
 <file path=ppt/slideLayouts/slideLayout1.xml><?xml version="1.0" encoding="utf-8"?>
-<p:sldLayout xmlns:a="http://schemas.openxmlformats.org/drawingml/2006/main" xmlns:r="http://schemas.openxmlformats.org/officeDocument/2006/relationships" xmlns:p="http://schemas.openxmlformats.org/presentationml/2006/main" xmlns:m="http://schemas.openxmlformats.org/officeDocument/2006/math" xmlns:a14="http://schemas.microsoft.com/office/drawing/2010/main" type="tx" showMasterSp="1" showMasterPhAnim="1">
+<p:sldLayout xmlns:a="http://schemas.openxmlformats.org/drawingml/2006/main" xmlns:r="http://schemas.openxmlformats.org/officeDocument/2006/relationships" xmlns:p="http://schemas.openxmlformats.org/presentationml/2006/main" type="tx">
   <p:cSld name="DEFAULT">
     <p:spTree>
       <p:nvGrpSpPr>
@@ -493,7 +498,9 @@
       <p:sp>
         <p:nvSpPr>
           <p:cNvPr id="11" name="Numero diapositiva"/>
-          <p:cNvSpPr txBox="1"/>
+          <p:cNvSpPr txBox="1">
+            <a:spLocks noGrp="1"/>
+          </p:cNvSpPr>
           <p:nvPr>
             <p:ph type="sldNum" sz="quarter" idx="2"/>
           </p:nvPr>
@@ -507,8 +514,10 @@
           <a:bodyPr/>
           <a:lstStyle/>
           <a:p>
-            <a:pPr/>
-            <a:fld id="{86CB4B4D-7CA3-9044-876B-883B54F8677D}" type="slidenum"/>
+            <a:fld id="{86CB4B4D-7CA3-9044-876B-883B54F8677D}" type="slidenum">
+              <a:t>‹N›</a:t>
+            </a:fld>
+            <a:endParaRPr/>
           </a:p>
         </p:txBody>
       </p:sp>
@@ -517,18 +526,19 @@
   <p:clrMapOvr>
     <a:masterClrMapping/>
   </p:clrMapOvr>
-  <p:transition xmlns:p14="http://schemas.microsoft.com/office/powerpoint/2010/main" spd="med" advClick="1"/>
+  <p:transition spd="med"/>
 </p:sldLayout>
 </file>
 
 <file path=ppt/slideMasters/slideMaster1.xml><?xml version="1.0" encoding="utf-8"?>
-<p:sldMaster xmlns:a="http://schemas.openxmlformats.org/drawingml/2006/main" xmlns:r="http://schemas.openxmlformats.org/officeDocument/2006/relationships" xmlns:p="http://schemas.openxmlformats.org/presentationml/2006/main" xmlns:m="http://schemas.openxmlformats.org/officeDocument/2006/math" xmlns:a14="http://schemas.microsoft.com/office/drawing/2010/main">
+<p:sldMaster xmlns:a="http://schemas.openxmlformats.org/drawingml/2006/main" xmlns:r="http://schemas.openxmlformats.org/officeDocument/2006/relationships" xmlns:p="http://schemas.openxmlformats.org/presentationml/2006/main">
   <p:cSld>
     <p:bg>
       <p:bgPr>
         <a:solidFill>
           <a:srgbClr val="FFFFFF"/>
         </a:solidFill>
+        <a:effectLst/>
       </p:bgPr>
     </p:bg>
     <p:spTree>
@@ -548,7 +558,9 @@
       <p:sp>
         <p:nvSpPr>
           <p:cNvPr id="2" name="Titolo Testo"/>
-          <p:cNvSpPr txBox="1"/>
+          <p:cNvSpPr txBox="1">
+            <a:spLocks noGrp="1"/>
+          </p:cNvSpPr>
           <p:nvPr>
             <p:ph type="title"/>
           </p:nvPr>
@@ -566,7 +578,7 @@
           </a:ln>
           <a:extLst>
             <a:ext uri="{C572A759-6A51-4108-AA02-DFA0A04FC94B}">
-              <ma14:wrappingTextBoxFlag xmlns:ma14="http://schemas.microsoft.com/office/mac/drawingml/2011/main" val="1"/>
+              <ma14:wrappingTextBoxFlag xmlns:ma14="http://schemas.microsoft.com/office/mac/drawingml/2011/main" xmlns:a14="http://schemas.microsoft.com/office/drawing/2010/main" xmlns:m="http://schemas.openxmlformats.org/officeDocument/2006/math" xmlns="" val="1"/>
             </a:ext>
           </a:extLst>
         </p:spPr>
@@ -574,7 +586,6 @@
           <a:bodyPr lIns="45718" tIns="45718" rIns="45718" bIns="45718" anchor="ctr"/>
           <a:lstStyle/>
           <a:p>
-            <a:pPr/>
             <a:r>
               <a:t>Titolo Testo</a:t>
             </a:r>
@@ -584,7 +595,9 @@
       <p:sp>
         <p:nvSpPr>
           <p:cNvPr id="3" name="Corpo livello uno…"/>
-          <p:cNvSpPr txBox="1"/>
+          <p:cNvSpPr txBox="1">
+            <a:spLocks noGrp="1"/>
+          </p:cNvSpPr>
           <p:nvPr>
             <p:ph type="body" idx="1"/>
           </p:nvPr>
@@ -602,7 +615,7 @@
           </a:ln>
           <a:extLst>
             <a:ext uri="{C572A759-6A51-4108-AA02-DFA0A04FC94B}">
-              <ma14:wrappingTextBoxFlag xmlns:ma14="http://schemas.microsoft.com/office/mac/drawingml/2011/main" val="1"/>
+              <ma14:wrappingTextBoxFlag xmlns:ma14="http://schemas.microsoft.com/office/mac/drawingml/2011/main" xmlns:a14="http://schemas.microsoft.com/office/drawing/2010/main" xmlns:m="http://schemas.openxmlformats.org/officeDocument/2006/math" xmlns="" val="1"/>
             </a:ext>
           </a:extLst>
         </p:spPr>
@@ -610,7 +623,6 @@
           <a:bodyPr lIns="45718" tIns="45718" rIns="45718" bIns="45718"/>
           <a:lstStyle/>
           <a:p>
-            <a:pPr/>
             <a:r>
               <a:t>Corpo livello uno</a:t>
             </a:r>
@@ -644,7 +656,9 @@
       <p:sp>
         <p:nvSpPr>
           <p:cNvPr id="4" name="Numero diapositiva"/>
-          <p:cNvSpPr txBox="1"/>
+          <p:cNvSpPr txBox="1">
+            <a:spLocks noGrp="1"/>
+          </p:cNvSpPr>
           <p:nvPr>
             <p:ph type="sldNum" sz="quarter" idx="2"/>
           </p:nvPr>
@@ -676,8 +690,10 @@
             </a:lvl1pPr>
           </a:lstStyle>
           <a:p>
-            <a:pPr/>
-            <a:fld id="{86CB4B4D-7CA3-9044-876B-883B54F8677D}" type="slidenum"/>
+            <a:fld id="{86CB4B4D-7CA3-9044-876B-883B54F8677D}" type="slidenum">
+              <a:t>‹N›</a:t>
+            </a:fld>
+            <a:endParaRPr/>
           </a:p>
         </p:txBody>
       </p:sp>
@@ -685,9 +701,9 @@
   </p:cSld>
   <p:clrMap bg1="lt1" tx1="dk1" bg2="lt2" tx2="dk2" accent1="accent1" accent2="accent2" accent3="accent3" accent4="accent4" accent5="accent5" accent6="accent6" hlink="hlink" folHlink="folHlink"/>
   <p:sldLayoutIdLst>
-    <p:sldLayoutId id="2147483649" r:id="rId2"/>
+    <p:sldLayoutId id="2147483649" r:id="rId1"/>
   </p:sldLayoutIdLst>
-  <p:transition xmlns:p14="http://schemas.microsoft.com/office/powerpoint/2010/main" spd="med" advClick="1"/>
+  <p:transition spd="med"/>
   <p:txStyles>
     <p:titleStyle>
       <a:lvl1pPr marL="0" marR="0" indent="0" algn="ctr" defTabSz="914400" rtl="0" latinLnBrk="0">
@@ -705,7 +721,7 @@
         <a:buFontTx/>
         <a:buNone/>
         <a:tabLst/>
-        <a:defRPr b="0" baseline="0" cap="none" i="0" spc="0" strike="noStrike" sz="4400" u="none">
+        <a:defRPr sz="4400" b="0" i="0" u="none" strike="noStrike" cap="none" spc="0" baseline="0">
           <a:solidFill>
             <a:srgbClr val="000000"/>
           </a:solidFill>
@@ -731,7 +747,7 @@
         <a:buFontTx/>
         <a:buNone/>
         <a:tabLst/>
-        <a:defRPr b="0" baseline="0" cap="none" i="0" spc="0" strike="noStrike" sz="4400" u="none">
+        <a:defRPr sz="4400" b="0" i="0" u="none" strike="noStrike" cap="none" spc="0" baseline="0">
           <a:solidFill>
             <a:srgbClr val="000000"/>
           </a:solidFill>
@@ -757,7 +773,7 @@
         <a:buFontTx/>
         <a:buNone/>
         <a:tabLst/>
-        <a:defRPr b="0" baseline="0" cap="none" i="0" spc="0" strike="noStrike" sz="4400" u="none">
+        <a:defRPr sz="4400" b="0" i="0" u="none" strike="noStrike" cap="none" spc="0" baseline="0">
           <a:solidFill>
             <a:srgbClr val="000000"/>
           </a:solidFill>
@@ -783,7 +799,7 @@
         <a:buFontTx/>
         <a:buNone/>
         <a:tabLst/>
-        <a:defRPr b="0" baseline="0" cap="none" i="0" spc="0" strike="noStrike" sz="4400" u="none">
+        <a:defRPr sz="4400" b="0" i="0" u="none" strike="noStrike" cap="none" spc="0" baseline="0">
           <a:solidFill>
             <a:srgbClr val="000000"/>
           </a:solidFill>
@@ -809,7 +825,7 @@
         <a:buFontTx/>
         <a:buNone/>
         <a:tabLst/>
-        <a:defRPr b="0" baseline="0" cap="none" i="0" spc="0" strike="noStrike" sz="4400" u="none">
+        <a:defRPr sz="4400" b="0" i="0" u="none" strike="noStrike" cap="none" spc="0" baseline="0">
           <a:solidFill>
             <a:srgbClr val="000000"/>
           </a:solidFill>
@@ -835,7 +851,7 @@
         <a:buFontTx/>
         <a:buNone/>
         <a:tabLst/>
-        <a:defRPr b="0" baseline="0" cap="none" i="0" spc="0" strike="noStrike" sz="4400" u="none">
+        <a:defRPr sz="4400" b="0" i="0" u="none" strike="noStrike" cap="none" spc="0" baseline="0">
           <a:solidFill>
             <a:srgbClr val="000000"/>
           </a:solidFill>
@@ -861,7 +877,7 @@
         <a:buFontTx/>
         <a:buNone/>
         <a:tabLst/>
-        <a:defRPr b="0" baseline="0" cap="none" i="0" spc="0" strike="noStrike" sz="4400" u="none">
+        <a:defRPr sz="4400" b="0" i="0" u="none" strike="noStrike" cap="none" spc="0" baseline="0">
           <a:solidFill>
             <a:srgbClr val="000000"/>
           </a:solidFill>
@@ -887,7 +903,7 @@
         <a:buFontTx/>
         <a:buNone/>
         <a:tabLst/>
-        <a:defRPr b="0" baseline="0" cap="none" i="0" spc="0" strike="noStrike" sz="4400" u="none">
+        <a:defRPr sz="4400" b="0" i="0" u="none" strike="noStrike" cap="none" spc="0" baseline="0">
           <a:solidFill>
             <a:srgbClr val="000000"/>
           </a:solidFill>
@@ -913,7 +929,7 @@
         <a:buFontTx/>
         <a:buNone/>
         <a:tabLst/>
-        <a:defRPr b="0" baseline="0" cap="none" i="0" spc="0" strike="noStrike" sz="4400" u="none">
+        <a:defRPr sz="4400" b="0" i="0" u="none" strike="noStrike" cap="none" spc="0" baseline="0">
           <a:solidFill>
             <a:srgbClr val="000000"/>
           </a:solidFill>
@@ -941,7 +957,7 @@
         <a:buFont typeface="Arial"/>
         <a:buChar char="•"/>
         <a:tabLst/>
-        <a:defRPr b="0" baseline="0" cap="none" i="0" spc="0" strike="noStrike" sz="3200" u="none">
+        <a:defRPr sz="3200" b="0" i="0" u="none" strike="noStrike" cap="none" spc="0" baseline="0">
           <a:solidFill>
             <a:srgbClr val="000000"/>
           </a:solidFill>
@@ -967,7 +983,7 @@
         <a:buFont typeface="Arial"/>
         <a:buChar char="–"/>
         <a:tabLst/>
-        <a:defRPr b="0" baseline="0" cap="none" i="0" spc="0" strike="noStrike" sz="3200" u="none">
+        <a:defRPr sz="3200" b="0" i="0" u="none" strike="noStrike" cap="none" spc="0" baseline="0">
           <a:solidFill>
             <a:srgbClr val="000000"/>
           </a:solidFill>
@@ -993,7 +1009,7 @@
         <a:buFont typeface="Arial"/>
         <a:buChar char="•"/>
         <a:tabLst/>
-        <a:defRPr b="0" baseline="0" cap="none" i="0" spc="0" strike="noStrike" sz="3200" u="none">
+        <a:defRPr sz="3200" b="0" i="0" u="none" strike="noStrike" cap="none" spc="0" baseline="0">
           <a:solidFill>
             <a:srgbClr val="000000"/>
           </a:solidFill>
@@ -1019,7 +1035,7 @@
         <a:buFont typeface="Arial"/>
         <a:buChar char="–"/>
         <a:tabLst/>
-        <a:defRPr b="0" baseline="0" cap="none" i="0" spc="0" strike="noStrike" sz="3200" u="none">
+        <a:defRPr sz="3200" b="0" i="0" u="none" strike="noStrike" cap="none" spc="0" baseline="0">
           <a:solidFill>
             <a:srgbClr val="000000"/>
           </a:solidFill>
@@ -1045,7 +1061,7 @@
         <a:buFont typeface="Arial"/>
         <a:buChar char="»"/>
         <a:tabLst/>
-        <a:defRPr b="0" baseline="0" cap="none" i="0" spc="0" strike="noStrike" sz="3200" u="none">
+        <a:defRPr sz="3200" b="0" i="0" u="none" strike="noStrike" cap="none" spc="0" baseline="0">
           <a:solidFill>
             <a:srgbClr val="000000"/>
           </a:solidFill>
@@ -1071,7 +1087,7 @@
         <a:buFont typeface="Arial"/>
         <a:buChar char="•"/>
         <a:tabLst/>
-        <a:defRPr b="0" baseline="0" cap="none" i="0" spc="0" strike="noStrike" sz="3200" u="none">
+        <a:defRPr sz="3200" b="0" i="0" u="none" strike="noStrike" cap="none" spc="0" baseline="0">
           <a:solidFill>
             <a:srgbClr val="000000"/>
           </a:solidFill>
@@ -1097,7 +1113,7 @@
         <a:buFont typeface="Arial"/>
         <a:buChar char="•"/>
         <a:tabLst/>
-        <a:defRPr b="0" baseline="0" cap="none" i="0" spc="0" strike="noStrike" sz="3200" u="none">
+        <a:defRPr sz="3200" b="0" i="0" u="none" strike="noStrike" cap="none" spc="0" baseline="0">
           <a:solidFill>
             <a:srgbClr val="000000"/>
           </a:solidFill>
@@ -1123,7 +1139,7 @@
         <a:buFont typeface="Arial"/>
         <a:buChar char="•"/>
         <a:tabLst/>
-        <a:defRPr b="0" baseline="0" cap="none" i="0" spc="0" strike="noStrike" sz="3200" u="none">
+        <a:defRPr sz="3200" b="0" i="0" u="none" strike="noStrike" cap="none" spc="0" baseline="0">
           <a:solidFill>
             <a:srgbClr val="000000"/>
           </a:solidFill>
@@ -1149,7 +1165,7 @@
         <a:buFont typeface="Arial"/>
         <a:buChar char="•"/>
         <a:tabLst/>
-        <a:defRPr b="0" baseline="0" cap="none" i="0" spc="0" strike="noStrike" sz="3200" u="none">
+        <a:defRPr sz="3200" b="0" i="0" u="none" strike="noStrike" cap="none" spc="0" baseline="0">
           <a:solidFill>
             <a:srgbClr val="000000"/>
           </a:solidFill>
@@ -1177,7 +1193,7 @@
         <a:buFontTx/>
         <a:buNone/>
         <a:tabLst/>
-        <a:defRPr b="0" baseline="0" cap="none" i="0" spc="0" strike="noStrike" sz="1200" u="none">
+        <a:defRPr sz="1200" b="0" i="0" u="none" strike="noStrike" cap="none" spc="0" baseline="0">
           <a:solidFill>
             <a:schemeClr val="tx1"/>
           </a:solidFill>
@@ -1203,7 +1219,7 @@
         <a:buFontTx/>
         <a:buNone/>
         <a:tabLst/>
-        <a:defRPr b="0" baseline="0" cap="none" i="0" spc="0" strike="noStrike" sz="1200" u="none">
+        <a:defRPr sz="1200" b="0" i="0" u="none" strike="noStrike" cap="none" spc="0" baseline="0">
           <a:solidFill>
             <a:schemeClr val="tx1"/>
           </a:solidFill>
@@ -1229,7 +1245,7 @@
         <a:buFontTx/>
         <a:buNone/>
         <a:tabLst/>
-        <a:defRPr b="0" baseline="0" cap="none" i="0" spc="0" strike="noStrike" sz="1200" u="none">
+        <a:defRPr sz="1200" b="0" i="0" u="none" strike="noStrike" cap="none" spc="0" baseline="0">
           <a:solidFill>
             <a:schemeClr val="tx1"/>
           </a:solidFill>
@@ -1255,7 +1271,7 @@
         <a:buFontTx/>
         <a:buNone/>
         <a:tabLst/>
-        <a:defRPr b="0" baseline="0" cap="none" i="0" spc="0" strike="noStrike" sz="1200" u="none">
+        <a:defRPr sz="1200" b="0" i="0" u="none" strike="noStrike" cap="none" spc="0" baseline="0">
           <a:solidFill>
             <a:schemeClr val="tx1"/>
           </a:solidFill>
@@ -1281,7 +1297,7 @@
         <a:buFontTx/>
         <a:buNone/>
         <a:tabLst/>
-        <a:defRPr b="0" baseline="0" cap="none" i="0" spc="0" strike="noStrike" sz="1200" u="none">
+        <a:defRPr sz="1200" b="0" i="0" u="none" strike="noStrike" cap="none" spc="0" baseline="0">
           <a:solidFill>
             <a:schemeClr val="tx1"/>
           </a:solidFill>
@@ -1307,7 +1323,7 @@
         <a:buFontTx/>
         <a:buNone/>
         <a:tabLst/>
-        <a:defRPr b="0" baseline="0" cap="none" i="0" spc="0" strike="noStrike" sz="1200" u="none">
+        <a:defRPr sz="1200" b="0" i="0" u="none" strike="noStrike" cap="none" spc="0" baseline="0">
           <a:solidFill>
             <a:schemeClr val="tx1"/>
           </a:solidFill>
@@ -1333,7 +1349,7 @@
         <a:buFontTx/>
         <a:buNone/>
         <a:tabLst/>
-        <a:defRPr b="0" baseline="0" cap="none" i="0" spc="0" strike="noStrike" sz="1200" u="none">
+        <a:defRPr sz="1200" b="0" i="0" u="none" strike="noStrike" cap="none" spc="0" baseline="0">
           <a:solidFill>
             <a:schemeClr val="tx1"/>
           </a:solidFill>
@@ -1359,7 +1375,7 @@
         <a:buFontTx/>
         <a:buNone/>
         <a:tabLst/>
-        <a:defRPr b="0" baseline="0" cap="none" i="0" spc="0" strike="noStrike" sz="1200" u="none">
+        <a:defRPr sz="1200" b="0" i="0" u="none" strike="noStrike" cap="none" spc="0" baseline="0">
           <a:solidFill>
             <a:schemeClr val="tx1"/>
           </a:solidFill>
@@ -1385,7 +1401,7 @@
         <a:buFontTx/>
         <a:buNone/>
         <a:tabLst/>
-        <a:defRPr b="0" baseline="0" cap="none" i="0" spc="0" strike="noStrike" sz="1200" u="none">
+        <a:defRPr sz="1200" b="0" i="0" u="none" strike="noStrike" cap="none" spc="0" baseline="0">
           <a:solidFill>
             <a:schemeClr val="tx1"/>
           </a:solidFill>
@@ -1402,7 +1418,7 @@
 </file>
 
 <file path=ppt/slides/slide1.xml><?xml version="1.0" encoding="utf-8"?>
-<p:sld xmlns:a="http://schemas.openxmlformats.org/drawingml/2006/main" xmlns:r="http://schemas.openxmlformats.org/officeDocument/2006/relationships" xmlns:p="http://schemas.openxmlformats.org/presentationml/2006/main" xmlns:m="http://schemas.openxmlformats.org/officeDocument/2006/math" xmlns:a14="http://schemas.microsoft.com/office/drawing/2010/main" showMasterSp="1" showMasterPhAnim="1">
+<p:sld xmlns:a="http://schemas.openxmlformats.org/drawingml/2006/main" xmlns:r="http://schemas.openxmlformats.org/officeDocument/2006/relationships" xmlns:p="http://schemas.openxmlformats.org/presentationml/2006/main">
   <p:cSld>
     <p:spTree>
       <p:nvGrpSpPr>
@@ -1427,9 +1443,7 @@
           <p:nvPr/>
         </p:nvPicPr>
         <p:blipFill>
-          <a:blip r:embed="rId2">
-            <a:extLst/>
-          </a:blip>
+          <a:blip r:embed="rId2"/>
           <a:stretch>
             <a:fillRect/>
           </a:stretch>
@@ -1456,16 +1470,14 @@
           <p:nvPr/>
         </p:nvPicPr>
         <p:blipFill>
-          <a:blip r:embed="rId3">
-            <a:extLst/>
-          </a:blip>
+          <a:blip r:embed="rId3"/>
           <a:stretch>
             <a:fillRect/>
           </a:stretch>
         </p:blipFill>
         <p:spPr>
           <a:xfrm>
-            <a:off x="0" y="0"/>
+            <a:off x="0" y="283779"/>
             <a:ext cx="12192000" cy="6858000"/>
           </a:xfrm>
           <a:prstGeom prst="rect">
@@ -1495,7 +1507,7 @@
           </a:ln>
           <a:extLst>
             <a:ext uri="{C572A759-6A51-4108-AA02-DFA0A04FC94B}">
-              <ma14:wrappingTextBoxFlag xmlns:ma14="http://schemas.microsoft.com/office/mac/drawingml/2011/main" val="1"/>
+              <ma14:wrappingTextBoxFlag xmlns:ma14="http://schemas.microsoft.com/office/mac/drawingml/2011/main" xmlns:a14="http://schemas.microsoft.com/office/drawing/2010/main" xmlns:m="http://schemas.openxmlformats.org/officeDocument/2006/math" xmlns="" val="1"/>
             </a:ext>
           </a:extLst>
         </p:spPr>
@@ -1508,7 +1520,7 @@
               <a:lnSpc>
                 <a:spcPts val="1500"/>
               </a:lnSpc>
-              <a:defRPr b="1" spc="252" sz="1000">
+              <a:defRPr sz="1000" b="1" spc="252">
                 <a:solidFill>
                   <a:srgbClr val="FFA500"/>
                 </a:solidFill>
@@ -1520,7 +1532,6 @@
             </a:lvl1pPr>
           </a:lstStyle>
           <a:p>
-            <a:pPr/>
             <a:r>
               <a:t>DISTRIBUTED SYSTEMS ARCHITECTURE</a:t>
             </a:r>
@@ -1546,7 +1557,7 @@
           </a:ln>
           <a:extLst>
             <a:ext uri="{C572A759-6A51-4108-AA02-DFA0A04FC94B}">
-              <ma14:wrappingTextBoxFlag xmlns:ma14="http://schemas.microsoft.com/office/mac/drawingml/2011/main" val="1"/>
+              <ma14:wrappingTextBoxFlag xmlns:ma14="http://schemas.microsoft.com/office/mac/drawingml/2011/main" xmlns:a14="http://schemas.microsoft.com/office/drawing/2010/main" xmlns:m="http://schemas.openxmlformats.org/officeDocument/2006/math" xmlns="" val="1"/>
             </a:ext>
           </a:extLst>
         </p:spPr>
@@ -1560,7 +1571,7 @@
               <a:lnSpc>
                 <a:spcPts val="7200"/>
               </a:lnSpc>
-              <a:defRPr b="1" spc="-288" sz="7200">
+              <a:defRPr sz="7200" b="1" spc="-288">
                 <a:solidFill>
                   <a:srgbClr val="FFFFFF"/>
                 </a:solidFill>
@@ -1603,7 +1614,7 @@
           </a:ln>
           <a:extLst>
             <a:ext uri="{C572A759-6A51-4108-AA02-DFA0A04FC94B}">
-              <ma14:wrappingTextBoxFlag xmlns:ma14="http://schemas.microsoft.com/office/mac/drawingml/2011/main" val="1"/>
+              <ma14:wrappingTextBoxFlag xmlns:ma14="http://schemas.microsoft.com/office/mac/drawingml/2011/main" xmlns:a14="http://schemas.microsoft.com/office/drawing/2010/main" xmlns:m="http://schemas.openxmlformats.org/officeDocument/2006/math" xmlns="" val="1"/>
             </a:ext>
           </a:extLst>
         </p:spPr>
@@ -1616,7 +1627,7 @@
               <a:lnSpc>
                 <a:spcPts val="3000"/>
               </a:lnSpc>
-              <a:defRPr spc="-54" sz="2700">
+              <a:defRPr sz="2700" spc="-54">
                 <a:solidFill>
                   <a:srgbClr val="D3D3D3"/>
                 </a:solidFill>
@@ -1628,7 +1639,6 @@
             </a:lvl1pPr>
           </a:lstStyle>
           <a:p>
-            <a:pPr/>
             <a:r>
               <a:t>Distributed Service Platform</a:t>
             </a:r>
@@ -1654,7 +1664,7 @@
           </a:ln>
           <a:extLst>
             <a:ext uri="{C572A759-6A51-4108-AA02-DFA0A04FC94B}">
-              <ma14:wrappingTextBoxFlag xmlns:ma14="http://schemas.microsoft.com/office/mac/drawingml/2011/main" val="1"/>
+              <ma14:wrappingTextBoxFlag xmlns:ma14="http://schemas.microsoft.com/office/mac/drawingml/2011/main" xmlns:a14="http://schemas.microsoft.com/office/drawing/2010/main" xmlns:m="http://schemas.openxmlformats.org/officeDocument/2006/math" xmlns="" val="1"/>
             </a:ext>
           </a:extLst>
         </p:spPr>
@@ -1714,7 +1724,7 @@
           </a:ln>
           <a:extLst>
             <a:ext uri="{C572A759-6A51-4108-AA02-DFA0A04FC94B}">
-              <ma14:wrappingTextBoxFlag xmlns:ma14="http://schemas.microsoft.com/office/mac/drawingml/2011/main" val="1"/>
+              <ma14:wrappingTextBoxFlag xmlns:ma14="http://schemas.microsoft.com/office/mac/drawingml/2011/main" xmlns:a14="http://schemas.microsoft.com/office/drawing/2010/main" xmlns:m="http://schemas.openxmlformats.org/officeDocument/2006/math" xmlns="" val="1"/>
             </a:ext>
           </a:extLst>
         </p:spPr>
@@ -1727,7 +1737,7 @@
               <a:lnSpc>
                 <a:spcPts val="1500"/>
               </a:lnSpc>
-              <a:defRPr spc="84" sz="1000">
+              <a:defRPr sz="1000" spc="84">
                 <a:solidFill>
                   <a:srgbClr val="D3D3D3"/>
                 </a:solidFill>
@@ -1739,7 +1749,6 @@
             </a:lvl1pPr>
           </a:lstStyle>
           <a:p>
-            <a:pPr/>
             <a:r>
               <a:t>CORE TECHNOLOGIES</a:t>
             </a:r>
@@ -1754,23 +1763,23 @@
         </p:nvSpPr>
         <p:spPr>
           <a:xfrm>
-            <a:off x="762000" y="6122735"/>
-            <a:ext cx="2952452" cy="251330"/>
-          </a:xfrm>
-          <a:prstGeom prst="rect">
-            <a:avLst/>
-          </a:prstGeom>
-          <a:ln w="12700">
-            <a:miter lim="400000"/>
-          </a:ln>
-          <a:extLst>
-            <a:ext uri="{C572A759-6A51-4108-AA02-DFA0A04FC94B}">
-              <ma14:wrappingTextBoxFlag xmlns:ma14="http://schemas.microsoft.com/office/mac/drawingml/2011/main" val="1"/>
-            </a:ext>
-          </a:extLst>
-        </p:spPr>
-        <p:txBody>
-          <a:bodyPr lIns="0" tIns="0" rIns="0" bIns="0" anchor="ctr">
+            <a:off x="762000" y="6125418"/>
+            <a:ext cx="5260428" cy="245965"/>
+          </a:xfrm>
+          <a:prstGeom prst="rect">
+            <a:avLst/>
+          </a:prstGeom>
+          <a:ln w="12700">
+            <a:miter lim="400000"/>
+          </a:ln>
+          <a:extLst>
+            <a:ext uri="{C572A759-6A51-4108-AA02-DFA0A04FC94B}">
+              <ma14:wrappingTextBoxFlag xmlns:ma14="http://schemas.microsoft.com/office/mac/drawingml/2011/main" xmlns:a14="http://schemas.microsoft.com/office/drawing/2010/main" xmlns:m="http://schemas.openxmlformats.org/officeDocument/2006/math" xmlns="" val="1"/>
+            </a:ext>
+          </a:extLst>
+        </p:spPr>
+        <p:txBody>
+          <a:bodyPr wrap="square" lIns="0" tIns="0" rIns="0" bIns="0" anchor="ctr">
             <a:spAutoFit/>
           </a:bodyPr>
           <a:lstStyle>
@@ -1778,7 +1787,7 @@
               <a:lnSpc>
                 <a:spcPts val="2100"/>
               </a:lnSpc>
-              <a:defRPr b="1" sz="1300">
+              <a:defRPr sz="1300" b="1">
                 <a:solidFill>
                   <a:srgbClr val="FFFFFF"/>
                 </a:solidFill>
@@ -1790,10 +1799,27 @@
             </a:lvl1pPr>
           </a:lstStyle>
           <a:p>
-            <a:pPr/>
-            <a:r>
-              <a:t>AI • IoT • Real-time Streaming • ELK</a:t>
-            </a:r>
+            <a:r>
+              <a:rPr dirty="0"/>
+              <a:t>AI • Real-time Streaming • ELK</a:t>
+            </a:r>
+            <a:r>
+              <a:rPr lang="it-IT" dirty="0"/>
+              <a:t> • Java • </a:t>
+            </a:r>
+            <a:r>
+              <a:rPr lang="it-IT" dirty="0" err="1"/>
+              <a:t>Springboot</a:t>
+            </a:r>
+            <a:r>
+              <a:rPr lang="it-IT" dirty="0"/>
+              <a:t> • React • </a:t>
+            </a:r>
+            <a:r>
+              <a:rPr lang="it-IT" dirty="0" err="1"/>
+              <a:t>RabbitMQ</a:t>
+            </a:r>
+            <a:endParaRPr dirty="0"/>
           </a:p>
         </p:txBody>
       </p:sp>
@@ -1816,7 +1842,7 @@
           </a:ln>
           <a:extLst>
             <a:ext uri="{C572A759-6A51-4108-AA02-DFA0A04FC94B}">
-              <ma14:wrappingTextBoxFlag xmlns:ma14="http://schemas.microsoft.com/office/mac/drawingml/2011/main" val="1"/>
+              <ma14:wrappingTextBoxFlag xmlns:ma14="http://schemas.microsoft.com/office/mac/drawingml/2011/main" xmlns:a14="http://schemas.microsoft.com/office/drawing/2010/main" xmlns:m="http://schemas.openxmlformats.org/officeDocument/2006/math" xmlns="" val="1"/>
             </a:ext>
           </a:extLst>
         </p:spPr>
@@ -1829,7 +1855,7 @@
               <a:lnSpc>
                 <a:spcPts val="1500"/>
               </a:lnSpc>
-              <a:defRPr spc="84" sz="1000">
+              <a:defRPr sz="1000" spc="84">
                 <a:solidFill>
                   <a:srgbClr val="D3D3D3"/>
                 </a:solidFill>
@@ -1841,7 +1867,6 @@
             </a:lvl1pPr>
           </a:lstStyle>
           <a:p>
-            <a:pPr/>
             <a:r>
               <a:t>TARGET AUDIENCE</a:t>
             </a:r>
@@ -1867,7 +1892,7 @@
           </a:ln>
           <a:extLst>
             <a:ext uri="{C572A759-6A51-4108-AA02-DFA0A04FC94B}">
-              <ma14:wrappingTextBoxFlag xmlns:ma14="http://schemas.microsoft.com/office/mac/drawingml/2011/main" val="1"/>
+              <ma14:wrappingTextBoxFlag xmlns:ma14="http://schemas.microsoft.com/office/mac/drawingml/2011/main" xmlns:a14="http://schemas.microsoft.com/office/drawing/2010/main" xmlns:m="http://schemas.openxmlformats.org/officeDocument/2006/math" xmlns="" val="1"/>
             </a:ext>
           </a:extLst>
         </p:spPr>
@@ -1880,7 +1905,7 @@
               <a:lnSpc>
                 <a:spcPts val="2100"/>
               </a:lnSpc>
-              <a:defRPr b="1" sz="1300">
+              <a:defRPr sz="1300" b="1">
                 <a:solidFill>
                   <a:srgbClr val="FFFFFF"/>
                 </a:solidFill>
@@ -1892,7 +1917,6 @@
             </a:lvl1pPr>
           </a:lstStyle>
           <a:p>
-            <a:pPr/>
             <a:r>
               <a:t>Ingegneria dei Sistemi Distribuiti</a:t>
             </a:r>
@@ -1918,7 +1942,7 @@
           </a:ln>
           <a:extLst>
             <a:ext uri="{C572A759-6A51-4108-AA02-DFA0A04FC94B}">
-              <ma14:wrappingTextBoxFlag xmlns:ma14="http://schemas.microsoft.com/office/mac/drawingml/2011/main" val="1"/>
+              <ma14:wrappingTextBoxFlag xmlns:ma14="http://schemas.microsoft.com/office/mac/drawingml/2011/main" xmlns:a14="http://schemas.microsoft.com/office/drawing/2010/main" xmlns:m="http://schemas.openxmlformats.org/officeDocument/2006/math" xmlns="" val="1"/>
             </a:ext>
           </a:extLst>
         </p:spPr>
@@ -1943,7 +1967,6 @@
             </a:lvl1pPr>
           </a:lstStyle>
           <a:p>
-            <a:pPr/>
             <a:r>
               <a:t>N/E</a:t>
             </a:r>
@@ -1955,22 +1978,23 @@
   <p:clrMapOvr>
     <a:masterClrMapping/>
   </p:clrMapOvr>
-  <p:transition xmlns:p14="http://schemas.microsoft.com/office/powerpoint/2010/main" spd="med" advClick="1"/>
+  <p:transition spd="med"/>
 </p:sld>
 </file>
 
 <file path=ppt/slides/slide10.xml><?xml version="1.0" encoding="utf-8"?>
-<p:sld xmlns:a="http://schemas.openxmlformats.org/drawingml/2006/main" xmlns:r="http://schemas.openxmlformats.org/officeDocument/2006/relationships" xmlns:p="http://schemas.openxmlformats.org/presentationml/2006/main" xmlns:m="http://schemas.openxmlformats.org/officeDocument/2006/math" xmlns:a14="http://schemas.microsoft.com/office/drawing/2010/main" showMasterSp="1" showMasterPhAnim="1">
+<p:sld xmlns:a="http://schemas.openxmlformats.org/drawingml/2006/main" xmlns:r="http://schemas.openxmlformats.org/officeDocument/2006/relationships" xmlns:p="http://schemas.openxmlformats.org/presentationml/2006/main">
   <p:cSld>
     <p:bg>
       <p:bgPr>
         <a:blipFill rotWithShape="1">
           <a:blip r:embed="rId2"/>
-          <a:srcRect l="0" t="0" r="0" b="0"/>
+          <a:srcRect/>
           <a:stretch>
             <a:fillRect/>
           </a:stretch>
         </a:blipFill>
+        <a:effectLst/>
       </p:bgPr>
     </p:bg>
     <p:spTree>
@@ -1996,9 +2020,7 @@
           <p:nvPr/>
         </p:nvPicPr>
         <p:blipFill>
-          <a:blip r:embed="rId2">
-            <a:extLst/>
-          </a:blip>
+          <a:blip r:embed="rId2"/>
           <a:stretch>
             <a:fillRect/>
           </a:stretch>
@@ -2025,9 +2047,7 @@
           <p:nvPr/>
         </p:nvPicPr>
         <p:blipFill>
-          <a:blip r:embed="rId3">
-            <a:extLst/>
-          </a:blip>
+          <a:blip r:embed="rId3"/>
           <a:stretch>
             <a:fillRect/>
           </a:stretch>
@@ -2054,9 +2074,7 @@
           <p:nvPr/>
         </p:nvPicPr>
         <p:blipFill>
-          <a:blip r:embed="rId4">
-            <a:extLst/>
-          </a:blip>
+          <a:blip r:embed="rId4"/>
           <a:stretch>
             <a:fillRect/>
           </a:stretch>
@@ -2083,9 +2101,7 @@
           <p:nvPr/>
         </p:nvPicPr>
         <p:blipFill>
-          <a:blip r:embed="rId5">
-            <a:extLst/>
-          </a:blip>
+          <a:blip r:embed="rId5"/>
           <a:stretch>
             <a:fillRect/>
           </a:stretch>
@@ -2112,9 +2128,7 @@
           <p:nvPr/>
         </p:nvPicPr>
         <p:blipFill>
-          <a:blip r:embed="rId6">
-            <a:extLst/>
-          </a:blip>
+          <a:blip r:embed="rId6"/>
           <a:stretch>
             <a:fillRect/>
           </a:stretch>
@@ -2141,9 +2155,7 @@
           <p:nvPr/>
         </p:nvPicPr>
         <p:blipFill>
-          <a:blip r:embed="rId7">
-            <a:extLst/>
-          </a:blip>
+          <a:blip r:embed="rId7"/>
           <a:stretch>
             <a:fillRect/>
           </a:stretch>
@@ -2170,9 +2182,7 @@
           <p:nvPr/>
         </p:nvPicPr>
         <p:blipFill>
-          <a:blip r:embed="rId8">
-            <a:extLst/>
-          </a:blip>
+          <a:blip r:embed="rId8"/>
           <a:stretch>
             <a:fillRect/>
           </a:stretch>
@@ -2199,9 +2209,7 @@
           <p:nvPr/>
         </p:nvPicPr>
         <p:blipFill>
-          <a:blip r:embed="rId9">
-            <a:extLst/>
-          </a:blip>
+          <a:blip r:embed="rId9"/>
           <a:stretch>
             <a:fillRect/>
           </a:stretch>
@@ -2228,9 +2236,7 @@
           <p:nvPr/>
         </p:nvPicPr>
         <p:blipFill>
-          <a:blip r:embed="rId10">
-            <a:extLst/>
-          </a:blip>
+          <a:blip r:embed="rId10"/>
           <a:stretch>
             <a:fillRect/>
           </a:stretch>
@@ -2257,9 +2263,7 @@
           <p:nvPr/>
         </p:nvPicPr>
         <p:blipFill>
-          <a:blip r:embed="rId11">
-            <a:extLst/>
-          </a:blip>
+          <a:blip r:embed="rId11"/>
           <a:stretch>
             <a:fillRect/>
           </a:stretch>
@@ -2286,9 +2290,7 @@
           <p:nvPr/>
         </p:nvPicPr>
         <p:blipFill>
-          <a:blip r:embed="rId12">
-            <a:extLst/>
-          </a:blip>
+          <a:blip r:embed="rId12"/>
           <a:stretch>
             <a:fillRect/>
           </a:stretch>
@@ -2315,9 +2317,7 @@
           <p:nvPr/>
         </p:nvPicPr>
         <p:blipFill>
-          <a:blip r:embed="rId13">
-            <a:extLst/>
-          </a:blip>
+          <a:blip r:embed="rId13"/>
           <a:stretch>
             <a:fillRect/>
           </a:stretch>
@@ -2344,9 +2344,7 @@
           <p:nvPr/>
         </p:nvPicPr>
         <p:blipFill>
-          <a:blip r:embed="rId14">
-            <a:extLst/>
-          </a:blip>
+          <a:blip r:embed="rId14"/>
           <a:stretch>
             <a:fillRect/>
           </a:stretch>
@@ -2373,9 +2371,7 @@
           <p:nvPr/>
         </p:nvPicPr>
         <p:blipFill>
-          <a:blip r:embed="rId15">
-            <a:extLst/>
-          </a:blip>
+          <a:blip r:embed="rId15"/>
           <a:stretch>
             <a:fillRect/>
           </a:stretch>
@@ -2402,9 +2398,7 @@
           <p:nvPr/>
         </p:nvPicPr>
         <p:blipFill>
-          <a:blip r:embed="rId16">
-            <a:extLst/>
-          </a:blip>
+          <a:blip r:embed="rId16"/>
           <a:stretch>
             <a:fillRect/>
           </a:stretch>
@@ -2431,9 +2425,7 @@
           <p:nvPr/>
         </p:nvPicPr>
         <p:blipFill>
-          <a:blip r:embed="rId17">
-            <a:extLst/>
-          </a:blip>
+          <a:blip r:embed="rId17"/>
           <a:stretch>
             <a:fillRect/>
           </a:stretch>
@@ -2460,9 +2452,7 @@
           <p:nvPr/>
         </p:nvPicPr>
         <p:blipFill>
-          <a:blip r:embed="rId18">
-            <a:extLst/>
-          </a:blip>
+          <a:blip r:embed="rId18"/>
           <a:stretch>
             <a:fillRect/>
           </a:stretch>
@@ -2489,9 +2479,7 @@
           <p:nvPr/>
         </p:nvPicPr>
         <p:blipFill>
-          <a:blip r:embed="rId19">
-            <a:extLst/>
-          </a:blip>
+          <a:blip r:embed="rId19"/>
           <a:stretch>
             <a:fillRect/>
           </a:stretch>
@@ -2518,9 +2506,7 @@
           <p:nvPr/>
         </p:nvPicPr>
         <p:blipFill>
-          <a:blip r:embed="rId20">
-            <a:extLst/>
-          </a:blip>
+          <a:blip r:embed="rId20"/>
           <a:stretch>
             <a:fillRect/>
           </a:stretch>
@@ -2547,9 +2533,7 @@
           <p:nvPr/>
         </p:nvPicPr>
         <p:blipFill>
-          <a:blip r:embed="rId21">
-            <a:extLst/>
-          </a:blip>
+          <a:blip r:embed="rId21"/>
           <a:stretch>
             <a:fillRect/>
           </a:stretch>
@@ -2576,9 +2560,7 @@
           <p:nvPr/>
         </p:nvPicPr>
         <p:blipFill>
-          <a:blip r:embed="rId22">
-            <a:extLst/>
-          </a:blip>
+          <a:blip r:embed="rId22"/>
           <a:stretch>
             <a:fillRect/>
           </a:stretch>
@@ -2605,9 +2587,7 @@
           <p:nvPr/>
         </p:nvPicPr>
         <p:blipFill>
-          <a:blip r:embed="rId23">
-            <a:extLst/>
-          </a:blip>
+          <a:blip r:embed="rId23"/>
           <a:stretch>
             <a:fillRect/>
           </a:stretch>
@@ -2644,7 +2624,7 @@
           </a:ln>
           <a:extLst>
             <a:ext uri="{C572A759-6A51-4108-AA02-DFA0A04FC94B}">
-              <ma14:wrappingTextBoxFlag xmlns:ma14="http://schemas.microsoft.com/office/mac/drawingml/2011/main" val="1"/>
+              <ma14:wrappingTextBoxFlag xmlns:ma14="http://schemas.microsoft.com/office/mac/drawingml/2011/main" xmlns:a14="http://schemas.microsoft.com/office/drawing/2010/main" xmlns:m="http://schemas.openxmlformats.org/officeDocument/2006/math" xmlns="" val="1"/>
             </a:ext>
           </a:extLst>
         </p:spPr>
@@ -2657,7 +2637,7 @@
               <a:lnSpc>
                 <a:spcPts val="3600"/>
               </a:lnSpc>
-              <a:defRPr b="1" spc="-86" sz="3600">
+              <a:defRPr sz="3600" b="1" spc="-86">
                 <a:solidFill>
                   <a:srgbClr val="006400"/>
                 </a:solidFill>
@@ -2669,7 +2649,6 @@
             </a:lvl1pPr>
           </a:lstStyle>
           <a:p>
-            <a:pPr/>
             <a:r>
               <a:t>Avvio del Sistema e Demo Operativa</a:t>
             </a:r>
@@ -2695,7 +2674,7 @@
           </a:ln>
           <a:extLst>
             <a:ext uri="{C572A759-6A51-4108-AA02-DFA0A04FC94B}">
-              <ma14:wrappingTextBoxFlag xmlns:ma14="http://schemas.microsoft.com/office/mac/drawingml/2011/main" val="1"/>
+              <ma14:wrappingTextBoxFlag xmlns:ma14="http://schemas.microsoft.com/office/mac/drawingml/2011/main" xmlns:a14="http://schemas.microsoft.com/office/drawing/2010/main" xmlns:m="http://schemas.openxmlformats.org/officeDocument/2006/math" xmlns="" val="1"/>
             </a:ext>
           </a:extLst>
         </p:spPr>
@@ -2720,7 +2699,6 @@
             </a:lvl1pPr>
           </a:lstStyle>
           <a:p>
-            <a:pPr/>
             <a:r>
               <a:t>Dalla configurazione Docker alla validazione dei pattern di resilienza</a:t>
             </a:r>
@@ -2746,7 +2724,7 @@
           </a:ln>
           <a:extLst>
             <a:ext uri="{C572A759-6A51-4108-AA02-DFA0A04FC94B}">
-              <ma14:wrappingTextBoxFlag xmlns:ma14="http://schemas.microsoft.com/office/mac/drawingml/2011/main" val="1"/>
+              <ma14:wrappingTextBoxFlag xmlns:ma14="http://schemas.microsoft.com/office/mac/drawingml/2011/main" xmlns:a14="http://schemas.microsoft.com/office/drawing/2010/main" xmlns:m="http://schemas.openxmlformats.org/officeDocument/2006/math" xmlns="" val="1"/>
             </a:ext>
           </a:extLst>
         </p:spPr>
@@ -2771,7 +2749,6 @@
             </a:lvl1pPr>
           </a:lstStyle>
           <a:p>
-            <a:pPr/>
             <a:r>
               <a:t>Pipeline di Deployment</a:t>
             </a:r>
@@ -2797,7 +2774,7 @@
           </a:ln>
           <a:extLst>
             <a:ext uri="{C572A759-6A51-4108-AA02-DFA0A04FC94B}">
-              <ma14:wrappingTextBoxFlag xmlns:ma14="http://schemas.microsoft.com/office/mac/drawingml/2011/main" val="1"/>
+              <ma14:wrappingTextBoxFlag xmlns:ma14="http://schemas.microsoft.com/office/mac/drawingml/2011/main" xmlns:a14="http://schemas.microsoft.com/office/drawing/2010/main" xmlns:m="http://schemas.openxmlformats.org/officeDocument/2006/math" xmlns="" val="1"/>
             </a:ext>
           </a:extLst>
         </p:spPr>
@@ -2810,7 +2787,7 @@
               <a:lnSpc>
                 <a:spcPts val="1700"/>
               </a:lnSpc>
-              <a:defRPr b="1" sz="1300">
+              <a:defRPr sz="1300" b="1">
                 <a:solidFill>
                   <a:srgbClr val="006400"/>
                 </a:solidFill>
@@ -2822,7 +2799,6 @@
             </a:lvl1pPr>
           </a:lstStyle>
           <a:p>
-            <a:pPr/>
             <a:r>
               <a:t>Configurazione</a:t>
             </a:r>
@@ -2848,7 +2824,7 @@
           </a:ln>
           <a:extLst>
             <a:ext uri="{C572A759-6A51-4108-AA02-DFA0A04FC94B}">
-              <ma14:wrappingTextBoxFlag xmlns:ma14="http://schemas.microsoft.com/office/mac/drawingml/2011/main" val="1"/>
+              <ma14:wrappingTextBoxFlag xmlns:ma14="http://schemas.microsoft.com/office/mac/drawingml/2011/main" xmlns:a14="http://schemas.microsoft.com/office/drawing/2010/main" xmlns:m="http://schemas.openxmlformats.org/officeDocument/2006/math" xmlns="" val="1"/>
             </a:ext>
           </a:extLst>
         </p:spPr>
@@ -2861,7 +2837,7 @@
               <a:lnSpc>
                 <a:spcPts val="1200"/>
               </a:lnSpc>
-              <a:defRPr i="1" sz="1000">
+              <a:defRPr sz="1000" i="1">
                 <a:solidFill>
                   <a:srgbClr val="6B7280"/>
                 </a:solidFill>
@@ -2873,7 +2849,6 @@
             </a:lvl1pPr>
           </a:lstStyle>
           <a:p>
-            <a:pPr/>
             <a:r>
               <a:t>.env (MySQL, JWT, Rabbit)</a:t>
             </a:r>
@@ -2899,7 +2874,7 @@
           </a:ln>
           <a:extLst>
             <a:ext uri="{C572A759-6A51-4108-AA02-DFA0A04FC94B}">
-              <ma14:wrappingTextBoxFlag xmlns:ma14="http://schemas.microsoft.com/office/mac/drawingml/2011/main" val="1"/>
+              <ma14:wrappingTextBoxFlag xmlns:ma14="http://schemas.microsoft.com/office/mac/drawingml/2011/main" xmlns:a14="http://schemas.microsoft.com/office/drawing/2010/main" xmlns:m="http://schemas.openxmlformats.org/officeDocument/2006/math" xmlns="" val="1"/>
             </a:ext>
           </a:extLst>
         </p:spPr>
@@ -2912,7 +2887,7 @@
               <a:lnSpc>
                 <a:spcPts val="1700"/>
               </a:lnSpc>
-              <a:defRPr b="1" sz="1300">
+              <a:defRPr sz="1300" b="1">
                 <a:solidFill>
                   <a:srgbClr val="006400"/>
                 </a:solidFill>
@@ -2924,7 +2899,6 @@
             </a:lvl1pPr>
           </a:lstStyle>
           <a:p>
-            <a:pPr/>
             <a:r>
               <a:t>Docker Orchestration</a:t>
             </a:r>
@@ -2950,7 +2924,7 @@
           </a:ln>
           <a:extLst>
             <a:ext uri="{C572A759-6A51-4108-AA02-DFA0A04FC94B}">
-              <ma14:wrappingTextBoxFlag xmlns:ma14="http://schemas.microsoft.com/office/mac/drawingml/2011/main" val="1"/>
+              <ma14:wrappingTextBoxFlag xmlns:ma14="http://schemas.microsoft.com/office/mac/drawingml/2011/main" xmlns:a14="http://schemas.microsoft.com/office/drawing/2010/main" xmlns:m="http://schemas.openxmlformats.org/officeDocument/2006/math" xmlns="" val="1"/>
             </a:ext>
           </a:extLst>
         </p:spPr>
@@ -2963,7 +2937,7 @@
               <a:lnSpc>
                 <a:spcPts val="1200"/>
               </a:lnSpc>
-              <a:defRPr i="1" sz="1000">
+              <a:defRPr sz="1000" i="1">
                 <a:solidFill>
                   <a:srgbClr val="6B7280"/>
                 </a:solidFill>
@@ -2975,7 +2949,6 @@
             </a:lvl1pPr>
           </a:lstStyle>
           <a:p>
-            <a:pPr/>
             <a:r>
               <a:t>docker-compose up -d</a:t>
             </a:r>
@@ -3001,7 +2974,7 @@
           </a:ln>
           <a:extLst>
             <a:ext uri="{C572A759-6A51-4108-AA02-DFA0A04FC94B}">
-              <ma14:wrappingTextBoxFlag xmlns:ma14="http://schemas.microsoft.com/office/mac/drawingml/2011/main" val="1"/>
+              <ma14:wrappingTextBoxFlag xmlns:ma14="http://schemas.microsoft.com/office/mac/drawingml/2011/main" xmlns:a14="http://schemas.microsoft.com/office/drawing/2010/main" xmlns:m="http://schemas.openxmlformats.org/officeDocument/2006/math" xmlns="" val="1"/>
             </a:ext>
           </a:extLst>
         </p:spPr>
@@ -3014,7 +2987,7 @@
               <a:lnSpc>
                 <a:spcPts val="1700"/>
               </a:lnSpc>
-              <a:defRPr b="1" sz="1300">
+              <a:defRPr sz="1300" b="1">
                 <a:solidFill>
                   <a:srgbClr val="006400"/>
                 </a:solidFill>
@@ -3026,7 +2999,6 @@
             </a:lvl1pPr>
           </a:lstStyle>
           <a:p>
-            <a:pPr/>
             <a:r>
               <a:t>Health Check</a:t>
             </a:r>
@@ -3052,7 +3024,7 @@
           </a:ln>
           <a:extLst>
             <a:ext uri="{C572A759-6A51-4108-AA02-DFA0A04FC94B}">
-              <ma14:wrappingTextBoxFlag xmlns:ma14="http://schemas.microsoft.com/office/mac/drawingml/2011/main" val="1"/>
+              <ma14:wrappingTextBoxFlag xmlns:ma14="http://schemas.microsoft.com/office/mac/drawingml/2011/main" xmlns:a14="http://schemas.microsoft.com/office/drawing/2010/main" xmlns:m="http://schemas.openxmlformats.org/officeDocument/2006/math" xmlns="" val="1"/>
             </a:ext>
           </a:extLst>
         </p:spPr>
@@ -3065,7 +3037,7 @@
               <a:lnSpc>
                 <a:spcPts val="1200"/>
               </a:lnSpc>
-              <a:defRPr i="1" sz="1000">
+              <a:defRPr sz="1000" i="1">
                 <a:solidFill>
                   <a:srgbClr val="6B7280"/>
                 </a:solidFill>
@@ -3077,7 +3049,6 @@
             </a:lvl1pPr>
           </a:lstStyle>
           <a:p>
-            <a:pPr/>
             <a:r>
               <a:t>Server Ready (~2-4 min)</a:t>
             </a:r>
@@ -3103,7 +3074,7 @@
           </a:ln>
           <a:extLst>
             <a:ext uri="{C572A759-6A51-4108-AA02-DFA0A04FC94B}">
-              <ma14:wrappingTextBoxFlag xmlns:ma14="http://schemas.microsoft.com/office/mac/drawingml/2011/main" val="1"/>
+              <ma14:wrappingTextBoxFlag xmlns:ma14="http://schemas.microsoft.com/office/mac/drawingml/2011/main" xmlns:a14="http://schemas.microsoft.com/office/drawing/2010/main" xmlns:m="http://schemas.openxmlformats.org/officeDocument/2006/math" xmlns="" val="1"/>
             </a:ext>
           </a:extLst>
         </p:spPr>
@@ -3116,7 +3087,7 @@
               <a:lnSpc>
                 <a:spcPts val="1700"/>
               </a:lnSpc>
-              <a:defRPr b="1" sz="1300">
+              <a:defRPr sz="1300" b="1">
                 <a:solidFill>
                   <a:srgbClr val="006400"/>
                 </a:solidFill>
@@ -3128,7 +3099,6 @@
             </a:lvl1pPr>
           </a:lstStyle>
           <a:p>
-            <a:pPr/>
             <a:r>
               <a:t>Demo Ready</a:t>
             </a:r>
@@ -3154,7 +3124,7 @@
           </a:ln>
           <a:extLst>
             <a:ext uri="{C572A759-6A51-4108-AA02-DFA0A04FC94B}">
-              <ma14:wrappingTextBoxFlag xmlns:ma14="http://schemas.microsoft.com/office/mac/drawingml/2011/main" val="1"/>
+              <ma14:wrappingTextBoxFlag xmlns:ma14="http://schemas.microsoft.com/office/mac/drawingml/2011/main" xmlns:a14="http://schemas.microsoft.com/office/drawing/2010/main" xmlns:m="http://schemas.openxmlformats.org/officeDocument/2006/math" xmlns="" val="1"/>
             </a:ext>
           </a:extLst>
         </p:spPr>
@@ -3167,7 +3137,7 @@
               <a:lnSpc>
                 <a:spcPts val="1200"/>
               </a:lnSpc>
-              <a:defRPr i="1" sz="1000">
+              <a:defRPr sz="1000" i="1">
                 <a:solidFill>
                   <a:srgbClr val="6B7280"/>
                 </a:solidFill>
@@ -3179,7 +3149,6 @@
             </a:lvl1pPr>
           </a:lstStyle>
           <a:p>
-            <a:pPr/>
             <a:r>
               <a:t>Login ADMIN &amp; Simulation</a:t>
             </a:r>
@@ -3205,7 +3174,7 @@
           </a:ln>
           <a:extLst>
             <a:ext uri="{C572A759-6A51-4108-AA02-DFA0A04FC94B}">
-              <ma14:wrappingTextBoxFlag xmlns:ma14="http://schemas.microsoft.com/office/mac/drawingml/2011/main" val="1"/>
+              <ma14:wrappingTextBoxFlag xmlns:ma14="http://schemas.microsoft.com/office/mac/drawingml/2011/main" xmlns:a14="http://schemas.microsoft.com/office/drawing/2010/main" xmlns:m="http://schemas.openxmlformats.org/officeDocument/2006/math" xmlns="" val="1"/>
             </a:ext>
           </a:extLst>
         </p:spPr>
@@ -3218,7 +3187,7 @@
               <a:lnSpc>
                 <a:spcPts val="1700"/>
               </a:lnSpc>
-              <a:defRPr b="1" sz="1500">
+              <a:defRPr sz="1500" b="1">
                 <a:solidFill>
                   <a:srgbClr val="006400"/>
                 </a:solidFill>
@@ -3230,7 +3199,6 @@
             </a:lvl1pPr>
           </a:lstStyle>
           <a:p>
-            <a:pPr/>
             <a:r>
               <a:t>Digital Twin Live</a:t>
             </a:r>
@@ -3256,7 +3224,7 @@
           </a:ln>
           <a:extLst>
             <a:ext uri="{C572A759-6A51-4108-AA02-DFA0A04FC94B}">
-              <ma14:wrappingTextBoxFlag xmlns:ma14="http://schemas.microsoft.com/office/mac/drawingml/2011/main" val="1"/>
+              <ma14:wrappingTextBoxFlag xmlns:ma14="http://schemas.microsoft.com/office/mac/drawingml/2011/main" xmlns:a14="http://schemas.microsoft.com/office/drawing/2010/main" xmlns:m="http://schemas.openxmlformats.org/officeDocument/2006/math" xmlns="" val="1"/>
             </a:ext>
           </a:extLst>
         </p:spPr>
@@ -3281,7 +3249,6 @@
             </a:lvl1pPr>
           </a:lstStyle>
           <a:p>
-            <a:pPr/>
             <a:r>
               <a:t>Streaming SSE di dati reali vs predizioni LSTM. Visualizzazione insight e trend settimanali sulla Dashboard React.</a:t>
             </a:r>
@@ -3307,7 +3274,7 @@
           </a:ln>
           <a:extLst>
             <a:ext uri="{C572A759-6A51-4108-AA02-DFA0A04FC94B}">
-              <ma14:wrappingTextBoxFlag xmlns:ma14="http://schemas.microsoft.com/office/mac/drawingml/2011/main" val="1"/>
+              <ma14:wrappingTextBoxFlag xmlns:ma14="http://schemas.microsoft.com/office/mac/drawingml/2011/main" xmlns:a14="http://schemas.microsoft.com/office/drawing/2010/main" xmlns:m="http://schemas.openxmlformats.org/officeDocument/2006/math" xmlns="" val="1"/>
             </a:ext>
           </a:extLst>
         </p:spPr>
@@ -3320,7 +3287,7 @@
               <a:lnSpc>
                 <a:spcPts val="1700"/>
               </a:lnSpc>
-              <a:defRPr b="1" sz="1500">
+              <a:defRPr sz="1500" b="1">
                 <a:solidFill>
                   <a:srgbClr val="006400"/>
                 </a:solidFill>
@@ -3332,7 +3299,6 @@
             </a:lvl1pPr>
           </a:lstStyle>
           <a:p>
-            <a:pPr/>
             <a:r>
               <a:t>Stress &amp; Fallback</a:t>
             </a:r>
@@ -3358,7 +3324,7 @@
           </a:ln>
           <a:extLst>
             <a:ext uri="{C572A759-6A51-4108-AA02-DFA0A04FC94B}">
-              <ma14:wrappingTextBoxFlag xmlns:ma14="http://schemas.microsoft.com/office/mac/drawingml/2011/main" val="1"/>
+              <ma14:wrappingTextBoxFlag xmlns:ma14="http://schemas.microsoft.com/office/mac/drawingml/2011/main" xmlns:a14="http://schemas.microsoft.com/office/drawing/2010/main" xmlns:m="http://schemas.openxmlformats.org/officeDocument/2006/math" xmlns="" val="1"/>
             </a:ext>
           </a:extLst>
         </p:spPr>
@@ -3414,7 +3380,7 @@
           </a:ln>
           <a:extLst>
             <a:ext uri="{C572A759-6A51-4108-AA02-DFA0A04FC94B}">
-              <ma14:wrappingTextBoxFlag xmlns:ma14="http://schemas.microsoft.com/office/mac/drawingml/2011/main" val="1"/>
+              <ma14:wrappingTextBoxFlag xmlns:ma14="http://schemas.microsoft.com/office/mac/drawingml/2011/main" xmlns:a14="http://schemas.microsoft.com/office/drawing/2010/main" xmlns:m="http://schemas.openxmlformats.org/officeDocument/2006/math" xmlns="" val="1"/>
             </a:ext>
           </a:extLst>
         </p:spPr>
@@ -3427,7 +3393,7 @@
               <a:lnSpc>
                 <a:spcPts val="1700"/>
               </a:lnSpc>
-              <a:defRPr b="1" sz="1500">
+              <a:defRPr sz="1500" b="1">
                 <a:solidFill>
                   <a:srgbClr val="006400"/>
                 </a:solidFill>
@@ -3439,7 +3405,6 @@
             </a:lvl1pPr>
           </a:lstStyle>
           <a:p>
-            <a:pPr/>
             <a:r>
               <a:t>Proactive Alerting</a:t>
             </a:r>
@@ -3465,7 +3430,7 @@
           </a:ln>
           <a:extLst>
             <a:ext uri="{C572A759-6A51-4108-AA02-DFA0A04FC94B}">
-              <ma14:wrappingTextBoxFlag xmlns:ma14="http://schemas.microsoft.com/office/mac/drawingml/2011/main" val="1"/>
+              <ma14:wrappingTextBoxFlag xmlns:ma14="http://schemas.microsoft.com/office/mac/drawingml/2011/main" xmlns:a14="http://schemas.microsoft.com/office/drawing/2010/main" xmlns:m="http://schemas.openxmlformats.org/officeDocument/2006/math" xmlns="" val="1"/>
             </a:ext>
           </a:extLst>
         </p:spPr>
@@ -3521,7 +3486,7 @@
           </a:ln>
           <a:extLst>
             <a:ext uri="{C572A759-6A51-4108-AA02-DFA0A04FC94B}">
-              <ma14:wrappingTextBoxFlag xmlns:ma14="http://schemas.microsoft.com/office/mac/drawingml/2011/main" val="1"/>
+              <ma14:wrappingTextBoxFlag xmlns:ma14="http://schemas.microsoft.com/office/mac/drawingml/2011/main" xmlns:a14="http://schemas.microsoft.com/office/drawing/2010/main" xmlns:m="http://schemas.openxmlformats.org/officeDocument/2006/math" xmlns="" val="1"/>
             </a:ext>
           </a:extLst>
         </p:spPr>
@@ -3546,7 +3511,6 @@
             </a:lvl1pPr>
           </a:lstStyle>
           <a:p>
-            <a:pPr/>
             <a:r>
               <a:t>MySQL / Redis</a:t>
             </a:r>
@@ -3572,7 +3536,7 @@
           </a:ln>
           <a:extLst>
             <a:ext uri="{C572A759-6A51-4108-AA02-DFA0A04FC94B}">
-              <ma14:wrappingTextBoxFlag xmlns:ma14="http://schemas.microsoft.com/office/mac/drawingml/2011/main" val="1"/>
+              <ma14:wrappingTextBoxFlag xmlns:ma14="http://schemas.microsoft.com/office/mac/drawingml/2011/main" xmlns:a14="http://schemas.microsoft.com/office/drawing/2010/main" xmlns:m="http://schemas.openxmlformats.org/officeDocument/2006/math" xmlns="" val="1"/>
             </a:ext>
           </a:extLst>
         </p:spPr>
@@ -3597,7 +3561,6 @@
             </a:lvl1pPr>
           </a:lstStyle>
           <a:p>
-            <a:pPr/>
             <a:r>
               <a:t>RabbitMQ</a:t>
             </a:r>
@@ -3623,7 +3586,7 @@
           </a:ln>
           <a:extLst>
             <a:ext uri="{C572A759-6A51-4108-AA02-DFA0A04FC94B}">
-              <ma14:wrappingTextBoxFlag xmlns:ma14="http://schemas.microsoft.com/office/mac/drawingml/2011/main" val="1"/>
+              <ma14:wrappingTextBoxFlag xmlns:ma14="http://schemas.microsoft.com/office/mac/drawingml/2011/main" xmlns:a14="http://schemas.microsoft.com/office/drawing/2010/main" xmlns:m="http://schemas.openxmlformats.org/officeDocument/2006/math" xmlns="" val="1"/>
             </a:ext>
           </a:extLst>
         </p:spPr>
@@ -3648,7 +3611,6 @@
             </a:lvl1pPr>
           </a:lstStyle>
           <a:p>
-            <a:pPr/>
             <a:r>
               <a:t>ELK Stack</a:t>
             </a:r>
@@ -3674,7 +3636,7 @@
           </a:ln>
           <a:extLst>
             <a:ext uri="{C572A759-6A51-4108-AA02-DFA0A04FC94B}">
-              <ma14:wrappingTextBoxFlag xmlns:ma14="http://schemas.microsoft.com/office/mac/drawingml/2011/main" val="1"/>
+              <ma14:wrappingTextBoxFlag xmlns:ma14="http://schemas.microsoft.com/office/mac/drawingml/2011/main" xmlns:a14="http://schemas.microsoft.com/office/drawing/2010/main" xmlns:m="http://schemas.openxmlformats.org/officeDocument/2006/math" xmlns="" val="1"/>
             </a:ext>
           </a:extLst>
         </p:spPr>
@@ -3687,7 +3649,7 @@
               <a:lnSpc>
                 <a:spcPts val="1200"/>
               </a:lnSpc>
-              <a:defRPr b="1" spc="220" sz="2200">
+              <a:defRPr sz="2200" b="1" spc="220">
                 <a:solidFill>
                   <a:srgbClr val="FFFFFF"/>
                 </a:solidFill>
@@ -3699,7 +3661,6 @@
             </a:lvl1pPr>
           </a:lstStyle>
           <a:p>
-            <a:pPr/>
             <a:r>
               <a:t>FINE PRESENTAZIONE • Q&amp;A</a:t>
             </a:r>
@@ -3711,22 +3672,23 @@
   <p:clrMapOvr>
     <a:masterClrMapping/>
   </p:clrMapOvr>
-  <p:transition xmlns:p14="http://schemas.microsoft.com/office/powerpoint/2010/main" spd="med" advClick="1"/>
+  <p:transition spd="med"/>
 </p:sld>
 </file>
 
 <file path=ppt/slides/slide2.xml><?xml version="1.0" encoding="utf-8"?>
-<p:sld xmlns:a="http://schemas.openxmlformats.org/drawingml/2006/main" xmlns:r="http://schemas.openxmlformats.org/officeDocument/2006/relationships" xmlns:p="http://schemas.openxmlformats.org/presentationml/2006/main" xmlns:m="http://schemas.openxmlformats.org/officeDocument/2006/math" xmlns:a14="http://schemas.microsoft.com/office/drawing/2010/main" showMasterSp="1" showMasterPhAnim="1">
+<p:sld xmlns:a="http://schemas.openxmlformats.org/drawingml/2006/main" xmlns:r="http://schemas.openxmlformats.org/officeDocument/2006/relationships" xmlns:p="http://schemas.openxmlformats.org/presentationml/2006/main">
   <p:cSld>
     <p:bg>
       <p:bgPr>
         <a:blipFill rotWithShape="1">
           <a:blip r:embed="rId2"/>
-          <a:srcRect l="0" t="0" r="0" b="0"/>
+          <a:srcRect/>
           <a:stretch>
             <a:fillRect/>
           </a:stretch>
         </a:blipFill>
+        <a:effectLst/>
       </p:bgPr>
     </p:bg>
     <p:spTree>
@@ -3752,9 +3714,7 @@
           <p:nvPr/>
         </p:nvPicPr>
         <p:blipFill>
-          <a:blip r:embed="rId2">
-            <a:extLst/>
-          </a:blip>
+          <a:blip r:embed="rId2"/>
           <a:stretch>
             <a:fillRect/>
           </a:stretch>
@@ -3781,9 +3741,7 @@
           <p:nvPr/>
         </p:nvPicPr>
         <p:blipFill>
-          <a:blip r:embed="rId3">
-            <a:extLst/>
-          </a:blip>
+          <a:blip r:embed="rId3"/>
           <a:stretch>
             <a:fillRect/>
           </a:stretch>
@@ -3810,9 +3768,7 @@
           <p:nvPr/>
         </p:nvPicPr>
         <p:blipFill>
-          <a:blip r:embed="rId4">
-            <a:extLst/>
-          </a:blip>
+          <a:blip r:embed="rId4"/>
           <a:stretch>
             <a:fillRect/>
           </a:stretch>
@@ -3839,9 +3795,7 @@
           <p:nvPr/>
         </p:nvPicPr>
         <p:blipFill>
-          <a:blip r:embed="rId5">
-            <a:extLst/>
-          </a:blip>
+          <a:blip r:embed="rId5"/>
           <a:stretch>
             <a:fillRect/>
           </a:stretch>
@@ -3868,9 +3822,7 @@
           <p:nvPr/>
         </p:nvPicPr>
         <p:blipFill>
-          <a:blip r:embed="rId6">
-            <a:extLst/>
-          </a:blip>
+          <a:blip r:embed="rId6"/>
           <a:stretch>
             <a:fillRect/>
           </a:stretch>
@@ -3897,9 +3849,7 @@
           <p:nvPr/>
         </p:nvPicPr>
         <p:blipFill>
-          <a:blip r:embed="rId7">
-            <a:extLst/>
-          </a:blip>
+          <a:blip r:embed="rId7"/>
           <a:stretch>
             <a:fillRect/>
           </a:stretch>
@@ -3926,9 +3876,7 @@
           <p:nvPr/>
         </p:nvPicPr>
         <p:blipFill>
-          <a:blip r:embed="rId8">
-            <a:extLst/>
-          </a:blip>
+          <a:blip r:embed="rId8"/>
           <a:stretch>
             <a:fillRect/>
           </a:stretch>
@@ -3955,9 +3903,7 @@
           <p:nvPr/>
         </p:nvPicPr>
         <p:blipFill>
-          <a:blip r:embed="rId9">
-            <a:extLst/>
-          </a:blip>
+          <a:blip r:embed="rId9"/>
           <a:stretch>
             <a:fillRect/>
           </a:stretch>
@@ -3984,9 +3930,7 @@
           <p:nvPr/>
         </p:nvPicPr>
         <p:blipFill>
-          <a:blip r:embed="rId10">
-            <a:extLst/>
-          </a:blip>
+          <a:blip r:embed="rId10"/>
           <a:stretch>
             <a:fillRect/>
           </a:stretch>
@@ -4013,9 +3957,7 @@
           <p:nvPr/>
         </p:nvPicPr>
         <p:blipFill>
-          <a:blip r:embed="rId11">
-            <a:extLst/>
-          </a:blip>
+          <a:blip r:embed="rId11"/>
           <a:stretch>
             <a:fillRect/>
           </a:stretch>
@@ -4042,9 +3984,7 @@
           <p:nvPr/>
         </p:nvPicPr>
         <p:blipFill>
-          <a:blip r:embed="rId12">
-            <a:extLst/>
-          </a:blip>
+          <a:blip r:embed="rId12"/>
           <a:stretch>
             <a:fillRect/>
           </a:stretch>
@@ -4071,9 +4011,7 @@
           <p:nvPr/>
         </p:nvPicPr>
         <p:blipFill>
-          <a:blip r:embed="rId13">
-            <a:extLst/>
-          </a:blip>
+          <a:blip r:embed="rId13"/>
           <a:stretch>
             <a:fillRect/>
           </a:stretch>
@@ -4100,9 +4038,7 @@
           <p:nvPr/>
         </p:nvPicPr>
         <p:blipFill>
-          <a:blip r:embed="rId14">
-            <a:extLst/>
-          </a:blip>
+          <a:blip r:embed="rId14"/>
           <a:stretch>
             <a:fillRect/>
           </a:stretch>
@@ -4129,9 +4065,7 @@
           <p:nvPr/>
         </p:nvPicPr>
         <p:blipFill>
-          <a:blip r:embed="rId15">
-            <a:extLst/>
-          </a:blip>
+          <a:blip r:embed="rId15"/>
           <a:stretch>
             <a:fillRect/>
           </a:stretch>
@@ -4158,9 +4092,7 @@
           <p:nvPr/>
         </p:nvPicPr>
         <p:blipFill>
-          <a:blip r:embed="rId16">
-            <a:extLst/>
-          </a:blip>
+          <a:blip r:embed="rId16"/>
           <a:stretch>
             <a:fillRect/>
           </a:stretch>
@@ -4187,9 +4119,7 @@
           <p:nvPr/>
         </p:nvPicPr>
         <p:blipFill>
-          <a:blip r:embed="rId17">
-            <a:extLst/>
-          </a:blip>
+          <a:blip r:embed="rId17"/>
           <a:stretch>
             <a:fillRect/>
           </a:stretch>
@@ -4216,9 +4146,7 @@
           <p:nvPr/>
         </p:nvPicPr>
         <p:blipFill>
-          <a:blip r:embed="rId18">
-            <a:extLst/>
-          </a:blip>
+          <a:blip r:embed="rId18"/>
           <a:stretch>
             <a:fillRect/>
           </a:stretch>
@@ -4255,7 +4183,7 @@
           </a:ln>
           <a:extLst>
             <a:ext uri="{C572A759-6A51-4108-AA02-DFA0A04FC94B}">
-              <ma14:wrappingTextBoxFlag xmlns:ma14="http://schemas.microsoft.com/office/mac/drawingml/2011/main" val="1"/>
+              <ma14:wrappingTextBoxFlag xmlns:ma14="http://schemas.microsoft.com/office/mac/drawingml/2011/main" xmlns:a14="http://schemas.microsoft.com/office/drawing/2010/main" xmlns:m="http://schemas.openxmlformats.org/officeDocument/2006/math" xmlns="" val="1"/>
             </a:ext>
           </a:extLst>
         </p:spPr>
@@ -4268,7 +4196,7 @@
               <a:lnSpc>
                 <a:spcPts val="2300"/>
               </a:lnSpc>
-              <a:defRPr b="1" spc="-51" sz="2200">
+              <a:defRPr sz="2200" b="1" spc="-51">
                 <a:solidFill>
                   <a:srgbClr val="FFFFFF"/>
                 </a:solidFill>
@@ -4280,7 +4208,6 @@
             </a:lvl1pPr>
           </a:lstStyle>
           <a:p>
-            <a:pPr/>
             <a:r>
               <a:t>02. Introduzione e Digital Energy Twin</a:t>
             </a:r>
@@ -4306,7 +4233,7 @@
           </a:ln>
           <a:extLst>
             <a:ext uri="{C572A759-6A51-4108-AA02-DFA0A04FC94B}">
-              <ma14:wrappingTextBoxFlag xmlns:ma14="http://schemas.microsoft.com/office/mac/drawingml/2011/main" val="1"/>
+              <ma14:wrappingTextBoxFlag xmlns:ma14="http://schemas.microsoft.com/office/mac/drawingml/2011/main" xmlns:a14="http://schemas.microsoft.com/office/drawing/2010/main" xmlns:m="http://schemas.openxmlformats.org/officeDocument/2006/math" xmlns="" val="1"/>
             </a:ext>
           </a:extLst>
         </p:spPr>
@@ -4319,7 +4246,7 @@
               <a:lnSpc>
                 <a:spcPts val="1300"/>
               </a:lnSpc>
-              <a:defRPr spc="95" sz="1000">
+              <a:defRPr sz="1000" spc="95">
                 <a:solidFill>
                   <a:srgbClr val="FFFFFF"/>
                 </a:solidFill>
@@ -4331,7 +4258,6 @@
             </a:lvl1pPr>
           </a:lstStyle>
           <a:p>
-            <a:pPr/>
             <a:r>
               <a:t>NEXUS ENERGY DISTRIBUTED SERVICE</a:t>
             </a:r>
@@ -4357,7 +4283,7 @@
           </a:ln>
           <a:extLst>
             <a:ext uri="{C572A759-6A51-4108-AA02-DFA0A04FC94B}">
-              <ma14:wrappingTextBoxFlag xmlns:ma14="http://schemas.microsoft.com/office/mac/drawingml/2011/main" val="1"/>
+              <ma14:wrappingTextBoxFlag xmlns:ma14="http://schemas.microsoft.com/office/mac/drawingml/2011/main" xmlns:a14="http://schemas.microsoft.com/office/drawing/2010/main" xmlns:m="http://schemas.openxmlformats.org/officeDocument/2006/math" xmlns="" val="1"/>
             </a:ext>
           </a:extLst>
         </p:spPr>
@@ -4370,7 +4296,7 @@
               <a:lnSpc>
                 <a:spcPts val="2100"/>
               </a:lnSpc>
-              <a:defRPr b="1" sz="1500">
+              <a:defRPr sz="1500" b="1">
                 <a:solidFill>
                   <a:srgbClr val="006400"/>
                 </a:solidFill>
@@ -4382,7 +4308,6 @@
             </a:lvl1pPr>
           </a:lstStyle>
           <a:p>
-            <a:pPr/>
             <a:r>
               <a:t>Visione del Progetto</a:t>
             </a:r>
@@ -4408,7 +4333,7 @@
           </a:ln>
           <a:extLst>
             <a:ext uri="{C572A759-6A51-4108-AA02-DFA0A04FC94B}">
-              <ma14:wrappingTextBoxFlag xmlns:ma14="http://schemas.microsoft.com/office/mac/drawingml/2011/main" val="1"/>
+              <ma14:wrappingTextBoxFlag xmlns:ma14="http://schemas.microsoft.com/office/mac/drawingml/2011/main" xmlns:a14="http://schemas.microsoft.com/office/drawing/2010/main" xmlns:m="http://schemas.openxmlformats.org/officeDocument/2006/math" xmlns="" val="1"/>
             </a:ext>
           </a:extLst>
         </p:spPr>
@@ -4464,7 +4389,7 @@
           </a:ln>
           <a:extLst>
             <a:ext uri="{C572A759-6A51-4108-AA02-DFA0A04FC94B}">
-              <ma14:wrappingTextBoxFlag xmlns:ma14="http://schemas.microsoft.com/office/mac/drawingml/2011/main" val="1"/>
+              <ma14:wrappingTextBoxFlag xmlns:ma14="http://schemas.microsoft.com/office/mac/drawingml/2011/main" xmlns:a14="http://schemas.microsoft.com/office/drawing/2010/main" xmlns:m="http://schemas.openxmlformats.org/officeDocument/2006/math" xmlns="" val="1"/>
             </a:ext>
           </a:extLst>
         </p:spPr>
@@ -4477,7 +4402,7 @@
               <a:lnSpc>
                 <a:spcPts val="1800"/>
               </a:lnSpc>
-              <a:defRPr b="1" spc="30" sz="1300">
+              <a:defRPr sz="1300" b="1" spc="30">
                 <a:solidFill>
                   <a:srgbClr val="006400"/>
                 </a:solidFill>
@@ -4489,7 +4414,6 @@
             </a:lvl1pPr>
           </a:lstStyle>
           <a:p>
-            <a:pPr/>
             <a:r>
               <a:t>OBIETTIVI DI SISTEMA</a:t>
             </a:r>
@@ -4515,7 +4439,7 @@
           </a:ln>
           <a:extLst>
             <a:ext uri="{C572A759-6A51-4108-AA02-DFA0A04FC94B}">
-              <ma14:wrappingTextBoxFlag xmlns:ma14="http://schemas.microsoft.com/office/mac/drawingml/2011/main" val="1"/>
+              <ma14:wrappingTextBoxFlag xmlns:ma14="http://schemas.microsoft.com/office/mac/drawingml/2011/main" xmlns:a14="http://schemas.microsoft.com/office/drawing/2010/main" xmlns:m="http://schemas.openxmlformats.org/officeDocument/2006/math" xmlns="" val="1"/>
             </a:ext>
           </a:extLst>
         </p:spPr>
@@ -4528,7 +4452,7 @@
               <a:lnSpc>
                 <a:spcPts val="1500"/>
               </a:lnSpc>
-              <a:defRPr b="1" sz="1000">
+              <a:defRPr sz="1000" b="1">
                 <a:latin typeface="Inter"/>
                 <a:ea typeface="Inter"/>
                 <a:cs typeface="Inter"/>
@@ -4537,7 +4461,6 @@
             </a:lvl1pPr>
           </a:lstStyle>
           <a:p>
-            <a:pPr/>
             <a:r>
               <a:t>Integrazione Tecnologica</a:t>
             </a:r>
@@ -4563,7 +4486,7 @@
           </a:ln>
           <a:extLst>
             <a:ext uri="{C572A759-6A51-4108-AA02-DFA0A04FC94B}">
-              <ma14:wrappingTextBoxFlag xmlns:ma14="http://schemas.microsoft.com/office/mac/drawingml/2011/main" val="1"/>
+              <ma14:wrappingTextBoxFlag xmlns:ma14="http://schemas.microsoft.com/office/mac/drawingml/2011/main" xmlns:a14="http://schemas.microsoft.com/office/drawing/2010/main" xmlns:m="http://schemas.openxmlformats.org/officeDocument/2006/math" xmlns="" val="1"/>
             </a:ext>
           </a:extLst>
         </p:spPr>
@@ -4576,7 +4499,7 @@
               <a:lnSpc>
                 <a:spcPts val="1300"/>
               </a:lnSpc>
-              <a:defRPr i="1" sz="900">
+              <a:defRPr sz="900" i="1">
                 <a:solidFill>
                   <a:srgbClr val="4B5563"/>
                 </a:solidFill>
@@ -4588,7 +4511,6 @@
             </a:lvl1pPr>
           </a:lstStyle>
           <a:p>
-            <a:pPr/>
             <a:r>
               <a:t>Frontend, Backend, AI, Messaging e Osservabilità in un unico ecosistema.</a:t>
             </a:r>
@@ -4614,7 +4536,7 @@
           </a:ln>
           <a:extLst>
             <a:ext uri="{C572A759-6A51-4108-AA02-DFA0A04FC94B}">
-              <ma14:wrappingTextBoxFlag xmlns:ma14="http://schemas.microsoft.com/office/mac/drawingml/2011/main" val="1"/>
+              <ma14:wrappingTextBoxFlag xmlns:ma14="http://schemas.microsoft.com/office/mac/drawingml/2011/main" xmlns:a14="http://schemas.microsoft.com/office/drawing/2010/main" xmlns:m="http://schemas.openxmlformats.org/officeDocument/2006/math" xmlns="" val="1"/>
             </a:ext>
           </a:extLst>
         </p:spPr>
@@ -4627,7 +4549,7 @@
               <a:lnSpc>
                 <a:spcPts val="1500"/>
               </a:lnSpc>
-              <a:defRPr b="1" sz="1000">
+              <a:defRPr sz="1000" b="1">
                 <a:latin typeface="Inter"/>
                 <a:ea typeface="Inter"/>
                 <a:cs typeface="Inter"/>
@@ -4636,7 +4558,6 @@
             </a:lvl1pPr>
           </a:lstStyle>
           <a:p>
-            <a:pPr/>
             <a:r>
               <a:t>Produzione Pronta</a:t>
             </a:r>
@@ -4662,7 +4583,7 @@
           </a:ln>
           <a:extLst>
             <a:ext uri="{C572A759-6A51-4108-AA02-DFA0A04FC94B}">
-              <ma14:wrappingTextBoxFlag xmlns:ma14="http://schemas.microsoft.com/office/mac/drawingml/2011/main" val="1"/>
+              <ma14:wrappingTextBoxFlag xmlns:ma14="http://schemas.microsoft.com/office/mac/drawingml/2011/main" xmlns:a14="http://schemas.microsoft.com/office/drawing/2010/main" xmlns:m="http://schemas.openxmlformats.org/officeDocument/2006/math" xmlns="" val="1"/>
             </a:ext>
           </a:extLst>
         </p:spPr>
@@ -4675,7 +4596,7 @@
               <a:lnSpc>
                 <a:spcPts val="1300"/>
               </a:lnSpc>
-              <a:defRPr i="1" sz="900">
+              <a:defRPr sz="900" i="1">
                 <a:solidFill>
                   <a:srgbClr val="4B5563"/>
                 </a:solidFill>
@@ -4687,7 +4608,6 @@
             </a:lvl1pPr>
           </a:lstStyle>
           <a:p>
-            <a:pPr/>
             <a:r>
               <a:t>Gestione di errori, sicurezza JWT, logging centralizzato e pattern di resilienza.</a:t>
             </a:r>
@@ -4713,7 +4633,7 @@
           </a:ln>
           <a:extLst>
             <a:ext uri="{C572A759-6A51-4108-AA02-DFA0A04FC94B}">
-              <ma14:wrappingTextBoxFlag xmlns:ma14="http://schemas.microsoft.com/office/mac/drawingml/2011/main" val="1"/>
+              <ma14:wrappingTextBoxFlag xmlns:ma14="http://schemas.microsoft.com/office/mac/drawingml/2011/main" xmlns:a14="http://schemas.microsoft.com/office/drawing/2010/main" xmlns:m="http://schemas.openxmlformats.org/officeDocument/2006/math" xmlns="" val="1"/>
             </a:ext>
           </a:extLst>
         </p:spPr>
@@ -4726,7 +4646,7 @@
               <a:lnSpc>
                 <a:spcPts val="1500"/>
               </a:lnSpc>
-              <a:defRPr b="1" sz="1000">
+              <a:defRPr sz="1000" b="1">
                 <a:latin typeface="Inter"/>
                 <a:ea typeface="Inter"/>
                 <a:cs typeface="Inter"/>
@@ -4735,7 +4655,6 @@
             </a:lvl1pPr>
           </a:lstStyle>
           <a:p>
-            <a:pPr/>
             <a:r>
               <a:t>Real-time Analytics</a:t>
             </a:r>
@@ -4761,7 +4680,7 @@
           </a:ln>
           <a:extLst>
             <a:ext uri="{C572A759-6A51-4108-AA02-DFA0A04FC94B}">
-              <ma14:wrappingTextBoxFlag xmlns:ma14="http://schemas.microsoft.com/office/mac/drawingml/2011/main" val="1"/>
+              <ma14:wrappingTextBoxFlag xmlns:ma14="http://schemas.microsoft.com/office/mac/drawingml/2011/main" xmlns:a14="http://schemas.microsoft.com/office/drawing/2010/main" xmlns:m="http://schemas.openxmlformats.org/officeDocument/2006/math" xmlns="" val="1"/>
             </a:ext>
           </a:extLst>
         </p:spPr>
@@ -4774,7 +4693,7 @@
               <a:lnSpc>
                 <a:spcPts val="1300"/>
               </a:lnSpc>
-              <a:defRPr i="1" sz="900">
+              <a:defRPr sz="900" i="1">
                 <a:solidFill>
                   <a:srgbClr val="4B5563"/>
                 </a:solidFill>
@@ -4786,7 +4705,6 @@
             </a:lvl1pPr>
           </a:lstStyle>
           <a:p>
-            <a:pPr/>
             <a:r>
               <a:t>Streaming di dati tramite SSE e notifiche immediate di anomalie.</a:t>
             </a:r>
@@ -4812,7 +4730,7 @@
           </a:ln>
           <a:extLst>
             <a:ext uri="{C572A759-6A51-4108-AA02-DFA0A04FC94B}">
-              <ma14:wrappingTextBoxFlag xmlns:ma14="http://schemas.microsoft.com/office/mac/drawingml/2011/main" val="1"/>
+              <ma14:wrappingTextBoxFlag xmlns:ma14="http://schemas.microsoft.com/office/mac/drawingml/2011/main" xmlns:a14="http://schemas.microsoft.com/office/drawing/2010/main" xmlns:m="http://schemas.openxmlformats.org/officeDocument/2006/math" xmlns="" val="1"/>
             </a:ext>
           </a:extLst>
         </p:spPr>
@@ -4825,7 +4743,7 @@
               <a:lnSpc>
                 <a:spcPts val="1800"/>
               </a:lnSpc>
-              <a:defRPr b="1" spc="30" sz="1300">
+              <a:defRPr sz="1300" b="1" spc="30">
                 <a:solidFill>
                   <a:srgbClr val="FFA500"/>
                 </a:solidFill>
@@ -4837,7 +4755,6 @@
             </a:lvl1pPr>
           </a:lstStyle>
           <a:p>
-            <a:pPr/>
             <a:r>
               <a:t>IL DIGITAL ENERGY TWIN</a:t>
             </a:r>
@@ -4863,7 +4780,7 @@
           </a:ln>
           <a:extLst>
             <a:ext uri="{C572A759-6A51-4108-AA02-DFA0A04FC94B}">
-              <ma14:wrappingTextBoxFlag xmlns:ma14="http://schemas.microsoft.com/office/mac/drawingml/2011/main" val="1"/>
+              <ma14:wrappingTextBoxFlag xmlns:ma14="http://schemas.microsoft.com/office/mac/drawingml/2011/main" xmlns:a14="http://schemas.microsoft.com/office/drawing/2010/main" xmlns:m="http://schemas.openxmlformats.org/officeDocument/2006/math" xmlns="" val="1"/>
             </a:ext>
           </a:extLst>
         </p:spPr>
@@ -4919,7 +4836,7 @@
           </a:ln>
           <a:extLst>
             <a:ext uri="{C572A759-6A51-4108-AA02-DFA0A04FC94B}">
-              <ma14:wrappingTextBoxFlag xmlns:ma14="http://schemas.microsoft.com/office/mac/drawingml/2011/main" val="1"/>
+              <ma14:wrappingTextBoxFlag xmlns:ma14="http://schemas.microsoft.com/office/mac/drawingml/2011/main" xmlns:a14="http://schemas.microsoft.com/office/drawing/2010/main" xmlns:m="http://schemas.openxmlformats.org/officeDocument/2006/math" xmlns="" val="1"/>
             </a:ext>
           </a:extLst>
         </p:spPr>
@@ -4932,7 +4849,7 @@
               <a:lnSpc>
                 <a:spcPts val="1000"/>
               </a:lnSpc>
-              <a:defRPr b="1" sz="700">
+              <a:defRPr sz="700" b="1">
                 <a:solidFill>
                   <a:srgbClr val="FFA500"/>
                 </a:solidFill>
@@ -4944,7 +4861,6 @@
             </a:lvl1pPr>
           </a:lstStyle>
           <a:p>
-            <a:pPr/>
             <a:r>
               <a:t>MODELLO NEURALE</a:t>
             </a:r>
@@ -4970,7 +4886,7 @@
           </a:ln>
           <a:extLst>
             <a:ext uri="{C572A759-6A51-4108-AA02-DFA0A04FC94B}">
-              <ma14:wrappingTextBoxFlag xmlns:ma14="http://schemas.microsoft.com/office/mac/drawingml/2011/main" val="1"/>
+              <ma14:wrappingTextBoxFlag xmlns:ma14="http://schemas.microsoft.com/office/mac/drawingml/2011/main" xmlns:a14="http://schemas.microsoft.com/office/drawing/2010/main" xmlns:m="http://schemas.openxmlformats.org/officeDocument/2006/math" xmlns="" val="1"/>
             </a:ext>
           </a:extLst>
         </p:spPr>
@@ -5026,7 +4942,7 @@
           </a:ln>
           <a:extLst>
             <a:ext uri="{C572A759-6A51-4108-AA02-DFA0A04FC94B}">
-              <ma14:wrappingTextBoxFlag xmlns:ma14="http://schemas.microsoft.com/office/mac/drawingml/2011/main" val="1"/>
+              <ma14:wrappingTextBoxFlag xmlns:ma14="http://schemas.microsoft.com/office/mac/drawingml/2011/main" xmlns:a14="http://schemas.microsoft.com/office/drawing/2010/main" xmlns:m="http://schemas.openxmlformats.org/officeDocument/2006/math" xmlns="" val="1"/>
             </a:ext>
           </a:extLst>
         </p:spPr>
@@ -5039,7 +4955,7 @@
               <a:lnSpc>
                 <a:spcPts val="1000"/>
               </a:lnSpc>
-              <a:defRPr b="1" sz="700">
+              <a:defRPr sz="700" b="1">
                 <a:solidFill>
                   <a:srgbClr val="FFA500"/>
                 </a:solidFill>
@@ -5051,7 +4967,6 @@
             </a:lvl1pPr>
           </a:lstStyle>
           <a:p>
-            <a:pPr/>
             <a:r>
               <a:t>INPUT DATASET (KAGGLE)</a:t>
             </a:r>
@@ -5077,7 +4992,7 @@
           </a:ln>
           <a:extLst>
             <a:ext uri="{C572A759-6A51-4108-AA02-DFA0A04FC94B}">
-              <ma14:wrappingTextBoxFlag xmlns:ma14="http://schemas.microsoft.com/office/mac/drawingml/2011/main" val="1"/>
+              <ma14:wrappingTextBoxFlag xmlns:ma14="http://schemas.microsoft.com/office/mac/drawingml/2011/main" xmlns:a14="http://schemas.microsoft.com/office/drawing/2010/main" xmlns:m="http://schemas.openxmlformats.org/officeDocument/2006/math" xmlns="" val="1"/>
             </a:ext>
           </a:extLst>
         </p:spPr>
@@ -5090,7 +5005,7 @@
               <a:lnSpc>
                 <a:spcPts val="1300"/>
               </a:lnSpc>
-              <a:defRPr i="1" sz="900">
+              <a:defRPr sz="900" i="1">
                 <a:solidFill>
                   <a:srgbClr val="FFFFFF"/>
                 </a:solidFill>
@@ -5102,7 +5017,6 @@
             </a:lvl1pPr>
           </a:lstStyle>
           <a:p>
-            <a:pPr/>
             <a:r>
               <a:t>Temperatura, Umidità, Occupazione, HVAC e Illuminazione.</a:t>
             </a:r>
@@ -5128,7 +5042,7 @@
           </a:ln>
           <a:extLst>
             <a:ext uri="{C572A759-6A51-4108-AA02-DFA0A04FC94B}">
-              <ma14:wrappingTextBoxFlag xmlns:ma14="http://schemas.microsoft.com/office/mac/drawingml/2011/main" val="1"/>
+              <ma14:wrappingTextBoxFlag xmlns:ma14="http://schemas.microsoft.com/office/mac/drawingml/2011/main" xmlns:a14="http://schemas.microsoft.com/office/drawing/2010/main" xmlns:m="http://schemas.openxmlformats.org/officeDocument/2006/math" xmlns="" val="1"/>
             </a:ext>
           </a:extLst>
         </p:spPr>
@@ -5141,7 +5055,7 @@
               <a:lnSpc>
                 <a:spcPts val="1000"/>
               </a:lnSpc>
-              <a:defRPr b="1" sz="700">
+              <a:defRPr sz="700" b="1">
                 <a:solidFill>
                   <a:srgbClr val="FFA500"/>
                 </a:solidFill>
@@ -5153,7 +5067,6 @@
             </a:lvl1pPr>
           </a:lstStyle>
           <a:p>
-            <a:pPr/>
             <a:r>
               <a:t>RILEVAMENTO ANOMALIE</a:t>
             </a:r>
@@ -5179,7 +5092,7 @@
           </a:ln>
           <a:extLst>
             <a:ext uri="{C572A759-6A51-4108-AA02-DFA0A04FC94B}">
-              <ma14:wrappingTextBoxFlag xmlns:ma14="http://schemas.microsoft.com/office/mac/drawingml/2011/main" val="1"/>
+              <ma14:wrappingTextBoxFlag xmlns:ma14="http://schemas.microsoft.com/office/mac/drawingml/2011/main" xmlns:a14="http://schemas.microsoft.com/office/drawing/2010/main" xmlns:m="http://schemas.openxmlformats.org/officeDocument/2006/math" xmlns="" val="1"/>
             </a:ext>
           </a:extLst>
         </p:spPr>
@@ -5235,7 +5148,7 @@
           </a:ln>
           <a:extLst>
             <a:ext uri="{C572A759-6A51-4108-AA02-DFA0A04FC94B}">
-              <ma14:wrappingTextBoxFlag xmlns:ma14="http://schemas.microsoft.com/office/mac/drawingml/2011/main" val="1"/>
+              <ma14:wrappingTextBoxFlag xmlns:ma14="http://schemas.microsoft.com/office/mac/drawingml/2011/main" xmlns:a14="http://schemas.microsoft.com/office/drawing/2010/main" xmlns:m="http://schemas.openxmlformats.org/officeDocument/2006/math" xmlns="" val="1"/>
             </a:ext>
           </a:extLst>
         </p:spPr>
@@ -5260,7 +5173,6 @@
             </a:lvl1pPr>
           </a:lstStyle>
           <a:p>
-            <a:pPr/>
             <a:r>
               <a:t>Dataset: Energy Consumption Prediction (Synthetic real-world emulation)</a:t>
             </a:r>
@@ -5286,7 +5198,7 @@
           </a:ln>
           <a:extLst>
             <a:ext uri="{C572A759-6A51-4108-AA02-DFA0A04FC94B}">
-              <ma14:wrappingTextBoxFlag xmlns:ma14="http://schemas.microsoft.com/office/mac/drawingml/2011/main" val="1"/>
+              <ma14:wrappingTextBoxFlag xmlns:ma14="http://schemas.microsoft.com/office/mac/drawingml/2011/main" xmlns:a14="http://schemas.microsoft.com/office/drawing/2010/main" xmlns:m="http://schemas.openxmlformats.org/officeDocument/2006/math" xmlns="" val="1"/>
             </a:ext>
           </a:extLst>
         </p:spPr>
@@ -5299,7 +5211,7 @@
               <a:lnSpc>
                 <a:spcPts val="1000"/>
               </a:lnSpc>
-              <a:defRPr b="1" i="1" sz="700">
+              <a:defRPr sz="700" b="1" i="1">
                 <a:solidFill>
                   <a:srgbClr val="006400"/>
                 </a:solidFill>
@@ -5311,7 +5223,6 @@
             </a:lvl1pPr>
           </a:lstStyle>
           <a:p>
-            <a:pPr/>
             <a:r>
               <a:t>Nexus Energy: Scalability &amp; Intelligence</a:t>
             </a:r>
@@ -5323,22 +5234,23 @@
   <p:clrMapOvr>
     <a:masterClrMapping/>
   </p:clrMapOvr>
-  <p:transition xmlns:p14="http://schemas.microsoft.com/office/powerpoint/2010/main" spd="med" advClick="1"/>
+  <p:transition spd="med"/>
 </p:sld>
 </file>
 
 <file path=ppt/slides/slide3.xml><?xml version="1.0" encoding="utf-8"?>
-<p:sld xmlns:a="http://schemas.openxmlformats.org/drawingml/2006/main" xmlns:r="http://schemas.openxmlformats.org/officeDocument/2006/relationships" xmlns:p="http://schemas.openxmlformats.org/presentationml/2006/main" xmlns:m="http://schemas.openxmlformats.org/officeDocument/2006/math" xmlns:a14="http://schemas.microsoft.com/office/drawing/2010/main" showMasterSp="1" showMasterPhAnim="1">
+<p:sld xmlns:a="http://schemas.openxmlformats.org/drawingml/2006/main" xmlns:r="http://schemas.openxmlformats.org/officeDocument/2006/relationships" xmlns:p="http://schemas.openxmlformats.org/presentationml/2006/main">
   <p:cSld>
     <p:bg>
       <p:bgPr>
         <a:blipFill rotWithShape="1">
           <a:blip r:embed="rId2"/>
-          <a:srcRect l="0" t="0" r="0" b="0"/>
+          <a:srcRect/>
           <a:stretch>
             <a:fillRect/>
           </a:stretch>
         </a:blipFill>
+        <a:effectLst/>
       </p:bgPr>
     </p:bg>
     <p:spTree>
@@ -5364,9 +5276,7 @@
           <p:nvPr/>
         </p:nvPicPr>
         <p:blipFill>
-          <a:blip r:embed="rId2">
-            <a:extLst/>
-          </a:blip>
+          <a:blip r:embed="rId2"/>
           <a:stretch>
             <a:fillRect/>
           </a:stretch>
@@ -5393,9 +5303,7 @@
           <p:nvPr/>
         </p:nvPicPr>
         <p:blipFill>
-          <a:blip r:embed="rId3">
-            <a:extLst/>
-          </a:blip>
+          <a:blip r:embed="rId3"/>
           <a:stretch>
             <a:fillRect/>
           </a:stretch>
@@ -5422,9 +5330,7 @@
           <p:nvPr/>
         </p:nvPicPr>
         <p:blipFill>
-          <a:blip r:embed="rId4">
-            <a:extLst/>
-          </a:blip>
+          <a:blip r:embed="rId4"/>
           <a:stretch>
             <a:fillRect/>
           </a:stretch>
@@ -5451,9 +5357,7 @@
           <p:nvPr/>
         </p:nvPicPr>
         <p:blipFill>
-          <a:blip r:embed="rId5">
-            <a:extLst/>
-          </a:blip>
+          <a:blip r:embed="rId5"/>
           <a:stretch>
             <a:fillRect/>
           </a:stretch>
@@ -5480,9 +5384,7 @@
           <p:nvPr/>
         </p:nvPicPr>
         <p:blipFill>
-          <a:blip r:embed="rId6">
-            <a:extLst/>
-          </a:blip>
+          <a:blip r:embed="rId6"/>
           <a:stretch>
             <a:fillRect/>
           </a:stretch>
@@ -5509,9 +5411,7 @@
           <p:nvPr/>
         </p:nvPicPr>
         <p:blipFill>
-          <a:blip r:embed="rId7">
-            <a:extLst/>
-          </a:blip>
+          <a:blip r:embed="rId7"/>
           <a:stretch>
             <a:fillRect/>
           </a:stretch>
@@ -5538,9 +5438,7 @@
           <p:nvPr/>
         </p:nvPicPr>
         <p:blipFill>
-          <a:blip r:embed="rId8">
-            <a:extLst/>
-          </a:blip>
+          <a:blip r:embed="rId8"/>
           <a:stretch>
             <a:fillRect/>
           </a:stretch>
@@ -5567,9 +5465,7 @@
           <p:nvPr/>
         </p:nvPicPr>
         <p:blipFill>
-          <a:blip r:embed="rId9">
-            <a:extLst/>
-          </a:blip>
+          <a:blip r:embed="rId9"/>
           <a:stretch>
             <a:fillRect/>
           </a:stretch>
@@ -5596,9 +5492,7 @@
           <p:nvPr/>
         </p:nvPicPr>
         <p:blipFill>
-          <a:blip r:embed="rId10">
-            <a:extLst/>
-          </a:blip>
+          <a:blip r:embed="rId10"/>
           <a:stretch>
             <a:fillRect/>
           </a:stretch>
@@ -5625,9 +5519,7 @@
           <p:nvPr/>
         </p:nvPicPr>
         <p:blipFill>
-          <a:blip r:embed="rId11">
-            <a:extLst/>
-          </a:blip>
+          <a:blip r:embed="rId11"/>
           <a:stretch>
             <a:fillRect/>
           </a:stretch>
@@ -5654,9 +5546,7 @@
           <p:nvPr/>
         </p:nvPicPr>
         <p:blipFill>
-          <a:blip r:embed="rId12">
-            <a:extLst/>
-          </a:blip>
+          <a:blip r:embed="rId12"/>
           <a:stretch>
             <a:fillRect/>
           </a:stretch>
@@ -5683,9 +5573,7 @@
           <p:nvPr/>
         </p:nvPicPr>
         <p:blipFill>
-          <a:blip r:embed="rId13">
-            <a:extLst/>
-          </a:blip>
+          <a:blip r:embed="rId13"/>
           <a:stretch>
             <a:fillRect/>
           </a:stretch>
@@ -5712,9 +5600,7 @@
           <p:nvPr/>
         </p:nvPicPr>
         <p:blipFill>
-          <a:blip r:embed="rId14">
-            <a:extLst/>
-          </a:blip>
+          <a:blip r:embed="rId14"/>
           <a:stretch>
             <a:fillRect/>
           </a:stretch>
@@ -5741,9 +5627,7 @@
           <p:nvPr/>
         </p:nvPicPr>
         <p:blipFill>
-          <a:blip r:embed="rId15">
-            <a:extLst/>
-          </a:blip>
+          <a:blip r:embed="rId15"/>
           <a:stretch>
             <a:fillRect/>
           </a:stretch>
@@ -5770,9 +5654,7 @@
           <p:nvPr/>
         </p:nvPicPr>
         <p:blipFill>
-          <a:blip r:embed="rId16">
-            <a:extLst/>
-          </a:blip>
+          <a:blip r:embed="rId16"/>
           <a:stretch>
             <a:fillRect/>
           </a:stretch>
@@ -5799,9 +5681,7 @@
           <p:nvPr/>
         </p:nvPicPr>
         <p:blipFill>
-          <a:blip r:embed="rId17">
-            <a:extLst/>
-          </a:blip>
+          <a:blip r:embed="rId17"/>
           <a:stretch>
             <a:fillRect/>
           </a:stretch>
@@ -5828,9 +5708,7 @@
           <p:nvPr/>
         </p:nvPicPr>
         <p:blipFill>
-          <a:blip r:embed="rId18">
-            <a:extLst/>
-          </a:blip>
+          <a:blip r:embed="rId18"/>
           <a:stretch>
             <a:fillRect/>
           </a:stretch>
@@ -5857,9 +5735,7 @@
           <p:nvPr/>
         </p:nvPicPr>
         <p:blipFill>
-          <a:blip r:embed="rId19">
-            <a:extLst/>
-          </a:blip>
+          <a:blip r:embed="rId19"/>
           <a:stretch>
             <a:fillRect/>
           </a:stretch>
@@ -5896,7 +5772,7 @@
           </a:ln>
           <a:extLst>
             <a:ext uri="{C572A759-6A51-4108-AA02-DFA0A04FC94B}">
-              <ma14:wrappingTextBoxFlag xmlns:ma14="http://schemas.microsoft.com/office/mac/drawingml/2011/main" val="1"/>
+              <ma14:wrappingTextBoxFlag xmlns:ma14="http://schemas.microsoft.com/office/mac/drawingml/2011/main" xmlns:a14="http://schemas.microsoft.com/office/drawing/2010/main" xmlns:m="http://schemas.openxmlformats.org/officeDocument/2006/math" xmlns="" val="1"/>
             </a:ext>
           </a:extLst>
         </p:spPr>
@@ -5909,7 +5785,7 @@
               <a:lnSpc>
                 <a:spcPts val="3000"/>
               </a:lnSpc>
-              <a:defRPr b="1" spc="-54" sz="2700">
+              <a:defRPr sz="2700" b="1" spc="-54">
                 <a:solidFill>
                   <a:srgbClr val="006400"/>
                 </a:solidFill>
@@ -5921,7 +5797,6 @@
             </a:lvl1pPr>
           </a:lstStyle>
           <a:p>
-            <a:pPr/>
             <a:r>
               <a:t>ARCHITETTURA DEL SERVER (ENERGY-SERVER)</a:t>
             </a:r>
@@ -5947,7 +5822,7 @@
           </a:ln>
           <a:extLst>
             <a:ext uri="{C572A759-6A51-4108-AA02-DFA0A04FC94B}">
-              <ma14:wrappingTextBoxFlag xmlns:ma14="http://schemas.microsoft.com/office/mac/drawingml/2011/main" val="1"/>
+              <ma14:wrappingTextBoxFlag xmlns:ma14="http://schemas.microsoft.com/office/mac/drawingml/2011/main" xmlns:a14="http://schemas.microsoft.com/office/drawing/2010/main" xmlns:m="http://schemas.openxmlformats.org/officeDocument/2006/math" xmlns="" val="1"/>
             </a:ext>
           </a:extLst>
         </p:spPr>
@@ -5972,7 +5847,6 @@
             </a:lvl1pPr>
           </a:lstStyle>
           <a:p>
-            <a:pPr/>
             <a:r>
               <a:t>Logica centralizzata e gestione reattiva dei flussi dati</a:t>
             </a:r>
@@ -5998,7 +5872,7 @@
           </a:ln>
           <a:extLst>
             <a:ext uri="{C572A759-6A51-4108-AA02-DFA0A04FC94B}">
-              <ma14:wrappingTextBoxFlag xmlns:ma14="http://schemas.microsoft.com/office/mac/drawingml/2011/main" val="1"/>
+              <ma14:wrappingTextBoxFlag xmlns:ma14="http://schemas.microsoft.com/office/mac/drawingml/2011/main" xmlns:a14="http://schemas.microsoft.com/office/drawing/2010/main" xmlns:m="http://schemas.openxmlformats.org/officeDocument/2006/math" xmlns="" val="1"/>
             </a:ext>
           </a:extLst>
         </p:spPr>
@@ -6011,7 +5885,7 @@
               <a:lnSpc>
                 <a:spcPts val="2100"/>
               </a:lnSpc>
-              <a:defRPr b="1" sz="1500">
+              <a:defRPr sz="1500" b="1">
                 <a:solidFill>
                   <a:srgbClr val="FFFFFF"/>
                 </a:solidFill>
@@ -6023,7 +5897,6 @@
             </a:lvl1pPr>
           </a:lstStyle>
           <a:p>
-            <a:pPr/>
             <a:r>
               <a:t>Remote Facade</a:t>
             </a:r>
@@ -6049,7 +5922,7 @@
           </a:ln>
           <a:extLst>
             <a:ext uri="{C572A759-6A51-4108-AA02-DFA0A04FC94B}">
-              <ma14:wrappingTextBoxFlag xmlns:ma14="http://schemas.microsoft.com/office/mac/drawingml/2011/main" val="1"/>
+              <ma14:wrappingTextBoxFlag xmlns:ma14="http://schemas.microsoft.com/office/mac/drawingml/2011/main" xmlns:a14="http://schemas.microsoft.com/office/drawing/2010/main" xmlns:m="http://schemas.openxmlformats.org/officeDocument/2006/math" xmlns="" val="1"/>
             </a:ext>
           </a:extLst>
         </p:spPr>
@@ -6074,7 +5947,6 @@
             </a:lvl1pPr>
           </a:lstStyle>
           <a:p>
-            <a:pPr/>
             <a:r>
               <a:t>Centralizza la logica di business esponendo operazioni aggregate. Riduce il "chattiness" tra client e server, mappando chiamate complesse su endpoint ottimizzati.</a:t>
             </a:r>
@@ -6100,7 +5972,7 @@
           </a:ln>
           <a:extLst>
             <a:ext uri="{C572A759-6A51-4108-AA02-DFA0A04FC94B}">
-              <ma14:wrappingTextBoxFlag xmlns:ma14="http://schemas.microsoft.com/office/mac/drawingml/2011/main" val="1"/>
+              <ma14:wrappingTextBoxFlag xmlns:ma14="http://schemas.microsoft.com/office/mac/drawingml/2011/main" xmlns:a14="http://schemas.microsoft.com/office/drawing/2010/main" xmlns:m="http://schemas.openxmlformats.org/officeDocument/2006/math" xmlns="" val="1"/>
             </a:ext>
           </a:extLst>
         </p:spPr>
@@ -6113,7 +5985,7 @@
               <a:lnSpc>
                 <a:spcPts val="2100"/>
               </a:lnSpc>
-              <a:defRPr b="1" sz="1300">
+              <a:defRPr sz="1300" b="1">
                 <a:solidFill>
                   <a:srgbClr val="006400"/>
                 </a:solidFill>
@@ -6125,7 +5997,6 @@
             </a:lvl1pPr>
           </a:lstStyle>
           <a:p>
-            <a:pPr/>
             <a:r>
               <a:t>Pipeline di Elaborazione Dati</a:t>
             </a:r>
@@ -6151,7 +6022,7 @@
           </a:ln>
           <a:extLst>
             <a:ext uri="{C572A759-6A51-4108-AA02-DFA0A04FC94B}">
-              <ma14:wrappingTextBoxFlag xmlns:ma14="http://schemas.microsoft.com/office/mac/drawingml/2011/main" val="1"/>
+              <ma14:wrappingTextBoxFlag xmlns:ma14="http://schemas.microsoft.com/office/mac/drawingml/2011/main" xmlns:a14="http://schemas.microsoft.com/office/drawing/2010/main" xmlns:m="http://schemas.openxmlformats.org/officeDocument/2006/math" xmlns="" val="1"/>
             </a:ext>
           </a:extLst>
         </p:spPr>
@@ -6164,7 +6035,7 @@
               <a:lnSpc>
                 <a:spcPts val="1500"/>
               </a:lnSpc>
-              <a:defRPr b="1" sz="1000">
+              <a:defRPr sz="1000" b="1">
                 <a:solidFill>
                   <a:srgbClr val="1F2937"/>
                 </a:solidFill>
@@ -6176,7 +6047,6 @@
             </a:lvl1pPr>
           </a:lstStyle>
           <a:p>
-            <a:pPr/>
             <a:r>
               <a:t>Ingestione</a:t>
             </a:r>
@@ -6202,7 +6072,7 @@
           </a:ln>
           <a:extLst>
             <a:ext uri="{C572A759-6A51-4108-AA02-DFA0A04FC94B}">
-              <ma14:wrappingTextBoxFlag xmlns:ma14="http://schemas.microsoft.com/office/mac/drawingml/2011/main" val="1"/>
+              <ma14:wrappingTextBoxFlag xmlns:ma14="http://schemas.microsoft.com/office/mac/drawingml/2011/main" xmlns:a14="http://schemas.microsoft.com/office/drawing/2010/main" xmlns:m="http://schemas.openxmlformats.org/officeDocument/2006/math" xmlns="" val="1"/>
             </a:ext>
           </a:extLst>
         </p:spPr>
@@ -6227,7 +6097,6 @@
             </a:lvl1pPr>
           </a:lstStyle>
           <a:p>
-            <a:pPr/>
             <a:r>
               <a:t>Parsing CSV e accodamento record</a:t>
             </a:r>
@@ -6253,7 +6122,7 @@
           </a:ln>
           <a:extLst>
             <a:ext uri="{C572A759-6A51-4108-AA02-DFA0A04FC94B}">
-              <ma14:wrappingTextBoxFlag xmlns:ma14="http://schemas.microsoft.com/office/mac/drawingml/2011/main" val="1"/>
+              <ma14:wrappingTextBoxFlag xmlns:ma14="http://schemas.microsoft.com/office/mac/drawingml/2011/main" xmlns:a14="http://schemas.microsoft.com/office/drawing/2010/main" xmlns:m="http://schemas.openxmlformats.org/officeDocument/2006/math" xmlns="" val="1"/>
             </a:ext>
           </a:extLst>
         </p:spPr>
@@ -6266,7 +6135,7 @@
               <a:lnSpc>
                 <a:spcPts val="1500"/>
               </a:lnSpc>
-              <a:defRPr b="1" sz="1000">
+              <a:defRPr sz="1000" b="1">
                 <a:solidFill>
                   <a:srgbClr val="1F2937"/>
                 </a:solidFill>
@@ -6278,7 +6147,6 @@
             </a:lvl1pPr>
           </a:lstStyle>
           <a:p>
-            <a:pPr/>
             <a:r>
               <a:t>Simulazione</a:t>
             </a:r>
@@ -6304,7 +6172,7 @@
           </a:ln>
           <a:extLst>
             <a:ext uri="{C572A759-6A51-4108-AA02-DFA0A04FC94B}">
-              <ma14:wrappingTextBoxFlag xmlns:ma14="http://schemas.microsoft.com/office/mac/drawingml/2011/main" val="1"/>
+              <ma14:wrappingTextBoxFlag xmlns:ma14="http://schemas.microsoft.com/office/mac/drawingml/2011/main" xmlns:a14="http://schemas.microsoft.com/office/drawing/2010/main" xmlns:m="http://schemas.openxmlformats.org/officeDocument/2006/math" xmlns="" val="1"/>
             </a:ext>
           </a:extLst>
         </p:spPr>
@@ -6329,7 +6197,6 @@
             </a:lvl1pPr>
           </a:lstStyle>
           <a:p>
-            <a:pPr/>
             <a:r>
               <a:t>Estrazione a intervalli fissi</a:t>
             </a:r>
@@ -6355,7 +6222,7 @@
           </a:ln>
           <a:extLst>
             <a:ext uri="{C572A759-6A51-4108-AA02-DFA0A04FC94B}">
-              <ma14:wrappingTextBoxFlag xmlns:ma14="http://schemas.microsoft.com/office/mac/drawingml/2011/main" val="1"/>
+              <ma14:wrappingTextBoxFlag xmlns:ma14="http://schemas.microsoft.com/office/mac/drawingml/2011/main" xmlns:a14="http://schemas.microsoft.com/office/drawing/2010/main" xmlns:m="http://schemas.openxmlformats.org/officeDocument/2006/math" xmlns="" val="1"/>
             </a:ext>
           </a:extLst>
         </p:spPr>
@@ -6368,7 +6235,7 @@
               <a:lnSpc>
                 <a:spcPts val="1500"/>
               </a:lnSpc>
-              <a:defRPr b="1" sz="1000">
+              <a:defRPr sz="1000" b="1">
                 <a:solidFill>
                   <a:srgbClr val="1F2937"/>
                 </a:solidFill>
@@ -6380,7 +6247,6 @@
             </a:lvl1pPr>
           </a:lstStyle>
           <a:p>
-            <a:pPr/>
             <a:r>
               <a:t>AI Prediction</a:t>
             </a:r>
@@ -6406,7 +6272,7 @@
           </a:ln>
           <a:extLst>
             <a:ext uri="{C572A759-6A51-4108-AA02-DFA0A04FC94B}">
-              <ma14:wrappingTextBoxFlag xmlns:ma14="http://schemas.microsoft.com/office/mac/drawingml/2011/main" val="1"/>
+              <ma14:wrappingTextBoxFlag xmlns:ma14="http://schemas.microsoft.com/office/mac/drawingml/2011/main" xmlns:a14="http://schemas.microsoft.com/office/drawing/2010/main" xmlns:m="http://schemas.openxmlformats.org/officeDocument/2006/math" xmlns="" val="1"/>
             </a:ext>
           </a:extLst>
         </p:spPr>
@@ -6431,7 +6297,6 @@
             </a:lvl1pPr>
           </a:lstStyle>
           <a:p>
-            <a:pPr/>
             <a:r>
               <a:t>Modello LSTM e confronto reale</a:t>
             </a:r>
@@ -6457,7 +6322,7 @@
           </a:ln>
           <a:extLst>
             <a:ext uri="{C572A759-6A51-4108-AA02-DFA0A04FC94B}">
-              <ma14:wrappingTextBoxFlag xmlns:ma14="http://schemas.microsoft.com/office/mac/drawingml/2011/main" val="1"/>
+              <ma14:wrappingTextBoxFlag xmlns:ma14="http://schemas.microsoft.com/office/mac/drawingml/2011/main" xmlns:a14="http://schemas.microsoft.com/office/drawing/2010/main" xmlns:m="http://schemas.openxmlformats.org/officeDocument/2006/math" xmlns="" val="1"/>
             </a:ext>
           </a:extLst>
         </p:spPr>
@@ -6470,7 +6335,7 @@
               <a:lnSpc>
                 <a:spcPts val="1500"/>
               </a:lnSpc>
-              <a:defRPr b="1" sz="1000">
+              <a:defRPr sz="1000" b="1">
                 <a:solidFill>
                   <a:srgbClr val="1F2937"/>
                 </a:solidFill>
@@ -6482,7 +6347,6 @@
             </a:lvl1pPr>
           </a:lstStyle>
           <a:p>
-            <a:pPr/>
             <a:r>
               <a:t>SSE Stream</a:t>
             </a:r>
@@ -6508,7 +6372,7 @@
           </a:ln>
           <a:extLst>
             <a:ext uri="{C572A759-6A51-4108-AA02-DFA0A04FC94B}">
-              <ma14:wrappingTextBoxFlag xmlns:ma14="http://schemas.microsoft.com/office/mac/drawingml/2011/main" val="1"/>
+              <ma14:wrappingTextBoxFlag xmlns:ma14="http://schemas.microsoft.com/office/mac/drawingml/2011/main" xmlns:a14="http://schemas.microsoft.com/office/drawing/2010/main" xmlns:m="http://schemas.openxmlformats.org/officeDocument/2006/math" xmlns="" val="1"/>
             </a:ext>
           </a:extLst>
         </p:spPr>
@@ -6533,7 +6397,6 @@
             </a:lvl1pPr>
           </a:lstStyle>
           <a:p>
-            <a:pPr/>
             <a:r>
               <a:t>Push real-time a tutti i client</a:t>
             </a:r>
@@ -6559,7 +6422,7 @@
           </a:ln>
           <a:extLst>
             <a:ext uri="{C572A759-6A51-4108-AA02-DFA0A04FC94B}">
-              <ma14:wrappingTextBoxFlag xmlns:ma14="http://schemas.microsoft.com/office/mac/drawingml/2011/main" val="1"/>
+              <ma14:wrappingTextBoxFlag xmlns:ma14="http://schemas.microsoft.com/office/mac/drawingml/2011/main" xmlns:a14="http://schemas.microsoft.com/office/drawing/2010/main" xmlns:m="http://schemas.openxmlformats.org/officeDocument/2006/math" xmlns="" val="1"/>
             </a:ext>
           </a:extLst>
         </p:spPr>
@@ -6572,7 +6435,7 @@
               <a:lnSpc>
                 <a:spcPts val="2100"/>
               </a:lnSpc>
-              <a:defRPr b="1" sz="1500">
+              <a:defRPr sz="1500" b="1">
                 <a:solidFill>
                   <a:srgbClr val="1F2937"/>
                 </a:solidFill>
@@ -6584,7 +6447,6 @@
             </a:lvl1pPr>
           </a:lstStyle>
           <a:p>
-            <a:pPr/>
             <a:r>
               <a:t>Resilienza: Circuit Breaker</a:t>
             </a:r>
@@ -6610,7 +6472,7 @@
           </a:ln>
           <a:extLst>
             <a:ext uri="{C572A759-6A51-4108-AA02-DFA0A04FC94B}">
-              <ma14:wrappingTextBoxFlag xmlns:ma14="http://schemas.microsoft.com/office/mac/drawingml/2011/main" val="1"/>
+              <ma14:wrappingTextBoxFlag xmlns:ma14="http://schemas.microsoft.com/office/mac/drawingml/2011/main" xmlns:a14="http://schemas.microsoft.com/office/drawing/2010/main" xmlns:m="http://schemas.openxmlformats.org/officeDocument/2006/math" xmlns="" val="1"/>
             </a:ext>
           </a:extLst>
         </p:spPr>
@@ -6635,7 +6497,6 @@
             </a:lvl1pPr>
           </a:lstStyle>
           <a:p>
-            <a:pPr/>
             <a:r>
               <a:t>• Protezione del servizio di persistenza (DB).</a:t>
             </a:r>
@@ -6661,7 +6522,7 @@
           </a:ln>
           <a:extLst>
             <a:ext uri="{C572A759-6A51-4108-AA02-DFA0A04FC94B}">
-              <ma14:wrappingTextBoxFlag xmlns:ma14="http://schemas.microsoft.com/office/mac/drawingml/2011/main" val="1"/>
+              <ma14:wrappingTextBoxFlag xmlns:ma14="http://schemas.microsoft.com/office/mac/drawingml/2011/main" xmlns:a14="http://schemas.microsoft.com/office/drawing/2010/main" xmlns:m="http://schemas.openxmlformats.org/officeDocument/2006/math" xmlns="" val="1"/>
             </a:ext>
           </a:extLst>
         </p:spPr>
@@ -6686,7 +6547,6 @@
             </a:lvl1pPr>
           </a:lstStyle>
           <a:p>
-            <a:pPr/>
             <a:r>
               <a:t>• Finestra scorrevole per il monitoraggio dei fallimenti.</a:t>
             </a:r>
@@ -6712,7 +6572,7 @@
           </a:ln>
           <a:extLst>
             <a:ext uri="{C572A759-6A51-4108-AA02-DFA0A04FC94B}">
-              <ma14:wrappingTextBoxFlag xmlns:ma14="http://schemas.microsoft.com/office/mac/drawingml/2011/main" val="1"/>
+              <ma14:wrappingTextBoxFlag xmlns:ma14="http://schemas.microsoft.com/office/mac/drawingml/2011/main" xmlns:a14="http://schemas.microsoft.com/office/drawing/2010/main" xmlns:m="http://schemas.openxmlformats.org/officeDocument/2006/math" xmlns="" val="1"/>
             </a:ext>
           </a:extLst>
         </p:spPr>
@@ -6737,7 +6597,6 @@
             </a:lvl1pPr>
           </a:lstStyle>
           <a:p>
-            <a:pPr/>
             <a:r>
               <a:t>• Stato "Aperto" temporaneo per evitare sovraccarichi.</a:t>
             </a:r>
@@ -6763,7 +6622,7 @@
           </a:ln>
           <a:extLst>
             <a:ext uri="{C572A759-6A51-4108-AA02-DFA0A04FC94B}">
-              <ma14:wrappingTextBoxFlag xmlns:ma14="http://schemas.microsoft.com/office/mac/drawingml/2011/main" val="1"/>
+              <ma14:wrappingTextBoxFlag xmlns:ma14="http://schemas.microsoft.com/office/mac/drawingml/2011/main" xmlns:a14="http://schemas.microsoft.com/office/drawing/2010/main" xmlns:m="http://schemas.openxmlformats.org/officeDocument/2006/math" xmlns="" val="1"/>
             </a:ext>
           </a:extLst>
         </p:spPr>
@@ -6776,7 +6635,7 @@
               <a:lnSpc>
                 <a:spcPts val="2100"/>
               </a:lnSpc>
-              <a:defRPr b="1" sz="1500">
+              <a:defRPr sz="1500" b="1">
                 <a:solidFill>
                   <a:srgbClr val="1F2937"/>
                 </a:solidFill>
@@ -6788,7 +6647,6 @@
             </a:lvl1pPr>
           </a:lstStyle>
           <a:p>
-            <a:pPr/>
             <a:r>
               <a:t>Snapshot &amp; Real-time</a:t>
             </a:r>
@@ -6814,7 +6672,7 @@
           </a:ln>
           <a:extLst>
             <a:ext uri="{C572A759-6A51-4108-AA02-DFA0A04FC94B}">
-              <ma14:wrappingTextBoxFlag xmlns:ma14="http://schemas.microsoft.com/office/mac/drawingml/2011/main" val="1"/>
+              <ma14:wrappingTextBoxFlag xmlns:ma14="http://schemas.microsoft.com/office/mac/drawingml/2011/main" xmlns:a14="http://schemas.microsoft.com/office/drawing/2010/main" xmlns:m="http://schemas.openxmlformats.org/officeDocument/2006/math" xmlns="" val="1"/>
             </a:ext>
           </a:extLst>
         </p:spPr>
@@ -6839,7 +6697,6 @@
             </a:lvl1pPr>
           </a:lstStyle>
           <a:p>
-            <a:pPr/>
             <a:r>
               <a:t>• Facade mantiene uno snapshot volatile dei dati.</a:t>
             </a:r>
@@ -6865,7 +6722,7 @@
           </a:ln>
           <a:extLst>
             <a:ext uri="{C572A759-6A51-4108-AA02-DFA0A04FC94B}">
-              <ma14:wrappingTextBoxFlag xmlns:ma14="http://schemas.microsoft.com/office/mac/drawingml/2011/main" val="1"/>
+              <ma14:wrappingTextBoxFlag xmlns:ma14="http://schemas.microsoft.com/office/mac/drawingml/2011/main" xmlns:a14="http://schemas.microsoft.com/office/drawing/2010/main" xmlns:m="http://schemas.openxmlformats.org/officeDocument/2006/math" xmlns="" val="1"/>
             </a:ext>
           </a:extLst>
         </p:spPr>
@@ -6890,7 +6747,6 @@
             </a:lvl1pPr>
           </a:lstStyle>
           <a:p>
-            <a:pPr/>
             <a:r>
               <a:t>• Gestione parallela di multiple connessioni client.</a:t>
             </a:r>
@@ -6916,7 +6772,7 @@
           </a:ln>
           <a:extLst>
             <a:ext uri="{C572A759-6A51-4108-AA02-DFA0A04FC94B}">
-              <ma14:wrappingTextBoxFlag xmlns:ma14="http://schemas.microsoft.com/office/mac/drawingml/2011/main" val="1"/>
+              <ma14:wrappingTextBoxFlag xmlns:ma14="http://schemas.microsoft.com/office/mac/drawingml/2011/main" xmlns:a14="http://schemas.microsoft.com/office/drawing/2010/main" xmlns:m="http://schemas.openxmlformats.org/officeDocument/2006/math" xmlns="" val="1"/>
             </a:ext>
           </a:extLst>
         </p:spPr>
@@ -6941,7 +6797,6 @@
             </a:lvl1pPr>
           </a:lstStyle>
           <a:p>
-            <a:pPr/>
             <a:r>
               <a:t>• Pulizia telemetria e reset snapshot all'avvio.</a:t>
             </a:r>
@@ -6967,7 +6822,7 @@
           </a:ln>
           <a:extLst>
             <a:ext uri="{C572A759-6A51-4108-AA02-DFA0A04FC94B}">
-              <ma14:wrappingTextBoxFlag xmlns:ma14="http://schemas.microsoft.com/office/mac/drawingml/2011/main" val="1"/>
+              <ma14:wrappingTextBoxFlag xmlns:ma14="http://schemas.microsoft.com/office/mac/drawingml/2011/main" xmlns:a14="http://schemas.microsoft.com/office/drawing/2010/main" xmlns:m="http://schemas.openxmlformats.org/officeDocument/2006/math" xmlns="" val="1"/>
             </a:ext>
           </a:extLst>
         </p:spPr>
@@ -6980,7 +6835,7 @@
               <a:lnSpc>
                 <a:spcPts val="1200"/>
               </a:lnSpc>
-              <a:defRPr b="1" spc="72" sz="900">
+              <a:defRPr sz="900" b="1" spc="72">
                 <a:solidFill>
                   <a:srgbClr val="9CA3AF"/>
                 </a:solidFill>
@@ -6992,7 +6847,6 @@
             </a:lvl1pPr>
           </a:lstStyle>
           <a:p>
-            <a:pPr/>
             <a:r>
               <a:t>NEXUS ENERGY DISTRIBUTED ARCHITECTURE</a:t>
             </a:r>
@@ -7018,7 +6872,7 @@
           </a:ln>
           <a:extLst>
             <a:ext uri="{C572A759-6A51-4108-AA02-DFA0A04FC94B}">
-              <ma14:wrappingTextBoxFlag xmlns:ma14="http://schemas.microsoft.com/office/mac/drawingml/2011/main" val="1"/>
+              <ma14:wrappingTextBoxFlag xmlns:ma14="http://schemas.microsoft.com/office/mac/drawingml/2011/main" xmlns:a14="http://schemas.microsoft.com/office/drawing/2010/main" xmlns:m="http://schemas.openxmlformats.org/officeDocument/2006/math" xmlns="" val="1"/>
             </a:ext>
           </a:extLst>
         </p:spPr>
@@ -7031,7 +6885,7 @@
               <a:lnSpc>
                 <a:spcPts val="1200"/>
               </a:lnSpc>
-              <a:defRPr b="1" spc="72" sz="900">
+              <a:defRPr sz="900" b="1" spc="72">
                 <a:solidFill>
                   <a:srgbClr val="006400"/>
                 </a:solidFill>
@@ -7043,9 +6897,9 @@
             </a:lvl1pPr>
           </a:lstStyle>
           <a:p>
-            <a:pPr/>
-            <a:r>
-              <a:t>COMPONENT: ENERGY-SERVER (SPRING BOOT / NODE.JS CORE)</a:t>
+            <a:r>
+              <a:rPr dirty="0"/>
+              <a:t>COMPONENT: ENERGY-SERVER (SPRING BOOT )</a:t>
             </a:r>
           </a:p>
         </p:txBody>
@@ -7055,22 +6909,23 @@
   <p:clrMapOvr>
     <a:masterClrMapping/>
   </p:clrMapOvr>
-  <p:transition xmlns:p14="http://schemas.microsoft.com/office/powerpoint/2010/main" spd="med" advClick="1"/>
+  <p:transition spd="med"/>
 </p:sld>
 </file>
 
 <file path=ppt/slides/slide4.xml><?xml version="1.0" encoding="utf-8"?>
-<p:sld xmlns:a="http://schemas.openxmlformats.org/drawingml/2006/main" xmlns:r="http://schemas.openxmlformats.org/officeDocument/2006/relationships" xmlns:p="http://schemas.openxmlformats.org/presentationml/2006/main" xmlns:m="http://schemas.openxmlformats.org/officeDocument/2006/math" xmlns:a14="http://schemas.microsoft.com/office/drawing/2010/main" showMasterSp="1" showMasterPhAnim="1">
+<p:sld xmlns:a="http://schemas.openxmlformats.org/drawingml/2006/main" xmlns:r="http://schemas.openxmlformats.org/officeDocument/2006/relationships" xmlns:p="http://schemas.openxmlformats.org/presentationml/2006/main">
   <p:cSld>
     <p:bg>
       <p:bgPr>
         <a:blipFill rotWithShape="1">
           <a:blip r:embed="rId2"/>
-          <a:srcRect l="0" t="0" r="0" b="0"/>
+          <a:srcRect/>
           <a:stretch>
             <a:fillRect/>
           </a:stretch>
         </a:blipFill>
+        <a:effectLst/>
       </p:bgPr>
     </p:bg>
     <p:spTree>
@@ -7096,9 +6951,7 @@
           <p:nvPr/>
         </p:nvPicPr>
         <p:blipFill>
-          <a:blip r:embed="rId2">
-            <a:extLst/>
-          </a:blip>
+          <a:blip r:embed="rId2"/>
           <a:stretch>
             <a:fillRect/>
           </a:stretch>
@@ -7125,9 +6978,7 @@
           <p:nvPr/>
         </p:nvPicPr>
         <p:blipFill>
-          <a:blip r:embed="rId3">
-            <a:extLst/>
-          </a:blip>
+          <a:blip r:embed="rId3"/>
           <a:stretch>
             <a:fillRect/>
           </a:stretch>
@@ -7154,9 +7005,7 @@
           <p:nvPr/>
         </p:nvPicPr>
         <p:blipFill>
-          <a:blip r:embed="rId4">
-            <a:extLst/>
-          </a:blip>
+          <a:blip r:embed="rId4"/>
           <a:stretch>
             <a:fillRect/>
           </a:stretch>
@@ -7183,9 +7032,7 @@
           <p:nvPr/>
         </p:nvPicPr>
         <p:blipFill>
-          <a:blip r:embed="rId5">
-            <a:extLst/>
-          </a:blip>
+          <a:blip r:embed="rId5"/>
           <a:stretch>
             <a:fillRect/>
           </a:stretch>
@@ -7212,9 +7059,7 @@
           <p:nvPr/>
         </p:nvPicPr>
         <p:blipFill>
-          <a:blip r:embed="rId6">
-            <a:extLst/>
-          </a:blip>
+          <a:blip r:embed="rId6"/>
           <a:stretch>
             <a:fillRect/>
           </a:stretch>
@@ -7241,9 +7086,7 @@
           <p:nvPr/>
         </p:nvPicPr>
         <p:blipFill>
-          <a:blip r:embed="rId7">
-            <a:extLst/>
-          </a:blip>
+          <a:blip r:embed="rId7"/>
           <a:stretch>
             <a:fillRect/>
           </a:stretch>
@@ -7270,9 +7113,7 @@
           <p:nvPr/>
         </p:nvPicPr>
         <p:blipFill>
-          <a:blip r:embed="rId8">
-            <a:extLst/>
-          </a:blip>
+          <a:blip r:embed="rId8"/>
           <a:stretch>
             <a:fillRect/>
           </a:stretch>
@@ -7299,9 +7140,7 @@
           <p:nvPr/>
         </p:nvPicPr>
         <p:blipFill>
-          <a:blip r:embed="rId9">
-            <a:extLst/>
-          </a:blip>
+          <a:blip r:embed="rId9"/>
           <a:stretch>
             <a:fillRect/>
           </a:stretch>
@@ -7328,9 +7167,7 @@
           <p:nvPr/>
         </p:nvPicPr>
         <p:blipFill>
-          <a:blip r:embed="rId10">
-            <a:extLst/>
-          </a:blip>
+          <a:blip r:embed="rId10"/>
           <a:stretch>
             <a:fillRect/>
           </a:stretch>
@@ -7357,9 +7194,7 @@
           <p:nvPr/>
         </p:nvPicPr>
         <p:blipFill>
-          <a:blip r:embed="rId11">
-            <a:extLst/>
-          </a:blip>
+          <a:blip r:embed="rId11"/>
           <a:stretch>
             <a:fillRect/>
           </a:stretch>
@@ -7386,9 +7221,7 @@
           <p:nvPr/>
         </p:nvPicPr>
         <p:blipFill>
-          <a:blip r:embed="rId12">
-            <a:extLst/>
-          </a:blip>
+          <a:blip r:embed="rId12"/>
           <a:stretch>
             <a:fillRect/>
           </a:stretch>
@@ -7415,9 +7248,7 @@
           <p:nvPr/>
         </p:nvPicPr>
         <p:blipFill>
-          <a:blip r:embed="rId13">
-            <a:extLst/>
-          </a:blip>
+          <a:blip r:embed="rId13"/>
           <a:stretch>
             <a:fillRect/>
           </a:stretch>
@@ -7444,9 +7275,7 @@
           <p:nvPr/>
         </p:nvPicPr>
         <p:blipFill>
-          <a:blip r:embed="rId14">
-            <a:extLst/>
-          </a:blip>
+          <a:blip r:embed="rId14"/>
           <a:stretch>
             <a:fillRect/>
           </a:stretch>
@@ -7473,9 +7302,7 @@
           <p:nvPr/>
         </p:nvPicPr>
         <p:blipFill>
-          <a:blip r:embed="rId15">
-            <a:extLst/>
-          </a:blip>
+          <a:blip r:embed="rId15"/>
           <a:stretch>
             <a:fillRect/>
           </a:stretch>
@@ -7502,9 +7329,7 @@
           <p:nvPr/>
         </p:nvPicPr>
         <p:blipFill>
-          <a:blip r:embed="rId16">
-            <a:extLst/>
-          </a:blip>
+          <a:blip r:embed="rId16"/>
           <a:stretch>
             <a:fillRect/>
           </a:stretch>
@@ -7531,9 +7356,7 @@
           <p:nvPr/>
         </p:nvPicPr>
         <p:blipFill>
-          <a:blip r:embed="rId17">
-            <a:extLst/>
-          </a:blip>
+          <a:blip r:embed="rId17"/>
           <a:stretch>
             <a:fillRect/>
           </a:stretch>
@@ -7560,9 +7383,7 @@
           <p:nvPr/>
         </p:nvPicPr>
         <p:blipFill>
-          <a:blip r:embed="rId18">
-            <a:extLst/>
-          </a:blip>
+          <a:blip r:embed="rId18"/>
           <a:stretch>
             <a:fillRect/>
           </a:stretch>
@@ -7589,9 +7410,7 @@
           <p:nvPr/>
         </p:nvPicPr>
         <p:blipFill>
-          <a:blip r:embed="rId19">
-            <a:extLst/>
-          </a:blip>
+          <a:blip r:embed="rId19"/>
           <a:stretch>
             <a:fillRect/>
           </a:stretch>
@@ -7628,7 +7447,7 @@
           </a:ln>
           <a:extLst>
             <a:ext uri="{C572A759-6A51-4108-AA02-DFA0A04FC94B}">
-              <ma14:wrappingTextBoxFlag xmlns:ma14="http://schemas.microsoft.com/office/mac/drawingml/2011/main" val="1"/>
+              <ma14:wrappingTextBoxFlag xmlns:ma14="http://schemas.microsoft.com/office/mac/drawingml/2011/main" xmlns:a14="http://schemas.microsoft.com/office/drawing/2010/main" xmlns:m="http://schemas.openxmlformats.org/officeDocument/2006/math" xmlns="" val="1"/>
             </a:ext>
           </a:extLst>
         </p:spPr>
@@ -7641,7 +7460,7 @@
               <a:lnSpc>
                 <a:spcPts val="3600"/>
               </a:lnSpc>
-              <a:defRPr b="1" spc="-89" sz="3600">
+              <a:defRPr sz="3600" b="1" spc="-89">
                 <a:solidFill>
                   <a:srgbClr val="006400"/>
                 </a:solidFill>
@@ -7653,7 +7472,6 @@
             </a:lvl1pPr>
           </a:lstStyle>
           <a:p>
-            <a:pPr/>
             <a:r>
               <a:t>Resilienza con RabbitMQ</a:t>
             </a:r>
@@ -7679,7 +7497,7 @@
           </a:ln>
           <a:extLst>
             <a:ext uri="{C572A759-6A51-4108-AA02-DFA0A04FC94B}">
-              <ma14:wrappingTextBoxFlag xmlns:ma14="http://schemas.microsoft.com/office/mac/drawingml/2011/main" val="1"/>
+              <ma14:wrappingTextBoxFlag xmlns:ma14="http://schemas.microsoft.com/office/mac/drawingml/2011/main" xmlns:a14="http://schemas.microsoft.com/office/drawing/2010/main" xmlns:m="http://schemas.openxmlformats.org/officeDocument/2006/math" xmlns="" val="1"/>
             </a:ext>
           </a:extLst>
         </p:spPr>
@@ -7704,7 +7522,6 @@
             </a:lvl1pPr>
           </a:lstStyle>
           <a:p>
-            <a:pPr/>
             <a:r>
               <a:t>Fallback Event-Driven &amp; Data Recovery</a:t>
             </a:r>
@@ -7730,7 +7547,7 @@
           </a:ln>
           <a:extLst>
             <a:ext uri="{C572A759-6A51-4108-AA02-DFA0A04FC94B}">
-              <ma14:wrappingTextBoxFlag xmlns:ma14="http://schemas.microsoft.com/office/mac/drawingml/2011/main" val="1"/>
+              <ma14:wrappingTextBoxFlag xmlns:ma14="http://schemas.microsoft.com/office/mac/drawingml/2011/main" xmlns:a14="http://schemas.microsoft.com/office/drawing/2010/main" xmlns:m="http://schemas.openxmlformats.org/officeDocument/2006/math" xmlns="" val="1"/>
             </a:ext>
           </a:extLst>
         </p:spPr>
@@ -7744,7 +7561,7 @@
               <a:lnSpc>
                 <a:spcPts val="1000"/>
               </a:lnSpc>
-              <a:defRPr b="1" spc="52" sz="1000">
+              <a:defRPr sz="1000" b="1" spc="52">
                 <a:solidFill>
                   <a:srgbClr val="4B5563"/>
                 </a:solidFill>
@@ -7763,7 +7580,7 @@
               <a:lnSpc>
                 <a:spcPts val="1000"/>
               </a:lnSpc>
-              <a:defRPr b="1" spc="52" sz="1000">
+              <a:defRPr sz="1000" b="1" spc="52">
                 <a:solidFill>
                   <a:srgbClr val="4B5563"/>
                 </a:solidFill>
@@ -7798,7 +7615,7 @@
           </a:ln>
           <a:extLst>
             <a:ext uri="{C572A759-6A51-4108-AA02-DFA0A04FC94B}">
-              <ma14:wrappingTextBoxFlag xmlns:ma14="http://schemas.microsoft.com/office/mac/drawingml/2011/main" val="1"/>
+              <ma14:wrappingTextBoxFlag xmlns:ma14="http://schemas.microsoft.com/office/mac/drawingml/2011/main" xmlns:a14="http://schemas.microsoft.com/office/drawing/2010/main" xmlns:m="http://schemas.openxmlformats.org/officeDocument/2006/math" xmlns="" val="1"/>
             </a:ext>
           </a:extLst>
         </p:spPr>
@@ -7811,7 +7628,7 @@
               <a:lnSpc>
                 <a:spcPts val="1700"/>
               </a:lnSpc>
-              <a:defRPr b="1" sz="1500">
+              <a:defRPr sz="1500" b="1">
                 <a:solidFill>
                   <a:srgbClr val="006400"/>
                 </a:solidFill>
@@ -7823,7 +7640,6 @@
             </a:lvl1pPr>
           </a:lstStyle>
           <a:p>
-            <a:pPr/>
             <a:r>
               <a:t>Strategia di Fallback</a:t>
             </a:r>
@@ -7849,7 +7665,7 @@
           </a:ln>
           <a:extLst>
             <a:ext uri="{C572A759-6A51-4108-AA02-DFA0A04FC94B}">
-              <ma14:wrappingTextBoxFlag xmlns:ma14="http://schemas.microsoft.com/office/mac/drawingml/2011/main" val="1"/>
+              <ma14:wrappingTextBoxFlag xmlns:ma14="http://schemas.microsoft.com/office/mac/drawingml/2011/main" xmlns:a14="http://schemas.microsoft.com/office/drawing/2010/main" xmlns:m="http://schemas.openxmlformats.org/officeDocument/2006/math" xmlns="" val="1"/>
             </a:ext>
           </a:extLst>
         </p:spPr>
@@ -7912,7 +7728,7 @@
           </a:ln>
           <a:extLst>
             <a:ext uri="{C572A759-6A51-4108-AA02-DFA0A04FC94B}">
-              <ma14:wrappingTextBoxFlag xmlns:ma14="http://schemas.microsoft.com/office/mac/drawingml/2011/main" val="1"/>
+              <ma14:wrappingTextBoxFlag xmlns:ma14="http://schemas.microsoft.com/office/mac/drawingml/2011/main" xmlns:a14="http://schemas.microsoft.com/office/drawing/2010/main" xmlns:m="http://schemas.openxmlformats.org/officeDocument/2006/math" xmlns="" val="1"/>
             </a:ext>
           </a:extLst>
         </p:spPr>
@@ -7925,7 +7741,7 @@
               <a:lnSpc>
                 <a:spcPts val="1700"/>
               </a:lnSpc>
-              <a:defRPr b="1" sz="1300">
+              <a:defRPr sz="1300" b="1">
                 <a:solidFill>
                   <a:srgbClr val="333333"/>
                 </a:solidFill>
@@ -7937,7 +7753,6 @@
             </a:lvl1pPr>
           </a:lstStyle>
           <a:p>
-            <a:pPr/>
             <a:r>
               <a:t>Publisher &amp; Exchange</a:t>
             </a:r>
@@ -7963,7 +7778,7 @@
           </a:ln>
           <a:extLst>
             <a:ext uri="{C572A759-6A51-4108-AA02-DFA0A04FC94B}">
-              <ma14:wrappingTextBoxFlag xmlns:ma14="http://schemas.microsoft.com/office/mac/drawingml/2011/main" val="1"/>
+              <ma14:wrappingTextBoxFlag xmlns:ma14="http://schemas.microsoft.com/office/mac/drawingml/2011/main" xmlns:a14="http://schemas.microsoft.com/office/drawing/2010/main" xmlns:m="http://schemas.openxmlformats.org/officeDocument/2006/math" xmlns="" val="1"/>
             </a:ext>
           </a:extLst>
         </p:spPr>
@@ -8019,7 +7834,7 @@
           </a:ln>
           <a:extLst>
             <a:ext uri="{C572A759-6A51-4108-AA02-DFA0A04FC94B}">
-              <ma14:wrappingTextBoxFlag xmlns:ma14="http://schemas.microsoft.com/office/mac/drawingml/2011/main" val="1"/>
+              <ma14:wrappingTextBoxFlag xmlns:ma14="http://schemas.microsoft.com/office/mac/drawingml/2011/main" xmlns:a14="http://schemas.microsoft.com/office/drawing/2010/main" xmlns:m="http://schemas.openxmlformats.org/officeDocument/2006/math" xmlns="" val="1"/>
             </a:ext>
           </a:extLst>
         </p:spPr>
@@ -8075,7 +7890,7 @@
           </a:ln>
           <a:extLst>
             <a:ext uri="{C572A759-6A51-4108-AA02-DFA0A04FC94B}">
-              <ma14:wrappingTextBoxFlag xmlns:ma14="http://schemas.microsoft.com/office/mac/drawingml/2011/main" val="1"/>
+              <ma14:wrappingTextBoxFlag xmlns:ma14="http://schemas.microsoft.com/office/mac/drawingml/2011/main" xmlns:a14="http://schemas.microsoft.com/office/drawing/2010/main" xmlns:m="http://schemas.openxmlformats.org/officeDocument/2006/math" xmlns="" val="1"/>
             </a:ext>
           </a:extLst>
         </p:spPr>
@@ -8100,7 +7915,6 @@
             </a:lvl1pPr>
           </a:lstStyle>
           <a:p>
-            <a:pPr/>
             <a:r>
               <a:t>• Serializzazione JSON sicura</a:t>
             </a:r>
@@ -8126,7 +7940,7 @@
           </a:ln>
           <a:extLst>
             <a:ext uri="{C572A759-6A51-4108-AA02-DFA0A04FC94B}">
-              <ma14:wrappingTextBoxFlag xmlns:ma14="http://schemas.microsoft.com/office/mac/drawingml/2011/main" val="1"/>
+              <ma14:wrappingTextBoxFlag xmlns:ma14="http://schemas.microsoft.com/office/mac/drawingml/2011/main" xmlns:a14="http://schemas.microsoft.com/office/drawing/2010/main" xmlns:m="http://schemas.openxmlformats.org/officeDocument/2006/math" xmlns="" val="1"/>
             </a:ext>
           </a:extLst>
         </p:spPr>
@@ -8139,7 +7953,7 @@
               <a:lnSpc>
                 <a:spcPts val="1700"/>
               </a:lnSpc>
-              <a:defRPr b="1" sz="1300">
+              <a:defRPr sz="1300" b="1">
                 <a:solidFill>
                   <a:srgbClr val="006400"/>
                 </a:solidFill>
@@ -8151,7 +7965,6 @@
             </a:lvl1pPr>
           </a:lstStyle>
           <a:p>
-            <a:pPr/>
             <a:r>
               <a:t>Quorum Queues</a:t>
             </a:r>
@@ -8177,7 +7990,7 @@
           </a:ln>
           <a:extLst>
             <a:ext uri="{C572A759-6A51-4108-AA02-DFA0A04FC94B}">
-              <ma14:wrappingTextBoxFlag xmlns:ma14="http://schemas.microsoft.com/office/mac/drawingml/2011/main" val="1"/>
+              <ma14:wrappingTextBoxFlag xmlns:ma14="http://schemas.microsoft.com/office/mac/drawingml/2011/main" xmlns:a14="http://schemas.microsoft.com/office/drawing/2010/main" xmlns:m="http://schemas.openxmlformats.org/officeDocument/2006/math" xmlns="" val="1"/>
             </a:ext>
           </a:extLst>
         </p:spPr>
@@ -8233,7 +8046,7 @@
           </a:ln>
           <a:extLst>
             <a:ext uri="{C572A759-6A51-4108-AA02-DFA0A04FC94B}">
-              <ma14:wrappingTextBoxFlag xmlns:ma14="http://schemas.microsoft.com/office/mac/drawingml/2011/main" val="1"/>
+              <ma14:wrappingTextBoxFlag xmlns:ma14="http://schemas.microsoft.com/office/mac/drawingml/2011/main" xmlns:a14="http://schemas.microsoft.com/office/drawing/2010/main" xmlns:m="http://schemas.openxmlformats.org/officeDocument/2006/math" xmlns="" val="1"/>
             </a:ext>
           </a:extLst>
         </p:spPr>
@@ -8289,7 +8102,7 @@
           </a:ln>
           <a:extLst>
             <a:ext uri="{C572A759-6A51-4108-AA02-DFA0A04FC94B}">
-              <ma14:wrappingTextBoxFlag xmlns:ma14="http://schemas.microsoft.com/office/mac/drawingml/2011/main" val="1"/>
+              <ma14:wrappingTextBoxFlag xmlns:ma14="http://schemas.microsoft.com/office/mac/drawingml/2011/main" xmlns:a14="http://schemas.microsoft.com/office/drawing/2010/main" xmlns:m="http://schemas.openxmlformats.org/officeDocument/2006/math" xmlns="" val="1"/>
             </a:ext>
           </a:extLst>
         </p:spPr>
@@ -8314,7 +8127,6 @@
             </a:lvl1pPr>
           </a:lstStyle>
           <a:p>
-            <a:pPr/>
             <a:r>
               <a:t>• TTL e Delivery Limit configurati</a:t>
             </a:r>
@@ -8340,7 +8152,7 @@
           </a:ln>
           <a:extLst>
             <a:ext uri="{C572A759-6A51-4108-AA02-DFA0A04FC94B}">
-              <ma14:wrappingTextBoxFlag xmlns:ma14="http://schemas.microsoft.com/office/mac/drawingml/2011/main" val="1"/>
+              <ma14:wrappingTextBoxFlag xmlns:ma14="http://schemas.microsoft.com/office/mac/drawingml/2011/main" xmlns:a14="http://schemas.microsoft.com/office/drawing/2010/main" xmlns:m="http://schemas.openxmlformats.org/officeDocument/2006/math" xmlns="" val="1"/>
             </a:ext>
           </a:extLst>
         </p:spPr>
@@ -8353,7 +8165,7 @@
               <a:lnSpc>
                 <a:spcPts val="1700"/>
               </a:lnSpc>
-              <a:defRPr b="1" sz="1300">
+              <a:defRPr sz="1300" b="1">
                 <a:solidFill>
                   <a:srgbClr val="333333"/>
                 </a:solidFill>
@@ -8365,7 +8177,6 @@
             </a:lvl1pPr>
           </a:lstStyle>
           <a:p>
-            <a:pPr/>
             <a:r>
               <a:t>Self-Healing Consumer</a:t>
             </a:r>
@@ -8391,7 +8202,7 @@
           </a:ln>
           <a:extLst>
             <a:ext uri="{C572A759-6A51-4108-AA02-DFA0A04FC94B}">
-              <ma14:wrappingTextBoxFlag xmlns:ma14="http://schemas.microsoft.com/office/mac/drawingml/2011/main" val="1"/>
+              <ma14:wrappingTextBoxFlag xmlns:ma14="http://schemas.microsoft.com/office/mac/drawingml/2011/main" xmlns:a14="http://schemas.microsoft.com/office/drawing/2010/main" xmlns:m="http://schemas.openxmlformats.org/officeDocument/2006/math" xmlns="" val="1"/>
             </a:ext>
           </a:extLst>
         </p:spPr>
@@ -8416,7 +8227,6 @@
             </a:lvl1pPr>
           </a:lstStyle>
           <a:p>
-            <a:pPr/>
             <a:r>
               <a:t>• Riconciliazione automatica con DB</a:t>
             </a:r>
@@ -8442,7 +8252,7 @@
           </a:ln>
           <a:extLst>
             <a:ext uri="{C572A759-6A51-4108-AA02-DFA0A04FC94B}">
-              <ma14:wrappingTextBoxFlag xmlns:ma14="http://schemas.microsoft.com/office/mac/drawingml/2011/main" val="1"/>
+              <ma14:wrappingTextBoxFlag xmlns:ma14="http://schemas.microsoft.com/office/mac/drawingml/2011/main" xmlns:a14="http://schemas.microsoft.com/office/drawing/2010/main" xmlns:m="http://schemas.openxmlformats.org/officeDocument/2006/math" xmlns="" val="1"/>
             </a:ext>
           </a:extLst>
         </p:spPr>
@@ -8467,7 +8277,6 @@
             </a:lvl1pPr>
           </a:lstStyle>
           <a:p>
-            <a:pPr/>
             <a:r>
               <a:t>• Verifica duplicati (Idempotenza)</a:t>
             </a:r>
@@ -8493,7 +8302,7 @@
           </a:ln>
           <a:extLst>
             <a:ext uri="{C572A759-6A51-4108-AA02-DFA0A04FC94B}">
-              <ma14:wrappingTextBoxFlag xmlns:ma14="http://schemas.microsoft.com/office/mac/drawingml/2011/main" val="1"/>
+              <ma14:wrappingTextBoxFlag xmlns:ma14="http://schemas.microsoft.com/office/mac/drawingml/2011/main" xmlns:a14="http://schemas.microsoft.com/office/drawing/2010/main" xmlns:m="http://schemas.openxmlformats.org/officeDocument/2006/math" xmlns="" val="1"/>
             </a:ext>
           </a:extLst>
         </p:spPr>
@@ -8518,7 +8327,6 @@
             </a:lvl1pPr>
           </a:lstStyle>
           <a:p>
-            <a:pPr/>
             <a:r>
               <a:t>• Re-queueing intelligente su errore</a:t>
             </a:r>
@@ -8544,7 +8352,7 @@
           </a:ln>
           <a:extLst>
             <a:ext uri="{C572A759-6A51-4108-AA02-DFA0A04FC94B}">
-              <ma14:wrappingTextBoxFlag xmlns:ma14="http://schemas.microsoft.com/office/mac/drawingml/2011/main" val="1"/>
+              <ma14:wrappingTextBoxFlag xmlns:ma14="http://schemas.microsoft.com/office/mac/drawingml/2011/main" xmlns:a14="http://schemas.microsoft.com/office/drawing/2010/main" xmlns:m="http://schemas.openxmlformats.org/officeDocument/2006/math" xmlns="" val="1"/>
             </a:ext>
           </a:extLst>
         </p:spPr>
@@ -8557,7 +8365,7 @@
               <a:lnSpc>
                 <a:spcPts val="900"/>
               </a:lnSpc>
-              <a:defRPr b="1" spc="89" sz="900">
+              <a:defRPr sz="900" b="1" spc="89">
                 <a:solidFill>
                   <a:srgbClr val="9CA3AF"/>
                 </a:solidFill>
@@ -8569,7 +8377,6 @@
             </a:lvl1pPr>
           </a:lstStyle>
           <a:p>
-            <a:pPr/>
             <a:r>
               <a:t>PATTERN ARCHITETTURALI IMPLEMENTATI</a:t>
             </a:r>
@@ -8595,7 +8402,7 @@
           </a:ln>
           <a:extLst>
             <a:ext uri="{C572A759-6A51-4108-AA02-DFA0A04FC94B}">
-              <ma14:wrappingTextBoxFlag xmlns:ma14="http://schemas.microsoft.com/office/mac/drawingml/2011/main" val="1"/>
+              <ma14:wrappingTextBoxFlag xmlns:ma14="http://schemas.microsoft.com/office/mac/drawingml/2011/main" xmlns:a14="http://schemas.microsoft.com/office/drawing/2010/main" xmlns:m="http://schemas.openxmlformats.org/officeDocument/2006/math" xmlns="" val="1"/>
             </a:ext>
           </a:extLst>
         </p:spPr>
@@ -8608,7 +8415,7 @@
               <a:lnSpc>
                 <a:spcPts val="1500"/>
               </a:lnSpc>
-              <a:defRPr b="1" sz="1000">
+              <a:defRPr sz="1000" b="1">
                 <a:solidFill>
                   <a:srgbClr val="FFFFFF"/>
                 </a:solidFill>
@@ -8620,7 +8427,6 @@
             </a:lvl1pPr>
           </a:lstStyle>
           <a:p>
-            <a:pPr/>
             <a:r>
               <a:t>Circuit Breaker</a:t>
             </a:r>
@@ -8646,7 +8452,7 @@
           </a:ln>
           <a:extLst>
             <a:ext uri="{C572A759-6A51-4108-AA02-DFA0A04FC94B}">
-              <ma14:wrappingTextBoxFlag xmlns:ma14="http://schemas.microsoft.com/office/mac/drawingml/2011/main" val="1"/>
+              <ma14:wrappingTextBoxFlag xmlns:ma14="http://schemas.microsoft.com/office/mac/drawingml/2011/main" xmlns:a14="http://schemas.microsoft.com/office/drawing/2010/main" xmlns:m="http://schemas.openxmlformats.org/officeDocument/2006/math" xmlns="" val="1"/>
             </a:ext>
           </a:extLst>
         </p:spPr>
@@ -8659,7 +8465,7 @@
               <a:lnSpc>
                 <a:spcPts val="1500"/>
               </a:lnSpc>
-              <a:defRPr b="1" sz="1000">
+              <a:defRPr sz="1000" b="1">
                 <a:solidFill>
                   <a:srgbClr val="FFFFFF"/>
                 </a:solidFill>
@@ -8671,7 +8477,6 @@
             </a:lvl1pPr>
           </a:lstStyle>
           <a:p>
-            <a:pPr/>
             <a:r>
               <a:t>Event-Driven Fallback</a:t>
             </a:r>
@@ -8697,7 +8502,7 @@
           </a:ln>
           <a:extLst>
             <a:ext uri="{C572A759-6A51-4108-AA02-DFA0A04FC94B}">
-              <ma14:wrappingTextBoxFlag xmlns:ma14="http://schemas.microsoft.com/office/mac/drawingml/2011/main" val="1"/>
+              <ma14:wrappingTextBoxFlag xmlns:ma14="http://schemas.microsoft.com/office/mac/drawingml/2011/main" xmlns:a14="http://schemas.microsoft.com/office/drawing/2010/main" xmlns:m="http://schemas.openxmlformats.org/officeDocument/2006/math" xmlns="" val="1"/>
             </a:ext>
           </a:extLst>
         </p:spPr>
@@ -8710,7 +8515,7 @@
               <a:lnSpc>
                 <a:spcPts val="1500"/>
               </a:lnSpc>
-              <a:defRPr b="1" sz="1000">
+              <a:defRPr sz="1000" b="1">
                 <a:solidFill>
                   <a:srgbClr val="FFFFFF"/>
                 </a:solidFill>
@@ -8722,7 +8527,6 @@
             </a:lvl1pPr>
           </a:lstStyle>
           <a:p>
-            <a:pPr/>
             <a:r>
               <a:t>Message Queue</a:t>
             </a:r>
@@ -8748,7 +8552,7 @@
           </a:ln>
           <a:extLst>
             <a:ext uri="{C572A759-6A51-4108-AA02-DFA0A04FC94B}">
-              <ma14:wrappingTextBoxFlag xmlns:ma14="http://schemas.microsoft.com/office/mac/drawingml/2011/main" val="1"/>
+              <ma14:wrappingTextBoxFlag xmlns:ma14="http://schemas.microsoft.com/office/mac/drawingml/2011/main" xmlns:a14="http://schemas.microsoft.com/office/drawing/2010/main" xmlns:m="http://schemas.openxmlformats.org/officeDocument/2006/math" xmlns="" val="1"/>
             </a:ext>
           </a:extLst>
         </p:spPr>
@@ -8761,7 +8565,7 @@
               <a:lnSpc>
                 <a:spcPts val="1500"/>
               </a:lnSpc>
-              <a:defRPr b="1" sz="1000">
+              <a:defRPr sz="1000" b="1">
                 <a:solidFill>
                   <a:srgbClr val="FFFFFF"/>
                 </a:solidFill>
@@ -8773,7 +8577,6 @@
             </a:lvl1pPr>
           </a:lstStyle>
           <a:p>
-            <a:pPr/>
             <a:r>
               <a:t>Dead Letter Queue</a:t>
             </a:r>
@@ -8799,7 +8602,7 @@
           </a:ln>
           <a:extLst>
             <a:ext uri="{C572A759-6A51-4108-AA02-DFA0A04FC94B}">
-              <ma14:wrappingTextBoxFlag xmlns:ma14="http://schemas.microsoft.com/office/mac/drawingml/2011/main" val="1"/>
+              <ma14:wrappingTextBoxFlag xmlns:ma14="http://schemas.microsoft.com/office/mac/drawingml/2011/main" xmlns:a14="http://schemas.microsoft.com/office/drawing/2010/main" xmlns:m="http://schemas.openxmlformats.org/officeDocument/2006/math" xmlns="" val="1"/>
             </a:ext>
           </a:extLst>
         </p:spPr>
@@ -8812,7 +8615,7 @@
               <a:lnSpc>
                 <a:spcPts val="1500"/>
               </a:lnSpc>
-              <a:defRPr b="1" sz="1000">
+              <a:defRPr sz="1000" b="1">
                 <a:solidFill>
                   <a:srgbClr val="FFFFFF"/>
                 </a:solidFill>
@@ -8824,7 +8627,6 @@
             </a:lvl1pPr>
           </a:lstStyle>
           <a:p>
-            <a:pPr/>
             <a:r>
               <a:t>Publisher-Confirm</a:t>
             </a:r>
@@ -8850,7 +8652,7 @@
           </a:ln>
           <a:extLst>
             <a:ext uri="{C572A759-6A51-4108-AA02-DFA0A04FC94B}">
-              <ma14:wrappingTextBoxFlag xmlns:ma14="http://schemas.microsoft.com/office/mac/drawingml/2011/main" val="1"/>
+              <ma14:wrappingTextBoxFlag xmlns:ma14="http://schemas.microsoft.com/office/mac/drawingml/2011/main" xmlns:a14="http://schemas.microsoft.com/office/drawing/2010/main" xmlns:m="http://schemas.openxmlformats.org/officeDocument/2006/math" xmlns="" val="1"/>
             </a:ext>
           </a:extLst>
         </p:spPr>
@@ -8863,7 +8665,7 @@
               <a:lnSpc>
                 <a:spcPts val="1500"/>
               </a:lnSpc>
-              <a:defRPr b="1" sz="1000">
+              <a:defRPr sz="1000" b="1">
                 <a:solidFill>
                   <a:srgbClr val="FFFFFF"/>
                 </a:solidFill>
@@ -8875,7 +8677,6 @@
             </a:lvl1pPr>
           </a:lstStyle>
           <a:p>
-            <a:pPr/>
             <a:r>
               <a:t>Self-Healing</a:t>
             </a:r>
@@ -8887,22 +8688,23 @@
   <p:clrMapOvr>
     <a:masterClrMapping/>
   </p:clrMapOvr>
-  <p:transition xmlns:p14="http://schemas.microsoft.com/office/powerpoint/2010/main" spd="med" advClick="1"/>
+  <p:transition spd="med"/>
 </p:sld>
 </file>
 
 <file path=ppt/slides/slide5.xml><?xml version="1.0" encoding="utf-8"?>
-<p:sld xmlns:a="http://schemas.openxmlformats.org/drawingml/2006/main" xmlns:r="http://schemas.openxmlformats.org/officeDocument/2006/relationships" xmlns:p="http://schemas.openxmlformats.org/presentationml/2006/main" xmlns:m="http://schemas.openxmlformats.org/officeDocument/2006/math" xmlns:a14="http://schemas.microsoft.com/office/drawing/2010/main" showMasterSp="1" showMasterPhAnim="1">
+<p:sld xmlns:a="http://schemas.openxmlformats.org/drawingml/2006/main" xmlns:r="http://schemas.openxmlformats.org/officeDocument/2006/relationships" xmlns:p="http://schemas.openxmlformats.org/presentationml/2006/main">
   <p:cSld>
     <p:bg>
       <p:bgPr>
         <a:blipFill rotWithShape="1">
           <a:blip r:embed="rId2"/>
-          <a:srcRect l="0" t="0" r="0" b="0"/>
+          <a:srcRect/>
           <a:stretch>
             <a:fillRect/>
           </a:stretch>
         </a:blipFill>
+        <a:effectLst/>
       </p:bgPr>
     </p:bg>
     <p:spTree>
@@ -8928,9 +8730,7 @@
           <p:nvPr/>
         </p:nvPicPr>
         <p:blipFill>
-          <a:blip r:embed="rId2">
-            <a:extLst/>
-          </a:blip>
+          <a:blip r:embed="rId2"/>
           <a:stretch>
             <a:fillRect/>
           </a:stretch>
@@ -8957,9 +8757,7 @@
           <p:nvPr/>
         </p:nvPicPr>
         <p:blipFill>
-          <a:blip r:embed="rId3">
-            <a:extLst/>
-          </a:blip>
+          <a:blip r:embed="rId3"/>
           <a:stretch>
             <a:fillRect/>
           </a:stretch>
@@ -8986,9 +8784,7 @@
           <p:nvPr/>
         </p:nvPicPr>
         <p:blipFill>
-          <a:blip r:embed="rId4">
-            <a:extLst/>
-          </a:blip>
+          <a:blip r:embed="rId4"/>
           <a:stretch>
             <a:fillRect/>
           </a:stretch>
@@ -9015,9 +8811,7 @@
           <p:nvPr/>
         </p:nvPicPr>
         <p:blipFill>
-          <a:blip r:embed="rId5">
-            <a:extLst/>
-          </a:blip>
+          <a:blip r:embed="rId5"/>
           <a:stretch>
             <a:fillRect/>
           </a:stretch>
@@ -9044,9 +8838,7 @@
           <p:nvPr/>
         </p:nvPicPr>
         <p:blipFill>
-          <a:blip r:embed="rId6">
-            <a:extLst/>
-          </a:blip>
+          <a:blip r:embed="rId6"/>
           <a:stretch>
             <a:fillRect/>
           </a:stretch>
@@ -9073,9 +8865,7 @@
           <p:nvPr/>
         </p:nvPicPr>
         <p:blipFill>
-          <a:blip r:embed="rId7">
-            <a:extLst/>
-          </a:blip>
+          <a:blip r:embed="rId7"/>
           <a:stretch>
             <a:fillRect/>
           </a:stretch>
@@ -9102,9 +8892,7 @@
           <p:nvPr/>
         </p:nvPicPr>
         <p:blipFill>
-          <a:blip r:embed="rId8">
-            <a:extLst/>
-          </a:blip>
+          <a:blip r:embed="rId8"/>
           <a:stretch>
             <a:fillRect/>
           </a:stretch>
@@ -9131,9 +8919,7 @@
           <p:nvPr/>
         </p:nvPicPr>
         <p:blipFill>
-          <a:blip r:embed="rId9">
-            <a:extLst/>
-          </a:blip>
+          <a:blip r:embed="rId9"/>
           <a:stretch>
             <a:fillRect/>
           </a:stretch>
@@ -9160,9 +8946,7 @@
           <p:nvPr/>
         </p:nvPicPr>
         <p:blipFill>
-          <a:blip r:embed="rId10">
-            <a:extLst/>
-          </a:blip>
+          <a:blip r:embed="rId10"/>
           <a:stretch>
             <a:fillRect/>
           </a:stretch>
@@ -9189,9 +8973,7 @@
           <p:nvPr/>
         </p:nvPicPr>
         <p:blipFill>
-          <a:blip r:embed="rId7">
-            <a:extLst/>
-          </a:blip>
+          <a:blip r:embed="rId7"/>
           <a:stretch>
             <a:fillRect/>
           </a:stretch>
@@ -9218,9 +9000,7 @@
           <p:nvPr/>
         </p:nvPicPr>
         <p:blipFill>
-          <a:blip r:embed="rId11">
-            <a:extLst/>
-          </a:blip>
+          <a:blip r:embed="rId11"/>
           <a:stretch>
             <a:fillRect/>
           </a:stretch>
@@ -9247,9 +9027,7 @@
           <p:nvPr/>
         </p:nvPicPr>
         <p:blipFill>
-          <a:blip r:embed="rId12">
-            <a:extLst/>
-          </a:blip>
+          <a:blip r:embed="rId12"/>
           <a:stretch>
             <a:fillRect/>
           </a:stretch>
@@ -9276,9 +9054,7 @@
           <p:nvPr/>
         </p:nvPicPr>
         <p:blipFill>
-          <a:blip r:embed="rId13">
-            <a:extLst/>
-          </a:blip>
+          <a:blip r:embed="rId13"/>
           <a:stretch>
             <a:fillRect/>
           </a:stretch>
@@ -9305,9 +9081,7 @@
           <p:nvPr/>
         </p:nvPicPr>
         <p:blipFill>
-          <a:blip r:embed="rId7">
-            <a:extLst/>
-          </a:blip>
+          <a:blip r:embed="rId7"/>
           <a:stretch>
             <a:fillRect/>
           </a:stretch>
@@ -9334,9 +9108,7 @@
           <p:nvPr/>
         </p:nvPicPr>
         <p:blipFill>
-          <a:blip r:embed="rId14">
-            <a:extLst/>
-          </a:blip>
+          <a:blip r:embed="rId14"/>
           <a:stretch>
             <a:fillRect/>
           </a:stretch>
@@ -9363,9 +9135,7 @@
           <p:nvPr/>
         </p:nvPicPr>
         <p:blipFill>
-          <a:blip r:embed="rId15">
-            <a:extLst/>
-          </a:blip>
+          <a:blip r:embed="rId15"/>
           <a:stretch>
             <a:fillRect/>
           </a:stretch>
@@ -9392,9 +9162,7 @@
           <p:nvPr/>
         </p:nvPicPr>
         <p:blipFill>
-          <a:blip r:embed="rId16">
-            <a:extLst/>
-          </a:blip>
+          <a:blip r:embed="rId16"/>
           <a:stretch>
             <a:fillRect/>
           </a:stretch>
@@ -9421,9 +9189,7 @@
           <p:nvPr/>
         </p:nvPicPr>
         <p:blipFill>
-          <a:blip r:embed="rId17">
-            <a:extLst/>
-          </a:blip>
+          <a:blip r:embed="rId17"/>
           <a:stretch>
             <a:fillRect/>
           </a:stretch>
@@ -9450,9 +9216,7 @@
           <p:nvPr/>
         </p:nvPicPr>
         <p:blipFill>
-          <a:blip r:embed="rId18">
-            <a:extLst/>
-          </a:blip>
+          <a:blip r:embed="rId18"/>
           <a:stretch>
             <a:fillRect/>
           </a:stretch>
@@ -9479,9 +9243,7 @@
           <p:nvPr/>
         </p:nvPicPr>
         <p:blipFill>
-          <a:blip r:embed="rId19">
-            <a:extLst/>
-          </a:blip>
+          <a:blip r:embed="rId19"/>
           <a:stretch>
             <a:fillRect/>
           </a:stretch>
@@ -9508,9 +9270,7 @@
           <p:nvPr/>
         </p:nvPicPr>
         <p:blipFill>
-          <a:blip r:embed="rId19">
-            <a:extLst/>
-          </a:blip>
+          <a:blip r:embed="rId19"/>
           <a:stretch>
             <a:fillRect/>
           </a:stretch>
@@ -9537,9 +9297,7 @@
           <p:nvPr/>
         </p:nvPicPr>
         <p:blipFill>
-          <a:blip r:embed="rId19">
-            <a:extLst/>
-          </a:blip>
+          <a:blip r:embed="rId19"/>
           <a:stretch>
             <a:fillRect/>
           </a:stretch>
@@ -9566,9 +9324,7 @@
           <p:nvPr/>
         </p:nvPicPr>
         <p:blipFill>
-          <a:blip r:embed="rId20">
-            <a:extLst/>
-          </a:blip>
+          <a:blip r:embed="rId20"/>
           <a:stretch>
             <a:fillRect/>
           </a:stretch>
@@ -9595,9 +9351,7 @@
           <p:nvPr/>
         </p:nvPicPr>
         <p:blipFill>
-          <a:blip r:embed="rId21">
-            <a:extLst/>
-          </a:blip>
+          <a:blip r:embed="rId21"/>
           <a:stretch>
             <a:fillRect/>
           </a:stretch>
@@ -9624,9 +9378,7 @@
           <p:nvPr/>
         </p:nvPicPr>
         <p:blipFill>
-          <a:blip r:embed="rId22">
-            <a:extLst/>
-          </a:blip>
+          <a:blip r:embed="rId22"/>
           <a:stretch>
             <a:fillRect/>
           </a:stretch>
@@ -9653,9 +9405,7 @@
           <p:nvPr/>
         </p:nvPicPr>
         <p:blipFill>
-          <a:blip r:embed="rId22">
-            <a:extLst/>
-          </a:blip>
+          <a:blip r:embed="rId22"/>
           <a:stretch>
             <a:fillRect/>
           </a:stretch>
@@ -9682,9 +9432,7 @@
           <p:nvPr/>
         </p:nvPicPr>
         <p:blipFill>
-          <a:blip r:embed="rId23">
-            <a:extLst/>
-          </a:blip>
+          <a:blip r:embed="rId23"/>
           <a:stretch>
             <a:fillRect/>
           </a:stretch>
@@ -9721,7 +9469,7 @@
           </a:ln>
           <a:extLst>
             <a:ext uri="{C572A759-6A51-4108-AA02-DFA0A04FC94B}">
-              <ma14:wrappingTextBoxFlag xmlns:ma14="http://schemas.microsoft.com/office/mac/drawingml/2011/main" val="1"/>
+              <ma14:wrappingTextBoxFlag xmlns:ma14="http://schemas.microsoft.com/office/mac/drawingml/2011/main" xmlns:a14="http://schemas.microsoft.com/office/drawing/2010/main" xmlns:m="http://schemas.openxmlformats.org/officeDocument/2006/math" xmlns="" val="1"/>
             </a:ext>
           </a:extLst>
         </p:spPr>
@@ -9734,7 +9482,7 @@
               <a:lnSpc>
                 <a:spcPts val="3000"/>
               </a:lnSpc>
-              <a:defRPr b="1" spc="-54" sz="2700">
+              <a:defRPr sz="2700" b="1" spc="-54">
                 <a:solidFill>
                   <a:srgbClr val="006400"/>
                 </a:solidFill>
@@ -9746,7 +9494,6 @@
             </a:lvl1pPr>
           </a:lstStyle>
           <a:p>
-            <a:pPr/>
             <a:r>
               <a:t>Osservabilità: ELK Stack e Telegram</a:t>
             </a:r>
@@ -9772,7 +9519,7 @@
           </a:ln>
           <a:extLst>
             <a:ext uri="{C572A759-6A51-4108-AA02-DFA0A04FC94B}">
-              <ma14:wrappingTextBoxFlag xmlns:ma14="http://schemas.microsoft.com/office/mac/drawingml/2011/main" val="1"/>
+              <ma14:wrappingTextBoxFlag xmlns:ma14="http://schemas.microsoft.com/office/mac/drawingml/2011/main" xmlns:a14="http://schemas.microsoft.com/office/drawing/2010/main" xmlns:m="http://schemas.openxmlformats.org/officeDocument/2006/math" xmlns="" val="1"/>
             </a:ext>
           </a:extLst>
         </p:spPr>
@@ -9797,7 +9544,6 @@
             </a:lvl1pPr>
           </a:lstStyle>
           <a:p>
-            <a:pPr/>
             <a:r>
               <a:t>Pipeline di logging centralizzata e alerting proattivo</a:t>
             </a:r>
@@ -9823,7 +9569,7 @@
           </a:ln>
           <a:extLst>
             <a:ext uri="{C572A759-6A51-4108-AA02-DFA0A04FC94B}">
-              <ma14:wrappingTextBoxFlag xmlns:ma14="http://schemas.microsoft.com/office/mac/drawingml/2011/main" val="1"/>
+              <ma14:wrappingTextBoxFlag xmlns:ma14="http://schemas.microsoft.com/office/mac/drawingml/2011/main" xmlns:a14="http://schemas.microsoft.com/office/drawing/2010/main" xmlns:m="http://schemas.openxmlformats.org/officeDocument/2006/math" xmlns="" val="1"/>
             </a:ext>
           </a:extLst>
         </p:spPr>
@@ -9836,7 +9582,7 @@
               <a:lnSpc>
                 <a:spcPts val="1800"/>
               </a:lnSpc>
-              <a:defRPr b="1" sz="1200">
+              <a:defRPr sz="1200" b="1">
                 <a:solidFill>
                   <a:srgbClr val="FFFFFF"/>
                 </a:solidFill>
@@ -9848,7 +9594,6 @@
             </a:lvl1pPr>
           </a:lstStyle>
           <a:p>
-            <a:pPr/>
             <a:r>
               <a:t>Nexus Server</a:t>
             </a:r>
@@ -9874,7 +9619,7 @@
           </a:ln>
           <a:extLst>
             <a:ext uri="{C572A759-6A51-4108-AA02-DFA0A04FC94B}">
-              <ma14:wrappingTextBoxFlag xmlns:ma14="http://schemas.microsoft.com/office/mac/drawingml/2011/main" val="1"/>
+              <ma14:wrappingTextBoxFlag xmlns:ma14="http://schemas.microsoft.com/office/mac/drawingml/2011/main" xmlns:a14="http://schemas.microsoft.com/office/drawing/2010/main" xmlns:m="http://schemas.openxmlformats.org/officeDocument/2006/math" xmlns="" val="1"/>
             </a:ext>
           </a:extLst>
         </p:spPr>
@@ -9899,7 +9644,6 @@
             </a:lvl1pPr>
           </a:lstStyle>
           <a:p>
-            <a:pPr/>
             <a:r>
               <a:t>JSON via TCP</a:t>
             </a:r>
@@ -9925,7 +9669,7 @@
           </a:ln>
           <a:extLst>
             <a:ext uri="{C572A759-6A51-4108-AA02-DFA0A04FC94B}">
-              <ma14:wrappingTextBoxFlag xmlns:ma14="http://schemas.microsoft.com/office/mac/drawingml/2011/main" val="1"/>
+              <ma14:wrappingTextBoxFlag xmlns:ma14="http://schemas.microsoft.com/office/mac/drawingml/2011/main" xmlns:a14="http://schemas.microsoft.com/office/drawing/2010/main" xmlns:m="http://schemas.openxmlformats.org/officeDocument/2006/math" xmlns="" val="1"/>
             </a:ext>
           </a:extLst>
         </p:spPr>
@@ -9938,7 +9682,7 @@
               <a:lnSpc>
                 <a:spcPts val="1800"/>
               </a:lnSpc>
-              <a:defRPr b="1" sz="1200">
+              <a:defRPr sz="1200" b="1">
                 <a:solidFill>
                   <a:srgbClr val="FFFFFF"/>
                 </a:solidFill>
@@ -9950,7 +9694,6 @@
             </a:lvl1pPr>
           </a:lstStyle>
           <a:p>
-            <a:pPr/>
             <a:r>
               <a:t>Logstash</a:t>
             </a:r>
@@ -9976,7 +9719,7 @@
           </a:ln>
           <a:extLst>
             <a:ext uri="{C572A759-6A51-4108-AA02-DFA0A04FC94B}">
-              <ma14:wrappingTextBoxFlag xmlns:ma14="http://schemas.microsoft.com/office/mac/drawingml/2011/main" val="1"/>
+              <ma14:wrappingTextBoxFlag xmlns:ma14="http://schemas.microsoft.com/office/mac/drawingml/2011/main" xmlns:a14="http://schemas.microsoft.com/office/drawing/2010/main" xmlns:m="http://schemas.openxmlformats.org/officeDocument/2006/math" xmlns="" val="1"/>
             </a:ext>
           </a:extLst>
         </p:spPr>
@@ -10001,7 +9744,6 @@
             </a:lvl1pPr>
           </a:lstStyle>
           <a:p>
-            <a:pPr/>
             <a:r>
               <a:t>Normalizzazione &amp; Filtri</a:t>
             </a:r>
@@ -10027,7 +9769,7 @@
           </a:ln>
           <a:extLst>
             <a:ext uri="{C572A759-6A51-4108-AA02-DFA0A04FC94B}">
-              <ma14:wrappingTextBoxFlag xmlns:ma14="http://schemas.microsoft.com/office/mac/drawingml/2011/main" val="1"/>
+              <ma14:wrappingTextBoxFlag xmlns:ma14="http://schemas.microsoft.com/office/mac/drawingml/2011/main" xmlns:a14="http://schemas.microsoft.com/office/drawing/2010/main" xmlns:m="http://schemas.openxmlformats.org/officeDocument/2006/math" xmlns="" val="1"/>
             </a:ext>
           </a:extLst>
         </p:spPr>
@@ -10040,7 +9782,7 @@
               <a:lnSpc>
                 <a:spcPts val="1800"/>
               </a:lnSpc>
-              <a:defRPr b="1" sz="1200">
+              <a:defRPr sz="1200" b="1">
                 <a:solidFill>
                   <a:srgbClr val="FFFFFF"/>
                 </a:solidFill>
@@ -10052,7 +9794,6 @@
             </a:lvl1pPr>
           </a:lstStyle>
           <a:p>
-            <a:pPr/>
             <a:r>
               <a:t>Elasticsearch</a:t>
             </a:r>
@@ -10078,7 +9819,7 @@
           </a:ln>
           <a:extLst>
             <a:ext uri="{C572A759-6A51-4108-AA02-DFA0A04FC94B}">
-              <ma14:wrappingTextBoxFlag xmlns:ma14="http://schemas.microsoft.com/office/mac/drawingml/2011/main" val="1"/>
+              <ma14:wrappingTextBoxFlag xmlns:ma14="http://schemas.microsoft.com/office/mac/drawingml/2011/main" xmlns:a14="http://schemas.microsoft.com/office/drawing/2010/main" xmlns:m="http://schemas.openxmlformats.org/officeDocument/2006/math" xmlns="" val="1"/>
             </a:ext>
           </a:extLst>
         </p:spPr>
@@ -10103,7 +9844,6 @@
             </a:lvl1pPr>
           </a:lstStyle>
           <a:p>
-            <a:pPr/>
             <a:r>
               <a:t>Indicizzazione Giornaliera</a:t>
             </a:r>
@@ -10129,7 +9869,7 @@
           </a:ln>
           <a:extLst>
             <a:ext uri="{C572A759-6A51-4108-AA02-DFA0A04FC94B}">
-              <ma14:wrappingTextBoxFlag xmlns:ma14="http://schemas.microsoft.com/office/mac/drawingml/2011/main" val="1"/>
+              <ma14:wrappingTextBoxFlag xmlns:ma14="http://schemas.microsoft.com/office/mac/drawingml/2011/main" xmlns:a14="http://schemas.microsoft.com/office/drawing/2010/main" xmlns:m="http://schemas.openxmlformats.org/officeDocument/2006/math" xmlns="" val="1"/>
             </a:ext>
           </a:extLst>
         </p:spPr>
@@ -10142,7 +9882,7 @@
               <a:lnSpc>
                 <a:spcPts val="1800"/>
               </a:lnSpc>
-              <a:defRPr b="1" sz="1200">
+              <a:defRPr sz="1200" b="1">
                 <a:solidFill>
                   <a:srgbClr val="FFFFFF"/>
                 </a:solidFill>
@@ -10154,7 +9894,6 @@
             </a:lvl1pPr>
           </a:lstStyle>
           <a:p>
-            <a:pPr/>
             <a:r>
               <a:t>Kibana</a:t>
             </a:r>
@@ -10180,7 +9919,7 @@
           </a:ln>
           <a:extLst>
             <a:ext uri="{C572A759-6A51-4108-AA02-DFA0A04FC94B}">
-              <ma14:wrappingTextBoxFlag xmlns:ma14="http://schemas.microsoft.com/office/mac/drawingml/2011/main" val="1"/>
+              <ma14:wrappingTextBoxFlag xmlns:ma14="http://schemas.microsoft.com/office/mac/drawingml/2011/main" xmlns:a14="http://schemas.microsoft.com/office/drawing/2010/main" xmlns:m="http://schemas.openxmlformats.org/officeDocument/2006/math" xmlns="" val="1"/>
             </a:ext>
           </a:extLst>
         </p:spPr>
@@ -10205,7 +9944,6 @@
             </a:lvl1pPr>
           </a:lstStyle>
           <a:p>
-            <a:pPr/>
             <a:r>
               <a:t>Dashboard &amp; Analisi</a:t>
             </a:r>
@@ -10231,7 +9969,7 @@
           </a:ln>
           <a:extLst>
             <a:ext uri="{C572A759-6A51-4108-AA02-DFA0A04FC94B}">
-              <ma14:wrappingTextBoxFlag xmlns:ma14="http://schemas.microsoft.com/office/mac/drawingml/2011/main" val="1"/>
+              <ma14:wrappingTextBoxFlag xmlns:ma14="http://schemas.microsoft.com/office/mac/drawingml/2011/main" xmlns:a14="http://schemas.microsoft.com/office/drawing/2010/main" xmlns:m="http://schemas.openxmlformats.org/officeDocument/2006/math" xmlns="" val="1"/>
             </a:ext>
           </a:extLst>
         </p:spPr>
@@ -10244,7 +9982,7 @@
               <a:lnSpc>
                 <a:spcPts val="2100"/>
               </a:lnSpc>
-              <a:defRPr b="1" sz="1500">
+              <a:defRPr sz="1500" b="1">
                 <a:solidFill>
                   <a:srgbClr val="006400"/>
                 </a:solidFill>
@@ -10256,7 +9994,6 @@
             </a:lvl1pPr>
           </a:lstStyle>
           <a:p>
-            <a:pPr/>
             <a:r>
               <a:t>Centralized Logging</a:t>
             </a:r>
@@ -10282,7 +10019,7 @@
           </a:ln>
           <a:extLst>
             <a:ext uri="{C572A759-6A51-4108-AA02-DFA0A04FC94B}">
-              <ma14:wrappingTextBoxFlag xmlns:ma14="http://schemas.microsoft.com/office/mac/drawingml/2011/main" val="1"/>
+              <ma14:wrappingTextBoxFlag xmlns:ma14="http://schemas.microsoft.com/office/mac/drawingml/2011/main" xmlns:a14="http://schemas.microsoft.com/office/drawing/2010/main" xmlns:m="http://schemas.openxmlformats.org/officeDocument/2006/math" xmlns="" val="1"/>
             </a:ext>
           </a:extLst>
         </p:spPr>
@@ -10296,7 +10033,7 @@
               <a:lnSpc>
                 <a:spcPts val="1800"/>
               </a:lnSpc>
-              <a:defRPr b="1" sz="1200">
+              <a:defRPr sz="1200" b="1">
                 <a:solidFill>
                   <a:srgbClr val="374151"/>
                 </a:solidFill>
@@ -10335,7 +10072,7 @@
           </a:ln>
           <a:extLst>
             <a:ext uri="{C572A759-6A51-4108-AA02-DFA0A04FC94B}">
-              <ma14:wrappingTextBoxFlag xmlns:ma14="http://schemas.microsoft.com/office/mac/drawingml/2011/main" val="1"/>
+              <ma14:wrappingTextBoxFlag xmlns:ma14="http://schemas.microsoft.com/office/mac/drawingml/2011/main" xmlns:a14="http://schemas.microsoft.com/office/drawing/2010/main" xmlns:m="http://schemas.openxmlformats.org/officeDocument/2006/math" xmlns="" val="1"/>
             </a:ext>
           </a:extLst>
         </p:spPr>
@@ -10349,7 +10086,7 @@
               <a:lnSpc>
                 <a:spcPts val="1800"/>
               </a:lnSpc>
-              <a:defRPr b="1" sz="1200">
+              <a:defRPr sz="1200" b="1">
                 <a:solidFill>
                   <a:srgbClr val="374151"/>
                 </a:solidFill>
@@ -10388,7 +10125,7 @@
           </a:ln>
           <a:extLst>
             <a:ext uri="{C572A759-6A51-4108-AA02-DFA0A04FC94B}">
-              <ma14:wrappingTextBoxFlag xmlns:ma14="http://schemas.microsoft.com/office/mac/drawingml/2011/main" val="1"/>
+              <ma14:wrappingTextBoxFlag xmlns:ma14="http://schemas.microsoft.com/office/mac/drawingml/2011/main" xmlns:a14="http://schemas.microsoft.com/office/drawing/2010/main" xmlns:m="http://schemas.openxmlformats.org/officeDocument/2006/math" xmlns="" val="1"/>
             </a:ext>
           </a:extLst>
         </p:spPr>
@@ -10402,7 +10139,7 @@
               <a:lnSpc>
                 <a:spcPts val="1800"/>
               </a:lnSpc>
-              <a:defRPr b="1" sz="1200">
+              <a:defRPr sz="1200" b="1">
                 <a:solidFill>
                   <a:srgbClr val="374151"/>
                 </a:solidFill>
@@ -10441,7 +10178,7 @@
           </a:ln>
           <a:extLst>
             <a:ext uri="{C572A759-6A51-4108-AA02-DFA0A04FC94B}">
-              <ma14:wrappingTextBoxFlag xmlns:ma14="http://schemas.microsoft.com/office/mac/drawingml/2011/main" val="1"/>
+              <ma14:wrappingTextBoxFlag xmlns:ma14="http://schemas.microsoft.com/office/mac/drawingml/2011/main" xmlns:a14="http://schemas.microsoft.com/office/drawing/2010/main" xmlns:m="http://schemas.openxmlformats.org/officeDocument/2006/math" xmlns="" val="1"/>
             </a:ext>
           </a:extLst>
         </p:spPr>
@@ -10454,7 +10191,7 @@
               <a:lnSpc>
                 <a:spcPts val="2100"/>
               </a:lnSpc>
-              <a:defRPr b="1" sz="1500">
+              <a:defRPr sz="1500" b="1">
                 <a:solidFill>
                   <a:srgbClr val="006400"/>
                 </a:solidFill>
@@ -10466,7 +10203,6 @@
             </a:lvl1pPr>
           </a:lstStyle>
           <a:p>
-            <a:pPr/>
             <a:r>
               <a:t>Alerting su Telegram</a:t>
             </a:r>
@@ -10492,7 +10228,7 @@
           </a:ln>
           <a:extLst>
             <a:ext uri="{C572A759-6A51-4108-AA02-DFA0A04FC94B}">
-              <ma14:wrappingTextBoxFlag xmlns:ma14="http://schemas.microsoft.com/office/mac/drawingml/2011/main" val="1"/>
+              <ma14:wrappingTextBoxFlag xmlns:ma14="http://schemas.microsoft.com/office/mac/drawingml/2011/main" xmlns:a14="http://schemas.microsoft.com/office/drawing/2010/main" xmlns:m="http://schemas.openxmlformats.org/officeDocument/2006/math" xmlns="" val="1"/>
             </a:ext>
           </a:extLst>
         </p:spPr>
@@ -10517,7 +10253,6 @@
             </a:lvl1pPr>
           </a:lstStyle>
           <a:p>
-            <a:pPr/>
             <a:r>
               <a:t>Integrazione condizionale Logstash -&gt; Telegram API:</a:t>
             </a:r>
@@ -10543,7 +10278,7 @@
           </a:ln>
           <a:extLst>
             <a:ext uri="{C572A759-6A51-4108-AA02-DFA0A04FC94B}">
-              <ma14:wrappingTextBoxFlag xmlns:ma14="http://schemas.microsoft.com/office/mac/drawingml/2011/main" val="1"/>
+              <ma14:wrappingTextBoxFlag xmlns:ma14="http://schemas.microsoft.com/office/mac/drawingml/2011/main" xmlns:a14="http://schemas.microsoft.com/office/drawing/2010/main" xmlns:m="http://schemas.openxmlformats.org/officeDocument/2006/math" xmlns="" val="1"/>
             </a:ext>
           </a:extLst>
         </p:spPr>
@@ -10556,7 +10291,7 @@
               <a:lnSpc>
                 <a:spcPts val="1200"/>
               </a:lnSpc>
-              <a:defRPr b="1" sz="900">
+              <a:defRPr sz="900" b="1">
                 <a:solidFill>
                   <a:srgbClr val="EA580C"/>
                 </a:solidFill>
@@ -10568,7 +10303,6 @@
             </a:lvl1pPr>
           </a:lstStyle>
           <a:p>
-            <a:pPr/>
             <a:r>
               <a:t>DATABASE STRESS</a:t>
             </a:r>
@@ -10594,7 +10328,7 @@
           </a:ln>
           <a:extLst>
             <a:ext uri="{C572A759-6A51-4108-AA02-DFA0A04FC94B}">
-              <ma14:wrappingTextBoxFlag xmlns:ma14="http://schemas.microsoft.com/office/mac/drawingml/2011/main" val="1"/>
+              <ma14:wrappingTextBoxFlag xmlns:ma14="http://schemas.microsoft.com/office/mac/drawingml/2011/main" xmlns:a14="http://schemas.microsoft.com/office/drawing/2010/main" xmlns:m="http://schemas.openxmlformats.org/officeDocument/2006/math" xmlns="" val="1"/>
             </a:ext>
           </a:extLst>
         </p:spPr>
@@ -10619,7 +10353,6 @@
             </a:lvl1pPr>
           </a:lstStyle>
           <a:p>
-            <a:pPr/>
             <a:r>
               <a:t>Alert immediato se viene attivato il fallback Circuit Breaker.</a:t>
             </a:r>
@@ -10645,7 +10378,7 @@
           </a:ln>
           <a:extLst>
             <a:ext uri="{C572A759-6A51-4108-AA02-DFA0A04FC94B}">
-              <ma14:wrappingTextBoxFlag xmlns:ma14="http://schemas.microsoft.com/office/mac/drawingml/2011/main" val="1"/>
+              <ma14:wrappingTextBoxFlag xmlns:ma14="http://schemas.microsoft.com/office/mac/drawingml/2011/main" xmlns:a14="http://schemas.microsoft.com/office/drawing/2010/main" xmlns:m="http://schemas.openxmlformats.org/officeDocument/2006/math" xmlns="" val="1"/>
             </a:ext>
           </a:extLst>
         </p:spPr>
@@ -10658,7 +10391,7 @@
               <a:lnSpc>
                 <a:spcPts val="1200"/>
               </a:lnSpc>
-              <a:defRPr b="1" sz="900">
+              <a:defRPr sz="900" b="1">
                 <a:solidFill>
                   <a:srgbClr val="EA580C"/>
                 </a:solidFill>
@@ -10670,7 +10403,6 @@
             </a:lvl1pPr>
           </a:lstStyle>
           <a:p>
-            <a:pPr/>
             <a:r>
               <a:t>ANOMALIA AI</a:t>
             </a:r>
@@ -10696,7 +10428,7 @@
           </a:ln>
           <a:extLst>
             <a:ext uri="{C572A759-6A51-4108-AA02-DFA0A04FC94B}">
-              <ma14:wrappingTextBoxFlag xmlns:ma14="http://schemas.microsoft.com/office/mac/drawingml/2011/main" val="1"/>
+              <ma14:wrappingTextBoxFlag xmlns:ma14="http://schemas.microsoft.com/office/mac/drawingml/2011/main" xmlns:a14="http://schemas.microsoft.com/office/drawing/2010/main" xmlns:m="http://schemas.openxmlformats.org/officeDocument/2006/math" xmlns="" val="1"/>
             </a:ext>
           </a:extLst>
         </p:spPr>
@@ -10721,7 +10453,6 @@
             </a:lvl1pPr>
           </a:lstStyle>
           <a:p>
-            <a:pPr/>
             <a:r>
               <a:t>Notifica se la deviazione predetta supera la soglia critica.</a:t>
             </a:r>
@@ -10733,22 +10464,23 @@
   <p:clrMapOvr>
     <a:masterClrMapping/>
   </p:clrMapOvr>
-  <p:transition xmlns:p14="http://schemas.microsoft.com/office/powerpoint/2010/main" spd="med" advClick="1"/>
+  <p:transition spd="med"/>
 </p:sld>
 </file>
 
 <file path=ppt/slides/slide6.xml><?xml version="1.0" encoding="utf-8"?>
-<p:sld xmlns:a="http://schemas.openxmlformats.org/drawingml/2006/main" xmlns:r="http://schemas.openxmlformats.org/officeDocument/2006/relationships" xmlns:p="http://schemas.openxmlformats.org/presentationml/2006/main" xmlns:m="http://schemas.openxmlformats.org/officeDocument/2006/math" xmlns:a14="http://schemas.microsoft.com/office/drawing/2010/main" showMasterSp="1" showMasterPhAnim="1">
+<p:sld xmlns:a="http://schemas.openxmlformats.org/drawingml/2006/main" xmlns:r="http://schemas.openxmlformats.org/officeDocument/2006/relationships" xmlns:p="http://schemas.openxmlformats.org/presentationml/2006/main">
   <p:cSld>
     <p:bg>
       <p:bgPr>
         <a:blipFill rotWithShape="1">
           <a:blip r:embed="rId2"/>
-          <a:srcRect l="0" t="0" r="0" b="0"/>
+          <a:srcRect/>
           <a:stretch>
             <a:fillRect/>
           </a:stretch>
         </a:blipFill>
+        <a:effectLst/>
       </p:bgPr>
     </p:bg>
     <p:spTree>
@@ -10774,9 +10506,7 @@
           <p:nvPr/>
         </p:nvPicPr>
         <p:blipFill>
-          <a:blip r:embed="rId2">
-            <a:extLst/>
-          </a:blip>
+          <a:blip r:embed="rId2"/>
           <a:stretch>
             <a:fillRect/>
           </a:stretch>
@@ -10803,9 +10533,7 @@
           <p:nvPr/>
         </p:nvPicPr>
         <p:blipFill>
-          <a:blip r:embed="rId3">
-            <a:extLst/>
-          </a:blip>
+          <a:blip r:embed="rId3"/>
           <a:stretch>
             <a:fillRect/>
           </a:stretch>
@@ -10832,9 +10560,7 @@
           <p:nvPr/>
         </p:nvPicPr>
         <p:blipFill>
-          <a:blip r:embed="rId4">
-            <a:extLst/>
-          </a:blip>
+          <a:blip r:embed="rId4"/>
           <a:stretch>
             <a:fillRect/>
           </a:stretch>
@@ -10861,9 +10587,7 @@
           <p:nvPr/>
         </p:nvPicPr>
         <p:blipFill>
-          <a:blip r:embed="rId5">
-            <a:extLst/>
-          </a:blip>
+          <a:blip r:embed="rId5"/>
           <a:stretch>
             <a:fillRect/>
           </a:stretch>
@@ -10890,9 +10614,7 @@
           <p:nvPr/>
         </p:nvPicPr>
         <p:blipFill>
-          <a:blip r:embed="rId6">
-            <a:extLst/>
-          </a:blip>
+          <a:blip r:embed="rId6"/>
           <a:stretch>
             <a:fillRect/>
           </a:stretch>
@@ -10919,9 +10641,7 @@
           <p:nvPr/>
         </p:nvPicPr>
         <p:blipFill>
-          <a:blip r:embed="rId7">
-            <a:extLst/>
-          </a:blip>
+          <a:blip r:embed="rId7"/>
           <a:stretch>
             <a:fillRect/>
           </a:stretch>
@@ -10948,9 +10668,7 @@
           <p:nvPr/>
         </p:nvPicPr>
         <p:blipFill>
-          <a:blip r:embed="rId8">
-            <a:extLst/>
-          </a:blip>
+          <a:blip r:embed="rId8"/>
           <a:stretch>
             <a:fillRect/>
           </a:stretch>
@@ -10977,9 +10695,7 @@
           <p:nvPr/>
         </p:nvPicPr>
         <p:blipFill>
-          <a:blip r:embed="rId9">
-            <a:extLst/>
-          </a:blip>
+          <a:blip r:embed="rId9"/>
           <a:stretch>
             <a:fillRect/>
           </a:stretch>
@@ -11006,9 +10722,7 @@
           <p:nvPr/>
         </p:nvPicPr>
         <p:blipFill>
-          <a:blip r:embed="rId10">
-            <a:extLst/>
-          </a:blip>
+          <a:blip r:embed="rId10"/>
           <a:stretch>
             <a:fillRect/>
           </a:stretch>
@@ -11035,9 +10749,7 @@
           <p:nvPr/>
         </p:nvPicPr>
         <p:blipFill>
-          <a:blip r:embed="rId11">
-            <a:extLst/>
-          </a:blip>
+          <a:blip r:embed="rId11"/>
           <a:stretch>
             <a:fillRect/>
           </a:stretch>
@@ -11064,9 +10776,7 @@
           <p:nvPr/>
         </p:nvPicPr>
         <p:blipFill>
-          <a:blip r:embed="rId12">
-            <a:extLst/>
-          </a:blip>
+          <a:blip r:embed="rId12"/>
           <a:stretch>
             <a:fillRect/>
           </a:stretch>
@@ -11093,9 +10803,7 @@
           <p:nvPr/>
         </p:nvPicPr>
         <p:blipFill>
-          <a:blip r:embed="rId13">
-            <a:extLst/>
-          </a:blip>
+          <a:blip r:embed="rId13"/>
           <a:stretch>
             <a:fillRect/>
           </a:stretch>
@@ -11122,9 +10830,7 @@
           <p:nvPr/>
         </p:nvPicPr>
         <p:blipFill>
-          <a:blip r:embed="rId14">
-            <a:extLst/>
-          </a:blip>
+          <a:blip r:embed="rId14"/>
           <a:stretch>
             <a:fillRect/>
           </a:stretch>
@@ -11151,9 +10857,7 @@
           <p:nvPr/>
         </p:nvPicPr>
         <p:blipFill>
-          <a:blip r:embed="rId15">
-            <a:extLst/>
-          </a:blip>
+          <a:blip r:embed="rId15"/>
           <a:stretch>
             <a:fillRect/>
           </a:stretch>
@@ -11180,9 +10884,7 @@
           <p:nvPr/>
         </p:nvPicPr>
         <p:blipFill>
-          <a:blip r:embed="rId16">
-            <a:extLst/>
-          </a:blip>
+          <a:blip r:embed="rId16"/>
           <a:stretch>
             <a:fillRect/>
           </a:stretch>
@@ -11209,9 +10911,7 @@
           <p:nvPr/>
         </p:nvPicPr>
         <p:blipFill>
-          <a:blip r:embed="rId17">
-            <a:extLst/>
-          </a:blip>
+          <a:blip r:embed="rId17"/>
           <a:stretch>
             <a:fillRect/>
           </a:stretch>
@@ -11238,9 +10938,7 @@
           <p:nvPr/>
         </p:nvPicPr>
         <p:blipFill>
-          <a:blip r:embed="rId18">
-            <a:extLst/>
-          </a:blip>
+          <a:blip r:embed="rId18"/>
           <a:stretch>
             <a:fillRect/>
           </a:stretch>
@@ -11267,9 +10965,7 @@
           <p:nvPr/>
         </p:nvPicPr>
         <p:blipFill>
-          <a:blip r:embed="rId19">
-            <a:extLst/>
-          </a:blip>
+          <a:blip r:embed="rId19"/>
           <a:stretch>
             <a:fillRect/>
           </a:stretch>
@@ -11296,9 +10992,7 @@
           <p:nvPr/>
         </p:nvPicPr>
         <p:blipFill>
-          <a:blip r:embed="rId20">
-            <a:extLst/>
-          </a:blip>
+          <a:blip r:embed="rId20"/>
           <a:stretch>
             <a:fillRect/>
           </a:stretch>
@@ -11325,9 +11019,7 @@
           <p:nvPr/>
         </p:nvPicPr>
         <p:blipFill>
-          <a:blip r:embed="rId21">
-            <a:extLst/>
-          </a:blip>
+          <a:blip r:embed="rId21"/>
           <a:stretch>
             <a:fillRect/>
           </a:stretch>
@@ -11364,7 +11056,7 @@
           </a:ln>
           <a:extLst>
             <a:ext uri="{C572A759-6A51-4108-AA02-DFA0A04FC94B}">
-              <ma14:wrappingTextBoxFlag xmlns:ma14="http://schemas.microsoft.com/office/mac/drawingml/2011/main" val="1"/>
+              <ma14:wrappingTextBoxFlag xmlns:ma14="http://schemas.microsoft.com/office/mac/drawingml/2011/main" xmlns:a14="http://schemas.microsoft.com/office/drawing/2010/main" xmlns:m="http://schemas.openxmlformats.org/officeDocument/2006/math" xmlns="" val="1"/>
             </a:ext>
           </a:extLst>
         </p:spPr>
@@ -11377,7 +11069,7 @@
               <a:lnSpc>
                 <a:spcPts val="2600"/>
               </a:lnSpc>
-              <a:defRPr b="1" spc="-61" sz="2700">
+              <a:defRPr sz="2700" b="1" spc="-61">
                 <a:solidFill>
                   <a:srgbClr val="006400"/>
                 </a:solidFill>
@@ -11389,7 +11081,6 @@
             </a:lvl1pPr>
           </a:lstStyle>
           <a:p>
-            <a:pPr/>
             <a:r>
               <a:t>PATTERN ARCHITETTURALI E FRONTEND</a:t>
             </a:r>
@@ -11415,7 +11106,7 @@
           </a:ln>
           <a:extLst>
             <a:ext uri="{C572A759-6A51-4108-AA02-DFA0A04FC94B}">
-              <ma14:wrappingTextBoxFlag xmlns:ma14="http://schemas.microsoft.com/office/mac/drawingml/2011/main" val="1"/>
+              <ma14:wrappingTextBoxFlag xmlns:ma14="http://schemas.microsoft.com/office/mac/drawingml/2011/main" xmlns:a14="http://schemas.microsoft.com/office/drawing/2010/main" xmlns:m="http://schemas.openxmlformats.org/officeDocument/2006/math" xmlns="" val="1"/>
             </a:ext>
           </a:extLst>
         </p:spPr>
@@ -11440,7 +11131,6 @@
             </a:lvl1pPr>
           </a:lstStyle>
           <a:p>
-            <a:pPr/>
             <a:r>
               <a:t>Efficienza nella comunicazione e interfacce utente specializzate</a:t>
             </a:r>
@@ -11466,7 +11156,7 @@
           </a:ln>
           <a:extLst>
             <a:ext uri="{C572A759-6A51-4108-AA02-DFA0A04FC94B}">
-              <ma14:wrappingTextBoxFlag xmlns:ma14="http://schemas.microsoft.com/office/mac/drawingml/2011/main" val="1"/>
+              <ma14:wrappingTextBoxFlag xmlns:ma14="http://schemas.microsoft.com/office/mac/drawingml/2011/main" xmlns:a14="http://schemas.microsoft.com/office/drawing/2010/main" xmlns:m="http://schemas.openxmlformats.org/officeDocument/2006/math" xmlns="" val="1"/>
             </a:ext>
           </a:extLst>
         </p:spPr>
@@ -11479,7 +11169,7 @@
               <a:lnSpc>
                 <a:spcPts val="1800"/>
               </a:lnSpc>
-              <a:defRPr b="1" spc="135" sz="1500">
+              <a:defRPr sz="1500" b="1" spc="135">
                 <a:solidFill>
                   <a:srgbClr val="9CA3AF"/>
                 </a:solidFill>
@@ -11491,7 +11181,6 @@
             </a:lvl1pPr>
           </a:lstStyle>
           <a:p>
-            <a:pPr/>
             <a:r>
               <a:t>CORE DESIGN PATTERNS</a:t>
             </a:r>
@@ -11517,7 +11206,7 @@
           </a:ln>
           <a:extLst>
             <a:ext uri="{C572A759-6A51-4108-AA02-DFA0A04FC94B}">
-              <ma14:wrappingTextBoxFlag xmlns:ma14="http://schemas.microsoft.com/office/mac/drawingml/2011/main" val="1"/>
+              <ma14:wrappingTextBoxFlag xmlns:ma14="http://schemas.microsoft.com/office/mac/drawingml/2011/main" xmlns:a14="http://schemas.microsoft.com/office/drawing/2010/main" xmlns:m="http://schemas.openxmlformats.org/officeDocument/2006/math" xmlns="" val="1"/>
             </a:ext>
           </a:extLst>
         </p:spPr>
@@ -11530,7 +11219,7 @@
               <a:lnSpc>
                 <a:spcPts val="1800"/>
               </a:lnSpc>
-              <a:defRPr b="1" sz="1500">
+              <a:defRPr sz="1500" b="1">
                 <a:solidFill>
                   <a:srgbClr val="006400"/>
                 </a:solidFill>
@@ -11542,7 +11231,6 @@
             </a:lvl1pPr>
           </a:lstStyle>
           <a:p>
-            <a:pPr/>
             <a:r>
               <a:t>Remote Facade</a:t>
             </a:r>
@@ -11568,7 +11256,7 @@
           </a:ln>
           <a:extLst>
             <a:ext uri="{C572A759-6A51-4108-AA02-DFA0A04FC94B}">
-              <ma14:wrappingTextBoxFlag xmlns:ma14="http://schemas.microsoft.com/office/mac/drawingml/2011/main" val="1"/>
+              <ma14:wrappingTextBoxFlag xmlns:ma14="http://schemas.microsoft.com/office/mac/drawingml/2011/main" xmlns:a14="http://schemas.microsoft.com/office/drawing/2010/main" xmlns:m="http://schemas.openxmlformats.org/officeDocument/2006/math" xmlns="" val="1"/>
             </a:ext>
           </a:extLst>
         </p:spPr>
@@ -11593,7 +11281,6 @@
             </a:lvl1pPr>
           </a:lstStyle>
           <a:p>
-            <a:pPr/>
             <a:r>
               <a:t>Espone operazioni aggregate che il controller mappa su pochi endpoint, riducendo le chiamate HTTP e ottimizzando le performance del client.</a:t>
             </a:r>
@@ -11619,7 +11306,7 @@
           </a:ln>
           <a:extLst>
             <a:ext uri="{C572A759-6A51-4108-AA02-DFA0A04FC94B}">
-              <ma14:wrappingTextBoxFlag xmlns:ma14="http://schemas.microsoft.com/office/mac/drawingml/2011/main" val="1"/>
+              <ma14:wrappingTextBoxFlag xmlns:ma14="http://schemas.microsoft.com/office/mac/drawingml/2011/main" xmlns:a14="http://schemas.microsoft.com/office/drawing/2010/main" xmlns:m="http://schemas.openxmlformats.org/officeDocument/2006/math" xmlns="" val="1"/>
             </a:ext>
           </a:extLst>
         </p:spPr>
@@ -11632,7 +11319,7 @@
               <a:lnSpc>
                 <a:spcPts val="1800"/>
               </a:lnSpc>
-              <a:defRPr b="1" sz="1500">
+              <a:defRPr sz="1500" b="1">
                 <a:solidFill>
                   <a:srgbClr val="006400"/>
                 </a:solidFill>
@@ -11644,7 +11331,6 @@
             </a:lvl1pPr>
           </a:lstStyle>
           <a:p>
-            <a:pPr/>
             <a:r>
               <a:t>Command</a:t>
             </a:r>
@@ -11670,7 +11356,7 @@
           </a:ln>
           <a:extLst>
             <a:ext uri="{C572A759-6A51-4108-AA02-DFA0A04FC94B}">
-              <ma14:wrappingTextBoxFlag xmlns:ma14="http://schemas.microsoft.com/office/mac/drawingml/2011/main" val="1"/>
+              <ma14:wrappingTextBoxFlag xmlns:ma14="http://schemas.microsoft.com/office/mac/drawingml/2011/main" xmlns:a14="http://schemas.microsoft.com/office/drawing/2010/main" xmlns:m="http://schemas.openxmlformats.org/officeDocument/2006/math" xmlns="" val="1"/>
             </a:ext>
           </a:extLst>
         </p:spPr>
@@ -11695,7 +11381,6 @@
             </a:lvl1pPr>
           </a:lstStyle>
           <a:p>
-            <a:pPr/>
             <a:r>
               <a:t>Incapsula le azioni di controllo (start/stop simulazione) in oggetti eseguibili, permettendo una gestione robusta delle operazioni utente.</a:t>
             </a:r>
@@ -11721,7 +11406,7 @@
           </a:ln>
           <a:extLst>
             <a:ext uri="{C572A759-6A51-4108-AA02-DFA0A04FC94B}">
-              <ma14:wrappingTextBoxFlag xmlns:ma14="http://schemas.microsoft.com/office/mac/drawingml/2011/main" val="1"/>
+              <ma14:wrappingTextBoxFlag xmlns:ma14="http://schemas.microsoft.com/office/mac/drawingml/2011/main" xmlns:a14="http://schemas.microsoft.com/office/drawing/2010/main" xmlns:m="http://schemas.openxmlformats.org/officeDocument/2006/math" xmlns="" val="1"/>
             </a:ext>
           </a:extLst>
         </p:spPr>
@@ -11734,7 +11419,7 @@
               <a:lnSpc>
                 <a:spcPts val="1800"/>
               </a:lnSpc>
-              <a:defRPr b="1" sz="1500">
+              <a:defRPr sz="1500" b="1">
                 <a:solidFill>
                   <a:srgbClr val="006400"/>
                 </a:solidFill>
@@ -11746,7 +11431,6 @@
             </a:lvl1pPr>
           </a:lstStyle>
           <a:p>
-            <a:pPr/>
             <a:r>
               <a:t>Observer</a:t>
             </a:r>
@@ -11772,7 +11456,7 @@
           </a:ln>
           <a:extLst>
             <a:ext uri="{C572A759-6A51-4108-AA02-DFA0A04FC94B}">
-              <ma14:wrappingTextBoxFlag xmlns:ma14="http://schemas.microsoft.com/office/mac/drawingml/2011/main" val="1"/>
+              <ma14:wrappingTextBoxFlag xmlns:ma14="http://schemas.microsoft.com/office/mac/drawingml/2011/main" xmlns:a14="http://schemas.microsoft.com/office/drawing/2010/main" xmlns:m="http://schemas.openxmlformats.org/officeDocument/2006/math" xmlns="" val="1"/>
             </a:ext>
           </a:extLst>
         </p:spPr>
@@ -11797,7 +11481,6 @@
             </a:lvl1pPr>
           </a:lstStyle>
           <a:p>
-            <a:pPr/>
             <a:r>
               <a:t>Gestisce lo stream SSE (Server-Sent Events). Il server notifica i client in tempo reale senza necessità di polling continuo.</a:t>
             </a:r>
@@ -11823,7 +11506,7 @@
           </a:ln>
           <a:extLst>
             <a:ext uri="{C572A759-6A51-4108-AA02-DFA0A04FC94B}">
-              <ma14:wrappingTextBoxFlag xmlns:ma14="http://schemas.microsoft.com/office/mac/drawingml/2011/main" val="1"/>
+              <ma14:wrappingTextBoxFlag xmlns:ma14="http://schemas.microsoft.com/office/mac/drawingml/2011/main" xmlns:a14="http://schemas.microsoft.com/office/drawing/2010/main" xmlns:m="http://schemas.openxmlformats.org/officeDocument/2006/math" xmlns="" val="1"/>
             </a:ext>
           </a:extLst>
         </p:spPr>
@@ -11836,7 +11519,7 @@
               <a:lnSpc>
                 <a:spcPts val="1800"/>
               </a:lnSpc>
-              <a:defRPr b="1" spc="135" sz="1500">
+              <a:defRPr sz="1500" b="1" spc="135">
                 <a:solidFill>
                   <a:srgbClr val="9CA3AF"/>
                 </a:solidFill>
@@ -11848,7 +11531,6 @@
             </a:lvl1pPr>
           </a:lstStyle>
           <a:p>
-            <a:pPr/>
             <a:r>
               <a:t>TECH STACK FE</a:t>
             </a:r>
@@ -11874,7 +11556,7 @@
           </a:ln>
           <a:extLst>
             <a:ext uri="{C572A759-6A51-4108-AA02-DFA0A04FC94B}">
-              <ma14:wrappingTextBoxFlag xmlns:ma14="http://schemas.microsoft.com/office/mac/drawingml/2011/main" val="1"/>
+              <ma14:wrappingTextBoxFlag xmlns:ma14="http://schemas.microsoft.com/office/mac/drawingml/2011/main" xmlns:a14="http://schemas.microsoft.com/office/drawing/2010/main" xmlns:m="http://schemas.openxmlformats.org/officeDocument/2006/math" xmlns="" val="1"/>
             </a:ext>
           </a:extLst>
         </p:spPr>
@@ -11887,7 +11569,7 @@
               <a:lnSpc>
                 <a:spcPts val="1800"/>
               </a:lnSpc>
-              <a:defRPr b="1" sz="1200">
+              <a:defRPr sz="1200" b="1">
                 <a:solidFill>
                   <a:srgbClr val="374151"/>
                 </a:solidFill>
@@ -11899,7 +11581,6 @@
             </a:lvl1pPr>
           </a:lstStyle>
           <a:p>
-            <a:pPr/>
             <a:r>
               <a:t>React SPA (TypeScript)</a:t>
             </a:r>
@@ -11925,7 +11606,7 @@
           </a:ln>
           <a:extLst>
             <a:ext uri="{C572A759-6A51-4108-AA02-DFA0A04FC94B}">
-              <ma14:wrappingTextBoxFlag xmlns:ma14="http://schemas.microsoft.com/office/mac/drawingml/2011/main" val="1"/>
+              <ma14:wrappingTextBoxFlag xmlns:ma14="http://schemas.microsoft.com/office/mac/drawingml/2011/main" xmlns:a14="http://schemas.microsoft.com/office/drawing/2010/main" xmlns:m="http://schemas.openxmlformats.org/officeDocument/2006/math" xmlns="" val="1"/>
             </a:ext>
           </a:extLst>
         </p:spPr>
@@ -11938,7 +11619,7 @@
               <a:lnSpc>
                 <a:spcPts val="1800"/>
               </a:lnSpc>
-              <a:defRPr b="1" sz="1200">
+              <a:defRPr sz="1200" b="1">
                 <a:solidFill>
                   <a:srgbClr val="374151"/>
                 </a:solidFill>
@@ -11950,7 +11631,6 @@
             </a:lvl1pPr>
           </a:lstStyle>
           <a:p>
-            <a:pPr/>
             <a:r>
               <a:t>Tailwind CSS (Styling)</a:t>
             </a:r>
@@ -11976,7 +11656,7 @@
           </a:ln>
           <a:extLst>
             <a:ext uri="{C572A759-6A51-4108-AA02-DFA0A04FC94B}">
-              <ma14:wrappingTextBoxFlag xmlns:ma14="http://schemas.microsoft.com/office/mac/drawingml/2011/main" val="1"/>
+              <ma14:wrappingTextBoxFlag xmlns:ma14="http://schemas.microsoft.com/office/mac/drawingml/2011/main" xmlns:a14="http://schemas.microsoft.com/office/drawing/2010/main" xmlns:m="http://schemas.openxmlformats.org/officeDocument/2006/math" xmlns="" val="1"/>
             </a:ext>
           </a:extLst>
         </p:spPr>
@@ -11989,7 +11669,7 @@
               <a:lnSpc>
                 <a:spcPts val="1800"/>
               </a:lnSpc>
-              <a:defRPr b="1" sz="1200">
+              <a:defRPr sz="1200" b="1">
                 <a:solidFill>
                   <a:srgbClr val="374151"/>
                 </a:solidFill>
@@ -12001,7 +11681,6 @@
             </a:lvl1pPr>
           </a:lstStyle>
           <a:p>
-            <a:pPr/>
             <a:r>
               <a:t>Vite (Build Tool)</a:t>
             </a:r>
@@ -12027,7 +11706,7 @@
           </a:ln>
           <a:extLst>
             <a:ext uri="{C572A759-6A51-4108-AA02-DFA0A04FC94B}">
-              <ma14:wrappingTextBoxFlag xmlns:ma14="http://schemas.microsoft.com/office/mac/drawingml/2011/main" val="1"/>
+              <ma14:wrappingTextBoxFlag xmlns:ma14="http://schemas.microsoft.com/office/mac/drawingml/2011/main" xmlns:a14="http://schemas.microsoft.com/office/drawing/2010/main" xmlns:m="http://schemas.openxmlformats.org/officeDocument/2006/math" xmlns="" val="1"/>
             </a:ext>
           </a:extLst>
         </p:spPr>
@@ -12040,7 +11719,7 @@
               <a:lnSpc>
                 <a:spcPts val="1800"/>
               </a:lnSpc>
-              <a:defRPr b="1" spc="135" sz="1500">
+              <a:defRPr sz="1500" b="1" spc="135">
                 <a:solidFill>
                   <a:srgbClr val="9CA3AF"/>
                 </a:solidFill>
@@ -12052,7 +11731,6 @@
             </a:lvl1pPr>
           </a:lstStyle>
           <a:p>
-            <a:pPr/>
             <a:r>
               <a:t>DASHBOARD DIFFERENZIATE</a:t>
             </a:r>
@@ -12078,7 +11756,7 @@
           </a:ln>
           <a:extLst>
             <a:ext uri="{C572A759-6A51-4108-AA02-DFA0A04FC94B}">
-              <ma14:wrappingTextBoxFlag xmlns:ma14="http://schemas.microsoft.com/office/mac/drawingml/2011/main" val="1"/>
+              <ma14:wrappingTextBoxFlag xmlns:ma14="http://schemas.microsoft.com/office/mac/drawingml/2011/main" xmlns:a14="http://schemas.microsoft.com/office/drawing/2010/main" xmlns:m="http://schemas.openxmlformats.org/officeDocument/2006/math" xmlns="" val="1"/>
             </a:ext>
           </a:extLst>
         </p:spPr>
@@ -12091,7 +11769,7 @@
               <a:lnSpc>
                 <a:spcPts val="1800"/>
               </a:lnSpc>
-              <a:defRPr b="1" sz="1200">
+              <a:defRPr sz="1200" b="1">
                 <a:solidFill>
                   <a:srgbClr val="1F2937"/>
                 </a:solidFill>
@@ -12103,7 +11781,6 @@
             </a:lvl1pPr>
           </a:lstStyle>
           <a:p>
-            <a:pPr/>
             <a:r>
               <a:t>Ruolo ADMIN</a:t>
             </a:r>
@@ -12129,7 +11806,7 @@
           </a:ln>
           <a:extLst>
             <a:ext uri="{C572A759-6A51-4108-AA02-DFA0A04FC94B}">
-              <ma14:wrappingTextBoxFlag xmlns:ma14="http://schemas.microsoft.com/office/mac/drawingml/2011/main" val="1"/>
+              <ma14:wrappingTextBoxFlag xmlns:ma14="http://schemas.microsoft.com/office/mac/drawingml/2011/main" xmlns:a14="http://schemas.microsoft.com/office/drawing/2010/main" xmlns:m="http://schemas.openxmlformats.org/officeDocument/2006/math" xmlns="" val="1"/>
             </a:ext>
           </a:extLst>
         </p:spPr>
@@ -12154,7 +11831,6 @@
             </a:lvl1pPr>
           </a:lstStyle>
           <a:p>
-            <a:pPr/>
             <a:r>
               <a:t>Controllo simulazione (Avvio/Stop)</a:t>
             </a:r>
@@ -12180,7 +11856,7 @@
           </a:ln>
           <a:extLst>
             <a:ext uri="{C572A759-6A51-4108-AA02-DFA0A04FC94B}">
-              <ma14:wrappingTextBoxFlag xmlns:ma14="http://schemas.microsoft.com/office/mac/drawingml/2011/main" val="1"/>
+              <ma14:wrappingTextBoxFlag xmlns:ma14="http://schemas.microsoft.com/office/mac/drawingml/2011/main" xmlns:a14="http://schemas.microsoft.com/office/drawing/2010/main" xmlns:m="http://schemas.openxmlformats.org/officeDocument/2006/math" xmlns="" val="1"/>
             </a:ext>
           </a:extLst>
         </p:spPr>
@@ -12205,7 +11881,6 @@
             </a:lvl1pPr>
           </a:lstStyle>
           <a:p>
-            <a:pPr/>
             <a:r>
               <a:t>Ingestione dati (Upload CSV)</a:t>
             </a:r>
@@ -12231,7 +11906,7 @@
           </a:ln>
           <a:extLst>
             <a:ext uri="{C572A759-6A51-4108-AA02-DFA0A04FC94B}">
-              <ma14:wrappingTextBoxFlag xmlns:ma14="http://schemas.microsoft.com/office/mac/drawingml/2011/main" val="1"/>
+              <ma14:wrappingTextBoxFlag xmlns:ma14="http://schemas.microsoft.com/office/mac/drawingml/2011/main" xmlns:a14="http://schemas.microsoft.com/office/drawing/2010/main" xmlns:m="http://schemas.openxmlformats.org/officeDocument/2006/math" xmlns="" val="1"/>
             </a:ext>
           </a:extLst>
         </p:spPr>
@@ -12256,7 +11931,6 @@
             </a:lvl1pPr>
           </a:lstStyle>
           <a:p>
-            <a:pPr/>
             <a:r>
               <a:t>Gestione utenti e permessi</a:t>
             </a:r>
@@ -12282,7 +11956,7 @@
           </a:ln>
           <a:extLst>
             <a:ext uri="{C572A759-6A51-4108-AA02-DFA0A04FC94B}">
-              <ma14:wrappingTextBoxFlag xmlns:ma14="http://schemas.microsoft.com/office/mac/drawingml/2011/main" val="1"/>
+              <ma14:wrappingTextBoxFlag xmlns:ma14="http://schemas.microsoft.com/office/mac/drawingml/2011/main" xmlns:a14="http://schemas.microsoft.com/office/drawing/2010/main" xmlns:m="http://schemas.openxmlformats.org/officeDocument/2006/math" xmlns="" val="1"/>
             </a:ext>
           </a:extLst>
         </p:spPr>
@@ -12295,7 +11969,7 @@
               <a:lnSpc>
                 <a:spcPts val="1800"/>
               </a:lnSpc>
-              <a:defRPr b="1" sz="1200">
+              <a:defRPr sz="1200" b="1">
                 <a:solidFill>
                   <a:srgbClr val="1F2937"/>
                 </a:solidFill>
@@ -12307,7 +11981,6 @@
             </a:lvl1pPr>
           </a:lstStyle>
           <a:p>
-            <a:pPr/>
             <a:r>
               <a:t>Ruolo USER</a:t>
             </a:r>
@@ -12333,7 +12006,7 @@
           </a:ln>
           <a:extLst>
             <a:ext uri="{C572A759-6A51-4108-AA02-DFA0A04FC94B}">
-              <ma14:wrappingTextBoxFlag xmlns:ma14="http://schemas.microsoft.com/office/mac/drawingml/2011/main" val="1"/>
+              <ma14:wrappingTextBoxFlag xmlns:ma14="http://schemas.microsoft.com/office/mac/drawingml/2011/main" xmlns:a14="http://schemas.microsoft.com/office/drawing/2010/main" xmlns:m="http://schemas.openxmlformats.org/officeDocument/2006/math" xmlns="" val="1"/>
             </a:ext>
           </a:extLst>
         </p:spPr>
@@ -12358,7 +12031,6 @@
             </a:lvl1pPr>
           </a:lstStyle>
           <a:p>
-            <a:pPr/>
             <a:r>
               <a:t>Monitoraggio in tempo reale</a:t>
             </a:r>
@@ -12384,7 +12056,7 @@
           </a:ln>
           <a:extLst>
             <a:ext uri="{C572A759-6A51-4108-AA02-DFA0A04FC94B}">
-              <ma14:wrappingTextBoxFlag xmlns:ma14="http://schemas.microsoft.com/office/mac/drawingml/2011/main" val="1"/>
+              <ma14:wrappingTextBoxFlag xmlns:ma14="http://schemas.microsoft.com/office/mac/drawingml/2011/main" xmlns:a14="http://schemas.microsoft.com/office/drawing/2010/main" xmlns:m="http://schemas.openxmlformats.org/officeDocument/2006/math" xmlns="" val="1"/>
             </a:ext>
           </a:extLst>
         </p:spPr>
@@ -12409,7 +12081,6 @@
             </a:lvl1pPr>
           </a:lstStyle>
           <a:p>
-            <a:pPr/>
             <a:r>
               <a:t>Visualizzazione trend storici</a:t>
             </a:r>
@@ -12435,7 +12106,7 @@
           </a:ln>
           <a:extLst>
             <a:ext uri="{C572A759-6A51-4108-AA02-DFA0A04FC94B}">
-              <ma14:wrappingTextBoxFlag xmlns:ma14="http://schemas.microsoft.com/office/mac/drawingml/2011/main" val="1"/>
+              <ma14:wrappingTextBoxFlag xmlns:ma14="http://schemas.microsoft.com/office/mac/drawingml/2011/main" xmlns:a14="http://schemas.microsoft.com/office/drawing/2010/main" xmlns:m="http://schemas.openxmlformats.org/officeDocument/2006/math" xmlns="" val="1"/>
             </a:ext>
           </a:extLst>
         </p:spPr>
@@ -12460,7 +12131,6 @@
             </a:lvl1pPr>
           </a:lstStyle>
           <a:p>
-            <a:pPr/>
             <a:r>
               <a:t>Sola lettura (Read-only)</a:t>
             </a:r>
@@ -12486,7 +12156,7 @@
           </a:ln>
           <a:extLst>
             <a:ext uri="{C572A759-6A51-4108-AA02-DFA0A04FC94B}">
-              <ma14:wrappingTextBoxFlag xmlns:ma14="http://schemas.microsoft.com/office/mac/drawingml/2011/main" val="1"/>
+              <ma14:wrappingTextBoxFlag xmlns:ma14="http://schemas.microsoft.com/office/mac/drawingml/2011/main" xmlns:a14="http://schemas.microsoft.com/office/drawing/2010/main" xmlns:m="http://schemas.openxmlformats.org/officeDocument/2006/math" xmlns="" val="1"/>
             </a:ext>
           </a:extLst>
         </p:spPr>
@@ -12499,7 +12169,7 @@
               <a:lnSpc>
                 <a:spcPts val="1000"/>
               </a:lnSpc>
-              <a:defRPr b="1" spc="81" sz="900">
+              <a:defRPr sz="900" b="1" spc="81">
                 <a:solidFill>
                   <a:srgbClr val="FFFFFF"/>
                 </a:solidFill>
@@ -12511,7 +12181,6 @@
             </a:lvl1pPr>
           </a:lstStyle>
           <a:p>
-            <a:pPr/>
             <a:r>
               <a:t>REAL-TIME ENGINE</a:t>
             </a:r>
@@ -12537,7 +12206,7 @@
           </a:ln>
           <a:extLst>
             <a:ext uri="{C572A759-6A51-4108-AA02-DFA0A04FC94B}">
-              <ma14:wrappingTextBoxFlag xmlns:ma14="http://schemas.microsoft.com/office/mac/drawingml/2011/main" val="1"/>
+              <ma14:wrappingTextBoxFlag xmlns:ma14="http://schemas.microsoft.com/office/mac/drawingml/2011/main" xmlns:a14="http://schemas.microsoft.com/office/drawing/2010/main" xmlns:m="http://schemas.openxmlformats.org/officeDocument/2006/math" xmlns="" val="1"/>
             </a:ext>
           </a:extLst>
         </p:spPr>
@@ -12579,22 +12248,23 @@
   <p:clrMapOvr>
     <a:masterClrMapping/>
   </p:clrMapOvr>
-  <p:transition xmlns:p14="http://schemas.microsoft.com/office/powerpoint/2010/main" spd="med" advClick="1"/>
+  <p:transition spd="med"/>
 </p:sld>
 </file>
 
 <file path=ppt/slides/slide7.xml><?xml version="1.0" encoding="utf-8"?>
-<p:sld xmlns:a="http://schemas.openxmlformats.org/drawingml/2006/main" xmlns:r="http://schemas.openxmlformats.org/officeDocument/2006/relationships" xmlns:p="http://schemas.openxmlformats.org/presentationml/2006/main" xmlns:m="http://schemas.openxmlformats.org/officeDocument/2006/math" xmlns:a14="http://schemas.microsoft.com/office/drawing/2010/main" showMasterSp="1" showMasterPhAnim="1">
+<p:sld xmlns:a="http://schemas.openxmlformats.org/drawingml/2006/main" xmlns:r="http://schemas.openxmlformats.org/officeDocument/2006/relationships" xmlns:p="http://schemas.openxmlformats.org/presentationml/2006/main">
   <p:cSld>
     <p:bg>
       <p:bgPr>
         <a:blipFill rotWithShape="1">
           <a:blip r:embed="rId2"/>
-          <a:srcRect l="0" t="0" r="0" b="0"/>
+          <a:srcRect/>
           <a:stretch>
             <a:fillRect/>
           </a:stretch>
         </a:blipFill>
+        <a:effectLst/>
       </p:bgPr>
     </p:bg>
     <p:spTree>
@@ -12620,9 +12290,7 @@
           <p:nvPr/>
         </p:nvPicPr>
         <p:blipFill>
-          <a:blip r:embed="rId2">
-            <a:extLst/>
-          </a:blip>
+          <a:blip r:embed="rId2"/>
           <a:stretch>
             <a:fillRect/>
           </a:stretch>
@@ -12649,9 +12317,7 @@
           <p:nvPr/>
         </p:nvPicPr>
         <p:blipFill>
-          <a:blip r:embed="rId3">
-            <a:extLst/>
-          </a:blip>
+          <a:blip r:embed="rId3"/>
           <a:stretch>
             <a:fillRect/>
           </a:stretch>
@@ -12678,9 +12344,7 @@
           <p:nvPr/>
         </p:nvPicPr>
         <p:blipFill>
-          <a:blip r:embed="rId4">
-            <a:extLst/>
-          </a:blip>
+          <a:blip r:embed="rId4"/>
           <a:stretch>
             <a:fillRect/>
           </a:stretch>
@@ -12707,9 +12371,7 @@
           <p:nvPr/>
         </p:nvPicPr>
         <p:blipFill>
-          <a:blip r:embed="rId5">
-            <a:extLst/>
-          </a:blip>
+          <a:blip r:embed="rId5"/>
           <a:stretch>
             <a:fillRect/>
           </a:stretch>
@@ -12736,9 +12398,7 @@
           <p:nvPr/>
         </p:nvPicPr>
         <p:blipFill>
-          <a:blip r:embed="rId6">
-            <a:extLst/>
-          </a:blip>
+          <a:blip r:embed="rId6"/>
           <a:stretch>
             <a:fillRect/>
           </a:stretch>
@@ -12765,9 +12425,7 @@
           <p:nvPr/>
         </p:nvPicPr>
         <p:blipFill>
-          <a:blip r:embed="rId7">
-            <a:extLst/>
-          </a:blip>
+          <a:blip r:embed="rId7"/>
           <a:stretch>
             <a:fillRect/>
           </a:stretch>
@@ -12794,9 +12452,7 @@
           <p:nvPr/>
         </p:nvPicPr>
         <p:blipFill>
-          <a:blip r:embed="rId8">
-            <a:extLst/>
-          </a:blip>
+          <a:blip r:embed="rId8"/>
           <a:stretch>
             <a:fillRect/>
           </a:stretch>
@@ -12823,9 +12479,7 @@
           <p:nvPr/>
         </p:nvPicPr>
         <p:blipFill>
-          <a:blip r:embed="rId4">
-            <a:extLst/>
-          </a:blip>
+          <a:blip r:embed="rId4"/>
           <a:stretch>
             <a:fillRect/>
           </a:stretch>
@@ -12852,9 +12506,7 @@
           <p:nvPr/>
         </p:nvPicPr>
         <p:blipFill>
-          <a:blip r:embed="rId9">
-            <a:extLst/>
-          </a:blip>
+          <a:blip r:embed="rId9"/>
           <a:stretch>
             <a:fillRect/>
           </a:stretch>
@@ -12881,9 +12533,7 @@
           <p:nvPr/>
         </p:nvPicPr>
         <p:blipFill>
-          <a:blip r:embed="rId10">
-            <a:extLst/>
-          </a:blip>
+          <a:blip r:embed="rId10"/>
           <a:stretch>
             <a:fillRect/>
           </a:stretch>
@@ -12910,9 +12560,7 @@
           <p:nvPr/>
         </p:nvPicPr>
         <p:blipFill>
-          <a:blip r:embed="rId11">
-            <a:extLst/>
-          </a:blip>
+          <a:blip r:embed="rId11"/>
           <a:stretch>
             <a:fillRect/>
           </a:stretch>
@@ -12939,9 +12587,7 @@
           <p:nvPr/>
         </p:nvPicPr>
         <p:blipFill>
-          <a:blip r:embed="rId12">
-            <a:extLst/>
-          </a:blip>
+          <a:blip r:embed="rId12"/>
           <a:stretch>
             <a:fillRect/>
           </a:stretch>
@@ -12978,7 +12624,7 @@
           </a:ln>
           <a:extLst>
             <a:ext uri="{C572A759-6A51-4108-AA02-DFA0A04FC94B}">
-              <ma14:wrappingTextBoxFlag xmlns:ma14="http://schemas.microsoft.com/office/mac/drawingml/2011/main" val="1"/>
+              <ma14:wrappingTextBoxFlag xmlns:ma14="http://schemas.microsoft.com/office/mac/drawingml/2011/main" xmlns:a14="http://schemas.microsoft.com/office/drawing/2010/main" xmlns:m="http://schemas.openxmlformats.org/officeDocument/2006/math" xmlns="" val="1"/>
             </a:ext>
           </a:extLst>
         </p:spPr>
@@ -12991,7 +12637,7 @@
               <a:lnSpc>
                 <a:spcPts val="3000"/>
               </a:lnSpc>
-              <a:defRPr b="1" spc="-54" sz="2700">
+              <a:defRPr sz="2700" b="1" spc="-54">
                 <a:solidFill>
                   <a:srgbClr val="006400"/>
                 </a:solidFill>
@@ -13003,7 +12649,6 @@
             </a:lvl1pPr>
           </a:lstStyle>
           <a:p>
-            <a:pPr/>
             <a:r>
               <a:t>AI, DIGITAL TWIN E ANALISI DATI</a:t>
             </a:r>
@@ -13029,7 +12674,7 @@
           </a:ln>
           <a:extLst>
             <a:ext uri="{C572A759-6A51-4108-AA02-DFA0A04FC94B}">
-              <ma14:wrappingTextBoxFlag xmlns:ma14="http://schemas.microsoft.com/office/mac/drawingml/2011/main" val="1"/>
+              <ma14:wrappingTextBoxFlag xmlns:ma14="http://schemas.microsoft.com/office/mac/drawingml/2011/main" xmlns:a14="http://schemas.microsoft.com/office/drawing/2010/main" xmlns:m="http://schemas.openxmlformats.org/officeDocument/2006/math" xmlns="" val="1"/>
             </a:ext>
           </a:extLst>
         </p:spPr>
@@ -13054,7 +12699,6 @@
             </a:lvl1pPr>
           </a:lstStyle>
           <a:p>
-            <a:pPr/>
             <a:r>
               <a:t>Dall'analisi esplorativa alla predizione neurale in tempo reale</a:t>
             </a:r>
@@ -13080,7 +12724,7 @@
           </a:ln>
           <a:extLst>
             <a:ext uri="{C572A759-6A51-4108-AA02-DFA0A04FC94B}">
-              <ma14:wrappingTextBoxFlag xmlns:ma14="http://schemas.microsoft.com/office/mac/drawingml/2011/main" val="1"/>
+              <ma14:wrappingTextBoxFlag xmlns:ma14="http://schemas.microsoft.com/office/mac/drawingml/2011/main" xmlns:a14="http://schemas.microsoft.com/office/drawing/2010/main" xmlns:m="http://schemas.openxmlformats.org/officeDocument/2006/math" xmlns="" val="1"/>
             </a:ext>
           </a:extLst>
         </p:spPr>
@@ -13105,7 +12749,6 @@
             </a:lvl1pPr>
           </a:lstStyle>
           <a:p>
-            <a:pPr/>
             <a:r>
               <a:t>Architettura LSTM</a:t>
             </a:r>
@@ -13131,7 +12774,7 @@
           </a:ln>
           <a:extLst>
             <a:ext uri="{C572A759-6A51-4108-AA02-DFA0A04FC94B}">
-              <ma14:wrappingTextBoxFlag xmlns:ma14="http://schemas.microsoft.com/office/mac/drawingml/2011/main" val="1"/>
+              <ma14:wrappingTextBoxFlag xmlns:ma14="http://schemas.microsoft.com/office/mac/drawingml/2011/main" xmlns:a14="http://schemas.microsoft.com/office/drawing/2010/main" xmlns:m="http://schemas.openxmlformats.org/officeDocument/2006/math" xmlns="" val="1"/>
             </a:ext>
           </a:extLst>
         </p:spPr>
@@ -13144,7 +12787,7 @@
               <a:lnSpc>
                 <a:spcPts val="1800"/>
               </a:lnSpc>
-              <a:defRPr b="1" sz="1200">
+              <a:defRPr sz="1200" b="1">
                 <a:latin typeface="Inter"/>
                 <a:ea typeface="Inter"/>
                 <a:cs typeface="Inter"/>
@@ -13153,7 +12796,6 @@
             </a:lvl1pPr>
           </a:lstStyle>
           <a:p>
-            <a:pPr/>
             <a:r>
               <a:t>Finestra Temporale:</a:t>
             </a:r>
@@ -13179,7 +12821,7 @@
           </a:ln>
           <a:extLst>
             <a:ext uri="{C572A759-6A51-4108-AA02-DFA0A04FC94B}">
-              <ma14:wrappingTextBoxFlag xmlns:ma14="http://schemas.microsoft.com/office/mac/drawingml/2011/main" val="1"/>
+              <ma14:wrappingTextBoxFlag xmlns:ma14="http://schemas.microsoft.com/office/mac/drawingml/2011/main" xmlns:a14="http://schemas.microsoft.com/office/drawing/2010/main" xmlns:m="http://schemas.openxmlformats.org/officeDocument/2006/math" xmlns="" val="1"/>
             </a:ext>
           </a:extLst>
         </p:spPr>
@@ -13204,7 +12846,6 @@
             </a:lvl1pPr>
           </a:lstStyle>
           <a:p>
-            <a:pPr/>
             <a:r>
               <a:t>Utilizzo di 12 timestep (ore) passati per predire il consumo dell'ora successiva.</a:t>
             </a:r>
@@ -13230,7 +12871,7 @@
           </a:ln>
           <a:extLst>
             <a:ext uri="{C572A759-6A51-4108-AA02-DFA0A04FC94B}">
-              <ma14:wrappingTextBoxFlag xmlns:ma14="http://schemas.microsoft.com/office/mac/drawingml/2011/main" val="1"/>
+              <ma14:wrappingTextBoxFlag xmlns:ma14="http://schemas.microsoft.com/office/mac/drawingml/2011/main" xmlns:a14="http://schemas.microsoft.com/office/drawing/2010/main" xmlns:m="http://schemas.openxmlformats.org/officeDocument/2006/math" xmlns="" val="1"/>
             </a:ext>
           </a:extLst>
         </p:spPr>
@@ -13243,7 +12884,7 @@
               <a:lnSpc>
                 <a:spcPts val="1800"/>
               </a:lnSpc>
-              <a:defRPr b="1" sz="1200">
+              <a:defRPr sz="1200" b="1">
                 <a:latin typeface="Inter"/>
                 <a:ea typeface="Inter"/>
                 <a:cs typeface="Inter"/>
@@ -13252,7 +12893,6 @@
             </a:lvl1pPr>
           </a:lstStyle>
           <a:p>
-            <a:pPr/>
             <a:r>
               <a:t>Input Feature:</a:t>
             </a:r>
@@ -13278,7 +12918,7 @@
           </a:ln>
           <a:extLst>
             <a:ext uri="{C572A759-6A51-4108-AA02-DFA0A04FC94B}">
-              <ma14:wrappingTextBoxFlag xmlns:ma14="http://schemas.microsoft.com/office/mac/drawingml/2011/main" val="1"/>
+              <ma14:wrappingTextBoxFlag xmlns:ma14="http://schemas.microsoft.com/office/mac/drawingml/2011/main" xmlns:a14="http://schemas.microsoft.com/office/drawing/2010/main" xmlns:m="http://schemas.openxmlformats.org/officeDocument/2006/math" xmlns="" val="1"/>
             </a:ext>
           </a:extLst>
         </p:spPr>
@@ -13303,7 +12943,6 @@
             </a:lvl1pPr>
           </a:lstStyle>
           <a:p>
-            <a:pPr/>
             <a:r>
               <a:t>Temperatura, umidità, occupanza e storico consumi normalizzati.</a:t>
             </a:r>
@@ -13329,7 +12968,7 @@
           </a:ln>
           <a:extLst>
             <a:ext uri="{C572A759-6A51-4108-AA02-DFA0A04FC94B}">
-              <ma14:wrappingTextBoxFlag xmlns:ma14="http://schemas.microsoft.com/office/mac/drawingml/2011/main" val="1"/>
+              <ma14:wrappingTextBoxFlag xmlns:ma14="http://schemas.microsoft.com/office/mac/drawingml/2011/main" xmlns:a14="http://schemas.microsoft.com/office/drawing/2010/main" xmlns:m="http://schemas.openxmlformats.org/officeDocument/2006/math" xmlns="" val="1"/>
             </a:ext>
           </a:extLst>
         </p:spPr>
@@ -13342,7 +12981,7 @@
               <a:lnSpc>
                 <a:spcPts val="1800"/>
               </a:lnSpc>
-              <a:defRPr b="1" sz="1200">
+              <a:defRPr sz="1200" b="1">
                 <a:latin typeface="Inter"/>
                 <a:ea typeface="Inter"/>
                 <a:cs typeface="Inter"/>
@@ -13351,7 +12990,6 @@
             </a:lvl1pPr>
           </a:lstStyle>
           <a:p>
-            <a:pPr/>
             <a:r>
               <a:t>Soglia Anomalia:</a:t>
             </a:r>
@@ -13377,7 +13015,7 @@
           </a:ln>
           <a:extLst>
             <a:ext uri="{C572A759-6A51-4108-AA02-DFA0A04FC94B}">
-              <ma14:wrappingTextBoxFlag xmlns:ma14="http://schemas.microsoft.com/office/mac/drawingml/2011/main" val="1"/>
+              <ma14:wrappingTextBoxFlag xmlns:ma14="http://schemas.microsoft.com/office/mac/drawingml/2011/main" xmlns:a14="http://schemas.microsoft.com/office/drawing/2010/main" xmlns:m="http://schemas.openxmlformats.org/officeDocument/2006/math" xmlns="" val="1"/>
             </a:ext>
           </a:extLst>
         </p:spPr>
@@ -13402,7 +13040,6 @@
             </a:lvl1pPr>
           </a:lstStyle>
           <a:p>
-            <a:pPr/>
             <a:r>
               <a:t>Deviazione &gt; 2.5 MAE tra valore reale e predetto attiva un alert immediato.</a:t>
             </a:r>
@@ -13428,7 +13065,7 @@
           </a:ln>
           <a:extLst>
             <a:ext uri="{C572A759-6A51-4108-AA02-DFA0A04FC94B}">
-              <ma14:wrappingTextBoxFlag xmlns:ma14="http://schemas.microsoft.com/office/mac/drawingml/2011/main" val="1"/>
+              <ma14:wrappingTextBoxFlag xmlns:ma14="http://schemas.microsoft.com/office/mac/drawingml/2011/main" xmlns:a14="http://schemas.microsoft.com/office/drawing/2010/main" xmlns:m="http://schemas.openxmlformats.org/officeDocument/2006/math" xmlns="" val="1"/>
             </a:ext>
           </a:extLst>
         </p:spPr>
@@ -13453,7 +13090,6 @@
             </a:lvl1pPr>
           </a:lstStyle>
           <a:p>
-            <a:pPr/>
             <a:r>
               <a:t>Analisi Esplorativa (EDA)</a:t>
             </a:r>
@@ -13479,7 +13115,7 @@
           </a:ln>
           <a:extLst>
             <a:ext uri="{C572A759-6A51-4108-AA02-DFA0A04FC94B}">
-              <ma14:wrappingTextBoxFlag xmlns:ma14="http://schemas.microsoft.com/office/mac/drawingml/2011/main" val="1"/>
+              <ma14:wrappingTextBoxFlag xmlns:ma14="http://schemas.microsoft.com/office/mac/drawingml/2011/main" xmlns:a14="http://schemas.microsoft.com/office/drawing/2010/main" xmlns:m="http://schemas.openxmlformats.org/officeDocument/2006/math" xmlns="" val="1"/>
             </a:ext>
           </a:extLst>
         </p:spPr>
@@ -13492,7 +13128,7 @@
               <a:lnSpc>
                 <a:spcPts val="1800"/>
               </a:lnSpc>
-              <a:defRPr b="1" sz="1200">
+              <a:defRPr sz="1200" b="1">
                 <a:latin typeface="Inter"/>
                 <a:ea typeface="Inter"/>
                 <a:cs typeface="Inter"/>
@@ -13501,7 +13137,6 @@
             </a:lvl1pPr>
           </a:lstStyle>
           <a:p>
-            <a:pPr/>
             <a:r>
               <a:t>Encoding Ciclico:</a:t>
             </a:r>
@@ -13527,7 +13162,7 @@
           </a:ln>
           <a:extLst>
             <a:ext uri="{C572A759-6A51-4108-AA02-DFA0A04FC94B}">
-              <ma14:wrappingTextBoxFlag xmlns:ma14="http://schemas.microsoft.com/office/mac/drawingml/2011/main" val="1"/>
+              <ma14:wrappingTextBoxFlag xmlns:ma14="http://schemas.microsoft.com/office/mac/drawingml/2011/main" xmlns:a14="http://schemas.microsoft.com/office/drawing/2010/main" xmlns:m="http://schemas.openxmlformats.org/officeDocument/2006/math" xmlns="" val="1"/>
             </a:ext>
           </a:extLst>
         </p:spPr>
@@ -13552,7 +13187,6 @@
             </a:lvl1pPr>
           </a:lstStyle>
           <a:p>
-            <a:pPr/>
             <a:r>
               <a:t>Trasformazione Sin/Cos per catturare la stagionalità di ore, giorni e mesi.</a:t>
             </a:r>
@@ -13578,7 +13212,7 @@
           </a:ln>
           <a:extLst>
             <a:ext uri="{C572A759-6A51-4108-AA02-DFA0A04FC94B}">
-              <ma14:wrappingTextBoxFlag xmlns:ma14="http://schemas.microsoft.com/office/mac/drawingml/2011/main" val="1"/>
+              <ma14:wrappingTextBoxFlag xmlns:ma14="http://schemas.microsoft.com/office/mac/drawingml/2011/main" xmlns:a14="http://schemas.microsoft.com/office/drawing/2010/main" xmlns:m="http://schemas.openxmlformats.org/officeDocument/2006/math" xmlns="" val="1"/>
             </a:ext>
           </a:extLst>
         </p:spPr>
@@ -13591,7 +13225,7 @@
               <a:lnSpc>
                 <a:spcPts val="1800"/>
               </a:lnSpc>
-              <a:defRPr b="1" sz="1200">
+              <a:defRPr sz="1200" b="1">
                 <a:latin typeface="Inter"/>
                 <a:ea typeface="Inter"/>
                 <a:cs typeface="Inter"/>
@@ -13600,7 +13234,6 @@
             </a:lvl1pPr>
           </a:lstStyle>
           <a:p>
-            <a:pPr/>
             <a:r>
               <a:t>Coerenza Ricerca-Produzione:</a:t>
             </a:r>
@@ -13626,7 +13259,7 @@
           </a:ln>
           <a:extLst>
             <a:ext uri="{C572A759-6A51-4108-AA02-DFA0A04FC94B}">
-              <ma14:wrappingTextBoxFlag xmlns:ma14="http://schemas.microsoft.com/office/mac/drawingml/2011/main" val="1"/>
+              <ma14:wrappingTextBoxFlag xmlns:ma14="http://schemas.microsoft.com/office/mac/drawingml/2011/main" xmlns:a14="http://schemas.microsoft.com/office/drawing/2010/main" xmlns:m="http://schemas.openxmlformats.org/officeDocument/2006/math" xmlns="" val="1"/>
             </a:ext>
           </a:extLst>
         </p:spPr>
@@ -13651,7 +13284,6 @@
             </a:lvl1pPr>
           </a:lstStyle>
           <a:p>
-            <a:pPr/>
             <a:r>
               <a:t>Pre-processing identico tra notebook Python e backend Java/AI service.</a:t>
             </a:r>
@@ -13677,7 +13309,7 @@
           </a:ln>
           <a:extLst>
             <a:ext uri="{C572A759-6A51-4108-AA02-DFA0A04FC94B}">
-              <ma14:wrappingTextBoxFlag xmlns:ma14="http://schemas.microsoft.com/office/mac/drawingml/2011/main" val="1"/>
+              <ma14:wrappingTextBoxFlag xmlns:ma14="http://schemas.microsoft.com/office/mac/drawingml/2011/main" xmlns:a14="http://schemas.microsoft.com/office/drawing/2010/main" xmlns:m="http://schemas.openxmlformats.org/officeDocument/2006/math" xmlns="" val="1"/>
             </a:ext>
           </a:extLst>
         </p:spPr>
@@ -13690,7 +13322,7 @@
               <a:lnSpc>
                 <a:spcPts val="1800"/>
               </a:lnSpc>
-              <a:defRPr b="1" sz="1200">
+              <a:defRPr sz="1200" b="1">
                 <a:latin typeface="Inter"/>
                 <a:ea typeface="Inter"/>
                 <a:cs typeface="Inter"/>
@@ -13699,7 +13331,6 @@
             </a:lvl1pPr>
           </a:lstStyle>
           <a:p>
-            <a:pPr/>
             <a:r>
               <a:t>Baseline MAE:</a:t>
             </a:r>
@@ -13725,7 +13356,7 @@
           </a:ln>
           <a:extLst>
             <a:ext uri="{C572A759-6A51-4108-AA02-DFA0A04FC94B}">
-              <ma14:wrappingTextBoxFlag xmlns:ma14="http://schemas.microsoft.com/office/mac/drawingml/2011/main" val="1"/>
+              <ma14:wrappingTextBoxFlag xmlns:ma14="http://schemas.microsoft.com/office/mac/drawingml/2011/main" xmlns:a14="http://schemas.microsoft.com/office/drawing/2010/main" xmlns:m="http://schemas.openxmlformats.org/officeDocument/2006/math" xmlns="" val="1"/>
             </a:ext>
           </a:extLst>
         </p:spPr>
@@ -13750,7 +13381,6 @@
             </a:lvl1pPr>
           </a:lstStyle>
           <a:p>
-            <a:pPr/>
             <a:r>
               <a:t>Validazione offline tramite PyTorch per definire i parametri del Digital Twin.</a:t>
             </a:r>
@@ -13762,12 +13392,12 @@
   <p:clrMapOvr>
     <a:masterClrMapping/>
   </p:clrMapOvr>
-  <p:transition xmlns:p14="http://schemas.microsoft.com/office/powerpoint/2010/main" spd="med" advClick="1"/>
+  <p:transition spd="med"/>
 </p:sld>
 </file>
 
 <file path=ppt/slides/slide8.xml><?xml version="1.0" encoding="utf-8"?>
-<p:sld xmlns:a="http://schemas.openxmlformats.org/drawingml/2006/main" xmlns:r="http://schemas.openxmlformats.org/officeDocument/2006/relationships" xmlns:p="http://schemas.openxmlformats.org/presentationml/2006/main" xmlns:m="http://schemas.openxmlformats.org/officeDocument/2006/math" xmlns:a14="http://schemas.microsoft.com/office/drawing/2010/main" showMasterSp="1" showMasterPhAnim="1">
+<p:sld xmlns:a="http://schemas.openxmlformats.org/drawingml/2006/main" xmlns:r="http://schemas.openxmlformats.org/officeDocument/2006/relationships" xmlns:p="http://schemas.openxmlformats.org/presentationml/2006/main">
   <p:cSld>
     <p:spTree>
       <p:nvGrpSpPr>
@@ -13802,7 +13432,7 @@
           </a:ln>
           <a:extLst>
             <a:ext uri="{C572A759-6A51-4108-AA02-DFA0A04FC94B}">
-              <ma14:wrappingTextBoxFlag xmlns:ma14="http://schemas.microsoft.com/office/mac/drawingml/2011/main" val="1"/>
+              <ma14:wrappingTextBoxFlag xmlns:ma14="http://schemas.microsoft.com/office/mac/drawingml/2011/main" xmlns:a14="http://schemas.microsoft.com/office/drawing/2010/main" xmlns:m="http://schemas.openxmlformats.org/officeDocument/2006/math" xmlns="" val="1"/>
             </a:ext>
           </a:extLst>
         </p:spPr>
@@ -13815,7 +13445,7 @@
               <a:lnSpc>
                 <a:spcPts val="2100"/>
               </a:lnSpc>
-              <a:defRPr b="1" spc="108" sz="1300">
+              <a:defRPr sz="1300" b="1" spc="108">
                 <a:solidFill>
                   <a:srgbClr val="9CA3AF"/>
                 </a:solidFill>
@@ -13827,7 +13457,6 @@
             </a:lvl1pPr>
           </a:lstStyle>
           <a:p>
-            <a:pPr/>
             <a:r>
               <a:t>SIMULAZIONE PREDIZIONE VS ANOMALIA</a:t>
             </a:r>
@@ -13843,9 +13472,7 @@
           <p:nvPr/>
         </p:nvPicPr>
         <p:blipFill>
-          <a:blip r:embed="rId2">
-            <a:extLst/>
-          </a:blip>
+          <a:blip r:embed="rId2"/>
           <a:stretch>
             <a:fillRect/>
           </a:stretch>
@@ -13868,22 +13495,23 @@
   <p:clrMapOvr>
     <a:masterClrMapping/>
   </p:clrMapOvr>
-  <p:transition xmlns:p14="http://schemas.microsoft.com/office/powerpoint/2010/main" spd="med" advClick="1"/>
+  <p:transition spd="med"/>
 </p:sld>
 </file>
 
 <file path=ppt/slides/slide9.xml><?xml version="1.0" encoding="utf-8"?>
-<p:sld xmlns:a="http://schemas.openxmlformats.org/drawingml/2006/main" xmlns:r="http://schemas.openxmlformats.org/officeDocument/2006/relationships" xmlns:p="http://schemas.openxmlformats.org/presentationml/2006/main" xmlns:m="http://schemas.openxmlformats.org/officeDocument/2006/math" xmlns:a14="http://schemas.microsoft.com/office/drawing/2010/main" showMasterSp="1" showMasterPhAnim="1">
+<p:sld xmlns:a="http://schemas.openxmlformats.org/drawingml/2006/main" xmlns:r="http://schemas.openxmlformats.org/officeDocument/2006/relationships" xmlns:p="http://schemas.openxmlformats.org/presentationml/2006/main">
   <p:cSld>
     <p:bg>
       <p:bgPr>
         <a:blipFill rotWithShape="1">
           <a:blip r:embed="rId2"/>
-          <a:srcRect l="0" t="0" r="0" b="0"/>
+          <a:srcRect/>
           <a:stretch>
             <a:fillRect/>
           </a:stretch>
         </a:blipFill>
+        <a:effectLst/>
       </p:bgPr>
     </p:bg>
     <p:spTree>
@@ -13909,9 +13537,7 @@
           <p:nvPr/>
         </p:nvPicPr>
         <p:blipFill>
-          <a:blip r:embed="rId3">
-            <a:extLst/>
-          </a:blip>
+          <a:blip r:embed="rId3"/>
           <a:stretch>
             <a:fillRect/>
           </a:stretch>
@@ -13938,9 +13564,7 @@
           <p:nvPr/>
         </p:nvPicPr>
         <p:blipFill>
-          <a:blip r:embed="rId4">
-            <a:extLst/>
-          </a:blip>
+          <a:blip r:embed="rId4"/>
           <a:stretch>
             <a:fillRect/>
           </a:stretch>
@@ -13967,9 +13591,7 @@
           <p:nvPr/>
         </p:nvPicPr>
         <p:blipFill>
-          <a:blip r:embed="rId5">
-            <a:extLst/>
-          </a:blip>
+          <a:blip r:embed="rId5"/>
           <a:stretch>
             <a:fillRect/>
           </a:stretch>
@@ -13996,9 +13618,7 @@
           <p:nvPr/>
         </p:nvPicPr>
         <p:blipFill>
-          <a:blip r:embed="rId6">
-            <a:extLst/>
-          </a:blip>
+          <a:blip r:embed="rId6"/>
           <a:stretch>
             <a:fillRect/>
           </a:stretch>
@@ -14025,9 +13645,7 @@
           <p:nvPr/>
         </p:nvPicPr>
         <p:blipFill>
-          <a:blip r:embed="rId7">
-            <a:extLst/>
-          </a:blip>
+          <a:blip r:embed="rId7"/>
           <a:stretch>
             <a:fillRect/>
           </a:stretch>
@@ -14054,9 +13672,7 @@
           <p:nvPr/>
         </p:nvPicPr>
         <p:blipFill>
-          <a:blip r:embed="rId8">
-            <a:extLst/>
-          </a:blip>
+          <a:blip r:embed="rId8"/>
           <a:stretch>
             <a:fillRect/>
           </a:stretch>
@@ -14083,9 +13699,7 @@
           <p:nvPr/>
         </p:nvPicPr>
         <p:blipFill>
-          <a:blip r:embed="rId4">
-            <a:extLst/>
-          </a:blip>
+          <a:blip r:embed="rId4"/>
           <a:stretch>
             <a:fillRect/>
           </a:stretch>
@@ -14112,9 +13726,7 @@
           <p:nvPr/>
         </p:nvPicPr>
         <p:blipFill>
-          <a:blip r:embed="rId9">
-            <a:extLst/>
-          </a:blip>
+          <a:blip r:embed="rId9"/>
           <a:stretch>
             <a:fillRect/>
           </a:stretch>
@@ -14141,9 +13753,7 @@
           <p:nvPr/>
         </p:nvPicPr>
         <p:blipFill>
-          <a:blip r:embed="rId10">
-            <a:extLst/>
-          </a:blip>
+          <a:blip r:embed="rId10"/>
           <a:stretch>
             <a:fillRect/>
           </a:stretch>
@@ -14170,9 +13780,7 @@
           <p:nvPr/>
         </p:nvPicPr>
         <p:blipFill>
-          <a:blip r:embed="rId11">
-            <a:extLst/>
-          </a:blip>
+          <a:blip r:embed="rId11"/>
           <a:stretch>
             <a:fillRect/>
           </a:stretch>
@@ -14199,9 +13807,7 @@
           <p:nvPr/>
         </p:nvPicPr>
         <p:blipFill>
-          <a:blip r:embed="rId12">
-            <a:extLst/>
-          </a:blip>
+          <a:blip r:embed="rId12"/>
           <a:stretch>
             <a:fillRect/>
           </a:stretch>
@@ -14228,9 +13834,7 @@
           <p:nvPr/>
         </p:nvPicPr>
         <p:blipFill>
-          <a:blip r:embed="rId13">
-            <a:extLst/>
-          </a:blip>
+          <a:blip r:embed="rId13"/>
           <a:stretch>
             <a:fillRect/>
           </a:stretch>
@@ -14257,9 +13861,7 @@
           <p:nvPr/>
         </p:nvPicPr>
         <p:blipFill>
-          <a:blip r:embed="rId14">
-            <a:extLst/>
-          </a:blip>
+          <a:blip r:embed="rId14"/>
           <a:stretch>
             <a:fillRect/>
           </a:stretch>
@@ -14286,9 +13888,7 @@
           <p:nvPr/>
         </p:nvPicPr>
         <p:blipFill>
-          <a:blip r:embed="rId15">
-            <a:extLst/>
-          </a:blip>
+          <a:blip r:embed="rId15"/>
           <a:stretch>
             <a:fillRect/>
           </a:stretch>
@@ -14315,9 +13915,7 @@
           <p:nvPr/>
         </p:nvPicPr>
         <p:blipFill>
-          <a:blip r:embed="rId16">
-            <a:extLst/>
-          </a:blip>
+          <a:blip r:embed="rId16"/>
           <a:stretch>
             <a:fillRect/>
           </a:stretch>
@@ -14354,7 +13952,7 @@
           </a:ln>
           <a:extLst>
             <a:ext uri="{C572A759-6A51-4108-AA02-DFA0A04FC94B}">
-              <ma14:wrappingTextBoxFlag xmlns:ma14="http://schemas.microsoft.com/office/mac/drawingml/2011/main" val="1"/>
+              <ma14:wrappingTextBoxFlag xmlns:ma14="http://schemas.microsoft.com/office/mac/drawingml/2011/main" xmlns:a14="http://schemas.microsoft.com/office/drawing/2010/main" xmlns:m="http://schemas.openxmlformats.org/officeDocument/2006/math" xmlns="" val="1"/>
             </a:ext>
           </a:extLst>
         </p:spPr>
@@ -14367,7 +13965,7 @@
               <a:lnSpc>
                 <a:spcPts val="3000"/>
               </a:lnSpc>
-              <a:defRPr b="1" spc="-54" sz="2700">
+              <a:defRPr sz="2700" b="1" spc="-54">
                 <a:solidFill>
                   <a:srgbClr val="006400"/>
                 </a:solidFill>
@@ -14379,7 +13977,6 @@
             </a:lvl1pPr>
           </a:lstStyle>
           <a:p>
-            <a:pPr/>
             <a:r>
               <a:t>SICUREZZA E GESTIONE ACCESSI</a:t>
             </a:r>
@@ -14405,7 +14002,7 @@
           </a:ln>
           <a:extLst>
             <a:ext uri="{C572A759-6A51-4108-AA02-DFA0A04FC94B}">
-              <ma14:wrappingTextBoxFlag xmlns:ma14="http://schemas.microsoft.com/office/mac/drawingml/2011/main" val="1"/>
+              <ma14:wrappingTextBoxFlag xmlns:ma14="http://schemas.microsoft.com/office/mac/drawingml/2011/main" xmlns:a14="http://schemas.microsoft.com/office/drawing/2010/main" xmlns:m="http://schemas.openxmlformats.org/officeDocument/2006/math" xmlns="" val="1"/>
             </a:ext>
           </a:extLst>
         </p:spPr>
@@ -14430,7 +14027,6 @@
             </a:lvl1pPr>
           </a:lstStyle>
           <a:p>
-            <a:pPr/>
             <a:r>
               <a:t>Protezione del sistema e integrità dei dati tramite protocolli standard</a:t>
             </a:r>
@@ -14456,7 +14052,7 @@
           </a:ln>
           <a:extLst>
             <a:ext uri="{C572A759-6A51-4108-AA02-DFA0A04FC94B}">
-              <ma14:wrappingTextBoxFlag xmlns:ma14="http://schemas.microsoft.com/office/mac/drawingml/2011/main" val="1"/>
+              <ma14:wrappingTextBoxFlag xmlns:ma14="http://schemas.microsoft.com/office/mac/drawingml/2011/main" xmlns:a14="http://schemas.microsoft.com/office/drawing/2010/main" xmlns:m="http://schemas.openxmlformats.org/officeDocument/2006/math" xmlns="" val="1"/>
             </a:ext>
           </a:extLst>
         </p:spPr>
@@ -14469,7 +14065,7 @@
               <a:lnSpc>
                 <a:spcPts val="2100"/>
               </a:lnSpc>
-              <a:defRPr b="1" sz="1500">
+              <a:defRPr sz="1500" b="1">
                 <a:solidFill>
                   <a:srgbClr val="006400"/>
                 </a:solidFill>
@@ -14481,7 +14077,6 @@
             </a:lvl1pPr>
           </a:lstStyle>
           <a:p>
-            <a:pPr/>
             <a:r>
               <a:t>Autenticazione JWT Stateless</a:t>
             </a:r>
@@ -14507,7 +14102,7 @@
           </a:ln>
           <a:extLst>
             <a:ext uri="{C572A759-6A51-4108-AA02-DFA0A04FC94B}">
-              <ma14:wrappingTextBoxFlag xmlns:ma14="http://schemas.microsoft.com/office/mac/drawingml/2011/main" val="1"/>
+              <ma14:wrappingTextBoxFlag xmlns:ma14="http://schemas.microsoft.com/office/mac/drawingml/2011/main" xmlns:a14="http://schemas.microsoft.com/office/drawing/2010/main" xmlns:m="http://schemas.openxmlformats.org/officeDocument/2006/math" xmlns="" val="1"/>
             </a:ext>
           </a:extLst>
         </p:spPr>
@@ -14532,7 +14127,6 @@
             </a:lvl1pPr>
           </a:lstStyle>
           <a:p>
-            <a:pPr/>
             <a:r>
               <a:t>Token firmato crittograficamente emesso al login. Consente una scalabilità orizzontale non richiedendo sessioni lato server.</a:t>
             </a:r>
@@ -14558,7 +14152,7 @@
           </a:ln>
           <a:extLst>
             <a:ext uri="{C572A759-6A51-4108-AA02-DFA0A04FC94B}">
-              <ma14:wrappingTextBoxFlag xmlns:ma14="http://schemas.microsoft.com/office/mac/drawingml/2011/main" val="1"/>
+              <ma14:wrappingTextBoxFlag xmlns:ma14="http://schemas.microsoft.com/office/mac/drawingml/2011/main" xmlns:a14="http://schemas.microsoft.com/office/drawing/2010/main" xmlns:m="http://schemas.openxmlformats.org/officeDocument/2006/math" xmlns="" val="1"/>
             </a:ext>
           </a:extLst>
         </p:spPr>
@@ -14583,7 +14177,6 @@
             </a:lvl1pPr>
           </a:lstStyle>
           <a:p>
-            <a:pPr/>
             <a:r>
               <a:t>Header</a:t>
             </a:r>
@@ -14609,7 +14202,7 @@
           </a:ln>
           <a:extLst>
             <a:ext uri="{C572A759-6A51-4108-AA02-DFA0A04FC94B}">
-              <ma14:wrappingTextBoxFlag xmlns:ma14="http://schemas.microsoft.com/office/mac/drawingml/2011/main" val="1"/>
+              <ma14:wrappingTextBoxFlag xmlns:ma14="http://schemas.microsoft.com/office/mac/drawingml/2011/main" xmlns:a14="http://schemas.microsoft.com/office/drawing/2010/main" xmlns:m="http://schemas.openxmlformats.org/officeDocument/2006/math" xmlns="" val="1"/>
             </a:ext>
           </a:extLst>
         </p:spPr>
@@ -14634,7 +14227,6 @@
             </a:lvl1pPr>
           </a:lstStyle>
           <a:p>
-            <a:pPr/>
             <a:r>
               <a:t>Payload</a:t>
             </a:r>
@@ -14660,7 +14252,7 @@
           </a:ln>
           <a:extLst>
             <a:ext uri="{C572A759-6A51-4108-AA02-DFA0A04FC94B}">
-              <ma14:wrappingTextBoxFlag xmlns:ma14="http://schemas.microsoft.com/office/mac/drawingml/2011/main" val="1"/>
+              <ma14:wrappingTextBoxFlag xmlns:ma14="http://schemas.microsoft.com/office/mac/drawingml/2011/main" xmlns:a14="http://schemas.microsoft.com/office/drawing/2010/main" xmlns:m="http://schemas.openxmlformats.org/officeDocument/2006/math" xmlns="" val="1"/>
             </a:ext>
           </a:extLst>
         </p:spPr>
@@ -14685,7 +14277,6 @@
             </a:lvl1pPr>
           </a:lstStyle>
           <a:p>
-            <a:pPr/>
             <a:r>
               <a:t>Signature</a:t>
             </a:r>
@@ -14711,7 +14302,7 @@
           </a:ln>
           <a:extLst>
             <a:ext uri="{C572A759-6A51-4108-AA02-DFA0A04FC94B}">
-              <ma14:wrappingTextBoxFlag xmlns:ma14="http://schemas.microsoft.com/office/mac/drawingml/2011/main" val="1"/>
+              <ma14:wrappingTextBoxFlag xmlns:ma14="http://schemas.microsoft.com/office/mac/drawingml/2011/main" xmlns:a14="http://schemas.microsoft.com/office/drawing/2010/main" xmlns:m="http://schemas.openxmlformats.org/officeDocument/2006/math" xmlns="" val="1"/>
             </a:ext>
           </a:extLst>
         </p:spPr>
@@ -14724,7 +14315,7 @@
               <a:lnSpc>
                 <a:spcPts val="2100"/>
               </a:lnSpc>
-              <a:defRPr b="1" sz="1500">
+              <a:defRPr sz="1500" b="1">
                 <a:solidFill>
                   <a:srgbClr val="006400"/>
                 </a:solidFill>
@@ -14736,7 +14327,6 @@
             </a:lvl1pPr>
           </a:lstStyle>
           <a:p>
-            <a:pPr/>
             <a:r>
               <a:t>Hashing con BCrypt</a:t>
             </a:r>
@@ -14762,7 +14352,7 @@
           </a:ln>
           <a:extLst>
             <a:ext uri="{C572A759-6A51-4108-AA02-DFA0A04FC94B}">
-              <ma14:wrappingTextBoxFlag xmlns:ma14="http://schemas.microsoft.com/office/mac/drawingml/2011/main" val="1"/>
+              <ma14:wrappingTextBoxFlag xmlns:ma14="http://schemas.microsoft.com/office/mac/drawingml/2011/main" xmlns:a14="http://schemas.microsoft.com/office/drawing/2010/main" xmlns:m="http://schemas.openxmlformats.org/officeDocument/2006/math" xmlns="" val="1"/>
             </a:ext>
           </a:extLst>
         </p:spPr>
@@ -14787,7 +14377,6 @@
             </a:lvl1pPr>
           </a:lstStyle>
           <a:p>
-            <a:pPr/>
             <a:r>
               <a:t>Le password non sono mai salvate in chiaro. BCrypt utilizza un meccanismo di salting e un fattore di costo adattivo per resistere ad attacchi brute-force.</a:t>
             </a:r>
@@ -14813,7 +14402,7 @@
           </a:ln>
           <a:extLst>
             <a:ext uri="{C572A759-6A51-4108-AA02-DFA0A04FC94B}">
-              <ma14:wrappingTextBoxFlag xmlns:ma14="http://schemas.microsoft.com/office/mac/drawingml/2011/main" val="1"/>
+              <ma14:wrappingTextBoxFlag xmlns:ma14="http://schemas.microsoft.com/office/mac/drawingml/2011/main" xmlns:a14="http://schemas.microsoft.com/office/drawing/2010/main" xmlns:m="http://schemas.openxmlformats.org/officeDocument/2006/math" xmlns="" val="1"/>
             </a:ext>
           </a:extLst>
         </p:spPr>
@@ -14826,7 +14415,7 @@
               <a:lnSpc>
                 <a:spcPts val="2100"/>
               </a:lnSpc>
-              <a:defRPr b="1" sz="1500">
+              <a:defRPr sz="1500" b="1">
                 <a:solidFill>
                   <a:srgbClr val="006400"/>
                 </a:solidFill>
@@ -14838,7 +14427,6 @@
             </a:lvl1pPr>
           </a:lstStyle>
           <a:p>
-            <a:pPr/>
             <a:r>
               <a:t>Controllo Accessi (RBAC)</a:t>
             </a:r>
@@ -14864,7 +14452,7 @@
           </a:ln>
           <a:extLst>
             <a:ext uri="{C572A759-6A51-4108-AA02-DFA0A04FC94B}">
-              <ma14:wrappingTextBoxFlag xmlns:ma14="http://schemas.microsoft.com/office/mac/drawingml/2011/main" val="1"/>
+              <ma14:wrappingTextBoxFlag xmlns:ma14="http://schemas.microsoft.com/office/mac/drawingml/2011/main" xmlns:a14="http://schemas.microsoft.com/office/drawing/2010/main" xmlns:m="http://schemas.openxmlformats.org/officeDocument/2006/math" xmlns="" val="1"/>
             </a:ext>
           </a:extLst>
         </p:spPr>
@@ -14877,7 +14465,7 @@
               <a:lnSpc>
                 <a:spcPts val="1200"/>
               </a:lnSpc>
-              <a:defRPr b="1" sz="900">
+              <a:defRPr sz="900" b="1">
                 <a:solidFill>
                   <a:srgbClr val="FFFFFF"/>
                 </a:solidFill>
@@ -14889,7 +14477,6 @@
             </a:lvl1pPr>
           </a:lstStyle>
           <a:p>
-            <a:pPr/>
             <a:r>
               <a:t>ADMIN</a:t>
             </a:r>
@@ -14915,7 +14502,7 @@
           </a:ln>
           <a:extLst>
             <a:ext uri="{C572A759-6A51-4108-AA02-DFA0A04FC94B}">
-              <ma14:wrappingTextBoxFlag xmlns:ma14="http://schemas.microsoft.com/office/mac/drawingml/2011/main" val="1"/>
+              <ma14:wrappingTextBoxFlag xmlns:ma14="http://schemas.microsoft.com/office/mac/drawingml/2011/main" xmlns:a14="http://schemas.microsoft.com/office/drawing/2010/main" xmlns:m="http://schemas.openxmlformats.org/officeDocument/2006/math" xmlns="" val="1"/>
             </a:ext>
           </a:extLst>
         </p:spPr>
@@ -14940,7 +14527,6 @@
             </a:lvl1pPr>
           </a:lstStyle>
           <a:p>
-            <a:pPr/>
             <a:r>
               <a:t>Simulazione, Gestione Utenti, Caricamento CSV</a:t>
             </a:r>
@@ -14966,7 +14552,7 @@
           </a:ln>
           <a:extLst>
             <a:ext uri="{C572A759-6A51-4108-AA02-DFA0A04FC94B}">
-              <ma14:wrappingTextBoxFlag xmlns:ma14="http://schemas.microsoft.com/office/mac/drawingml/2011/main" val="1"/>
+              <ma14:wrappingTextBoxFlag xmlns:ma14="http://schemas.microsoft.com/office/mac/drawingml/2011/main" xmlns:a14="http://schemas.microsoft.com/office/drawing/2010/main" xmlns:m="http://schemas.openxmlformats.org/officeDocument/2006/math" xmlns="" val="1"/>
             </a:ext>
           </a:extLst>
         </p:spPr>
@@ -14979,7 +14565,7 @@
               <a:lnSpc>
                 <a:spcPts val="1200"/>
               </a:lnSpc>
-              <a:defRPr b="1" sz="900">
+              <a:defRPr sz="900" b="1">
                 <a:solidFill>
                   <a:srgbClr val="FFFFFF"/>
                 </a:solidFill>
@@ -14991,7 +14577,6 @@
             </a:lvl1pPr>
           </a:lstStyle>
           <a:p>
-            <a:pPr/>
             <a:r>
               <a:t>USER</a:t>
             </a:r>
@@ -15017,7 +14602,7 @@
           </a:ln>
           <a:extLst>
             <a:ext uri="{C572A759-6A51-4108-AA02-DFA0A04FC94B}">
-              <ma14:wrappingTextBoxFlag xmlns:ma14="http://schemas.microsoft.com/office/mac/drawingml/2011/main" val="1"/>
+              <ma14:wrappingTextBoxFlag xmlns:ma14="http://schemas.microsoft.com/office/mac/drawingml/2011/main" xmlns:a14="http://schemas.microsoft.com/office/drawing/2010/main" xmlns:m="http://schemas.openxmlformats.org/officeDocument/2006/math" xmlns="" val="1"/>
             </a:ext>
           </a:extLst>
         </p:spPr>
@@ -15042,7 +14627,6 @@
             </a:lvl1pPr>
           </a:lstStyle>
           <a:p>
-            <a:pPr/>
             <a:r>
               <a:t>Dashboard Lettura, Visualizzazione Report</a:t>
             </a:r>
@@ -15068,7 +14652,7 @@
           </a:ln>
           <a:extLst>
             <a:ext uri="{C572A759-6A51-4108-AA02-DFA0A04FC94B}">
-              <ma14:wrappingTextBoxFlag xmlns:ma14="http://schemas.microsoft.com/office/mac/drawingml/2011/main" val="1"/>
+              <ma14:wrappingTextBoxFlag xmlns:ma14="http://schemas.microsoft.com/office/mac/drawingml/2011/main" xmlns:a14="http://schemas.microsoft.com/office/drawing/2010/main" xmlns:m="http://schemas.openxmlformats.org/officeDocument/2006/math" xmlns="" val="1"/>
             </a:ext>
           </a:extLst>
         </p:spPr>
@@ -15081,7 +14665,7 @@
               <a:lnSpc>
                 <a:spcPts val="2100"/>
               </a:lnSpc>
-              <a:defRPr b="1" sz="1500">
+              <a:defRPr sz="1500" b="1">
                 <a:solidFill>
                   <a:srgbClr val="006400"/>
                 </a:solidFill>
@@ -15093,7 +14677,6 @@
             </a:lvl1pPr>
           </a:lstStyle>
           <a:p>
-            <a:pPr/>
             <a:r>
               <a:t>Logout &amp; Blacklist</a:t>
             </a:r>
@@ -15119,7 +14702,7 @@
           </a:ln>
           <a:extLst>
             <a:ext uri="{C572A759-6A51-4108-AA02-DFA0A04FC94B}">
-              <ma14:wrappingTextBoxFlag xmlns:ma14="http://schemas.microsoft.com/office/mac/drawingml/2011/main" val="1"/>
+              <ma14:wrappingTextBoxFlag xmlns:ma14="http://schemas.microsoft.com/office/mac/drawingml/2011/main" xmlns:a14="http://schemas.microsoft.com/office/drawing/2010/main" xmlns:m="http://schemas.openxmlformats.org/officeDocument/2006/math" xmlns="" val="1"/>
             </a:ext>
           </a:extLst>
         </p:spPr>
@@ -15144,7 +14727,6 @@
             </a:lvl1pPr>
           </a:lstStyle>
           <a:p>
-            <a:pPr/>
             <a:r>
               <a:t>Gestione della sicurezza post-disconnessione: i token invalidati vengono inseriti in una blacklist volatile per impedirne il riuso fino alla loro scadenza naturale.</a:t>
             </a:r>
@@ -15170,7 +14752,7 @@
           </a:ln>
           <a:extLst>
             <a:ext uri="{C572A759-6A51-4108-AA02-DFA0A04FC94B}">
-              <ma14:wrappingTextBoxFlag xmlns:ma14="http://schemas.microsoft.com/office/mac/drawingml/2011/main" val="1"/>
+              <ma14:wrappingTextBoxFlag xmlns:ma14="http://schemas.microsoft.com/office/mac/drawingml/2011/main" xmlns:a14="http://schemas.microsoft.com/office/drawing/2010/main" xmlns:m="http://schemas.openxmlformats.org/officeDocument/2006/math" xmlns="" val="1"/>
             </a:ext>
           </a:extLst>
         </p:spPr>
@@ -15183,7 +14765,7 @@
               <a:lnSpc>
                 <a:spcPts val="1200"/>
               </a:lnSpc>
-              <a:defRPr i="1" sz="900">
+              <a:defRPr sz="900" i="1">
                 <a:solidFill>
                   <a:srgbClr val="6B7280"/>
                 </a:solidFill>
@@ -15195,7 +14777,6 @@
             </a:lvl1pPr>
           </a:lstStyle>
           <a:p>
-            <a:pPr/>
             <a:r>
               <a:t>Nexus Energy Security Layer v1.0</a:t>
             </a:r>
@@ -15211,9 +14792,7 @@
           <p:nvPr/>
         </p:nvPicPr>
         <p:blipFill>
-          <a:blip r:embed="rId17">
-            <a:extLst/>
-          </a:blip>
+          <a:blip r:embed="rId17"/>
           <a:stretch>
             <a:fillRect/>
           </a:stretch>
@@ -15240,9 +14819,7 @@
           <p:nvPr/>
         </p:nvPicPr>
         <p:blipFill>
-          <a:blip r:embed="rId18">
-            <a:extLst/>
-          </a:blip>
+          <a:blip r:embed="rId18"/>
           <a:stretch>
             <a:fillRect/>
           </a:stretch>
@@ -15265,12 +14842,12 @@
   <p:clrMapOvr>
     <a:masterClrMapping/>
   </p:clrMapOvr>
-  <p:transition xmlns:p14="http://schemas.microsoft.com/office/powerpoint/2010/main" spd="med" advClick="1"/>
+  <p:transition spd="med"/>
 </p:sld>
 </file>
 
 <file path=ppt/theme/theme1.xml><?xml version="1.0" encoding="utf-8"?>
-<a:theme xmlns:a="http://schemas.openxmlformats.org/drawingml/2006/main" xmlns:r="http://schemas.openxmlformats.org/officeDocument/2006/relationships" name="Office Theme">
+<a:theme xmlns:a="http://schemas.openxmlformats.org/drawingml/2006/main" name="Office Theme">
   <a:themeElements>
     <a:clrScheme name="Office Theme">
       <a:dk1>
@@ -15472,7 +15049,7 @@
         <a:effectLst/>
         <a:sp3d/>
       </a:spPr>
-      <a:bodyPr rot="0" spcFirstLastPara="1" vertOverflow="overflow" horzOverflow="overflow" vert="horz" wrap="square" lIns="45718" tIns="45718" rIns="45718" bIns="45718" numCol="1" spcCol="38100" rtlCol="0" anchor="ctr" upright="0">
+      <a:bodyPr rot="0" spcFirstLastPara="1" vertOverflow="overflow" horzOverflow="overflow" vert="horz" wrap="square" lIns="45718" tIns="45718" rIns="45718" bIns="45718" numCol="1" spcCol="38100" rtlCol="0" anchor="ctr">
         <a:spAutoFit/>
       </a:bodyPr>
       <a:lstStyle>
@@ -15491,7 +15068,7 @@
           <a:buFontTx/>
           <a:buNone/>
           <a:tabLst/>
-          <a:defRPr b="0" baseline="0" cap="none" i="0" spc="0" strike="noStrike" sz="1800" u="none" kumimoji="0" normalizeH="0">
+          <a:defRPr kumimoji="0" sz="1800" b="0" i="0" u="none" strike="noStrike" cap="none" spc="0" normalizeH="0" baseline="0">
             <a:ln>
               <a:noFill/>
             </a:ln>
@@ -15521,7 +15098,7 @@
           <a:buFontTx/>
           <a:buNone/>
           <a:tabLst/>
-          <a:defRPr b="0" baseline="0" cap="none" i="0" spc="0" strike="noStrike" sz="1800" u="none" kumimoji="0" normalizeH="0">
+          <a:defRPr kumimoji="0" sz="1800" b="0" i="0" u="none" strike="noStrike" cap="none" spc="0" normalizeH="0" baseline="0">
             <a:ln>
               <a:noFill/>
             </a:ln>
@@ -15547,7 +15124,7 @@
           <a:buFontTx/>
           <a:buNone/>
           <a:tabLst/>
-          <a:defRPr b="0" baseline="0" cap="none" i="0" spc="0" strike="noStrike" sz="1800" u="none" kumimoji="0" normalizeH="0">
+          <a:defRPr kumimoji="0" sz="1800" b="0" i="0" u="none" strike="noStrike" cap="none" spc="0" normalizeH="0" baseline="0">
             <a:ln>
               <a:noFill/>
             </a:ln>
@@ -15573,7 +15150,7 @@
           <a:buFontTx/>
           <a:buNone/>
           <a:tabLst/>
-          <a:defRPr b="0" baseline="0" cap="none" i="0" spc="0" strike="noStrike" sz="1800" u="none" kumimoji="0" normalizeH="0">
+          <a:defRPr kumimoji="0" sz="1800" b="0" i="0" u="none" strike="noStrike" cap="none" spc="0" normalizeH="0" baseline="0">
             <a:ln>
               <a:noFill/>
             </a:ln>
@@ -15599,7 +15176,7 @@
           <a:buFontTx/>
           <a:buNone/>
           <a:tabLst/>
-          <a:defRPr b="0" baseline="0" cap="none" i="0" spc="0" strike="noStrike" sz="1800" u="none" kumimoji="0" normalizeH="0">
+          <a:defRPr kumimoji="0" sz="1800" b="0" i="0" u="none" strike="noStrike" cap="none" spc="0" normalizeH="0" baseline="0">
             <a:ln>
               <a:noFill/>
             </a:ln>
@@ -15625,7 +15202,7 @@
           <a:buFontTx/>
           <a:buNone/>
           <a:tabLst/>
-          <a:defRPr b="0" baseline="0" cap="none" i="0" spc="0" strike="noStrike" sz="1800" u="none" kumimoji="0" normalizeH="0">
+          <a:defRPr kumimoji="0" sz="1800" b="0" i="0" u="none" strike="noStrike" cap="none" spc="0" normalizeH="0" baseline="0">
             <a:ln>
               <a:noFill/>
             </a:ln>
@@ -15651,7 +15228,7 @@
           <a:buFontTx/>
           <a:buNone/>
           <a:tabLst/>
-          <a:defRPr b="0" baseline="0" cap="none" i="0" spc="0" strike="noStrike" sz="1800" u="none" kumimoji="0" normalizeH="0">
+          <a:defRPr kumimoji="0" sz="1800" b="0" i="0" u="none" strike="noStrike" cap="none" spc="0" normalizeH="0" baseline="0">
             <a:ln>
               <a:noFill/>
             </a:ln>
@@ -15677,7 +15254,7 @@
           <a:buFontTx/>
           <a:buNone/>
           <a:tabLst/>
-          <a:defRPr b="0" baseline="0" cap="none" i="0" spc="0" strike="noStrike" sz="1800" u="none" kumimoji="0" normalizeH="0">
+          <a:defRPr kumimoji="0" sz="1800" b="0" i="0" u="none" strike="noStrike" cap="none" spc="0" normalizeH="0" baseline="0">
             <a:ln>
               <a:noFill/>
             </a:ln>
@@ -15703,7 +15280,7 @@
           <a:buFontTx/>
           <a:buNone/>
           <a:tabLst/>
-          <a:defRPr b="0" baseline="0" cap="none" i="0" spc="0" strike="noStrike" sz="1800" u="none" kumimoji="0" normalizeH="0">
+          <a:defRPr kumimoji="0" sz="1800" b="0" i="0" u="none" strike="noStrike" cap="none" spc="0" normalizeH="0" baseline="0">
             <a:ln>
               <a:noFill/>
             </a:ln>
@@ -15729,7 +15306,7 @@
           <a:buFontTx/>
           <a:buNone/>
           <a:tabLst/>
-          <a:defRPr b="0" baseline="0" cap="none" i="0" spc="0" strike="noStrike" sz="1800" u="none" kumimoji="0" normalizeH="0">
+          <a:defRPr kumimoji="0" sz="1800" b="0" i="0" u="none" strike="noStrike" cap="none" spc="0" normalizeH="0" baseline="0">
             <a:ln>
               <a:noFill/>
             </a:ln>
@@ -15742,9 +15319,15 @@
         </a:lvl9pPr>
       </a:lstStyle>
       <a:style>
-        <a:lnRef idx="0"/>
-        <a:fillRef idx="0"/>
-        <a:effectRef idx="0"/>
+        <a:lnRef idx="0">
+          <a:scrgbClr r="0" g="0" b="0"/>
+        </a:lnRef>
+        <a:fillRef idx="0">
+          <a:scrgbClr r="0" g="0" b="0"/>
+        </a:fillRef>
+        <a:effectRef idx="0">
+          <a:scrgbClr r="0" g="0" b="0"/>
+        </a:effectRef>
         <a:fontRef idx="none"/>
       </a:style>
     </a:spDef>
@@ -15761,7 +15344,7 @@
         <a:effectLst/>
         <a:sp3d/>
       </a:spPr>
-      <a:bodyPr rot="0" spcFirstLastPara="1" vertOverflow="overflow" horzOverflow="overflow" vert="horz" wrap="square" lIns="91439" tIns="45719" rIns="91439" bIns="45719" numCol="1" spcCol="38100" rtlCol="0" anchor="t" upright="0">
+      <a:bodyPr rot="0" spcFirstLastPara="1" vertOverflow="overflow" horzOverflow="overflow" vert="horz" wrap="square" lIns="91439" tIns="45719" rIns="91439" bIns="45719" numCol="1" spcCol="38100" rtlCol="0" anchor="t">
         <a:noAutofit/>
       </a:bodyPr>
       <a:lstStyle>
@@ -15780,7 +15363,7 @@
           <a:buFontTx/>
           <a:buNone/>
           <a:tabLst/>
-          <a:defRPr b="0" baseline="0" cap="none" i="0" spc="0" strike="noStrike" sz="1800" u="none" kumimoji="0" normalizeH="0">
+          <a:defRPr kumimoji="0" sz="1800" b="0" i="0" u="none" strike="noStrike" cap="none" spc="0" normalizeH="0" baseline="0">
             <a:ln>
               <a:noFill/>
             </a:ln>
@@ -15806,7 +15389,7 @@
           <a:buFontTx/>
           <a:buNone/>
           <a:tabLst/>
-          <a:defRPr b="0" baseline="0" cap="none" i="0" spc="0" strike="noStrike" sz="1800" u="none" kumimoji="0" normalizeH="0">
+          <a:defRPr kumimoji="0" sz="1800" b="0" i="0" u="none" strike="noStrike" cap="none" spc="0" normalizeH="0" baseline="0">
             <a:ln>
               <a:noFill/>
             </a:ln>
@@ -15832,7 +15415,7 @@
           <a:buFontTx/>
           <a:buNone/>
           <a:tabLst/>
-          <a:defRPr b="0" baseline="0" cap="none" i="0" spc="0" strike="noStrike" sz="1800" u="none" kumimoji="0" normalizeH="0">
+          <a:defRPr kumimoji="0" sz="1800" b="0" i="0" u="none" strike="noStrike" cap="none" spc="0" normalizeH="0" baseline="0">
             <a:ln>
               <a:noFill/>
             </a:ln>
@@ -15858,7 +15441,7 @@
           <a:buFontTx/>
           <a:buNone/>
           <a:tabLst/>
-          <a:defRPr b="0" baseline="0" cap="none" i="0" spc="0" strike="noStrike" sz="1800" u="none" kumimoji="0" normalizeH="0">
+          <a:defRPr kumimoji="0" sz="1800" b="0" i="0" u="none" strike="noStrike" cap="none" spc="0" normalizeH="0" baseline="0">
             <a:ln>
               <a:noFill/>
             </a:ln>
@@ -15884,7 +15467,7 @@
           <a:buFontTx/>
           <a:buNone/>
           <a:tabLst/>
-          <a:defRPr b="0" baseline="0" cap="none" i="0" spc="0" strike="noStrike" sz="1800" u="none" kumimoji="0" normalizeH="0">
+          <a:defRPr kumimoji="0" sz="1800" b="0" i="0" u="none" strike="noStrike" cap="none" spc="0" normalizeH="0" baseline="0">
             <a:ln>
               <a:noFill/>
             </a:ln>
@@ -15910,7 +15493,7 @@
           <a:buFontTx/>
           <a:buNone/>
           <a:tabLst/>
-          <a:defRPr b="0" baseline="0" cap="none" i="0" spc="0" strike="noStrike" sz="1800" u="none" kumimoji="0" normalizeH="0">
+          <a:defRPr kumimoji="0" sz="1800" b="0" i="0" u="none" strike="noStrike" cap="none" spc="0" normalizeH="0" baseline="0">
             <a:ln>
               <a:noFill/>
             </a:ln>
@@ -15936,7 +15519,7 @@
           <a:buFontTx/>
           <a:buNone/>
           <a:tabLst/>
-          <a:defRPr b="0" baseline="0" cap="none" i="0" spc="0" strike="noStrike" sz="1800" u="none" kumimoji="0" normalizeH="0">
+          <a:defRPr kumimoji="0" sz="1800" b="0" i="0" u="none" strike="noStrike" cap="none" spc="0" normalizeH="0" baseline="0">
             <a:ln>
               <a:noFill/>
             </a:ln>
@@ -15962,7 +15545,7 @@
           <a:buFontTx/>
           <a:buNone/>
           <a:tabLst/>
-          <a:defRPr b="0" baseline="0" cap="none" i="0" spc="0" strike="noStrike" sz="1800" u="none" kumimoji="0" normalizeH="0">
+          <a:defRPr kumimoji="0" sz="1800" b="0" i="0" u="none" strike="noStrike" cap="none" spc="0" normalizeH="0" baseline="0">
             <a:ln>
               <a:noFill/>
             </a:ln>
@@ -15988,7 +15571,7 @@
           <a:buFontTx/>
           <a:buNone/>
           <a:tabLst/>
-          <a:defRPr b="0" baseline="0" cap="none" i="0" spc="0" strike="noStrike" sz="1800" u="none" kumimoji="0" normalizeH="0">
+          <a:defRPr kumimoji="0" sz="1800" b="0" i="0" u="none" strike="noStrike" cap="none" spc="0" normalizeH="0" baseline="0">
             <a:ln>
               <a:noFill/>
             </a:ln>
@@ -16014,7 +15597,7 @@
           <a:buFontTx/>
           <a:buNone/>
           <a:tabLst/>
-          <a:defRPr b="0" baseline="0" cap="none" i="0" spc="0" strike="noStrike" sz="1800" u="none" kumimoji="0" normalizeH="0">
+          <a:defRPr kumimoji="0" sz="1800" b="0" i="0" u="none" strike="noStrike" cap="none" spc="0" normalizeH="0" baseline="0">
             <a:ln>
               <a:noFill/>
             </a:ln>
@@ -16027,9 +15610,15 @@
         </a:lvl9pPr>
       </a:lstStyle>
       <a:style>
-        <a:lnRef idx="0"/>
-        <a:fillRef idx="0"/>
-        <a:effectRef idx="0"/>
+        <a:lnRef idx="0">
+          <a:scrgbClr r="0" g="0" b="0"/>
+        </a:lnRef>
+        <a:fillRef idx="0">
+          <a:scrgbClr r="0" g="0" b="0"/>
+        </a:fillRef>
+        <a:effectRef idx="0">
+          <a:scrgbClr r="0" g="0" b="0"/>
+        </a:effectRef>
         <a:fontRef idx="none"/>
       </a:style>
     </a:lnDef>
@@ -16043,7 +15632,7 @@
         <a:effectLst/>
         <a:sp3d/>
       </a:spPr>
-      <a:bodyPr rot="0" spcFirstLastPara="1" vertOverflow="overflow" horzOverflow="overflow" vert="horz" wrap="square" lIns="45718" tIns="45718" rIns="45718" bIns="45718" numCol="1" spcCol="38100" rtlCol="0" anchor="t" upright="0">
+      <a:bodyPr rot="0" spcFirstLastPara="1" vertOverflow="overflow" horzOverflow="overflow" vert="horz" wrap="square" lIns="45718" tIns="45718" rIns="45718" bIns="45718" numCol="1" spcCol="38100" rtlCol="0" anchor="t">
         <a:spAutoFit/>
       </a:bodyPr>
       <a:lstStyle>
@@ -16062,7 +15651,7 @@
           <a:buFontTx/>
           <a:buNone/>
           <a:tabLst/>
-          <a:defRPr b="0" baseline="0" cap="none" i="0" spc="0" strike="noStrike" sz="1800" u="none" kumimoji="0" normalizeH="0">
+          <a:defRPr kumimoji="0" sz="1800" b="0" i="0" u="none" strike="noStrike" cap="none" spc="0" normalizeH="0" baseline="0">
             <a:ln>
               <a:noFill/>
             </a:ln>
@@ -16092,7 +15681,7 @@
           <a:buFontTx/>
           <a:buNone/>
           <a:tabLst/>
-          <a:defRPr b="0" baseline="0" cap="none" i="0" spc="0" strike="noStrike" sz="1800" u="none" kumimoji="0" normalizeH="0">
+          <a:defRPr kumimoji="0" sz="1800" b="0" i="0" u="none" strike="noStrike" cap="none" spc="0" normalizeH="0" baseline="0">
             <a:ln>
               <a:noFill/>
             </a:ln>
@@ -16118,7 +15707,7 @@
           <a:buFontTx/>
           <a:buNone/>
           <a:tabLst/>
-          <a:defRPr b="0" baseline="0" cap="none" i="0" spc="0" strike="noStrike" sz="1800" u="none" kumimoji="0" normalizeH="0">
+          <a:defRPr kumimoji="0" sz="1800" b="0" i="0" u="none" strike="noStrike" cap="none" spc="0" normalizeH="0" baseline="0">
             <a:ln>
               <a:noFill/>
             </a:ln>
@@ -16144,7 +15733,7 @@
           <a:buFontTx/>
           <a:buNone/>
           <a:tabLst/>
-          <a:defRPr b="0" baseline="0" cap="none" i="0" spc="0" strike="noStrike" sz="1800" u="none" kumimoji="0" normalizeH="0">
+          <a:defRPr kumimoji="0" sz="1800" b="0" i="0" u="none" strike="noStrike" cap="none" spc="0" normalizeH="0" baseline="0">
             <a:ln>
               <a:noFill/>
             </a:ln>
@@ -16170,7 +15759,7 @@
           <a:buFontTx/>
           <a:buNone/>
           <a:tabLst/>
-          <a:defRPr b="0" baseline="0" cap="none" i="0" spc="0" strike="noStrike" sz="1800" u="none" kumimoji="0" normalizeH="0">
+          <a:defRPr kumimoji="0" sz="1800" b="0" i="0" u="none" strike="noStrike" cap="none" spc="0" normalizeH="0" baseline="0">
             <a:ln>
               <a:noFill/>
             </a:ln>
@@ -16196,7 +15785,7 @@
           <a:buFontTx/>
           <a:buNone/>
           <a:tabLst/>
-          <a:defRPr b="0" baseline="0" cap="none" i="0" spc="0" strike="noStrike" sz="1800" u="none" kumimoji="0" normalizeH="0">
+          <a:defRPr kumimoji="0" sz="1800" b="0" i="0" u="none" strike="noStrike" cap="none" spc="0" normalizeH="0" baseline="0">
             <a:ln>
               <a:noFill/>
             </a:ln>
@@ -16222,7 +15811,7 @@
           <a:buFontTx/>
           <a:buNone/>
           <a:tabLst/>
-          <a:defRPr b="0" baseline="0" cap="none" i="0" spc="0" strike="noStrike" sz="1800" u="none" kumimoji="0" normalizeH="0">
+          <a:defRPr kumimoji="0" sz="1800" b="0" i="0" u="none" strike="noStrike" cap="none" spc="0" normalizeH="0" baseline="0">
             <a:ln>
               <a:noFill/>
             </a:ln>
@@ -16248,7 +15837,7 @@
           <a:buFontTx/>
           <a:buNone/>
           <a:tabLst/>
-          <a:defRPr b="0" baseline="0" cap="none" i="0" spc="0" strike="noStrike" sz="1800" u="none" kumimoji="0" normalizeH="0">
+          <a:defRPr kumimoji="0" sz="1800" b="0" i="0" u="none" strike="noStrike" cap="none" spc="0" normalizeH="0" baseline="0">
             <a:ln>
               <a:noFill/>
             </a:ln>
@@ -16274,7 +15863,7 @@
           <a:buFontTx/>
           <a:buNone/>
           <a:tabLst/>
-          <a:defRPr b="0" baseline="0" cap="none" i="0" spc="0" strike="noStrike" sz="1800" u="none" kumimoji="0" normalizeH="0">
+          <a:defRPr kumimoji="0" sz="1800" b="0" i="0" u="none" strike="noStrike" cap="none" spc="0" normalizeH="0" baseline="0">
             <a:ln>
               <a:noFill/>
             </a:ln>
@@ -16300,7 +15889,7 @@
           <a:buFontTx/>
           <a:buNone/>
           <a:tabLst/>
-          <a:defRPr b="0" baseline="0" cap="none" i="0" spc="0" strike="noStrike" sz="1800" u="none" kumimoji="0" normalizeH="0">
+          <a:defRPr kumimoji="0" sz="1800" b="0" i="0" u="none" strike="noStrike" cap="none" spc="0" normalizeH="0" baseline="0">
             <a:ln>
               <a:noFill/>
             </a:ln>
@@ -16313,18 +15902,25 @@
         </a:lvl9pPr>
       </a:lstStyle>
       <a:style>
-        <a:lnRef idx="0"/>
-        <a:fillRef idx="0"/>
-        <a:effectRef idx="0"/>
+        <a:lnRef idx="0">
+          <a:scrgbClr r="0" g="0" b="0"/>
+        </a:lnRef>
+        <a:fillRef idx="0">
+          <a:scrgbClr r="0" g="0" b="0"/>
+        </a:fillRef>
+        <a:effectRef idx="0">
+          <a:scrgbClr r="0" g="0" b="0"/>
+        </a:effectRef>
         <a:fontRef idx="none"/>
       </a:style>
     </a:txDef>
   </a:objectDefaults>
+  <a:extraClrSchemeLst/>
 </a:theme>
 </file>
 
 <file path=ppt/theme/theme2.xml><?xml version="1.0" encoding="utf-8"?>
-<a:theme xmlns:a="http://schemas.openxmlformats.org/drawingml/2006/main" xmlns:r="http://schemas.openxmlformats.org/officeDocument/2006/relationships" name="Office Theme">
+<a:theme xmlns:a="http://schemas.openxmlformats.org/drawingml/2006/main" name="Office Theme">
   <a:themeElements>
     <a:clrScheme name="Office Theme">
       <a:dk1>
@@ -16526,7 +16122,7 @@
         <a:effectLst/>
         <a:sp3d/>
       </a:spPr>
-      <a:bodyPr rot="0" spcFirstLastPara="1" vertOverflow="overflow" horzOverflow="overflow" vert="horz" wrap="square" lIns="45718" tIns="45718" rIns="45718" bIns="45718" numCol="1" spcCol="38100" rtlCol="0" anchor="ctr" upright="0">
+      <a:bodyPr rot="0" spcFirstLastPara="1" vertOverflow="overflow" horzOverflow="overflow" vert="horz" wrap="square" lIns="45718" tIns="45718" rIns="45718" bIns="45718" numCol="1" spcCol="38100" rtlCol="0" anchor="ctr">
         <a:spAutoFit/>
       </a:bodyPr>
       <a:lstStyle>
@@ -16545,7 +16141,7 @@
           <a:buFontTx/>
           <a:buNone/>
           <a:tabLst/>
-          <a:defRPr b="0" baseline="0" cap="none" i="0" spc="0" strike="noStrike" sz="1800" u="none" kumimoji="0" normalizeH="0">
+          <a:defRPr kumimoji="0" sz="1800" b="0" i="0" u="none" strike="noStrike" cap="none" spc="0" normalizeH="0" baseline="0">
             <a:ln>
               <a:noFill/>
             </a:ln>
@@ -16575,7 +16171,7 @@
           <a:buFontTx/>
           <a:buNone/>
           <a:tabLst/>
-          <a:defRPr b="0" baseline="0" cap="none" i="0" spc="0" strike="noStrike" sz="1800" u="none" kumimoji="0" normalizeH="0">
+          <a:defRPr kumimoji="0" sz="1800" b="0" i="0" u="none" strike="noStrike" cap="none" spc="0" normalizeH="0" baseline="0">
             <a:ln>
               <a:noFill/>
             </a:ln>
@@ -16601,7 +16197,7 @@
           <a:buFontTx/>
           <a:buNone/>
           <a:tabLst/>
-          <a:defRPr b="0" baseline="0" cap="none" i="0" spc="0" strike="noStrike" sz="1800" u="none" kumimoji="0" normalizeH="0">
+          <a:defRPr kumimoji="0" sz="1800" b="0" i="0" u="none" strike="noStrike" cap="none" spc="0" normalizeH="0" baseline="0">
             <a:ln>
               <a:noFill/>
             </a:ln>
@@ -16627,7 +16223,7 @@
           <a:buFontTx/>
           <a:buNone/>
           <a:tabLst/>
-          <a:defRPr b="0" baseline="0" cap="none" i="0" spc="0" strike="noStrike" sz="1800" u="none" kumimoji="0" normalizeH="0">
+          <a:defRPr kumimoji="0" sz="1800" b="0" i="0" u="none" strike="noStrike" cap="none" spc="0" normalizeH="0" baseline="0">
             <a:ln>
               <a:noFill/>
             </a:ln>
@@ -16653,7 +16249,7 @@
           <a:buFontTx/>
           <a:buNone/>
           <a:tabLst/>
-          <a:defRPr b="0" baseline="0" cap="none" i="0" spc="0" strike="noStrike" sz="1800" u="none" kumimoji="0" normalizeH="0">
+          <a:defRPr kumimoji="0" sz="1800" b="0" i="0" u="none" strike="noStrike" cap="none" spc="0" normalizeH="0" baseline="0">
             <a:ln>
               <a:noFill/>
             </a:ln>
@@ -16679,7 +16275,7 @@
           <a:buFontTx/>
           <a:buNone/>
           <a:tabLst/>
-          <a:defRPr b="0" baseline="0" cap="none" i="0" spc="0" strike="noStrike" sz="1800" u="none" kumimoji="0" normalizeH="0">
+          <a:defRPr kumimoji="0" sz="1800" b="0" i="0" u="none" strike="noStrike" cap="none" spc="0" normalizeH="0" baseline="0">
             <a:ln>
               <a:noFill/>
             </a:ln>
@@ -16705,7 +16301,7 @@
           <a:buFontTx/>
           <a:buNone/>
           <a:tabLst/>
-          <a:defRPr b="0" baseline="0" cap="none" i="0" spc="0" strike="noStrike" sz="1800" u="none" kumimoji="0" normalizeH="0">
+          <a:defRPr kumimoji="0" sz="1800" b="0" i="0" u="none" strike="noStrike" cap="none" spc="0" normalizeH="0" baseline="0">
             <a:ln>
               <a:noFill/>
             </a:ln>
@@ -16731,7 +16327,7 @@
           <a:buFontTx/>
           <a:buNone/>
           <a:tabLst/>
-          <a:defRPr b="0" baseline="0" cap="none" i="0" spc="0" strike="noStrike" sz="1800" u="none" kumimoji="0" normalizeH="0">
+          <a:defRPr kumimoji="0" sz="1800" b="0" i="0" u="none" strike="noStrike" cap="none" spc="0" normalizeH="0" baseline="0">
             <a:ln>
               <a:noFill/>
             </a:ln>
@@ -16757,7 +16353,7 @@
           <a:buFontTx/>
           <a:buNone/>
           <a:tabLst/>
-          <a:defRPr b="0" baseline="0" cap="none" i="0" spc="0" strike="noStrike" sz="1800" u="none" kumimoji="0" normalizeH="0">
+          <a:defRPr kumimoji="0" sz="1800" b="0" i="0" u="none" strike="noStrike" cap="none" spc="0" normalizeH="0" baseline="0">
             <a:ln>
               <a:noFill/>
             </a:ln>
@@ -16783,7 +16379,7 @@
           <a:buFontTx/>
           <a:buNone/>
           <a:tabLst/>
-          <a:defRPr b="0" baseline="0" cap="none" i="0" spc="0" strike="noStrike" sz="1800" u="none" kumimoji="0" normalizeH="0">
+          <a:defRPr kumimoji="0" sz="1800" b="0" i="0" u="none" strike="noStrike" cap="none" spc="0" normalizeH="0" baseline="0">
             <a:ln>
               <a:noFill/>
             </a:ln>
@@ -16796,9 +16392,15 @@
         </a:lvl9pPr>
       </a:lstStyle>
       <a:style>
-        <a:lnRef idx="0"/>
-        <a:fillRef idx="0"/>
-        <a:effectRef idx="0"/>
+        <a:lnRef idx="0">
+          <a:scrgbClr r="0" g="0" b="0"/>
+        </a:lnRef>
+        <a:fillRef idx="0">
+          <a:scrgbClr r="0" g="0" b="0"/>
+        </a:fillRef>
+        <a:effectRef idx="0">
+          <a:scrgbClr r="0" g="0" b="0"/>
+        </a:effectRef>
         <a:fontRef idx="none"/>
       </a:style>
     </a:spDef>
@@ -16815,7 +16417,7 @@
         <a:effectLst/>
         <a:sp3d/>
       </a:spPr>
-      <a:bodyPr rot="0" spcFirstLastPara="1" vertOverflow="overflow" horzOverflow="overflow" vert="horz" wrap="square" lIns="91439" tIns="45719" rIns="91439" bIns="45719" numCol="1" spcCol="38100" rtlCol="0" anchor="t" upright="0">
+      <a:bodyPr rot="0" spcFirstLastPara="1" vertOverflow="overflow" horzOverflow="overflow" vert="horz" wrap="square" lIns="91439" tIns="45719" rIns="91439" bIns="45719" numCol="1" spcCol="38100" rtlCol="0" anchor="t">
         <a:noAutofit/>
       </a:bodyPr>
       <a:lstStyle>
@@ -16834,7 +16436,7 @@
           <a:buFontTx/>
           <a:buNone/>
           <a:tabLst/>
-          <a:defRPr b="0" baseline="0" cap="none" i="0" spc="0" strike="noStrike" sz="1800" u="none" kumimoji="0" normalizeH="0">
+          <a:defRPr kumimoji="0" sz="1800" b="0" i="0" u="none" strike="noStrike" cap="none" spc="0" normalizeH="0" baseline="0">
             <a:ln>
               <a:noFill/>
             </a:ln>
@@ -16860,7 +16462,7 @@
           <a:buFontTx/>
           <a:buNone/>
           <a:tabLst/>
-          <a:defRPr b="0" baseline="0" cap="none" i="0" spc="0" strike="noStrike" sz="1800" u="none" kumimoji="0" normalizeH="0">
+          <a:defRPr kumimoji="0" sz="1800" b="0" i="0" u="none" strike="noStrike" cap="none" spc="0" normalizeH="0" baseline="0">
             <a:ln>
               <a:noFill/>
             </a:ln>
@@ -16886,7 +16488,7 @@
           <a:buFontTx/>
           <a:buNone/>
           <a:tabLst/>
-          <a:defRPr b="0" baseline="0" cap="none" i="0" spc="0" strike="noStrike" sz="1800" u="none" kumimoji="0" normalizeH="0">
+          <a:defRPr kumimoji="0" sz="1800" b="0" i="0" u="none" strike="noStrike" cap="none" spc="0" normalizeH="0" baseline="0">
             <a:ln>
               <a:noFill/>
             </a:ln>
@@ -16912,7 +16514,7 @@
           <a:buFontTx/>
           <a:buNone/>
           <a:tabLst/>
-          <a:defRPr b="0" baseline="0" cap="none" i="0" spc="0" strike="noStrike" sz="1800" u="none" kumimoji="0" normalizeH="0">
+          <a:defRPr kumimoji="0" sz="1800" b="0" i="0" u="none" strike="noStrike" cap="none" spc="0" normalizeH="0" baseline="0">
             <a:ln>
               <a:noFill/>
             </a:ln>
@@ -16938,7 +16540,7 @@
           <a:buFontTx/>
           <a:buNone/>
           <a:tabLst/>
-          <a:defRPr b="0" baseline="0" cap="none" i="0" spc="0" strike="noStrike" sz="1800" u="none" kumimoji="0" normalizeH="0">
+          <a:defRPr kumimoji="0" sz="1800" b="0" i="0" u="none" strike="noStrike" cap="none" spc="0" normalizeH="0" baseline="0">
             <a:ln>
               <a:noFill/>
             </a:ln>
@@ -16964,7 +16566,7 @@
           <a:buFontTx/>
           <a:buNone/>
           <a:tabLst/>
-          <a:defRPr b="0" baseline="0" cap="none" i="0" spc="0" strike="noStrike" sz="1800" u="none" kumimoji="0" normalizeH="0">
+          <a:defRPr kumimoji="0" sz="1800" b="0" i="0" u="none" strike="noStrike" cap="none" spc="0" normalizeH="0" baseline="0">
             <a:ln>
               <a:noFill/>
             </a:ln>
@@ -16990,7 +16592,7 @@
           <a:buFontTx/>
           <a:buNone/>
           <a:tabLst/>
-          <a:defRPr b="0" baseline="0" cap="none" i="0" spc="0" strike="noStrike" sz="1800" u="none" kumimoji="0" normalizeH="0">
+          <a:defRPr kumimoji="0" sz="1800" b="0" i="0" u="none" strike="noStrike" cap="none" spc="0" normalizeH="0" baseline="0">
             <a:ln>
               <a:noFill/>
             </a:ln>
@@ -17016,7 +16618,7 @@
           <a:buFontTx/>
           <a:buNone/>
           <a:tabLst/>
-          <a:defRPr b="0" baseline="0" cap="none" i="0" spc="0" strike="noStrike" sz="1800" u="none" kumimoji="0" normalizeH="0">
+          <a:defRPr kumimoji="0" sz="1800" b="0" i="0" u="none" strike="noStrike" cap="none" spc="0" normalizeH="0" baseline="0">
             <a:ln>
               <a:noFill/>
             </a:ln>
@@ -17042,7 +16644,7 @@
           <a:buFontTx/>
           <a:buNone/>
           <a:tabLst/>
-          <a:defRPr b="0" baseline="0" cap="none" i="0" spc="0" strike="noStrike" sz="1800" u="none" kumimoji="0" normalizeH="0">
+          <a:defRPr kumimoji="0" sz="1800" b="0" i="0" u="none" strike="noStrike" cap="none" spc="0" normalizeH="0" baseline="0">
             <a:ln>
               <a:noFill/>
             </a:ln>
@@ -17068,7 +16670,7 @@
           <a:buFontTx/>
           <a:buNone/>
           <a:tabLst/>
-          <a:defRPr b="0" baseline="0" cap="none" i="0" spc="0" strike="noStrike" sz="1800" u="none" kumimoji="0" normalizeH="0">
+          <a:defRPr kumimoji="0" sz="1800" b="0" i="0" u="none" strike="noStrike" cap="none" spc="0" normalizeH="0" baseline="0">
             <a:ln>
               <a:noFill/>
             </a:ln>
@@ -17081,9 +16683,15 @@
         </a:lvl9pPr>
       </a:lstStyle>
       <a:style>
-        <a:lnRef idx="0"/>
-        <a:fillRef idx="0"/>
-        <a:effectRef idx="0"/>
+        <a:lnRef idx="0">
+          <a:scrgbClr r="0" g="0" b="0"/>
+        </a:lnRef>
+        <a:fillRef idx="0">
+          <a:scrgbClr r="0" g="0" b="0"/>
+        </a:fillRef>
+        <a:effectRef idx="0">
+          <a:scrgbClr r="0" g="0" b="0"/>
+        </a:effectRef>
         <a:fontRef idx="none"/>
       </a:style>
     </a:lnDef>
@@ -17097,7 +16705,7 @@
         <a:effectLst/>
         <a:sp3d/>
       </a:spPr>
-      <a:bodyPr rot="0" spcFirstLastPara="1" vertOverflow="overflow" horzOverflow="overflow" vert="horz" wrap="square" lIns="45718" tIns="45718" rIns="45718" bIns="45718" numCol="1" spcCol="38100" rtlCol="0" anchor="t" upright="0">
+      <a:bodyPr rot="0" spcFirstLastPara="1" vertOverflow="overflow" horzOverflow="overflow" vert="horz" wrap="square" lIns="45718" tIns="45718" rIns="45718" bIns="45718" numCol="1" spcCol="38100" rtlCol="0" anchor="t">
         <a:spAutoFit/>
       </a:bodyPr>
       <a:lstStyle>
@@ -17116,7 +16724,7 @@
           <a:buFontTx/>
           <a:buNone/>
           <a:tabLst/>
-          <a:defRPr b="0" baseline="0" cap="none" i="0" spc="0" strike="noStrike" sz="1800" u="none" kumimoji="0" normalizeH="0">
+          <a:defRPr kumimoji="0" sz="1800" b="0" i="0" u="none" strike="noStrike" cap="none" spc="0" normalizeH="0" baseline="0">
             <a:ln>
               <a:noFill/>
             </a:ln>
@@ -17146,7 +16754,7 @@
           <a:buFontTx/>
           <a:buNone/>
           <a:tabLst/>
-          <a:defRPr b="0" baseline="0" cap="none" i="0" spc="0" strike="noStrike" sz="1800" u="none" kumimoji="0" normalizeH="0">
+          <a:defRPr kumimoji="0" sz="1800" b="0" i="0" u="none" strike="noStrike" cap="none" spc="0" normalizeH="0" baseline="0">
             <a:ln>
               <a:noFill/>
             </a:ln>
@@ -17172,7 +16780,7 @@
           <a:buFontTx/>
           <a:buNone/>
           <a:tabLst/>
-          <a:defRPr b="0" baseline="0" cap="none" i="0" spc="0" strike="noStrike" sz="1800" u="none" kumimoji="0" normalizeH="0">
+          <a:defRPr kumimoji="0" sz="1800" b="0" i="0" u="none" strike="noStrike" cap="none" spc="0" normalizeH="0" baseline="0">
             <a:ln>
               <a:noFill/>
             </a:ln>
@@ -17198,7 +16806,7 @@
           <a:buFontTx/>
           <a:buNone/>
           <a:tabLst/>
-          <a:defRPr b="0" baseline="0" cap="none" i="0" spc="0" strike="noStrike" sz="1800" u="none" kumimoji="0" normalizeH="0">
+          <a:defRPr kumimoji="0" sz="1800" b="0" i="0" u="none" strike="noStrike" cap="none" spc="0" normalizeH="0" baseline="0">
             <a:ln>
               <a:noFill/>
             </a:ln>
@@ -17224,7 +16832,7 @@
           <a:buFontTx/>
           <a:buNone/>
           <a:tabLst/>
-          <a:defRPr b="0" baseline="0" cap="none" i="0" spc="0" strike="noStrike" sz="1800" u="none" kumimoji="0" normalizeH="0">
+          <a:defRPr kumimoji="0" sz="1800" b="0" i="0" u="none" strike="noStrike" cap="none" spc="0" normalizeH="0" baseline="0">
             <a:ln>
               <a:noFill/>
             </a:ln>
@@ -17250,7 +16858,7 @@
           <a:buFontTx/>
           <a:buNone/>
           <a:tabLst/>
-          <a:defRPr b="0" baseline="0" cap="none" i="0" spc="0" strike="noStrike" sz="1800" u="none" kumimoji="0" normalizeH="0">
+          <a:defRPr kumimoji="0" sz="1800" b="0" i="0" u="none" strike="noStrike" cap="none" spc="0" normalizeH="0" baseline="0">
             <a:ln>
               <a:noFill/>
             </a:ln>
@@ -17276,7 +16884,7 @@
           <a:buFontTx/>
           <a:buNone/>
           <a:tabLst/>
-          <a:defRPr b="0" baseline="0" cap="none" i="0" spc="0" strike="noStrike" sz="1800" u="none" kumimoji="0" normalizeH="0">
+          <a:defRPr kumimoji="0" sz="1800" b="0" i="0" u="none" strike="noStrike" cap="none" spc="0" normalizeH="0" baseline="0">
             <a:ln>
               <a:noFill/>
             </a:ln>
@@ -17302,7 +16910,7 @@
           <a:buFontTx/>
           <a:buNone/>
           <a:tabLst/>
-          <a:defRPr b="0" baseline="0" cap="none" i="0" spc="0" strike="noStrike" sz="1800" u="none" kumimoji="0" normalizeH="0">
+          <a:defRPr kumimoji="0" sz="1800" b="0" i="0" u="none" strike="noStrike" cap="none" spc="0" normalizeH="0" baseline="0">
             <a:ln>
               <a:noFill/>
             </a:ln>
@@ -17328,7 +16936,7 @@
           <a:buFontTx/>
           <a:buNone/>
           <a:tabLst/>
-          <a:defRPr b="0" baseline="0" cap="none" i="0" spc="0" strike="noStrike" sz="1800" u="none" kumimoji="0" normalizeH="0">
+          <a:defRPr kumimoji="0" sz="1800" b="0" i="0" u="none" strike="noStrike" cap="none" spc="0" normalizeH="0" baseline="0">
             <a:ln>
               <a:noFill/>
             </a:ln>
@@ -17354,7 +16962,7 @@
           <a:buFontTx/>
           <a:buNone/>
           <a:tabLst/>
-          <a:defRPr b="0" baseline="0" cap="none" i="0" spc="0" strike="noStrike" sz="1800" u="none" kumimoji="0" normalizeH="0">
+          <a:defRPr kumimoji="0" sz="1800" b="0" i="0" u="none" strike="noStrike" cap="none" spc="0" normalizeH="0" baseline="0">
             <a:ln>
               <a:noFill/>
             </a:ln>
@@ -17367,12 +16975,19 @@
         </a:lvl9pPr>
       </a:lstStyle>
       <a:style>
-        <a:lnRef idx="0"/>
-        <a:fillRef idx="0"/>
-        <a:effectRef idx="0"/>
+        <a:lnRef idx="0">
+          <a:scrgbClr r="0" g="0" b="0"/>
+        </a:lnRef>
+        <a:fillRef idx="0">
+          <a:scrgbClr r="0" g="0" b="0"/>
+        </a:fillRef>
+        <a:effectRef idx="0">
+          <a:scrgbClr r="0" g="0" b="0"/>
+        </a:effectRef>
         <a:fontRef idx="none"/>
       </a:style>
     </a:txDef>
   </a:objectDefaults>
+  <a:extraClrSchemeLst/>
 </a:theme>
 </file>